--- a/opencl-intel/devices/mic_device/doc/OpenCL for MIC acrh overview for Runtime.pptx
+++ b/opencl-intel/devices/mic_device/doc/OpenCL for MIC acrh overview for Runtime.pptx
@@ -5,26 +5,27 @@
     <p:sldMasterId id="2147483648" r:id="rId1"/>
   </p:sldMasterIdLst>
   <p:notesMasterIdLst>
-    <p:notesMasterId r:id="rId16"/>
+    <p:notesMasterId r:id="rId17"/>
   </p:notesMasterIdLst>
   <p:handoutMasterIdLst>
-    <p:handoutMasterId r:id="rId17"/>
+    <p:handoutMasterId r:id="rId18"/>
   </p:handoutMasterIdLst>
   <p:sldIdLst>
     <p:sldId id="288" r:id="rId2"/>
     <p:sldId id="402" r:id="rId3"/>
     <p:sldId id="475" r:id="rId4"/>
-    <p:sldId id="484" r:id="rId5"/>
-    <p:sldId id="469" r:id="rId6"/>
-    <p:sldId id="478" r:id="rId7"/>
-    <p:sldId id="476" r:id="rId8"/>
-    <p:sldId id="477" r:id="rId9"/>
-    <p:sldId id="479" r:id="rId10"/>
-    <p:sldId id="480" r:id="rId11"/>
-    <p:sldId id="481" r:id="rId12"/>
-    <p:sldId id="482" r:id="rId13"/>
-    <p:sldId id="483" r:id="rId14"/>
-    <p:sldId id="485" r:id="rId15"/>
+    <p:sldId id="486" r:id="rId5"/>
+    <p:sldId id="484" r:id="rId6"/>
+    <p:sldId id="469" r:id="rId7"/>
+    <p:sldId id="478" r:id="rId8"/>
+    <p:sldId id="476" r:id="rId9"/>
+    <p:sldId id="477" r:id="rId10"/>
+    <p:sldId id="479" r:id="rId11"/>
+    <p:sldId id="480" r:id="rId12"/>
+    <p:sldId id="481" r:id="rId13"/>
+    <p:sldId id="482" r:id="rId14"/>
+    <p:sldId id="483" r:id="rId15"/>
+    <p:sldId id="485" r:id="rId16"/>
   </p:sldIdLst>
   <p:sldSz cx="9144000" cy="6858000" type="screen4x3"/>
   <p:notesSz cx="7150100" cy="9448800"/>
@@ -2575,6 +2576,788 @@
 </file>
 
 <file path=ppt/diagrams/colors4.xml><?xml version="1.0" encoding="utf-8"?>
+<dgm:colorsDef xmlns:dgm="http://schemas.openxmlformats.org/drawingml/2006/diagram" xmlns:a="http://schemas.openxmlformats.org/drawingml/2006/main" uniqueId="urn:microsoft.com/office/officeart/2005/8/colors/colorful2">
+  <dgm:title val=""/>
+  <dgm:desc val=""/>
+  <dgm:catLst>
+    <dgm:cat type="colorful" pri="10200"/>
+  </dgm:catLst>
+  <dgm:styleLbl name="node0">
+    <dgm:fillClrLst meth="repeat">
+      <a:schemeClr val="accent1"/>
+    </dgm:fillClrLst>
+    <dgm:linClrLst meth="repeat">
+      <a:schemeClr val="lt1"/>
+    </dgm:linClrLst>
+    <dgm:effectClrLst/>
+    <dgm:txLinClrLst/>
+    <dgm:txFillClrLst/>
+    <dgm:txEffectClrLst/>
+  </dgm:styleLbl>
+  <dgm:styleLbl name="node1">
+    <dgm:fillClrLst>
+      <a:schemeClr val="accent2"/>
+      <a:schemeClr val="accent3"/>
+    </dgm:fillClrLst>
+    <dgm:linClrLst meth="repeat">
+      <a:schemeClr val="lt1"/>
+    </dgm:linClrLst>
+    <dgm:effectClrLst/>
+    <dgm:txLinClrLst/>
+    <dgm:txFillClrLst/>
+    <dgm:txEffectClrLst/>
+  </dgm:styleLbl>
+  <dgm:styleLbl name="alignNode1">
+    <dgm:fillClrLst>
+      <a:schemeClr val="accent2"/>
+      <a:schemeClr val="accent3"/>
+    </dgm:fillClrLst>
+    <dgm:linClrLst>
+      <a:schemeClr val="accent2"/>
+      <a:schemeClr val="accent3"/>
+    </dgm:linClrLst>
+    <dgm:effectClrLst/>
+    <dgm:txLinClrLst/>
+    <dgm:txFillClrLst/>
+    <dgm:txEffectClrLst/>
+  </dgm:styleLbl>
+  <dgm:styleLbl name="lnNode1">
+    <dgm:fillClrLst>
+      <a:schemeClr val="accent2"/>
+      <a:schemeClr val="accent3"/>
+    </dgm:fillClrLst>
+    <dgm:linClrLst meth="repeat">
+      <a:schemeClr val="lt1"/>
+    </dgm:linClrLst>
+    <dgm:effectClrLst/>
+    <dgm:txLinClrLst/>
+    <dgm:txFillClrLst/>
+    <dgm:txEffectClrLst/>
+  </dgm:styleLbl>
+  <dgm:styleLbl name="vennNode1">
+    <dgm:fillClrLst>
+      <a:schemeClr val="accent2">
+        <a:alpha val="50000"/>
+      </a:schemeClr>
+      <a:schemeClr val="accent3">
+        <a:alpha val="50000"/>
+      </a:schemeClr>
+    </dgm:fillClrLst>
+    <dgm:linClrLst meth="repeat">
+      <a:schemeClr val="lt1"/>
+    </dgm:linClrLst>
+    <dgm:effectClrLst/>
+    <dgm:txLinClrLst/>
+    <dgm:txFillClrLst/>
+    <dgm:txEffectClrLst/>
+  </dgm:styleLbl>
+  <dgm:styleLbl name="node2">
+    <dgm:fillClrLst>
+      <a:schemeClr val="accent3"/>
+    </dgm:fillClrLst>
+    <dgm:linClrLst meth="repeat">
+      <a:schemeClr val="lt1"/>
+    </dgm:linClrLst>
+    <dgm:effectClrLst/>
+    <dgm:txLinClrLst/>
+    <dgm:txFillClrLst/>
+    <dgm:txEffectClrLst/>
+  </dgm:styleLbl>
+  <dgm:styleLbl name="node3">
+    <dgm:fillClrLst>
+      <a:schemeClr val="accent4"/>
+    </dgm:fillClrLst>
+    <dgm:linClrLst meth="repeat">
+      <a:schemeClr val="lt1"/>
+    </dgm:linClrLst>
+    <dgm:effectClrLst/>
+    <dgm:txLinClrLst/>
+    <dgm:txFillClrLst/>
+    <dgm:txEffectClrLst/>
+  </dgm:styleLbl>
+  <dgm:styleLbl name="node4">
+    <dgm:fillClrLst>
+      <a:schemeClr val="accent5"/>
+    </dgm:fillClrLst>
+    <dgm:linClrLst meth="repeat">
+      <a:schemeClr val="lt1"/>
+    </dgm:linClrLst>
+    <dgm:effectClrLst/>
+    <dgm:txLinClrLst/>
+    <dgm:txFillClrLst/>
+    <dgm:txEffectClrLst/>
+  </dgm:styleLbl>
+  <dgm:styleLbl name="fgImgPlace1">
+    <dgm:fillClrLst>
+      <a:schemeClr val="accent2">
+        <a:tint val="50000"/>
+      </a:schemeClr>
+      <a:schemeClr val="accent3">
+        <a:tint val="50000"/>
+      </a:schemeClr>
+    </dgm:fillClrLst>
+    <dgm:linClrLst meth="repeat">
+      <a:schemeClr val="lt1"/>
+    </dgm:linClrLst>
+    <dgm:effectClrLst/>
+    <dgm:txLinClrLst/>
+    <dgm:txFillClrLst meth="repeat">
+      <a:schemeClr val="lt1"/>
+    </dgm:txFillClrLst>
+    <dgm:txEffectClrLst/>
+  </dgm:styleLbl>
+  <dgm:styleLbl name="alignImgPlace1">
+    <dgm:fillClrLst>
+      <a:schemeClr val="accent2">
+        <a:tint val="50000"/>
+      </a:schemeClr>
+      <a:schemeClr val="accent3">
+        <a:tint val="20000"/>
+      </a:schemeClr>
+    </dgm:fillClrLst>
+    <dgm:linClrLst meth="repeat">
+      <a:schemeClr val="lt1"/>
+    </dgm:linClrLst>
+    <dgm:effectClrLst/>
+    <dgm:txLinClrLst/>
+    <dgm:txFillClrLst meth="repeat">
+      <a:schemeClr val="lt1"/>
+    </dgm:txFillClrLst>
+    <dgm:txEffectClrLst/>
+  </dgm:styleLbl>
+  <dgm:styleLbl name="bgImgPlace1">
+    <dgm:fillClrLst>
+      <a:schemeClr val="accent2">
+        <a:tint val="50000"/>
+      </a:schemeClr>
+      <a:schemeClr val="accent3">
+        <a:tint val="20000"/>
+      </a:schemeClr>
+    </dgm:fillClrLst>
+    <dgm:linClrLst meth="repeat">
+      <a:schemeClr val="lt1"/>
+    </dgm:linClrLst>
+    <dgm:effectClrLst/>
+    <dgm:txLinClrLst/>
+    <dgm:txFillClrLst meth="repeat">
+      <a:schemeClr val="lt1"/>
+    </dgm:txFillClrLst>
+    <dgm:txEffectClrLst/>
+  </dgm:styleLbl>
+  <dgm:styleLbl name="sibTrans2D1">
+    <dgm:fillClrLst>
+      <a:schemeClr val="accent2"/>
+      <a:schemeClr val="accent3"/>
+    </dgm:fillClrLst>
+    <dgm:linClrLst meth="repeat">
+      <a:schemeClr val="lt1"/>
+    </dgm:linClrLst>
+    <dgm:effectClrLst/>
+    <dgm:txLinClrLst/>
+    <dgm:txFillClrLst/>
+    <dgm:txEffectClrLst/>
+  </dgm:styleLbl>
+  <dgm:styleLbl name="fgSibTrans2D1">
+    <dgm:fillClrLst>
+      <a:schemeClr val="accent2"/>
+      <a:schemeClr val="accent3"/>
+    </dgm:fillClrLst>
+    <dgm:linClrLst meth="repeat">
+      <a:schemeClr val="lt1"/>
+    </dgm:linClrLst>
+    <dgm:effectClrLst/>
+    <dgm:txLinClrLst/>
+    <dgm:txFillClrLst meth="repeat">
+      <a:schemeClr val="lt1"/>
+    </dgm:txFillClrLst>
+    <dgm:txEffectClrLst/>
+  </dgm:styleLbl>
+  <dgm:styleLbl name="bgSibTrans2D1">
+    <dgm:fillClrLst>
+      <a:schemeClr val="accent2"/>
+      <a:schemeClr val="accent3"/>
+    </dgm:fillClrLst>
+    <dgm:linClrLst meth="repeat">
+      <a:schemeClr val="lt1"/>
+    </dgm:linClrLst>
+    <dgm:effectClrLst/>
+    <dgm:txLinClrLst/>
+    <dgm:txFillClrLst meth="repeat">
+      <a:schemeClr val="lt1"/>
+    </dgm:txFillClrLst>
+    <dgm:txEffectClrLst/>
+  </dgm:styleLbl>
+  <dgm:styleLbl name="sibTrans1D1">
+    <dgm:fillClrLst/>
+    <dgm:linClrLst>
+      <a:schemeClr val="accent2"/>
+      <a:schemeClr val="accent3"/>
+    </dgm:linClrLst>
+    <dgm:effectClrLst/>
+    <dgm:txLinClrLst/>
+    <dgm:txFillClrLst meth="repeat">
+      <a:schemeClr val="tx1"/>
+    </dgm:txFillClrLst>
+    <dgm:txEffectClrLst/>
+  </dgm:styleLbl>
+  <dgm:styleLbl name="callout">
+    <dgm:fillClrLst meth="repeat">
+      <a:schemeClr val="accent2"/>
+    </dgm:fillClrLst>
+    <dgm:linClrLst meth="repeat">
+      <a:schemeClr val="accent2">
+        <a:tint val="50000"/>
+      </a:schemeClr>
+    </dgm:linClrLst>
+    <dgm:effectClrLst/>
+    <dgm:txLinClrLst/>
+    <dgm:txFillClrLst meth="repeat">
+      <a:schemeClr val="tx1"/>
+    </dgm:txFillClrLst>
+    <dgm:txEffectClrLst/>
+  </dgm:styleLbl>
+  <dgm:styleLbl name="asst0">
+    <dgm:fillClrLst meth="repeat">
+      <a:schemeClr val="accent2"/>
+    </dgm:fillClrLst>
+    <dgm:linClrLst meth="repeat">
+      <a:schemeClr val="lt1">
+        <a:shade val="80000"/>
+      </a:schemeClr>
+    </dgm:linClrLst>
+    <dgm:effectClrLst/>
+    <dgm:txLinClrLst/>
+    <dgm:txFillClrLst/>
+    <dgm:txEffectClrLst/>
+  </dgm:styleLbl>
+  <dgm:styleLbl name="asst1">
+    <dgm:fillClrLst meth="repeat">
+      <a:schemeClr val="accent3"/>
+    </dgm:fillClrLst>
+    <dgm:linClrLst meth="repeat">
+      <a:schemeClr val="lt1">
+        <a:shade val="80000"/>
+      </a:schemeClr>
+    </dgm:linClrLst>
+    <dgm:effectClrLst/>
+    <dgm:txLinClrLst/>
+    <dgm:txFillClrLst/>
+    <dgm:txEffectClrLst/>
+  </dgm:styleLbl>
+  <dgm:styleLbl name="asst2">
+    <dgm:fillClrLst>
+      <a:schemeClr val="accent4"/>
+    </dgm:fillClrLst>
+    <dgm:linClrLst meth="repeat">
+      <a:schemeClr val="lt1"/>
+    </dgm:linClrLst>
+    <dgm:effectClrLst/>
+    <dgm:txLinClrLst/>
+    <dgm:txFillClrLst/>
+    <dgm:txEffectClrLst/>
+  </dgm:styleLbl>
+  <dgm:styleLbl name="asst3">
+    <dgm:fillClrLst>
+      <a:schemeClr val="accent5"/>
+    </dgm:fillClrLst>
+    <dgm:linClrLst meth="repeat">
+      <a:schemeClr val="lt1"/>
+    </dgm:linClrLst>
+    <dgm:effectClrLst/>
+    <dgm:txLinClrLst/>
+    <dgm:txFillClrLst/>
+    <dgm:txEffectClrLst/>
+  </dgm:styleLbl>
+  <dgm:styleLbl name="asst4">
+    <dgm:fillClrLst>
+      <a:schemeClr val="accent6"/>
+    </dgm:fillClrLst>
+    <dgm:linClrLst meth="repeat">
+      <a:schemeClr val="lt1"/>
+    </dgm:linClrLst>
+    <dgm:effectClrLst/>
+    <dgm:txLinClrLst/>
+    <dgm:txFillClrLst/>
+    <dgm:txEffectClrLst/>
+  </dgm:styleLbl>
+  <dgm:styleLbl name="parChTrans2D1">
+    <dgm:fillClrLst meth="repeat">
+      <a:schemeClr val="accent2"/>
+    </dgm:fillClrLst>
+    <dgm:linClrLst meth="repeat">
+      <a:schemeClr val="lt1"/>
+    </dgm:linClrLst>
+    <dgm:effectClrLst/>
+    <dgm:txLinClrLst/>
+    <dgm:txFillClrLst meth="repeat">
+      <a:schemeClr val="lt1"/>
+    </dgm:txFillClrLst>
+    <dgm:txEffectClrLst/>
+  </dgm:styleLbl>
+  <dgm:styleLbl name="parChTrans2D2">
+    <dgm:fillClrLst meth="repeat">
+      <a:schemeClr val="accent3"/>
+    </dgm:fillClrLst>
+    <dgm:linClrLst meth="repeat">
+      <a:schemeClr val="lt1"/>
+    </dgm:linClrLst>
+    <dgm:effectClrLst/>
+    <dgm:txLinClrLst/>
+    <dgm:txFillClrLst/>
+    <dgm:txEffectClrLst/>
+  </dgm:styleLbl>
+  <dgm:styleLbl name="parChTrans2D3">
+    <dgm:fillClrLst meth="repeat">
+      <a:schemeClr val="accent4"/>
+    </dgm:fillClrLst>
+    <dgm:linClrLst meth="repeat">
+      <a:schemeClr val="lt1"/>
+    </dgm:linClrLst>
+    <dgm:effectClrLst/>
+    <dgm:txLinClrLst/>
+    <dgm:txFillClrLst/>
+    <dgm:txEffectClrLst/>
+  </dgm:styleLbl>
+  <dgm:styleLbl name="parChTrans2D4">
+    <dgm:fillClrLst meth="repeat">
+      <a:schemeClr val="accent5"/>
+    </dgm:fillClrLst>
+    <dgm:linClrLst meth="repeat">
+      <a:schemeClr val="lt1"/>
+    </dgm:linClrLst>
+    <dgm:effectClrLst/>
+    <dgm:txLinClrLst/>
+    <dgm:txFillClrLst meth="repeat">
+      <a:schemeClr val="lt1"/>
+    </dgm:txFillClrLst>
+    <dgm:txEffectClrLst/>
+  </dgm:styleLbl>
+  <dgm:styleLbl name="parChTrans1D1">
+    <dgm:fillClrLst meth="repeat">
+      <a:schemeClr val="accent2"/>
+    </dgm:fillClrLst>
+    <dgm:linClrLst meth="repeat">
+      <a:schemeClr val="accent2"/>
+    </dgm:linClrLst>
+    <dgm:effectClrLst/>
+    <dgm:txLinClrLst/>
+    <dgm:txFillClrLst meth="repeat">
+      <a:schemeClr val="tx1"/>
+    </dgm:txFillClrLst>
+    <dgm:txEffectClrLst/>
+  </dgm:styleLbl>
+  <dgm:styleLbl name="parChTrans1D2">
+    <dgm:fillClrLst meth="repeat">
+      <a:schemeClr val="accent2">
+        <a:tint val="90000"/>
+      </a:schemeClr>
+    </dgm:fillClrLst>
+    <dgm:linClrLst meth="repeat">
+      <a:schemeClr val="accent3"/>
+    </dgm:linClrLst>
+    <dgm:effectClrLst/>
+    <dgm:txLinClrLst/>
+    <dgm:txFillClrLst meth="repeat">
+      <a:schemeClr val="tx1"/>
+    </dgm:txFillClrLst>
+    <dgm:txEffectClrLst/>
+  </dgm:styleLbl>
+  <dgm:styleLbl name="parChTrans1D3">
+    <dgm:fillClrLst meth="repeat">
+      <a:schemeClr val="accent2">
+        <a:tint val="70000"/>
+      </a:schemeClr>
+    </dgm:fillClrLst>
+    <dgm:linClrLst meth="repeat">
+      <a:schemeClr val="accent4"/>
+    </dgm:linClrLst>
+    <dgm:effectClrLst/>
+    <dgm:txLinClrLst/>
+    <dgm:txFillClrLst meth="repeat">
+      <a:schemeClr val="tx1"/>
+    </dgm:txFillClrLst>
+    <dgm:txEffectClrLst/>
+  </dgm:styleLbl>
+  <dgm:styleLbl name="parChTrans1D4">
+    <dgm:fillClrLst meth="repeat">
+      <a:schemeClr val="accent2">
+        <a:tint val="50000"/>
+      </a:schemeClr>
+    </dgm:fillClrLst>
+    <dgm:linClrLst meth="repeat">
+      <a:schemeClr val="accent5"/>
+    </dgm:linClrLst>
+    <dgm:effectClrLst/>
+    <dgm:txLinClrLst/>
+    <dgm:txFillClrLst meth="repeat">
+      <a:schemeClr val="tx1"/>
+    </dgm:txFillClrLst>
+    <dgm:txEffectClrLst/>
+  </dgm:styleLbl>
+  <dgm:styleLbl name="fgAcc1">
+    <dgm:fillClrLst meth="repeat">
+      <a:schemeClr val="lt1">
+        <a:alpha val="90000"/>
+      </a:schemeClr>
+    </dgm:fillClrLst>
+    <dgm:linClrLst>
+      <a:schemeClr val="accent2"/>
+      <a:schemeClr val="accent3"/>
+    </dgm:linClrLst>
+    <dgm:effectClrLst/>
+    <dgm:txLinClrLst/>
+    <dgm:txFillClrLst meth="repeat">
+      <a:schemeClr val="dk1"/>
+    </dgm:txFillClrLst>
+    <dgm:txEffectClrLst/>
+  </dgm:styleLbl>
+  <dgm:styleLbl name="conFgAcc1">
+    <dgm:fillClrLst meth="repeat">
+      <a:schemeClr val="lt1">
+        <a:alpha val="90000"/>
+      </a:schemeClr>
+    </dgm:fillClrLst>
+    <dgm:linClrLst>
+      <a:schemeClr val="accent2"/>
+      <a:schemeClr val="accent3"/>
+    </dgm:linClrLst>
+    <dgm:effectClrLst/>
+    <dgm:txLinClrLst/>
+    <dgm:txFillClrLst meth="repeat">
+      <a:schemeClr val="dk1"/>
+    </dgm:txFillClrLst>
+    <dgm:txEffectClrLst/>
+  </dgm:styleLbl>
+  <dgm:styleLbl name="alignAcc1">
+    <dgm:fillClrLst meth="repeat">
+      <a:schemeClr val="lt1">
+        <a:alpha val="90000"/>
+      </a:schemeClr>
+    </dgm:fillClrLst>
+    <dgm:linClrLst>
+      <a:schemeClr val="accent2"/>
+      <a:schemeClr val="accent3"/>
+    </dgm:linClrLst>
+    <dgm:effectClrLst/>
+    <dgm:txLinClrLst/>
+    <dgm:txFillClrLst meth="repeat">
+      <a:schemeClr val="dk1"/>
+    </dgm:txFillClrLst>
+    <dgm:txEffectClrLst/>
+  </dgm:styleLbl>
+  <dgm:styleLbl name="trAlignAcc1">
+    <dgm:fillClrLst meth="repeat">
+      <a:schemeClr val="lt1">
+        <a:alpha val="40000"/>
+      </a:schemeClr>
+    </dgm:fillClrLst>
+    <dgm:linClrLst meth="repeat">
+      <a:schemeClr val="accent2"/>
+    </dgm:linClrLst>
+    <dgm:effectClrLst/>
+    <dgm:txLinClrLst/>
+    <dgm:txFillClrLst meth="repeat">
+      <a:schemeClr val="dk1"/>
+    </dgm:txFillClrLst>
+    <dgm:txEffectClrLst/>
+  </dgm:styleLbl>
+  <dgm:styleLbl name="bgAcc1">
+    <dgm:fillClrLst meth="repeat">
+      <a:schemeClr val="lt1">
+        <a:alpha val="90000"/>
+      </a:schemeClr>
+    </dgm:fillClrLst>
+    <dgm:linClrLst>
+      <a:schemeClr val="accent2"/>
+      <a:schemeClr val="accent3"/>
+    </dgm:linClrLst>
+    <dgm:effectClrLst/>
+    <dgm:txLinClrLst/>
+    <dgm:txFillClrLst meth="repeat">
+      <a:schemeClr val="dk1"/>
+    </dgm:txFillClrLst>
+    <dgm:txEffectClrLst/>
+  </dgm:styleLbl>
+  <dgm:styleLbl name="solidFgAcc1">
+    <dgm:fillClrLst meth="repeat">
+      <a:schemeClr val="lt1"/>
+    </dgm:fillClrLst>
+    <dgm:linClrLst>
+      <a:schemeClr val="accent2"/>
+      <a:schemeClr val="accent3"/>
+    </dgm:linClrLst>
+    <dgm:effectClrLst/>
+    <dgm:txLinClrLst/>
+    <dgm:txFillClrLst meth="repeat">
+      <a:schemeClr val="dk1"/>
+    </dgm:txFillClrLst>
+    <dgm:txEffectClrLst/>
+  </dgm:styleLbl>
+  <dgm:styleLbl name="solidAlignAcc1">
+    <dgm:fillClrLst meth="repeat">
+      <a:schemeClr val="lt1"/>
+    </dgm:fillClrLst>
+    <dgm:linClrLst>
+      <a:schemeClr val="accent2"/>
+      <a:schemeClr val="accent3"/>
+    </dgm:linClrLst>
+    <dgm:effectClrLst/>
+    <dgm:txLinClrLst/>
+    <dgm:txFillClrLst meth="repeat">
+      <a:schemeClr val="dk1"/>
+    </dgm:txFillClrLst>
+    <dgm:txEffectClrLst/>
+  </dgm:styleLbl>
+  <dgm:styleLbl name="solidBgAcc1">
+    <dgm:fillClrLst meth="repeat">
+      <a:schemeClr val="lt1"/>
+    </dgm:fillClrLst>
+    <dgm:linClrLst>
+      <a:schemeClr val="accent2"/>
+      <a:schemeClr val="accent3"/>
+    </dgm:linClrLst>
+    <dgm:effectClrLst/>
+    <dgm:txLinClrLst/>
+    <dgm:txFillClrLst meth="repeat">
+      <a:schemeClr val="dk1"/>
+    </dgm:txFillClrLst>
+    <dgm:txEffectClrLst/>
+  </dgm:styleLbl>
+  <dgm:styleLbl name="fgAccFollowNode1">
+    <dgm:fillClrLst>
+      <a:schemeClr val="accent2">
+        <a:tint val="40000"/>
+        <a:alpha val="90000"/>
+      </a:schemeClr>
+      <a:schemeClr val="accent3">
+        <a:tint val="40000"/>
+        <a:alpha val="90000"/>
+      </a:schemeClr>
+    </dgm:fillClrLst>
+    <dgm:linClrLst>
+      <a:schemeClr val="accent2">
+        <a:tint val="40000"/>
+        <a:alpha val="90000"/>
+      </a:schemeClr>
+      <a:schemeClr val="accent3">
+        <a:tint val="40000"/>
+        <a:alpha val="90000"/>
+      </a:schemeClr>
+    </dgm:linClrLst>
+    <dgm:effectClrLst/>
+    <dgm:txLinClrLst/>
+    <dgm:txFillClrLst meth="repeat">
+      <a:schemeClr val="dk1"/>
+    </dgm:txFillClrLst>
+    <dgm:txEffectClrLst/>
+  </dgm:styleLbl>
+  <dgm:styleLbl name="alignAccFollowNode1">
+    <dgm:fillClrLst>
+      <a:schemeClr val="accent2">
+        <a:tint val="40000"/>
+        <a:alpha val="90000"/>
+      </a:schemeClr>
+      <a:schemeClr val="accent3">
+        <a:tint val="40000"/>
+        <a:alpha val="90000"/>
+      </a:schemeClr>
+    </dgm:fillClrLst>
+    <dgm:linClrLst>
+      <a:schemeClr val="accent2">
+        <a:tint val="40000"/>
+        <a:alpha val="90000"/>
+      </a:schemeClr>
+      <a:schemeClr val="accent3">
+        <a:tint val="40000"/>
+        <a:alpha val="90000"/>
+      </a:schemeClr>
+    </dgm:linClrLst>
+    <dgm:effectClrLst/>
+    <dgm:txLinClrLst/>
+    <dgm:txFillClrLst meth="repeat">
+      <a:schemeClr val="dk1"/>
+    </dgm:txFillClrLst>
+    <dgm:txEffectClrLst/>
+  </dgm:styleLbl>
+  <dgm:styleLbl name="bgAccFollowNode1">
+    <dgm:fillClrLst>
+      <a:schemeClr val="accent2">
+        <a:tint val="40000"/>
+        <a:alpha val="90000"/>
+      </a:schemeClr>
+      <a:schemeClr val="accent3">
+        <a:tint val="40000"/>
+        <a:alpha val="90000"/>
+      </a:schemeClr>
+    </dgm:fillClrLst>
+    <dgm:linClrLst>
+      <a:schemeClr val="accent2">
+        <a:tint val="40000"/>
+        <a:alpha val="90000"/>
+      </a:schemeClr>
+      <a:schemeClr val="accent3">
+        <a:tint val="40000"/>
+        <a:alpha val="90000"/>
+      </a:schemeClr>
+    </dgm:linClrLst>
+    <dgm:effectClrLst/>
+    <dgm:txLinClrLst/>
+    <dgm:txFillClrLst meth="repeat">
+      <a:schemeClr val="dk1"/>
+    </dgm:txFillClrLst>
+    <dgm:txEffectClrLst/>
+  </dgm:styleLbl>
+  <dgm:styleLbl name="fgAcc0">
+    <dgm:fillClrLst meth="repeat">
+      <a:schemeClr val="lt1">
+        <a:alpha val="90000"/>
+      </a:schemeClr>
+    </dgm:fillClrLst>
+    <dgm:linClrLst>
+      <a:schemeClr val="accent1"/>
+    </dgm:linClrLst>
+    <dgm:effectClrLst/>
+    <dgm:txLinClrLst/>
+    <dgm:txFillClrLst meth="repeat">
+      <a:schemeClr val="dk1"/>
+    </dgm:txFillClrLst>
+    <dgm:txEffectClrLst/>
+  </dgm:styleLbl>
+  <dgm:styleLbl name="fgAcc2">
+    <dgm:fillClrLst meth="repeat">
+      <a:schemeClr val="lt1">
+        <a:alpha val="90000"/>
+      </a:schemeClr>
+    </dgm:fillClrLst>
+    <dgm:linClrLst>
+      <a:schemeClr val="accent3"/>
+    </dgm:linClrLst>
+    <dgm:effectClrLst/>
+    <dgm:txLinClrLst/>
+    <dgm:txFillClrLst meth="repeat">
+      <a:schemeClr val="dk1"/>
+    </dgm:txFillClrLst>
+    <dgm:txEffectClrLst/>
+  </dgm:styleLbl>
+  <dgm:styleLbl name="fgAcc3">
+    <dgm:fillClrLst meth="repeat">
+      <a:schemeClr val="lt1">
+        <a:alpha val="90000"/>
+      </a:schemeClr>
+    </dgm:fillClrLst>
+    <dgm:linClrLst>
+      <a:schemeClr val="accent4"/>
+    </dgm:linClrLst>
+    <dgm:effectClrLst/>
+    <dgm:txLinClrLst/>
+    <dgm:txFillClrLst meth="repeat">
+      <a:schemeClr val="dk1"/>
+    </dgm:txFillClrLst>
+    <dgm:txEffectClrLst/>
+  </dgm:styleLbl>
+  <dgm:styleLbl name="fgAcc4">
+    <dgm:fillClrLst meth="repeat">
+      <a:schemeClr val="lt1">
+        <a:alpha val="90000"/>
+      </a:schemeClr>
+    </dgm:fillClrLst>
+    <dgm:linClrLst>
+      <a:schemeClr val="accent5"/>
+    </dgm:linClrLst>
+    <dgm:effectClrLst/>
+    <dgm:txLinClrLst/>
+    <dgm:txFillClrLst meth="repeat">
+      <a:schemeClr val="dk1"/>
+    </dgm:txFillClrLst>
+    <dgm:txEffectClrLst/>
+  </dgm:styleLbl>
+  <dgm:styleLbl name="bgShp">
+    <dgm:fillClrLst meth="repeat">
+      <a:schemeClr val="accent2">
+        <a:tint val="40000"/>
+      </a:schemeClr>
+    </dgm:fillClrLst>
+    <dgm:linClrLst meth="repeat">
+      <a:schemeClr val="dk1"/>
+    </dgm:linClrLst>
+    <dgm:effectClrLst/>
+    <dgm:txLinClrLst/>
+    <dgm:txFillClrLst meth="repeat">
+      <a:schemeClr val="dk1"/>
+    </dgm:txFillClrLst>
+    <dgm:txEffectClrLst/>
+  </dgm:styleLbl>
+  <dgm:styleLbl name="dkBgShp">
+    <dgm:fillClrLst meth="repeat">
+      <a:schemeClr val="accent2">
+        <a:shade val="90000"/>
+      </a:schemeClr>
+    </dgm:fillClrLst>
+    <dgm:linClrLst meth="repeat">
+      <a:schemeClr val="dk1"/>
+    </dgm:linClrLst>
+    <dgm:effectClrLst/>
+    <dgm:txLinClrLst/>
+    <dgm:txFillClrLst meth="repeat">
+      <a:schemeClr val="lt1"/>
+    </dgm:txFillClrLst>
+    <dgm:txEffectClrLst/>
+  </dgm:styleLbl>
+  <dgm:styleLbl name="trBgShp">
+    <dgm:fillClrLst meth="repeat">
+      <a:schemeClr val="accent2">
+        <a:tint val="50000"/>
+        <a:alpha val="40000"/>
+      </a:schemeClr>
+    </dgm:fillClrLst>
+    <dgm:linClrLst meth="repeat">
+      <a:schemeClr val="accent2"/>
+    </dgm:linClrLst>
+    <dgm:effectClrLst/>
+    <dgm:txLinClrLst/>
+    <dgm:txFillClrLst meth="repeat">
+      <a:schemeClr val="lt1"/>
+    </dgm:txFillClrLst>
+    <dgm:txEffectClrLst/>
+  </dgm:styleLbl>
+  <dgm:styleLbl name="fgShp">
+    <dgm:fillClrLst meth="repeat">
+      <a:schemeClr val="accent2">
+        <a:tint val="40000"/>
+      </a:schemeClr>
+    </dgm:fillClrLst>
+    <dgm:linClrLst meth="repeat">
+      <a:schemeClr val="lt1"/>
+    </dgm:linClrLst>
+    <dgm:effectClrLst/>
+    <dgm:txLinClrLst/>
+    <dgm:txFillClrLst meth="repeat">
+      <a:schemeClr val="dk1"/>
+    </dgm:txFillClrLst>
+    <dgm:txEffectClrLst/>
+  </dgm:styleLbl>
+  <dgm:styleLbl name="revTx">
+    <dgm:fillClrLst meth="repeat">
+      <a:schemeClr val="lt1">
+        <a:alpha val="0"/>
+      </a:schemeClr>
+    </dgm:fillClrLst>
+    <dgm:linClrLst meth="repeat">
+      <a:schemeClr val="dk1">
+        <a:alpha val="0"/>
+      </a:schemeClr>
+    </dgm:linClrLst>
+    <dgm:effectClrLst/>
+    <dgm:txLinClrLst/>
+    <dgm:txFillClrLst meth="repeat">
+      <a:schemeClr val="tx1"/>
+    </dgm:txFillClrLst>
+    <dgm:txEffectClrLst/>
+  </dgm:styleLbl>
+</dgm:colorsDef>
+</file>
+
+<file path=ppt/diagrams/colors5.xml><?xml version="1.0" encoding="utf-8"?>
 <dgm:colorsDef xmlns:dgm="http://schemas.openxmlformats.org/drawingml/2006/diagram" xmlns:a="http://schemas.openxmlformats.org/drawingml/2006/main" uniqueId="urn:microsoft.com/office/officeart/2005/8/colors/accent2_2">
   <dgm:title val=""/>
   <dgm:desc val=""/>
@@ -3322,6 +4105,775 @@
 </file>
 
 <file path=ppt/diagrams/data1.xml><?xml version="1.0" encoding="utf-8"?>
+<dgm:dataModel xmlns:dgm="http://schemas.openxmlformats.org/drawingml/2006/diagram" xmlns:a="http://schemas.openxmlformats.org/drawingml/2006/main">
+  <dgm:ptLst>
+    <dgm:pt modelId="{7E856A95-8078-4C09-99F3-953DB1D6FE9C}" type="doc">
+      <dgm:prSet loTypeId="urn:microsoft.com/office/officeart/2005/8/layout/vList2" loCatId="list" qsTypeId="urn:microsoft.com/office/officeart/2005/8/quickstyle/simple1" qsCatId="simple" csTypeId="urn:microsoft.com/office/officeart/2005/8/colors/colorful2" csCatId="colorful"/>
+      <dgm:spPr/>
+      <dgm:t>
+        <a:bodyPr/>
+        <a:lstStyle/>
+        <a:p>
+          <a:endParaRPr lang="en-US"/>
+        </a:p>
+      </dgm:t>
+    </dgm:pt>
+    <dgm:pt modelId="{93BBE3DA-80D1-40A4-81B4-CA029CA8B016}">
+      <dgm:prSet/>
+      <dgm:spPr/>
+      <dgm:t>
+        <a:bodyPr/>
+        <a:lstStyle/>
+        <a:p>
+          <a:pPr rtl="0"/>
+          <a:r>
+            <a:rPr lang="en-US" smtClean="0"/>
+            <a:t>OpenCL Runtime</a:t>
+          </a:r>
+          <a:endParaRPr lang="en-US"/>
+        </a:p>
+      </dgm:t>
+    </dgm:pt>
+    <dgm:pt modelId="{5EA1E272-BCE9-4A6A-A3FC-8E97B94160B5}" type="parTrans" cxnId="{1941967A-F424-45A9-8E6D-9A109CB55C6E}">
+      <dgm:prSet/>
+      <dgm:spPr/>
+      <dgm:t>
+        <a:bodyPr/>
+        <a:lstStyle/>
+        <a:p>
+          <a:endParaRPr lang="en-US"/>
+        </a:p>
+      </dgm:t>
+    </dgm:pt>
+    <dgm:pt modelId="{BB4E80D6-7F9D-4643-BCAD-DA4B42F22B6B}" type="sibTrans" cxnId="{1941967A-F424-45A9-8E6D-9A109CB55C6E}">
+      <dgm:prSet/>
+      <dgm:spPr/>
+      <dgm:t>
+        <a:bodyPr/>
+        <a:lstStyle/>
+        <a:p>
+          <a:endParaRPr lang="en-US"/>
+        </a:p>
+      </dgm:t>
+    </dgm:pt>
+    <dgm:pt modelId="{2D873404-7776-4D02-A4C5-42C504C59EE7}">
+      <dgm:prSet/>
+      <dgm:spPr/>
+      <dgm:t>
+        <a:bodyPr/>
+        <a:lstStyle/>
+        <a:p>
+          <a:pPr rtl="0"/>
+          <a:r>
+            <a:rPr lang="en-US" smtClean="0"/>
+            <a:t>OpenCL API implementation – Runtime API, OpenCL C language </a:t>
+          </a:r>
+          <a:endParaRPr lang="en-US"/>
+        </a:p>
+      </dgm:t>
+    </dgm:pt>
+    <dgm:pt modelId="{47B918E1-17FC-443A-9E5C-5B2DA4E5FD18}" type="parTrans" cxnId="{D1FA9B97-E3BC-477B-BCC7-EE4E2F5A20FB}">
+      <dgm:prSet/>
+      <dgm:spPr/>
+      <dgm:t>
+        <a:bodyPr/>
+        <a:lstStyle/>
+        <a:p>
+          <a:endParaRPr lang="en-US"/>
+        </a:p>
+      </dgm:t>
+    </dgm:pt>
+    <dgm:pt modelId="{15D47BFB-187B-447F-BBAD-BCC582B5587D}" type="sibTrans" cxnId="{D1FA9B97-E3BC-477B-BCC7-EE4E2F5A20FB}">
+      <dgm:prSet/>
+      <dgm:spPr/>
+      <dgm:t>
+        <a:bodyPr/>
+        <a:lstStyle/>
+        <a:p>
+          <a:endParaRPr lang="en-US"/>
+        </a:p>
+      </dgm:t>
+    </dgm:pt>
+    <dgm:pt modelId="{3F4619A0-4CBF-44F8-BD55-30AFDC297CC5}">
+      <dgm:prSet/>
+      <dgm:spPr/>
+      <dgm:t>
+        <a:bodyPr/>
+        <a:lstStyle/>
+        <a:p>
+          <a:pPr rtl="0"/>
+          <a:r>
+            <a:rPr lang="en-US" smtClean="0"/>
+            <a:t>MIC Backend </a:t>
+          </a:r>
+          <a:endParaRPr lang="en-US"/>
+        </a:p>
+      </dgm:t>
+    </dgm:pt>
+    <dgm:pt modelId="{103E48E7-13E7-4B2D-A068-CB6BB1CC9468}" type="parTrans" cxnId="{81EC6BF4-D945-483C-AF27-9319B0F854EC}">
+      <dgm:prSet/>
+      <dgm:spPr/>
+      <dgm:t>
+        <a:bodyPr/>
+        <a:lstStyle/>
+        <a:p>
+          <a:endParaRPr lang="en-US"/>
+        </a:p>
+      </dgm:t>
+    </dgm:pt>
+    <dgm:pt modelId="{83E9AD44-6C03-493E-BD6B-E2BBE53096D3}" type="sibTrans" cxnId="{81EC6BF4-D945-483C-AF27-9319B0F854EC}">
+      <dgm:prSet/>
+      <dgm:spPr/>
+      <dgm:t>
+        <a:bodyPr/>
+        <a:lstStyle/>
+        <a:p>
+          <a:endParaRPr lang="en-US"/>
+        </a:p>
+      </dgm:t>
+    </dgm:pt>
+    <dgm:pt modelId="{7D5660B4-35C6-4D11-8CEA-A7F2C3DAA393}">
+      <dgm:prSet/>
+      <dgm:spPr/>
+      <dgm:t>
+        <a:bodyPr/>
+        <a:lstStyle/>
+        <a:p>
+          <a:pPr rtl="0"/>
+          <a:r>
+            <a:rPr lang="en-US" smtClean="0"/>
+            <a:t>Host part – device-specific kernels optimizations and code generation </a:t>
+          </a:r>
+          <a:endParaRPr lang="en-US"/>
+        </a:p>
+      </dgm:t>
+    </dgm:pt>
+    <dgm:pt modelId="{EF6C1158-A0F3-464E-97AD-FEBBDD41F56A}" type="parTrans" cxnId="{3FE0542F-3717-4395-A7CC-A30E9ADD8FE4}">
+      <dgm:prSet/>
+      <dgm:spPr/>
+      <dgm:t>
+        <a:bodyPr/>
+        <a:lstStyle/>
+        <a:p>
+          <a:endParaRPr lang="en-US"/>
+        </a:p>
+      </dgm:t>
+    </dgm:pt>
+    <dgm:pt modelId="{5A1BC26F-142C-4B13-A023-1C55AFBBC7D0}" type="sibTrans" cxnId="{3FE0542F-3717-4395-A7CC-A30E9ADD8FE4}">
+      <dgm:prSet/>
+      <dgm:spPr/>
+      <dgm:t>
+        <a:bodyPr/>
+        <a:lstStyle/>
+        <a:p>
+          <a:endParaRPr lang="en-US"/>
+        </a:p>
+      </dgm:t>
+    </dgm:pt>
+    <dgm:pt modelId="{093E5330-0525-4809-863C-759B790520BB}">
+      <dgm:prSet/>
+      <dgm:spPr/>
+      <dgm:t>
+        <a:bodyPr/>
+        <a:lstStyle/>
+        <a:p>
+          <a:pPr rtl="0"/>
+          <a:r>
+            <a:rPr lang="en-US" smtClean="0"/>
+            <a:t>Device part – single WorkGroup kernel execution maintenance</a:t>
+          </a:r>
+          <a:endParaRPr lang="en-US"/>
+        </a:p>
+      </dgm:t>
+    </dgm:pt>
+    <dgm:pt modelId="{AF4F1807-773A-4715-9E64-1004AC14723B}" type="parTrans" cxnId="{B1824BF2-516D-4FE6-BFB8-7C1B3E3DDC1B}">
+      <dgm:prSet/>
+      <dgm:spPr/>
+      <dgm:t>
+        <a:bodyPr/>
+        <a:lstStyle/>
+        <a:p>
+          <a:endParaRPr lang="en-US"/>
+        </a:p>
+      </dgm:t>
+    </dgm:pt>
+    <dgm:pt modelId="{CE693307-9D53-4E03-B1C8-9FC1A02E125D}" type="sibTrans" cxnId="{B1824BF2-516D-4FE6-BFB8-7C1B3E3DDC1B}">
+      <dgm:prSet/>
+      <dgm:spPr/>
+      <dgm:t>
+        <a:bodyPr/>
+        <a:lstStyle/>
+        <a:p>
+          <a:endParaRPr lang="en-US"/>
+        </a:p>
+      </dgm:t>
+    </dgm:pt>
+    <dgm:pt modelId="{3000F6F2-4B04-4889-80EA-D38A2E8521BD}">
+      <dgm:prSet/>
+      <dgm:spPr/>
+      <dgm:t>
+        <a:bodyPr/>
+        <a:lstStyle/>
+        <a:p>
+          <a:pPr rtl="0"/>
+          <a:r>
+            <a:rPr lang="en-US" smtClean="0"/>
+            <a:t>COI</a:t>
+          </a:r>
+          <a:endParaRPr lang="en-US"/>
+        </a:p>
+      </dgm:t>
+    </dgm:pt>
+    <dgm:pt modelId="{38DB03A2-69AA-4F31-BA49-B703F8A9F664}" type="parTrans" cxnId="{9D9E37B1-772C-4738-A52C-79E86B17A47E}">
+      <dgm:prSet/>
+      <dgm:spPr/>
+      <dgm:t>
+        <a:bodyPr/>
+        <a:lstStyle/>
+        <a:p>
+          <a:endParaRPr lang="en-US"/>
+        </a:p>
+      </dgm:t>
+    </dgm:pt>
+    <dgm:pt modelId="{5E1F1E7A-47DF-4C1D-960F-BB9BD70D450C}" type="sibTrans" cxnId="{9D9E37B1-772C-4738-A52C-79E86B17A47E}">
+      <dgm:prSet/>
+      <dgm:spPr/>
+      <dgm:t>
+        <a:bodyPr/>
+        <a:lstStyle/>
+        <a:p>
+          <a:endParaRPr lang="en-US"/>
+        </a:p>
+      </dgm:t>
+    </dgm:pt>
+    <dgm:pt modelId="{A336D4F4-ACE0-48A5-867A-C086384855D1}">
+      <dgm:prSet/>
+      <dgm:spPr/>
+      <dgm:t>
+        <a:bodyPr/>
+        <a:lstStyle/>
+        <a:p>
+          <a:pPr rtl="0"/>
+          <a:r>
+            <a:rPr lang="en-US" smtClean="0"/>
+            <a:t>Low level device memory management </a:t>
+          </a:r>
+          <a:endParaRPr lang="en-US"/>
+        </a:p>
+      </dgm:t>
+    </dgm:pt>
+    <dgm:pt modelId="{D2549501-651E-4B18-82FE-9908F19EAF32}" type="parTrans" cxnId="{E0DD7CF7-0193-4AC1-B576-867C8FA7A0E3}">
+      <dgm:prSet/>
+      <dgm:spPr/>
+      <dgm:t>
+        <a:bodyPr/>
+        <a:lstStyle/>
+        <a:p>
+          <a:endParaRPr lang="en-US"/>
+        </a:p>
+      </dgm:t>
+    </dgm:pt>
+    <dgm:pt modelId="{7962AD36-1626-4F1B-A798-756E70853CCF}" type="sibTrans" cxnId="{E0DD7CF7-0193-4AC1-B576-867C8FA7A0E3}">
+      <dgm:prSet/>
+      <dgm:spPr/>
+      <dgm:t>
+        <a:bodyPr/>
+        <a:lstStyle/>
+        <a:p>
+          <a:endParaRPr lang="en-US"/>
+        </a:p>
+      </dgm:t>
+    </dgm:pt>
+    <dgm:pt modelId="{C1E78916-68B9-4988-85C9-D5621EEE887F}">
+      <dgm:prSet/>
+      <dgm:spPr/>
+      <dgm:t>
+        <a:bodyPr/>
+        <a:lstStyle/>
+        <a:p>
+          <a:pPr rtl="0"/>
+          <a:r>
+            <a:rPr lang="en-US" smtClean="0"/>
+            <a:t>Device process management </a:t>
+          </a:r>
+          <a:endParaRPr lang="en-US"/>
+        </a:p>
+      </dgm:t>
+    </dgm:pt>
+    <dgm:pt modelId="{7EAA05C9-62A8-419F-9B19-B5FD1E28814D}" type="parTrans" cxnId="{EAAD0289-DCCD-4377-A26A-76101529A5A6}">
+      <dgm:prSet/>
+      <dgm:spPr/>
+      <dgm:t>
+        <a:bodyPr/>
+        <a:lstStyle/>
+        <a:p>
+          <a:endParaRPr lang="en-US"/>
+        </a:p>
+      </dgm:t>
+    </dgm:pt>
+    <dgm:pt modelId="{F6D416D6-85CF-41EF-830A-A00421664D3C}" type="sibTrans" cxnId="{EAAD0289-DCCD-4377-A26A-76101529A5A6}">
+      <dgm:prSet/>
+      <dgm:spPr/>
+      <dgm:t>
+        <a:bodyPr/>
+        <a:lstStyle/>
+        <a:p>
+          <a:endParaRPr lang="en-US"/>
+        </a:p>
+      </dgm:t>
+    </dgm:pt>
+    <dgm:pt modelId="{6F701F29-7632-4A32-9A28-9ECA99C5E7BB}">
+      <dgm:prSet/>
+      <dgm:spPr/>
+      <dgm:t>
+        <a:bodyPr/>
+        <a:lstStyle/>
+        <a:p>
+          <a:pPr rtl="0"/>
+          <a:r>
+            <a:rPr lang="en-US" smtClean="0"/>
+            <a:t>Pipelining execution requests to device</a:t>
+          </a:r>
+          <a:endParaRPr lang="en-US"/>
+        </a:p>
+      </dgm:t>
+    </dgm:pt>
+    <dgm:pt modelId="{C804FD59-19F7-4A7E-9CCC-6C9D63A1340E}" type="parTrans" cxnId="{265D9B08-304C-44D8-B15B-5D5F2D1AB28A}">
+      <dgm:prSet/>
+      <dgm:spPr/>
+      <dgm:t>
+        <a:bodyPr/>
+        <a:lstStyle/>
+        <a:p>
+          <a:endParaRPr lang="en-US"/>
+        </a:p>
+      </dgm:t>
+    </dgm:pt>
+    <dgm:pt modelId="{DC62AEDC-78F8-471E-9E2D-15869FBFD2C0}" type="sibTrans" cxnId="{265D9B08-304C-44D8-B15B-5D5F2D1AB28A}">
+      <dgm:prSet/>
+      <dgm:spPr/>
+      <dgm:t>
+        <a:bodyPr/>
+        <a:lstStyle/>
+        <a:p>
+          <a:endParaRPr lang="en-US"/>
+        </a:p>
+      </dgm:t>
+    </dgm:pt>
+    <dgm:pt modelId="{AC2438CB-0DA6-463D-946D-46439A40F69C}">
+      <dgm:prSet/>
+      <dgm:spPr/>
+      <dgm:t>
+        <a:bodyPr/>
+        <a:lstStyle/>
+        <a:p>
+          <a:pPr rtl="0"/>
+          <a:r>
+            <a:rPr lang="en-US" smtClean="0"/>
+            <a:t>Cross-PCI communication</a:t>
+          </a:r>
+          <a:endParaRPr lang="en-US"/>
+        </a:p>
+      </dgm:t>
+    </dgm:pt>
+    <dgm:pt modelId="{190CC8EA-24AB-46D8-BB1E-48B9E8BC21C0}" type="parTrans" cxnId="{50DCD06B-C100-4EC6-8438-C49046ACEAC5}">
+      <dgm:prSet/>
+      <dgm:spPr/>
+      <dgm:t>
+        <a:bodyPr/>
+        <a:lstStyle/>
+        <a:p>
+          <a:endParaRPr lang="en-US"/>
+        </a:p>
+      </dgm:t>
+    </dgm:pt>
+    <dgm:pt modelId="{94A12BBF-549C-43AA-B266-3A8002FB4F82}" type="sibTrans" cxnId="{50DCD06B-C100-4EC6-8438-C49046ACEAC5}">
+      <dgm:prSet/>
+      <dgm:spPr/>
+      <dgm:t>
+        <a:bodyPr/>
+        <a:lstStyle/>
+        <a:p>
+          <a:endParaRPr lang="en-US"/>
+        </a:p>
+      </dgm:t>
+    </dgm:pt>
+    <dgm:pt modelId="{0EC223C9-DCB6-49F6-A0F0-F80DB62DDB3D}">
+      <dgm:prSet/>
+      <dgm:spPr/>
+      <dgm:t>
+        <a:bodyPr/>
+        <a:lstStyle/>
+        <a:p>
+          <a:pPr rtl="0"/>
+          <a:r>
+            <a:rPr lang="en-US" smtClean="0"/>
+            <a:t>TBB</a:t>
+          </a:r>
+          <a:endParaRPr lang="en-US"/>
+        </a:p>
+      </dgm:t>
+    </dgm:pt>
+    <dgm:pt modelId="{EFD5CD5A-10BA-41E3-B598-D4197B7E2ED3}" type="parTrans" cxnId="{ADF6C1F2-1070-4D24-A99F-73B650FBCCBE}">
+      <dgm:prSet/>
+      <dgm:spPr/>
+      <dgm:t>
+        <a:bodyPr/>
+        <a:lstStyle/>
+        <a:p>
+          <a:endParaRPr lang="en-US"/>
+        </a:p>
+      </dgm:t>
+    </dgm:pt>
+    <dgm:pt modelId="{8EF9776C-FC14-4E28-97A9-4FA432EF1D91}" type="sibTrans" cxnId="{ADF6C1F2-1070-4D24-A99F-73B650FBCCBE}">
+      <dgm:prSet/>
+      <dgm:spPr/>
+      <dgm:t>
+        <a:bodyPr/>
+        <a:lstStyle/>
+        <a:p>
+          <a:endParaRPr lang="en-US"/>
+        </a:p>
+      </dgm:t>
+    </dgm:pt>
+    <dgm:pt modelId="{340140B6-2C96-403A-A06A-3C5807123B54}">
+      <dgm:prSet/>
+      <dgm:spPr/>
+      <dgm:t>
+        <a:bodyPr/>
+        <a:lstStyle/>
+        <a:p>
+          <a:pPr rtl="0"/>
+          <a:r>
+            <a:rPr lang="en-US" smtClean="0"/>
+            <a:t>Parallel execution management </a:t>
+          </a:r>
+          <a:endParaRPr lang="en-US"/>
+        </a:p>
+      </dgm:t>
+    </dgm:pt>
+    <dgm:pt modelId="{89479D32-3F0E-4A6A-8D84-A0E91E6A8979}" type="parTrans" cxnId="{71357884-3057-476C-8004-D60853E0A813}">
+      <dgm:prSet/>
+      <dgm:spPr/>
+      <dgm:t>
+        <a:bodyPr/>
+        <a:lstStyle/>
+        <a:p>
+          <a:endParaRPr lang="en-US"/>
+        </a:p>
+      </dgm:t>
+    </dgm:pt>
+    <dgm:pt modelId="{5B00E0A1-51ED-4968-A00C-E083BBFD6899}" type="sibTrans" cxnId="{71357884-3057-476C-8004-D60853E0A813}">
+      <dgm:prSet/>
+      <dgm:spPr/>
+      <dgm:t>
+        <a:bodyPr/>
+        <a:lstStyle/>
+        <a:p>
+          <a:endParaRPr lang="en-US"/>
+        </a:p>
+      </dgm:t>
+    </dgm:pt>
+    <dgm:pt modelId="{D202D938-D8A7-4FD2-AFED-1E315D84768A}">
+      <dgm:prSet/>
+      <dgm:spPr/>
+      <dgm:t>
+        <a:bodyPr/>
+        <a:lstStyle/>
+        <a:p>
+          <a:pPr rtl="0"/>
+          <a:r>
+            <a:rPr lang="en-US" smtClean="0"/>
+            <a:t>MIC  Device Agent</a:t>
+          </a:r>
+          <a:endParaRPr lang="en-US"/>
+        </a:p>
+      </dgm:t>
+    </dgm:pt>
+    <dgm:pt modelId="{0902A515-1D90-4B94-A3B2-6522FFA84D65}" type="parTrans" cxnId="{F8A4E5A6-04FA-4C97-8B28-8E264FFCF8FC}">
+      <dgm:prSet/>
+      <dgm:spPr/>
+      <dgm:t>
+        <a:bodyPr/>
+        <a:lstStyle/>
+        <a:p>
+          <a:endParaRPr lang="en-US"/>
+        </a:p>
+      </dgm:t>
+    </dgm:pt>
+    <dgm:pt modelId="{B9530486-6858-4B76-A99C-4BA8FC737EE5}" type="sibTrans" cxnId="{F8A4E5A6-04FA-4C97-8B28-8E264FFCF8FC}">
+      <dgm:prSet/>
+      <dgm:spPr/>
+      <dgm:t>
+        <a:bodyPr/>
+        <a:lstStyle/>
+        <a:p>
+          <a:endParaRPr lang="en-US"/>
+        </a:p>
+      </dgm:t>
+    </dgm:pt>
+    <dgm:pt modelId="{F777B7D3-2184-487D-A08C-A1F390AFF2F6}">
+      <dgm:prSet/>
+      <dgm:spPr/>
+      <dgm:t>
+        <a:bodyPr/>
+        <a:lstStyle/>
+        <a:p>
+          <a:pPr rtl="0"/>
+          <a:r>
+            <a:rPr lang="en-US" smtClean="0"/>
+            <a:t>Orchestrating all device-specific activities</a:t>
+          </a:r>
+          <a:endParaRPr lang="en-US"/>
+        </a:p>
+      </dgm:t>
+    </dgm:pt>
+    <dgm:pt modelId="{DDA067FB-1753-4F5E-BB75-9975285DA944}" type="parTrans" cxnId="{84E9B329-3890-45D6-8AC7-51A39D368DDC}">
+      <dgm:prSet/>
+      <dgm:spPr/>
+      <dgm:t>
+        <a:bodyPr/>
+        <a:lstStyle/>
+        <a:p>
+          <a:endParaRPr lang="en-US"/>
+        </a:p>
+      </dgm:t>
+    </dgm:pt>
+    <dgm:pt modelId="{B5778C81-1227-4FED-AB5F-47D73AA8514A}" type="sibTrans" cxnId="{84E9B329-3890-45D6-8AC7-51A39D368DDC}">
+      <dgm:prSet/>
+      <dgm:spPr/>
+      <dgm:t>
+        <a:bodyPr/>
+        <a:lstStyle/>
+        <a:p>
+          <a:endParaRPr lang="en-US"/>
+        </a:p>
+      </dgm:t>
+    </dgm:pt>
+    <dgm:pt modelId="{BE13274C-06D5-4A54-B8AA-5F1B8BE26D6C}" type="pres">
+      <dgm:prSet presAssocID="{7E856A95-8078-4C09-99F3-953DB1D6FE9C}" presName="linear" presStyleCnt="0">
+        <dgm:presLayoutVars>
+          <dgm:animLvl val="lvl"/>
+          <dgm:resizeHandles val="exact"/>
+        </dgm:presLayoutVars>
+      </dgm:prSet>
+      <dgm:spPr/>
+      <dgm:t>
+        <a:bodyPr/>
+        <a:lstStyle/>
+        <a:p>
+          <a:endParaRPr lang="en-US"/>
+        </a:p>
+      </dgm:t>
+    </dgm:pt>
+    <dgm:pt modelId="{9FDF0394-F153-4F47-97A5-B6A1083C43C9}" type="pres">
+      <dgm:prSet presAssocID="{93BBE3DA-80D1-40A4-81B4-CA029CA8B016}" presName="parentText" presStyleLbl="node1" presStyleIdx="0" presStyleCnt="5">
+        <dgm:presLayoutVars>
+          <dgm:chMax val="0"/>
+          <dgm:bulletEnabled val="1"/>
+        </dgm:presLayoutVars>
+      </dgm:prSet>
+      <dgm:spPr/>
+      <dgm:t>
+        <a:bodyPr/>
+        <a:lstStyle/>
+        <a:p>
+          <a:endParaRPr lang="en-US"/>
+        </a:p>
+      </dgm:t>
+    </dgm:pt>
+    <dgm:pt modelId="{B211CB30-159A-4CFD-94E1-F137136A9689}" type="pres">
+      <dgm:prSet presAssocID="{93BBE3DA-80D1-40A4-81B4-CA029CA8B016}" presName="childText" presStyleLbl="revTx" presStyleIdx="0" presStyleCnt="5">
+        <dgm:presLayoutVars>
+          <dgm:bulletEnabled val="1"/>
+        </dgm:presLayoutVars>
+      </dgm:prSet>
+      <dgm:spPr/>
+      <dgm:t>
+        <a:bodyPr/>
+        <a:lstStyle/>
+        <a:p>
+          <a:endParaRPr lang="en-US"/>
+        </a:p>
+      </dgm:t>
+    </dgm:pt>
+    <dgm:pt modelId="{0B9BAFDD-B9D0-4782-8DF2-C81996F3A978}" type="pres">
+      <dgm:prSet presAssocID="{3F4619A0-4CBF-44F8-BD55-30AFDC297CC5}" presName="parentText" presStyleLbl="node1" presStyleIdx="1" presStyleCnt="5">
+        <dgm:presLayoutVars>
+          <dgm:chMax val="0"/>
+          <dgm:bulletEnabled val="1"/>
+        </dgm:presLayoutVars>
+      </dgm:prSet>
+      <dgm:spPr/>
+      <dgm:t>
+        <a:bodyPr/>
+        <a:lstStyle/>
+        <a:p>
+          <a:endParaRPr lang="en-US"/>
+        </a:p>
+      </dgm:t>
+    </dgm:pt>
+    <dgm:pt modelId="{51E95E0F-1CF9-4615-994C-D40323F55B69}" type="pres">
+      <dgm:prSet presAssocID="{3F4619A0-4CBF-44F8-BD55-30AFDC297CC5}" presName="childText" presStyleLbl="revTx" presStyleIdx="1" presStyleCnt="5">
+        <dgm:presLayoutVars>
+          <dgm:bulletEnabled val="1"/>
+        </dgm:presLayoutVars>
+      </dgm:prSet>
+      <dgm:spPr/>
+      <dgm:t>
+        <a:bodyPr/>
+        <a:lstStyle/>
+        <a:p>
+          <a:endParaRPr lang="en-US"/>
+        </a:p>
+      </dgm:t>
+    </dgm:pt>
+    <dgm:pt modelId="{B03518A1-866C-43F7-BA44-23792D429F31}" type="pres">
+      <dgm:prSet presAssocID="{3000F6F2-4B04-4889-80EA-D38A2E8521BD}" presName="parentText" presStyleLbl="node1" presStyleIdx="2" presStyleCnt="5">
+        <dgm:presLayoutVars>
+          <dgm:chMax val="0"/>
+          <dgm:bulletEnabled val="1"/>
+        </dgm:presLayoutVars>
+      </dgm:prSet>
+      <dgm:spPr/>
+      <dgm:t>
+        <a:bodyPr/>
+        <a:lstStyle/>
+        <a:p>
+          <a:endParaRPr lang="en-US"/>
+        </a:p>
+      </dgm:t>
+    </dgm:pt>
+    <dgm:pt modelId="{1B715215-7B28-458D-B9F8-10CCD4EB2518}" type="pres">
+      <dgm:prSet presAssocID="{3000F6F2-4B04-4889-80EA-D38A2E8521BD}" presName="childText" presStyleLbl="revTx" presStyleIdx="2" presStyleCnt="5">
+        <dgm:presLayoutVars>
+          <dgm:bulletEnabled val="1"/>
+        </dgm:presLayoutVars>
+      </dgm:prSet>
+      <dgm:spPr/>
+      <dgm:t>
+        <a:bodyPr/>
+        <a:lstStyle/>
+        <a:p>
+          <a:endParaRPr lang="en-US"/>
+        </a:p>
+      </dgm:t>
+    </dgm:pt>
+    <dgm:pt modelId="{3A1B2238-7FDC-4F1D-A9B2-36B0C7CCED8B}" type="pres">
+      <dgm:prSet presAssocID="{0EC223C9-DCB6-49F6-A0F0-F80DB62DDB3D}" presName="parentText" presStyleLbl="node1" presStyleIdx="3" presStyleCnt="5">
+        <dgm:presLayoutVars>
+          <dgm:chMax val="0"/>
+          <dgm:bulletEnabled val="1"/>
+        </dgm:presLayoutVars>
+      </dgm:prSet>
+      <dgm:spPr/>
+      <dgm:t>
+        <a:bodyPr/>
+        <a:lstStyle/>
+        <a:p>
+          <a:endParaRPr lang="en-US"/>
+        </a:p>
+      </dgm:t>
+    </dgm:pt>
+    <dgm:pt modelId="{C825C741-13DB-4AF6-8DA4-FE38922ACBD9}" type="pres">
+      <dgm:prSet presAssocID="{0EC223C9-DCB6-49F6-A0F0-F80DB62DDB3D}" presName="childText" presStyleLbl="revTx" presStyleIdx="3" presStyleCnt="5">
+        <dgm:presLayoutVars>
+          <dgm:bulletEnabled val="1"/>
+        </dgm:presLayoutVars>
+      </dgm:prSet>
+      <dgm:spPr/>
+      <dgm:t>
+        <a:bodyPr/>
+        <a:lstStyle/>
+        <a:p>
+          <a:endParaRPr lang="en-US"/>
+        </a:p>
+      </dgm:t>
+    </dgm:pt>
+    <dgm:pt modelId="{F8EA85C6-45EA-42D8-BDCE-FA48B5A4495C}" type="pres">
+      <dgm:prSet presAssocID="{D202D938-D8A7-4FD2-AFED-1E315D84768A}" presName="parentText" presStyleLbl="node1" presStyleIdx="4" presStyleCnt="5">
+        <dgm:presLayoutVars>
+          <dgm:chMax val="0"/>
+          <dgm:bulletEnabled val="1"/>
+        </dgm:presLayoutVars>
+      </dgm:prSet>
+      <dgm:spPr/>
+      <dgm:t>
+        <a:bodyPr/>
+        <a:lstStyle/>
+        <a:p>
+          <a:endParaRPr lang="en-US"/>
+        </a:p>
+      </dgm:t>
+    </dgm:pt>
+    <dgm:pt modelId="{70FEAE82-7272-487E-AA43-D63950D5DD52}" type="pres">
+      <dgm:prSet presAssocID="{D202D938-D8A7-4FD2-AFED-1E315D84768A}" presName="childText" presStyleLbl="revTx" presStyleIdx="4" presStyleCnt="5">
+        <dgm:presLayoutVars>
+          <dgm:bulletEnabled val="1"/>
+        </dgm:presLayoutVars>
+      </dgm:prSet>
+      <dgm:spPr/>
+      <dgm:t>
+        <a:bodyPr/>
+        <a:lstStyle/>
+        <a:p>
+          <a:endParaRPr lang="en-US"/>
+        </a:p>
+      </dgm:t>
+    </dgm:pt>
+  </dgm:ptLst>
+  <dgm:cxnLst>
+    <dgm:cxn modelId="{9D9E37B1-772C-4738-A52C-79E86B17A47E}" srcId="{7E856A95-8078-4C09-99F3-953DB1D6FE9C}" destId="{3000F6F2-4B04-4889-80EA-D38A2E8521BD}" srcOrd="2" destOrd="0" parTransId="{38DB03A2-69AA-4F31-BA49-B703F8A9F664}" sibTransId="{5E1F1E7A-47DF-4C1D-960F-BB9BD70D450C}"/>
+    <dgm:cxn modelId="{DD38D67E-E72F-4E6A-88C5-484171186553}" type="presOf" srcId="{93BBE3DA-80D1-40A4-81B4-CA029CA8B016}" destId="{9FDF0394-F153-4F47-97A5-B6A1083C43C9}" srcOrd="0" destOrd="0" presId="urn:microsoft.com/office/officeart/2005/8/layout/vList2"/>
+    <dgm:cxn modelId="{A4C63195-5409-43D5-AE5B-940CC47619C4}" type="presOf" srcId="{C1E78916-68B9-4988-85C9-D5621EEE887F}" destId="{1B715215-7B28-458D-B9F8-10CCD4EB2518}" srcOrd="0" destOrd="1" presId="urn:microsoft.com/office/officeart/2005/8/layout/vList2"/>
+    <dgm:cxn modelId="{960967AC-3989-40EE-976C-6BAF18B1F2B4}" type="presOf" srcId="{2D873404-7776-4D02-A4C5-42C504C59EE7}" destId="{B211CB30-159A-4CFD-94E1-F137136A9689}" srcOrd="0" destOrd="0" presId="urn:microsoft.com/office/officeart/2005/8/layout/vList2"/>
+    <dgm:cxn modelId="{B7690448-CB42-4659-855D-3A6C288769A0}" type="presOf" srcId="{AC2438CB-0DA6-463D-946D-46439A40F69C}" destId="{1B715215-7B28-458D-B9F8-10CCD4EB2518}" srcOrd="0" destOrd="3" presId="urn:microsoft.com/office/officeart/2005/8/layout/vList2"/>
+    <dgm:cxn modelId="{1941967A-F424-45A9-8E6D-9A109CB55C6E}" srcId="{7E856A95-8078-4C09-99F3-953DB1D6FE9C}" destId="{93BBE3DA-80D1-40A4-81B4-CA029CA8B016}" srcOrd="0" destOrd="0" parTransId="{5EA1E272-BCE9-4A6A-A3FC-8E97B94160B5}" sibTransId="{BB4E80D6-7F9D-4643-BCAD-DA4B42F22B6B}"/>
+    <dgm:cxn modelId="{1BCC9387-9351-4E87-912D-64D1B0B3EDA1}" type="presOf" srcId="{6F701F29-7632-4A32-9A28-9ECA99C5E7BB}" destId="{1B715215-7B28-458D-B9F8-10CCD4EB2518}" srcOrd="0" destOrd="2" presId="urn:microsoft.com/office/officeart/2005/8/layout/vList2"/>
+    <dgm:cxn modelId="{43D7E109-D5D9-4B1A-B808-A265DD93943D}" type="presOf" srcId="{A336D4F4-ACE0-48A5-867A-C086384855D1}" destId="{1B715215-7B28-458D-B9F8-10CCD4EB2518}" srcOrd="0" destOrd="0" presId="urn:microsoft.com/office/officeart/2005/8/layout/vList2"/>
+    <dgm:cxn modelId="{B1824BF2-516D-4FE6-BFB8-7C1B3E3DDC1B}" srcId="{3F4619A0-4CBF-44F8-BD55-30AFDC297CC5}" destId="{093E5330-0525-4809-863C-759B790520BB}" srcOrd="1" destOrd="0" parTransId="{AF4F1807-773A-4715-9E64-1004AC14723B}" sibTransId="{CE693307-9D53-4E03-B1C8-9FC1A02E125D}"/>
+    <dgm:cxn modelId="{3FE0542F-3717-4395-A7CC-A30E9ADD8FE4}" srcId="{3F4619A0-4CBF-44F8-BD55-30AFDC297CC5}" destId="{7D5660B4-35C6-4D11-8CEA-A7F2C3DAA393}" srcOrd="0" destOrd="0" parTransId="{EF6C1158-A0F3-464E-97AD-FEBBDD41F56A}" sibTransId="{5A1BC26F-142C-4B13-A023-1C55AFBBC7D0}"/>
+    <dgm:cxn modelId="{B1FA55D5-3183-4E87-A657-689CCDD178F3}" type="presOf" srcId="{7D5660B4-35C6-4D11-8CEA-A7F2C3DAA393}" destId="{51E95E0F-1CF9-4615-994C-D40323F55B69}" srcOrd="0" destOrd="0" presId="urn:microsoft.com/office/officeart/2005/8/layout/vList2"/>
+    <dgm:cxn modelId="{F8A4E5A6-04FA-4C97-8B28-8E264FFCF8FC}" srcId="{7E856A95-8078-4C09-99F3-953DB1D6FE9C}" destId="{D202D938-D8A7-4FD2-AFED-1E315D84768A}" srcOrd="4" destOrd="0" parTransId="{0902A515-1D90-4B94-A3B2-6522FFA84D65}" sibTransId="{B9530486-6858-4B76-A99C-4BA8FC737EE5}"/>
+    <dgm:cxn modelId="{ADF6C1F2-1070-4D24-A99F-73B650FBCCBE}" srcId="{7E856A95-8078-4C09-99F3-953DB1D6FE9C}" destId="{0EC223C9-DCB6-49F6-A0F0-F80DB62DDB3D}" srcOrd="3" destOrd="0" parTransId="{EFD5CD5A-10BA-41E3-B598-D4197B7E2ED3}" sibTransId="{8EF9776C-FC14-4E28-97A9-4FA432EF1D91}"/>
+    <dgm:cxn modelId="{78B51AAF-CFCC-4D6B-BDCF-49EA49F9B83C}" type="presOf" srcId="{0EC223C9-DCB6-49F6-A0F0-F80DB62DDB3D}" destId="{3A1B2238-7FDC-4F1D-A9B2-36B0C7CCED8B}" srcOrd="0" destOrd="0" presId="urn:microsoft.com/office/officeart/2005/8/layout/vList2"/>
+    <dgm:cxn modelId="{71357884-3057-476C-8004-D60853E0A813}" srcId="{0EC223C9-DCB6-49F6-A0F0-F80DB62DDB3D}" destId="{340140B6-2C96-403A-A06A-3C5807123B54}" srcOrd="0" destOrd="0" parTransId="{89479D32-3F0E-4A6A-8D84-A0E91E6A8979}" sibTransId="{5B00E0A1-51ED-4968-A00C-E083BBFD6899}"/>
+    <dgm:cxn modelId="{50DCD06B-C100-4EC6-8438-C49046ACEAC5}" srcId="{3000F6F2-4B04-4889-80EA-D38A2E8521BD}" destId="{AC2438CB-0DA6-463D-946D-46439A40F69C}" srcOrd="3" destOrd="0" parTransId="{190CC8EA-24AB-46D8-BB1E-48B9E8BC21C0}" sibTransId="{94A12BBF-549C-43AA-B266-3A8002FB4F82}"/>
+    <dgm:cxn modelId="{C57B6D22-DF44-4DDA-AA36-D8CEBC39B8FC}" type="presOf" srcId="{3F4619A0-4CBF-44F8-BD55-30AFDC297CC5}" destId="{0B9BAFDD-B9D0-4782-8DF2-C81996F3A978}" srcOrd="0" destOrd="0" presId="urn:microsoft.com/office/officeart/2005/8/layout/vList2"/>
+    <dgm:cxn modelId="{265D9B08-304C-44D8-B15B-5D5F2D1AB28A}" srcId="{3000F6F2-4B04-4889-80EA-D38A2E8521BD}" destId="{6F701F29-7632-4A32-9A28-9ECA99C5E7BB}" srcOrd="2" destOrd="0" parTransId="{C804FD59-19F7-4A7E-9CCC-6C9D63A1340E}" sibTransId="{DC62AEDC-78F8-471E-9E2D-15869FBFD2C0}"/>
+    <dgm:cxn modelId="{B67AC58C-BE4F-4C1A-957E-F269239B0C9A}" type="presOf" srcId="{093E5330-0525-4809-863C-759B790520BB}" destId="{51E95E0F-1CF9-4615-994C-D40323F55B69}" srcOrd="0" destOrd="1" presId="urn:microsoft.com/office/officeart/2005/8/layout/vList2"/>
+    <dgm:cxn modelId="{F204F7CC-0BDF-4187-A0E0-DD6790F9E8D7}" type="presOf" srcId="{7E856A95-8078-4C09-99F3-953DB1D6FE9C}" destId="{BE13274C-06D5-4A54-B8AA-5F1B8BE26D6C}" srcOrd="0" destOrd="0" presId="urn:microsoft.com/office/officeart/2005/8/layout/vList2"/>
+    <dgm:cxn modelId="{81EC6BF4-D945-483C-AF27-9319B0F854EC}" srcId="{7E856A95-8078-4C09-99F3-953DB1D6FE9C}" destId="{3F4619A0-4CBF-44F8-BD55-30AFDC297CC5}" srcOrd="1" destOrd="0" parTransId="{103E48E7-13E7-4B2D-A068-CB6BB1CC9468}" sibTransId="{83E9AD44-6C03-493E-BD6B-E2BBE53096D3}"/>
+    <dgm:cxn modelId="{EAAD0289-DCCD-4377-A26A-76101529A5A6}" srcId="{3000F6F2-4B04-4889-80EA-D38A2E8521BD}" destId="{C1E78916-68B9-4988-85C9-D5621EEE887F}" srcOrd="1" destOrd="0" parTransId="{7EAA05C9-62A8-419F-9B19-B5FD1E28814D}" sibTransId="{F6D416D6-85CF-41EF-830A-A00421664D3C}"/>
+    <dgm:cxn modelId="{D1FA9B97-E3BC-477B-BCC7-EE4E2F5A20FB}" srcId="{93BBE3DA-80D1-40A4-81B4-CA029CA8B016}" destId="{2D873404-7776-4D02-A4C5-42C504C59EE7}" srcOrd="0" destOrd="0" parTransId="{47B918E1-17FC-443A-9E5C-5B2DA4E5FD18}" sibTransId="{15D47BFB-187B-447F-BBAD-BCC582B5587D}"/>
+    <dgm:cxn modelId="{47A3F4DC-DF3F-4D6A-809D-3BE1A337E71E}" type="presOf" srcId="{3000F6F2-4B04-4889-80EA-D38A2E8521BD}" destId="{B03518A1-866C-43F7-BA44-23792D429F31}" srcOrd="0" destOrd="0" presId="urn:microsoft.com/office/officeart/2005/8/layout/vList2"/>
+    <dgm:cxn modelId="{84E9B329-3890-45D6-8AC7-51A39D368DDC}" srcId="{D202D938-D8A7-4FD2-AFED-1E315D84768A}" destId="{F777B7D3-2184-487D-A08C-A1F390AFF2F6}" srcOrd="0" destOrd="0" parTransId="{DDA067FB-1753-4F5E-BB75-9975285DA944}" sibTransId="{B5778C81-1227-4FED-AB5F-47D73AA8514A}"/>
+    <dgm:cxn modelId="{E0DD7CF7-0193-4AC1-B576-867C8FA7A0E3}" srcId="{3000F6F2-4B04-4889-80EA-D38A2E8521BD}" destId="{A336D4F4-ACE0-48A5-867A-C086384855D1}" srcOrd="0" destOrd="0" parTransId="{D2549501-651E-4B18-82FE-9908F19EAF32}" sibTransId="{7962AD36-1626-4F1B-A798-756E70853CCF}"/>
+    <dgm:cxn modelId="{5497D53A-F70F-44A9-9443-A457F21883DE}" type="presOf" srcId="{340140B6-2C96-403A-A06A-3C5807123B54}" destId="{C825C741-13DB-4AF6-8DA4-FE38922ACBD9}" srcOrd="0" destOrd="0" presId="urn:microsoft.com/office/officeart/2005/8/layout/vList2"/>
+    <dgm:cxn modelId="{FDC75035-3E69-4949-B8A7-C6D4918D0389}" type="presOf" srcId="{D202D938-D8A7-4FD2-AFED-1E315D84768A}" destId="{F8EA85C6-45EA-42D8-BDCE-FA48B5A4495C}" srcOrd="0" destOrd="0" presId="urn:microsoft.com/office/officeart/2005/8/layout/vList2"/>
+    <dgm:cxn modelId="{36EEBEF5-90C5-4B2B-82B6-C17475DB96D6}" type="presOf" srcId="{F777B7D3-2184-487D-A08C-A1F390AFF2F6}" destId="{70FEAE82-7272-487E-AA43-D63950D5DD52}" srcOrd="0" destOrd="0" presId="urn:microsoft.com/office/officeart/2005/8/layout/vList2"/>
+    <dgm:cxn modelId="{49743FCA-F60F-4D96-8E74-81C4EAAAF80C}" type="presParOf" srcId="{BE13274C-06D5-4A54-B8AA-5F1B8BE26D6C}" destId="{9FDF0394-F153-4F47-97A5-B6A1083C43C9}" srcOrd="0" destOrd="0" presId="urn:microsoft.com/office/officeart/2005/8/layout/vList2"/>
+    <dgm:cxn modelId="{B94D4774-FBC2-4029-84A6-B125A5EA9F93}" type="presParOf" srcId="{BE13274C-06D5-4A54-B8AA-5F1B8BE26D6C}" destId="{B211CB30-159A-4CFD-94E1-F137136A9689}" srcOrd="1" destOrd="0" presId="urn:microsoft.com/office/officeart/2005/8/layout/vList2"/>
+    <dgm:cxn modelId="{32F5B6B2-343A-4DAE-BE3A-5AA763E4AC35}" type="presParOf" srcId="{BE13274C-06D5-4A54-B8AA-5F1B8BE26D6C}" destId="{0B9BAFDD-B9D0-4782-8DF2-C81996F3A978}" srcOrd="2" destOrd="0" presId="urn:microsoft.com/office/officeart/2005/8/layout/vList2"/>
+    <dgm:cxn modelId="{1EA92FC2-37F9-47CE-BE85-5DD25615B0EC}" type="presParOf" srcId="{BE13274C-06D5-4A54-B8AA-5F1B8BE26D6C}" destId="{51E95E0F-1CF9-4615-994C-D40323F55B69}" srcOrd="3" destOrd="0" presId="urn:microsoft.com/office/officeart/2005/8/layout/vList2"/>
+    <dgm:cxn modelId="{3AA5D5F3-EDA4-4B8D-9D1C-2451C93EE38C}" type="presParOf" srcId="{BE13274C-06D5-4A54-B8AA-5F1B8BE26D6C}" destId="{B03518A1-866C-43F7-BA44-23792D429F31}" srcOrd="4" destOrd="0" presId="urn:microsoft.com/office/officeart/2005/8/layout/vList2"/>
+    <dgm:cxn modelId="{AB33DB4D-0994-4B50-86B4-464FD2200817}" type="presParOf" srcId="{BE13274C-06D5-4A54-B8AA-5F1B8BE26D6C}" destId="{1B715215-7B28-458D-B9F8-10CCD4EB2518}" srcOrd="5" destOrd="0" presId="urn:microsoft.com/office/officeart/2005/8/layout/vList2"/>
+    <dgm:cxn modelId="{FC78B387-AB43-4CCF-A913-37F8362C1A24}" type="presParOf" srcId="{BE13274C-06D5-4A54-B8AA-5F1B8BE26D6C}" destId="{3A1B2238-7FDC-4F1D-A9B2-36B0C7CCED8B}" srcOrd="6" destOrd="0" presId="urn:microsoft.com/office/officeart/2005/8/layout/vList2"/>
+    <dgm:cxn modelId="{B6FD0D82-10CB-4732-A503-09DB7E2E57A7}" type="presParOf" srcId="{BE13274C-06D5-4A54-B8AA-5F1B8BE26D6C}" destId="{C825C741-13DB-4AF6-8DA4-FE38922ACBD9}" srcOrd="7" destOrd="0" presId="urn:microsoft.com/office/officeart/2005/8/layout/vList2"/>
+    <dgm:cxn modelId="{BAB51986-4BB3-4957-891E-89AB8F48A2C4}" type="presParOf" srcId="{BE13274C-06D5-4A54-B8AA-5F1B8BE26D6C}" destId="{F8EA85C6-45EA-42D8-BDCE-FA48B5A4495C}" srcOrd="8" destOrd="0" presId="urn:microsoft.com/office/officeart/2005/8/layout/vList2"/>
+    <dgm:cxn modelId="{014B5606-EE29-4D86-A49B-0543A359A7C2}" type="presParOf" srcId="{BE13274C-06D5-4A54-B8AA-5F1B8BE26D6C}" destId="{70FEAE82-7272-487E-AA43-D63950D5DD52}" srcOrd="9" destOrd="0" presId="urn:microsoft.com/office/officeart/2005/8/layout/vList2"/>
+  </dgm:cxnLst>
+  <dgm:bg/>
+  <dgm:whole/>
+  <dgm:extLst>
+    <a:ext uri="http://schemas.microsoft.com/office/drawing/2008/diagram">
+      <dsp:dataModelExt xmlns:dsp="http://schemas.microsoft.com/office/drawing/2008/diagram" relId="rId6" minVer="http://schemas.openxmlformats.org/drawingml/2006/diagram"/>
+    </a:ext>
+  </dgm:extLst>
+</dgm:dataModel>
+</file>
+
+<file path=ppt/diagrams/data2.xml><?xml version="1.0" encoding="utf-8"?>
 <dgm:dataModel xmlns:dgm="http://schemas.openxmlformats.org/drawingml/2006/diagram" xmlns:a="http://schemas.openxmlformats.org/drawingml/2006/main">
   <dgm:ptLst>
     <dgm:pt modelId="{5FE6577F-2F0E-42A1-A8B3-642CEF5553B1}" type="doc">
@@ -3382,10 +4934,10 @@
         <a:p>
           <a:pPr rtl="0"/>
           <a:r>
-            <a:rPr lang="en-US" sz="1600" smtClean="0"/>
+            <a:rPr lang="en-US" sz="1600" dirty="0" smtClean="0"/>
             <a:t>Created as part of OpenCL Context creation</a:t>
           </a:r>
-          <a:endParaRPr lang="en-US" sz="1600"/>
+          <a:endParaRPr lang="en-US" sz="1600" dirty="0"/>
         </a:p>
       </dgm:t>
     </dgm:pt>
@@ -3542,10 +5094,10 @@
         <a:p>
           <a:pPr rtl="0"/>
           <a:r>
-            <a:rPr lang="en-US" sz="1600" smtClean="0"/>
+            <a:rPr lang="en-US" sz="1600" dirty="0" smtClean="0"/>
             <a:t>Process startup is much faster</a:t>
           </a:r>
-          <a:endParaRPr lang="en-US" sz="1600"/>
+          <a:endParaRPr lang="en-US" sz="1600" dirty="0"/>
         </a:p>
       </dgm:t>
     </dgm:pt>
@@ -3707,7 +5259,7 @@
           <a:pPr rtl="0"/>
           <a:r>
             <a:rPr lang="en-US" sz="1600" dirty="0" smtClean="0"/>
-            <a:t>There is no swapping on device</a:t>
+            <a:t>There is no memory swapping support  (by µOS) on device </a:t>
           </a:r>
           <a:endParaRPr lang="en-US" sz="1600" dirty="0"/>
         </a:p>
@@ -3782,10 +5334,10 @@
         <a:p>
           <a:pPr rtl="0"/>
           <a:r>
-            <a:rPr lang="en-US" sz="1600" smtClean="0"/>
-            <a:t>Report failure for all pending operations to Runtime</a:t>
+            <a:rPr lang="en-US" sz="1600" dirty="0" smtClean="0"/>
+            <a:t>Report failure for all pending operations to Runtime. Fail all MIC devices for now, analyze possibility to limit failure to a single MIC Device in future. </a:t>
           </a:r>
-          <a:endParaRPr lang="en-US" sz="1600"/>
+          <a:endParaRPr lang="en-US" sz="1600" dirty="0"/>
         </a:p>
       </dgm:t>
     </dgm:pt>
@@ -3820,10 +5372,10 @@
         <a:p>
           <a:pPr rtl="0"/>
           <a:r>
-            <a:rPr lang="en-US" sz="1600" smtClean="0"/>
+            <a:rPr lang="en-US" sz="1600" dirty="0" smtClean="0"/>
             <a:t>Fail all DA API calls except of DA removal</a:t>
           </a:r>
-          <a:endParaRPr lang="en-US" sz="1600"/>
+          <a:endParaRPr lang="en-US" sz="1600" dirty="0"/>
         </a:p>
       </dgm:t>
     </dgm:pt>
@@ -3859,7 +5411,7 @@
           <a:pPr rtl="0"/>
           <a:r>
             <a:rPr lang="en-US" sz="1600" dirty="0" smtClean="0"/>
-            <a:t>Require user to recreate all OpenCL Contexts that used this physical device.</a:t>
+            <a:t>Require user to recreate all OpenCL Contexts that referenced failed physical devices.</a:t>
           </a:r>
           <a:endParaRPr lang="en-US" sz="1600" dirty="0"/>
         </a:p>
@@ -3895,6 +5447,13 @@
         </dgm:presLayoutVars>
       </dgm:prSet>
       <dgm:spPr/>
+      <dgm:t>
+        <a:bodyPr/>
+        <a:lstStyle/>
+        <a:p>
+          <a:endParaRPr lang="en-US"/>
+        </a:p>
+      </dgm:t>
     </dgm:pt>
     <dgm:pt modelId="{072AC00A-CB07-4B22-A983-F7C182DECFA3}" type="pres">
       <dgm:prSet presAssocID="{5B1C4CAC-2E7F-4DAD-B9F4-28EAC4D2D81F}" presName="parentText" presStyleLbl="node1" presStyleIdx="0" presStyleCnt="3">
@@ -3904,6 +5463,13 @@
         </dgm:presLayoutVars>
       </dgm:prSet>
       <dgm:spPr/>
+      <dgm:t>
+        <a:bodyPr/>
+        <a:lstStyle/>
+        <a:p>
+          <a:endParaRPr lang="en-US"/>
+        </a:p>
+      </dgm:t>
     </dgm:pt>
     <dgm:pt modelId="{D8648C7D-B1AE-4ADC-A410-E45942EEA153}" type="pres">
       <dgm:prSet presAssocID="{5B1C4CAC-2E7F-4DAD-B9F4-28EAC4D2D81F}" presName="childText" presStyleLbl="revTx" presStyleIdx="0" presStyleCnt="3">
@@ -3912,6 +5478,13 @@
         </dgm:presLayoutVars>
       </dgm:prSet>
       <dgm:spPr/>
+      <dgm:t>
+        <a:bodyPr/>
+        <a:lstStyle/>
+        <a:p>
+          <a:endParaRPr lang="en-US"/>
+        </a:p>
+      </dgm:t>
     </dgm:pt>
     <dgm:pt modelId="{775FE2A7-2782-4B7A-9B4A-F241FA1E3ECD}" type="pres">
       <dgm:prSet presAssocID="{645C2147-D9DF-426D-9B9E-9A3E88FF3842}" presName="parentText" presStyleLbl="node1" presStyleIdx="1" presStyleCnt="3">
@@ -3921,6 +5494,13 @@
         </dgm:presLayoutVars>
       </dgm:prSet>
       <dgm:spPr/>
+      <dgm:t>
+        <a:bodyPr/>
+        <a:lstStyle/>
+        <a:p>
+          <a:endParaRPr lang="en-US"/>
+        </a:p>
+      </dgm:t>
     </dgm:pt>
     <dgm:pt modelId="{5D0E9AB6-30DB-4451-BD34-57F4B8A1A198}" type="pres">
       <dgm:prSet presAssocID="{645C2147-D9DF-426D-9B9E-9A3E88FF3842}" presName="childText" presStyleLbl="revTx" presStyleIdx="1" presStyleCnt="3">
@@ -3929,6 +5509,13 @@
         </dgm:presLayoutVars>
       </dgm:prSet>
       <dgm:spPr/>
+      <dgm:t>
+        <a:bodyPr/>
+        <a:lstStyle/>
+        <a:p>
+          <a:endParaRPr lang="en-US"/>
+        </a:p>
+      </dgm:t>
     </dgm:pt>
     <dgm:pt modelId="{07C30D2A-3A32-48B0-8125-E62DF0800E0F}" type="pres">
       <dgm:prSet presAssocID="{B33E0094-6108-409F-9B05-31DF59FC87DE}" presName="parentText" presStyleLbl="node1" presStyleIdx="2" presStyleCnt="3">
@@ -3938,6 +5525,13 @@
         </dgm:presLayoutVars>
       </dgm:prSet>
       <dgm:spPr/>
+      <dgm:t>
+        <a:bodyPr/>
+        <a:lstStyle/>
+        <a:p>
+          <a:endParaRPr lang="en-US"/>
+        </a:p>
+      </dgm:t>
     </dgm:pt>
     <dgm:pt modelId="{67CB0F3C-91F0-4252-B2FD-94DD2A88713F}" type="pres">
       <dgm:prSet presAssocID="{B33E0094-6108-409F-9B05-31DF59FC87DE}" presName="childText" presStyleLbl="revTx" presStyleIdx="2" presStyleCnt="3">
@@ -3946,11 +5540,18 @@
         </dgm:presLayoutVars>
       </dgm:prSet>
       <dgm:spPr/>
+      <dgm:t>
+        <a:bodyPr/>
+        <a:lstStyle/>
+        <a:p>
+          <a:endParaRPr lang="en-US"/>
+        </a:p>
+      </dgm:t>
     </dgm:pt>
   </dgm:ptLst>
   <dgm:cxnLst>
+    <dgm:cxn modelId="{FA80E1AF-5D56-4FD8-8A37-B6FE6FEFE257}" type="presOf" srcId="{F4FD64A6-55AA-44CE-9303-5DEB27E1F73D}" destId="{67CB0F3C-91F0-4252-B2FD-94DD2A88713F}" srcOrd="0" destOrd="2" presId="urn:microsoft.com/office/officeart/2005/8/layout/vList2"/>
     <dgm:cxn modelId="{2B3E05EB-805A-494F-929F-867EF59666D2}" type="presOf" srcId="{8CADFED6-C70E-467B-9FA9-19F180D0304F}" destId="{5D0E9AB6-30DB-4451-BD34-57F4B8A1A198}" srcOrd="0" destOrd="6" presId="urn:microsoft.com/office/officeart/2005/8/layout/vList2"/>
-    <dgm:cxn modelId="{FA80E1AF-5D56-4FD8-8A37-B6FE6FEFE257}" type="presOf" srcId="{F4FD64A6-55AA-44CE-9303-5DEB27E1F73D}" destId="{67CB0F3C-91F0-4252-B2FD-94DD2A88713F}" srcOrd="0" destOrd="2" presId="urn:microsoft.com/office/officeart/2005/8/layout/vList2"/>
     <dgm:cxn modelId="{0A5E2E3A-1D63-4122-8A00-5ABB44E1300C}" srcId="{5FE6577F-2F0E-42A1-A8B3-642CEF5553B1}" destId="{645C2147-D9DF-426D-9B9E-9A3E88FF3842}" srcOrd="1" destOrd="0" parTransId="{ED770339-7CAC-46A7-8E92-CB10735A4163}" sibTransId="{1B4AED84-18B5-4348-94B2-F6EF879BEE4E}"/>
     <dgm:cxn modelId="{FBDBDAC5-866E-4595-A4EE-3278158F5781}" srcId="{FF7C26BD-6F3D-490A-A545-505E6F77B79D}" destId="{08592C13-2DCE-4F33-AAD6-172D6455126F}" srcOrd="0" destOrd="0" parTransId="{3AA444CB-6592-46AA-B16A-0CB765160F76}" sibTransId="{FD44DCC3-19C0-4436-8F0D-FAB66564E230}"/>
     <dgm:cxn modelId="{7AA29344-167C-4DC9-98C0-989F5DBDF7FD}" type="presOf" srcId="{08592C13-2DCE-4F33-AAD6-172D6455126F}" destId="{5D0E9AB6-30DB-4451-BD34-57F4B8A1A198}" srcOrd="0" destOrd="1" presId="urn:microsoft.com/office/officeart/2005/8/layout/vList2"/>
@@ -3958,14 +5559,14 @@
     <dgm:cxn modelId="{5FD4473F-6669-4E1C-9AEE-112A374AEE1B}" type="presOf" srcId="{522C8CA0-6A01-40B3-BF1C-EFEA192F3632}" destId="{5D0E9AB6-30DB-4451-BD34-57F4B8A1A198}" srcOrd="0" destOrd="2" presId="urn:microsoft.com/office/officeart/2005/8/layout/vList2"/>
     <dgm:cxn modelId="{3F0279BC-2211-44E3-861D-32CE93358B7A}" type="presOf" srcId="{C1408A98-E90A-48B8-8C1D-B2F111C717E4}" destId="{5D0E9AB6-30DB-4451-BD34-57F4B8A1A198}" srcOrd="0" destOrd="4" presId="urn:microsoft.com/office/officeart/2005/8/layout/vList2"/>
     <dgm:cxn modelId="{4E1CBF2C-77A3-44EF-A4B9-2259B89FD0DB}" srcId="{16AB3D69-F3F4-49D7-A479-1381D0944BFF}" destId="{C1408A98-E90A-48B8-8C1D-B2F111C717E4}" srcOrd="0" destOrd="0" parTransId="{7DA5F73D-CB60-4A05-8A97-A2D3132CBBCD}" sibTransId="{22A06505-0829-437D-A99C-9BF3D1AE6D0E}"/>
+    <dgm:cxn modelId="{BC56C898-3DD4-42B4-BA6E-F0E583F4FC9D}" type="presOf" srcId="{5FE6577F-2F0E-42A1-A8B3-642CEF5553B1}" destId="{E339A224-82B5-48C1-95FC-5116659722E7}" srcOrd="0" destOrd="0" presId="urn:microsoft.com/office/officeart/2005/8/layout/vList2"/>
     <dgm:cxn modelId="{410418DB-D68F-4CE8-9888-437026C92F84}" srcId="{B33E0094-6108-409F-9B05-31DF59FC87DE}" destId="{673A70AA-5817-42A2-81C6-3AF6A86AD91C}" srcOrd="0" destOrd="0" parTransId="{8B32ECA1-AFC7-45D2-AA74-777E00B0840A}" sibTransId="{AFAB937F-C8A7-42E3-ABCC-308C6A3CE12A}"/>
-    <dgm:cxn modelId="{BC56C898-3DD4-42B4-BA6E-F0E583F4FC9D}" type="presOf" srcId="{5FE6577F-2F0E-42A1-A8B3-642CEF5553B1}" destId="{E339A224-82B5-48C1-95FC-5116659722E7}" srcOrd="0" destOrd="0" presId="urn:microsoft.com/office/officeart/2005/8/layout/vList2"/>
     <dgm:cxn modelId="{11F2937B-87FC-45CE-9931-F5AF6F874B3E}" srcId="{FF7C26BD-6F3D-490A-A545-505E6F77B79D}" destId="{522C8CA0-6A01-40B3-BF1C-EFEA192F3632}" srcOrd="1" destOrd="0" parTransId="{027F592D-4609-4FDE-B7C1-B1640B9AB78E}" sibTransId="{777F65C5-828B-43CD-A73E-1D941B426999}"/>
+    <dgm:cxn modelId="{36D3F0D7-18B4-4570-9669-DF497F446BF2}" type="presOf" srcId="{3B357217-0457-4C25-9F85-86D455F8C347}" destId="{5D0E9AB6-30DB-4451-BD34-57F4B8A1A198}" srcOrd="0" destOrd="5" presId="urn:microsoft.com/office/officeart/2005/8/layout/vList2"/>
     <dgm:cxn modelId="{91DE4BB6-74E8-463D-B92F-86AEBC7C5E88}" type="presOf" srcId="{9035C343-EAF0-4ED3-BAAA-75EDC45A0F33}" destId="{D8648C7D-B1AE-4ADC-A410-E45942EEA153}" srcOrd="0" destOrd="0" presId="urn:microsoft.com/office/officeart/2005/8/layout/vList2"/>
-    <dgm:cxn modelId="{36D3F0D7-18B4-4570-9669-DF497F446BF2}" type="presOf" srcId="{3B357217-0457-4C25-9F85-86D455F8C347}" destId="{5D0E9AB6-30DB-4451-BD34-57F4B8A1A198}" srcOrd="0" destOrd="5" presId="urn:microsoft.com/office/officeart/2005/8/layout/vList2"/>
     <dgm:cxn modelId="{F47F142A-BE1E-47C6-9886-1082FA639937}" srcId="{B33E0094-6108-409F-9B05-31DF59FC87DE}" destId="{F4FD64A6-55AA-44CE-9303-5DEB27E1F73D}" srcOrd="2" destOrd="0" parTransId="{D2BF4F4B-BDC2-41A2-9046-18C1C1C09DFC}" sibTransId="{E907D5C9-9A6C-4538-A9C4-4F3661FD05A8}"/>
+    <dgm:cxn modelId="{D8C74033-CB6C-4FA5-B0C8-EFCEAA705162}" type="presOf" srcId="{5B1C4CAC-2E7F-4DAD-B9F4-28EAC4D2D81F}" destId="{072AC00A-CB07-4B22-A983-F7C182DECFA3}" srcOrd="0" destOrd="0" presId="urn:microsoft.com/office/officeart/2005/8/layout/vList2"/>
     <dgm:cxn modelId="{A3E82683-0169-4B9C-B505-27B0B603CBA7}" srcId="{5B1C4CAC-2E7F-4DAD-B9F4-28EAC4D2D81F}" destId="{9035C343-EAF0-4ED3-BAAA-75EDC45A0F33}" srcOrd="0" destOrd="0" parTransId="{76600C65-8DC8-4B7E-BFEA-ADE224215BDE}" sibTransId="{FBC0E840-ECD2-45E5-A187-5F3D341C8E7D}"/>
-    <dgm:cxn modelId="{D8C74033-CB6C-4FA5-B0C8-EFCEAA705162}" type="presOf" srcId="{5B1C4CAC-2E7F-4DAD-B9F4-28EAC4D2D81F}" destId="{072AC00A-CB07-4B22-A983-F7C182DECFA3}" srcOrd="0" destOrd="0" presId="urn:microsoft.com/office/officeart/2005/8/layout/vList2"/>
     <dgm:cxn modelId="{13F2FDE9-F0B6-4EB9-AF0A-2E2740D88213}" type="presOf" srcId="{B33E0094-6108-409F-9B05-31DF59FC87DE}" destId="{07C30D2A-3A32-48B0-8125-E62DF0800E0F}" srcOrd="0" destOrd="0" presId="urn:microsoft.com/office/officeart/2005/8/layout/vList2"/>
     <dgm:cxn modelId="{B4A55EB5-C707-4C68-8091-E2087A97E6BD}" srcId="{B33E0094-6108-409F-9B05-31DF59FC87DE}" destId="{EDE9A32A-1EE8-49EE-9616-6231124FD3A3}" srcOrd="1" destOrd="0" parTransId="{19CD9EB9-A024-4FC3-B6A4-B62A6B5A32E1}" sibTransId="{7E2AF682-96CF-403C-879E-EA287104E984}"/>
     <dgm:cxn modelId="{384FE3BC-B835-4E3F-9E4F-8C224F953338}" type="presOf" srcId="{16AB3D69-F3F4-49D7-A479-1381D0944BFF}" destId="{5D0E9AB6-30DB-4451-BD34-57F4B8A1A198}" srcOrd="0" destOrd="3" presId="urn:microsoft.com/office/officeart/2005/8/layout/vList2"/>
@@ -3995,11 +5596,11 @@
 </dgm:dataModel>
 </file>
 
-<file path=ppt/diagrams/data2.xml><?xml version="1.0" encoding="utf-8"?>
+<file path=ppt/diagrams/data3.xml><?xml version="1.0" encoding="utf-8"?>
 <dgm:dataModel xmlns:dgm="http://schemas.openxmlformats.org/drawingml/2006/diagram" xmlns:a="http://schemas.openxmlformats.org/drawingml/2006/main">
   <dgm:ptLst>
     <dgm:pt modelId="{5FED2B18-1B78-43B9-88C1-BBBE4E6109FA}" type="doc">
-      <dgm:prSet loTypeId="urn:microsoft.com/office/officeart/2005/8/layout/vList2" loCatId="list" qsTypeId="urn:microsoft.com/office/officeart/2005/8/quickstyle/simple1" qsCatId="simple" csTypeId="urn:microsoft.com/office/officeart/2005/8/colors/colorful2" csCatId="colorful"/>
+      <dgm:prSet loTypeId="urn:microsoft.com/office/officeart/2005/8/layout/vList2" loCatId="list" qsTypeId="urn:microsoft.com/office/officeart/2005/8/quickstyle/simple1" qsCatId="simple" csTypeId="urn:microsoft.com/office/officeart/2005/8/colors/colorful2" csCatId="colorful" phldr="1"/>
       <dgm:spPr/>
       <dgm:t>
         <a:bodyPr/>
@@ -4010,7 +5611,7 @@
       </dgm:t>
     </dgm:pt>
     <dgm:pt modelId="{7EE23811-508E-456D-B51F-C33ED722A9C6}">
-      <dgm:prSet/>
+      <dgm:prSet custT="1"/>
       <dgm:spPr/>
       <dgm:t>
         <a:bodyPr/>
@@ -4018,10 +5619,10 @@
         <a:p>
           <a:pPr rtl="0"/>
           <a:r>
-            <a:rPr lang="en-US" smtClean="0"/>
+            <a:rPr lang="en-US" sz="1800" dirty="0" smtClean="0"/>
             <a:t>Single Device Mode</a:t>
           </a:r>
-          <a:endParaRPr lang="en-US"/>
+          <a:endParaRPr lang="en-US" sz="1800" dirty="0"/>
         </a:p>
       </dgm:t>
     </dgm:pt>
@@ -4048,7 +5649,7 @@
       </dgm:t>
     </dgm:pt>
     <dgm:pt modelId="{4757FDB6-81E8-4E4A-8FCF-FAE35BBBBAA4}">
-      <dgm:prSet/>
+      <dgm:prSet custT="1"/>
       <dgm:spPr/>
       <dgm:t>
         <a:bodyPr/>
@@ -4056,17 +5657,10 @@
         <a:p>
           <a:pPr rtl="0"/>
           <a:r>
-            <a:rPr lang="en-US" smtClean="0"/>
-            <a:t>MIC is the only device in an OpenCL Context. </a:t>
+            <a:rPr lang="en-US" sz="1600" dirty="0" smtClean="0"/>
+            <a:t>MIC is the only device in an OpenCL Context. Very like current CPU Device mode.</a:t>
           </a:r>
-          <a:br>
-            <a:rPr lang="en-US" smtClean="0"/>
-          </a:br>
-          <a:r>
-            <a:rPr lang="en-US" smtClean="0"/>
-            <a:t>Very like current CPU Device mode.</a:t>
-          </a:r>
-          <a:endParaRPr lang="en-US"/>
+          <a:endParaRPr lang="en-US" sz="1600" dirty="0"/>
         </a:p>
       </dgm:t>
     </dgm:pt>
@@ -4093,7 +5687,7 @@
       </dgm:t>
     </dgm:pt>
     <dgm:pt modelId="{CD32FF5E-FA2C-4D87-9389-BB4037886548}">
-      <dgm:prSet/>
+      <dgm:prSet custT="1"/>
       <dgm:spPr/>
       <dgm:t>
         <a:bodyPr/>
@@ -4101,10 +5695,10 @@
         <a:p>
           <a:pPr rtl="0"/>
           <a:r>
-            <a:rPr lang="en-US" smtClean="0"/>
+            <a:rPr lang="en-US" sz="1800" dirty="0" smtClean="0"/>
             <a:t>Multiple MIC devices in the same OpenCL Context</a:t>
           </a:r>
-          <a:endParaRPr lang="en-US"/>
+          <a:endParaRPr lang="en-US" sz="1800" dirty="0"/>
         </a:p>
       </dgm:t>
     </dgm:pt>
@@ -4131,7 +5725,7 @@
       </dgm:t>
     </dgm:pt>
     <dgm:pt modelId="{CDC0B0B7-4315-4CD1-8FFA-D4EE11645A56}">
-      <dgm:prSet/>
+      <dgm:prSet custT="1"/>
       <dgm:spPr/>
       <dgm:t>
         <a:bodyPr/>
@@ -4139,10 +5733,10 @@
         <a:p>
           <a:pPr rtl="0"/>
           <a:r>
-            <a:rPr lang="en-US" smtClean="0"/>
+            <a:rPr lang="en-US" sz="1600" dirty="0" smtClean="0"/>
             <a:t>Multiple MIC Device Agents – one per physical device</a:t>
           </a:r>
-          <a:endParaRPr lang="en-US"/>
+          <a:endParaRPr lang="en-US" sz="1600" dirty="0"/>
         </a:p>
       </dgm:t>
     </dgm:pt>
@@ -4169,7 +5763,7 @@
       </dgm:t>
     </dgm:pt>
     <dgm:pt modelId="{79841D90-3EFF-4ECF-B983-3A1A55E557DB}">
-      <dgm:prSet/>
+      <dgm:prSet custT="1"/>
       <dgm:spPr/>
       <dgm:t>
         <a:bodyPr/>
@@ -4177,10 +5771,10 @@
         <a:p>
           <a:pPr rtl="0"/>
           <a:r>
-            <a:rPr lang="en-US" smtClean="0"/>
+            <a:rPr lang="en-US" sz="1600" dirty="0" smtClean="0"/>
             <a:t>A dedicated device process - one per device</a:t>
           </a:r>
-          <a:endParaRPr lang="en-US"/>
+          <a:endParaRPr lang="en-US" sz="1600" dirty="0"/>
         </a:p>
       </dgm:t>
     </dgm:pt>
@@ -4207,7 +5801,7 @@
       </dgm:t>
     </dgm:pt>
     <dgm:pt modelId="{479EF1FC-BBCB-443A-BDA1-BA70FF84202F}">
-      <dgm:prSet/>
+      <dgm:prSet custT="1"/>
       <dgm:spPr/>
       <dgm:t>
         <a:bodyPr/>
@@ -4215,10 +5809,10 @@
         <a:p>
           <a:pPr rtl="0"/>
           <a:r>
-            <a:rPr lang="en-US" smtClean="0"/>
-            <a:t>Memory Objects management is done by Runtime</a:t>
+            <a:rPr lang="en-US" sz="1600" dirty="0" smtClean="0"/>
+            <a:t>Global Memory Objects management is done by OpenCL Runtime</a:t>
           </a:r>
-          <a:endParaRPr lang="en-US"/>
+          <a:endParaRPr lang="en-US" sz="1600" dirty="0"/>
         </a:p>
       </dgm:t>
     </dgm:pt>
@@ -4245,7 +5839,7 @@
       </dgm:t>
     </dgm:pt>
     <dgm:pt modelId="{36A8B63D-181B-4114-8EB1-CE3A1997486D}">
-      <dgm:prSet/>
+      <dgm:prSet custT="1"/>
       <dgm:spPr/>
       <dgm:t>
         <a:bodyPr/>
@@ -4253,10 +5847,10 @@
         <a:p>
           <a:pPr rtl="0"/>
           <a:r>
-            <a:rPr lang="en-US" smtClean="0"/>
-            <a:t>Global MIC Memory Manager  (singleton) to incorporate global view by COI</a:t>
+            <a:rPr lang="en-US" sz="1600" dirty="0" smtClean="0"/>
+            <a:t>Use single MIC Memory Manager instance to incorporate global Device Memory view by COI</a:t>
           </a:r>
-          <a:endParaRPr lang="en-US"/>
+          <a:endParaRPr lang="en-US" sz="1600" dirty="0"/>
         </a:p>
       </dgm:t>
     </dgm:pt>
@@ -4283,7 +5877,7 @@
       </dgm:t>
     </dgm:pt>
     <dgm:pt modelId="{4ADA543C-FB1B-4EE4-AD16-982D3495B503}">
-      <dgm:prSet/>
+      <dgm:prSet custT="1"/>
       <dgm:spPr/>
       <dgm:t>
         <a:bodyPr/>
@@ -4291,10 +5885,13 @@
         <a:p>
           <a:pPr rtl="0"/>
           <a:r>
-            <a:rPr lang="en-US" smtClean="0"/>
-            <a:t>Low level data movement is done by COI using DMA</a:t>
+            <a:rPr lang="en-US" sz="1600" dirty="0" smtClean="0"/>
+            <a:t>Low level data movement is done by COI using inter-device and host-device DMA request</a:t>
           </a:r>
-          <a:endParaRPr lang="en-US"/>
+          <a:br>
+            <a:rPr lang="en-US" sz="1600" dirty="0" smtClean="0"/>
+          </a:br>
+          <a:endParaRPr lang="en-US" sz="1600" dirty="0"/>
         </a:p>
       </dgm:t>
     </dgm:pt>
@@ -4321,7 +5918,7 @@
       </dgm:t>
     </dgm:pt>
     <dgm:pt modelId="{1029DF2B-9B97-479F-A263-8DD328E66BE7}">
-      <dgm:prSet/>
+      <dgm:prSet custT="1"/>
       <dgm:spPr/>
       <dgm:t>
         <a:bodyPr/>
@@ -4329,10 +5926,10 @@
         <a:p>
           <a:pPr rtl="0"/>
           <a:r>
-            <a:rPr lang="en-US" smtClean="0"/>
+            <a:rPr lang="en-US" sz="1800" dirty="0" smtClean="0"/>
             <a:t>Heterogeneous CPU + MIC device/s in the same OpenCL Context</a:t>
           </a:r>
-          <a:endParaRPr lang="en-US"/>
+          <a:endParaRPr lang="en-US" sz="1800" dirty="0"/>
         </a:p>
       </dgm:t>
     </dgm:pt>
@@ -4359,7 +5956,7 @@
       </dgm:t>
     </dgm:pt>
     <dgm:pt modelId="{8E86FD0F-6838-44A5-B094-365E9AA2AE92}">
-      <dgm:prSet/>
+      <dgm:prSet custT="1"/>
       <dgm:spPr/>
       <dgm:t>
         <a:bodyPr/>
@@ -4367,10 +5964,10 @@
         <a:p>
           <a:pPr rtl="0"/>
           <a:r>
-            <a:rPr lang="en-US" smtClean="0"/>
+            <a:rPr lang="en-US" sz="1600" dirty="0" smtClean="0"/>
             <a:t>Very like multiple MIC devices</a:t>
           </a:r>
-          <a:endParaRPr lang="en-US"/>
+          <a:endParaRPr lang="en-US" sz="1600" dirty="0"/>
         </a:p>
       </dgm:t>
     </dgm:pt>
@@ -4396,6 +5993,44 @@
         </a:p>
       </dgm:t>
     </dgm:pt>
+    <dgm:pt modelId="{241710AC-2C56-4DE5-8AAC-F127B93C2F1D}">
+      <dgm:prSet custT="1"/>
+      <dgm:spPr/>
+      <dgm:t>
+        <a:bodyPr/>
+        <a:lstStyle/>
+        <a:p>
+          <a:pPr rtl="0"/>
+          <a:r>
+            <a:rPr lang="en-US" sz="1600" dirty="0" smtClean="0"/>
+            <a:t>Allow MIC DMA engines to access CPU data directly to avoid extra in-main-memory data movement</a:t>
+          </a:r>
+          <a:endParaRPr lang="en-US" sz="1600" dirty="0"/>
+        </a:p>
+      </dgm:t>
+    </dgm:pt>
+    <dgm:pt modelId="{5A9FD832-F29E-4A87-87C0-AF4A46FCD7E3}" type="parTrans" cxnId="{6F1756BD-D28B-4D68-8D0C-6F336B528D17}">
+      <dgm:prSet/>
+      <dgm:spPr/>
+      <dgm:t>
+        <a:bodyPr/>
+        <a:lstStyle/>
+        <a:p>
+          <a:endParaRPr lang="en-US"/>
+        </a:p>
+      </dgm:t>
+    </dgm:pt>
+    <dgm:pt modelId="{3D84C2E9-7DDE-4313-9719-CB4B0D2042AC}" type="sibTrans" cxnId="{6F1756BD-D28B-4D68-8D0C-6F336B528D17}">
+      <dgm:prSet/>
+      <dgm:spPr/>
+      <dgm:t>
+        <a:bodyPr/>
+        <a:lstStyle/>
+        <a:p>
+          <a:endParaRPr lang="en-US"/>
+        </a:p>
+      </dgm:t>
+    </dgm:pt>
     <dgm:pt modelId="{2B5AE641-5587-441D-BB09-24C738B1560F}" type="pres">
       <dgm:prSet presAssocID="{5FED2B18-1B78-43B9-88C1-BBBE4E6109FA}" presName="linear" presStyleCnt="0">
         <dgm:presLayoutVars>
@@ -4404,15 +6039,29 @@
         </dgm:presLayoutVars>
       </dgm:prSet>
       <dgm:spPr/>
+      <dgm:t>
+        <a:bodyPr/>
+        <a:lstStyle/>
+        <a:p>
+          <a:endParaRPr lang="en-US"/>
+        </a:p>
+      </dgm:t>
     </dgm:pt>
     <dgm:pt modelId="{6EC7ACB3-2B4E-4212-9DDE-80813184B94F}" type="pres">
-      <dgm:prSet presAssocID="{7EE23811-508E-456D-B51F-C33ED722A9C6}" presName="parentText" presStyleLbl="node1" presStyleIdx="0" presStyleCnt="3">
+      <dgm:prSet presAssocID="{7EE23811-508E-456D-B51F-C33ED722A9C6}" presName="parentText" presStyleLbl="node1" presStyleIdx="0" presStyleCnt="3" custScaleY="54227" custLinFactNeighborY="-3797">
         <dgm:presLayoutVars>
           <dgm:chMax val="0"/>
           <dgm:bulletEnabled val="1"/>
         </dgm:presLayoutVars>
       </dgm:prSet>
       <dgm:spPr/>
+      <dgm:t>
+        <a:bodyPr/>
+        <a:lstStyle/>
+        <a:p>
+          <a:endParaRPr lang="en-US"/>
+        </a:p>
+      </dgm:t>
     </dgm:pt>
     <dgm:pt modelId="{62F7868C-2ACC-4986-82A9-A865ED457314}" type="pres">
       <dgm:prSet presAssocID="{7EE23811-508E-456D-B51F-C33ED722A9C6}" presName="childText" presStyleLbl="revTx" presStyleIdx="0" presStyleCnt="3">
@@ -4421,32 +6070,60 @@
         </dgm:presLayoutVars>
       </dgm:prSet>
       <dgm:spPr/>
+      <dgm:t>
+        <a:bodyPr/>
+        <a:lstStyle/>
+        <a:p>
+          <a:endParaRPr lang="en-US"/>
+        </a:p>
+      </dgm:t>
     </dgm:pt>
     <dgm:pt modelId="{A937869A-1F51-4985-A1F6-FE5C81EFD06F}" type="pres">
-      <dgm:prSet presAssocID="{CD32FF5E-FA2C-4D87-9389-BB4037886548}" presName="parentText" presStyleLbl="node1" presStyleIdx="1" presStyleCnt="3">
+      <dgm:prSet presAssocID="{CD32FF5E-FA2C-4D87-9389-BB4037886548}" presName="parentText" presStyleLbl="node1" presStyleIdx="1" presStyleCnt="3" custScaleY="57562" custLinFactNeighborY="-16753">
         <dgm:presLayoutVars>
           <dgm:chMax val="0"/>
           <dgm:bulletEnabled val="1"/>
         </dgm:presLayoutVars>
       </dgm:prSet>
       <dgm:spPr/>
+      <dgm:t>
+        <a:bodyPr/>
+        <a:lstStyle/>
+        <a:p>
+          <a:endParaRPr lang="en-US"/>
+        </a:p>
+      </dgm:t>
     </dgm:pt>
     <dgm:pt modelId="{BDE2880A-6EAA-47F7-A454-BDA9580A4ADE}" type="pres">
-      <dgm:prSet presAssocID="{CD32FF5E-FA2C-4D87-9389-BB4037886548}" presName="childText" presStyleLbl="revTx" presStyleIdx="1" presStyleCnt="3">
+      <dgm:prSet presAssocID="{CD32FF5E-FA2C-4D87-9389-BB4037886548}" presName="childText" presStyleLbl="revTx" presStyleIdx="1" presStyleCnt="3" custLinFactNeighborY="-21414">
         <dgm:presLayoutVars>
           <dgm:bulletEnabled val="1"/>
         </dgm:presLayoutVars>
       </dgm:prSet>
       <dgm:spPr/>
+      <dgm:t>
+        <a:bodyPr/>
+        <a:lstStyle/>
+        <a:p>
+          <a:endParaRPr lang="en-US"/>
+        </a:p>
+      </dgm:t>
     </dgm:pt>
     <dgm:pt modelId="{8585099D-A9FA-4FBD-9A9A-32907A15E64F}" type="pres">
-      <dgm:prSet presAssocID="{1029DF2B-9B97-479F-A263-8DD328E66BE7}" presName="parentText" presStyleLbl="node1" presStyleIdx="2" presStyleCnt="3">
+      <dgm:prSet presAssocID="{1029DF2B-9B97-479F-A263-8DD328E66BE7}" presName="parentText" presStyleLbl="node1" presStyleIdx="2" presStyleCnt="3" custScaleY="50685" custLinFactNeighborY="-26566">
         <dgm:presLayoutVars>
           <dgm:chMax val="0"/>
           <dgm:bulletEnabled val="1"/>
         </dgm:presLayoutVars>
       </dgm:prSet>
       <dgm:spPr/>
+      <dgm:t>
+        <a:bodyPr/>
+        <a:lstStyle/>
+        <a:p>
+          <a:endParaRPr lang="en-US"/>
+        </a:p>
+      </dgm:t>
     </dgm:pt>
     <dgm:pt modelId="{9B5EDBC4-519D-467F-A9EC-1847E4482C51}" type="pres">
       <dgm:prSet presAssocID="{1029DF2B-9B97-479F-A263-8DD328E66BE7}" presName="childText" presStyleLbl="revTx" presStyleIdx="2" presStyleCnt="3">
@@ -4455,6 +6132,13 @@
         </dgm:presLayoutVars>
       </dgm:prSet>
       <dgm:spPr/>
+      <dgm:t>
+        <a:bodyPr/>
+        <a:lstStyle/>
+        <a:p>
+          <a:endParaRPr lang="en-US"/>
+        </a:p>
+      </dgm:t>
     </dgm:pt>
   </dgm:ptLst>
   <dgm:cxnLst>
@@ -4464,12 +6148,14 @@
     <dgm:cxn modelId="{19B63BCE-500A-48C3-A229-8114EC3C1B04}" type="presOf" srcId="{479EF1FC-BBCB-443A-BDA1-BA70FF84202F}" destId="{BDE2880A-6EAA-47F7-A454-BDA9580A4ADE}" srcOrd="0" destOrd="2" presId="urn:microsoft.com/office/officeart/2005/8/layout/vList2"/>
     <dgm:cxn modelId="{0C14C820-C1DA-4C7B-A9F1-DBD37C2AA80C}" type="presOf" srcId="{5FED2B18-1B78-43B9-88C1-BBBE4E6109FA}" destId="{2B5AE641-5587-441D-BB09-24C738B1560F}" srcOrd="0" destOrd="0" presId="urn:microsoft.com/office/officeart/2005/8/layout/vList2"/>
     <dgm:cxn modelId="{2A3ECF48-D3A7-487E-B7C5-6B75E26A9964}" srcId="{1029DF2B-9B97-479F-A263-8DD328E66BE7}" destId="{8E86FD0F-6838-44A5-B094-365E9AA2AE92}" srcOrd="0" destOrd="0" parTransId="{58D03D3D-AD25-4F8B-9071-2B67E6569F61}" sibTransId="{8DBFC1D6-5570-4739-A261-B0E1E2B458F5}"/>
+    <dgm:cxn modelId="{6F1756BD-D28B-4D68-8D0C-6F336B528D17}" srcId="{1029DF2B-9B97-479F-A263-8DD328E66BE7}" destId="{241710AC-2C56-4DE5-8AAC-F127B93C2F1D}" srcOrd="1" destOrd="0" parTransId="{5A9FD832-F29E-4A87-87C0-AF4A46FCD7E3}" sibTransId="{3D84C2E9-7DDE-4313-9719-CB4B0D2042AC}"/>
     <dgm:cxn modelId="{7F268846-5F49-4CF3-B92F-BD6C63AAD873}" srcId="{7EE23811-508E-456D-B51F-C33ED722A9C6}" destId="{4757FDB6-81E8-4E4A-8FCF-FAE35BBBBAA4}" srcOrd="0" destOrd="0" parTransId="{1F33B1E8-0BBF-4A96-B51E-6F5E3B322CCA}" sibTransId="{66E91EBB-E012-42F7-9646-6ED9C27E404E}"/>
     <dgm:cxn modelId="{2037A092-F64E-4BFB-9A44-2204550807F9}" srcId="{CD32FF5E-FA2C-4D87-9389-BB4037886548}" destId="{479EF1FC-BBCB-443A-BDA1-BA70FF84202F}" srcOrd="1" destOrd="0" parTransId="{585DECA0-4472-47DC-8C12-87DBFE0D1EC2}" sibTransId="{02F93F9A-CDC0-4E88-8688-0587F32F4F9F}"/>
     <dgm:cxn modelId="{72FA3EA7-7EFA-489C-8030-D89FEF2B69A1}" srcId="{CD32FF5E-FA2C-4D87-9389-BB4037886548}" destId="{CDC0B0B7-4315-4CD1-8FFA-D4EE11645A56}" srcOrd="0" destOrd="0" parTransId="{4BCFDB89-186F-426E-BD72-A1056FA690F9}" sibTransId="{CDAA5806-E14D-48D9-948F-5AA53475876A}"/>
     <dgm:cxn modelId="{394A9FF5-F6E2-4EF4-BC7F-BBCEA83B32D5}" srcId="{5FED2B18-1B78-43B9-88C1-BBBE4E6109FA}" destId="{CD32FF5E-FA2C-4D87-9389-BB4037886548}" srcOrd="1" destOrd="0" parTransId="{575534B3-C25F-498A-B238-658224CEF085}" sibTransId="{1B326A95-CE4D-4B4D-B4B2-1B353ADEA1CB}"/>
     <dgm:cxn modelId="{9BDBAD7D-ECE2-4BBB-BFCE-E954E6C8E61E}" type="presOf" srcId="{8E86FD0F-6838-44A5-B094-365E9AA2AE92}" destId="{9B5EDBC4-519D-467F-A9EC-1847E4482C51}" srcOrd="0" destOrd="0" presId="urn:microsoft.com/office/officeart/2005/8/layout/vList2"/>
     <dgm:cxn modelId="{A45EF231-5D1D-4438-90FF-1B5A705AF5C6}" type="presOf" srcId="{36A8B63D-181B-4114-8EB1-CE3A1997486D}" destId="{BDE2880A-6EAA-47F7-A454-BDA9580A4ADE}" srcOrd="0" destOrd="3" presId="urn:microsoft.com/office/officeart/2005/8/layout/vList2"/>
+    <dgm:cxn modelId="{59106F7B-C934-41BC-907D-4C7466EE4F9F}" type="presOf" srcId="{241710AC-2C56-4DE5-8AAC-F127B93C2F1D}" destId="{9B5EDBC4-519D-467F-A9EC-1847E4482C51}" srcOrd="0" destOrd="1" presId="urn:microsoft.com/office/officeart/2005/8/layout/vList2"/>
     <dgm:cxn modelId="{107C0011-556D-491C-A98A-341DCA4E0739}" srcId="{5FED2B18-1B78-43B9-88C1-BBBE4E6109FA}" destId="{7EE23811-508E-456D-B51F-C33ED722A9C6}" srcOrd="0" destOrd="0" parTransId="{ABDBEA0B-8BD5-433A-A6C8-DEB7F104D4EF}" sibTransId="{081A7AB4-1D1E-48DD-A957-182B6C2BFEAA}"/>
     <dgm:cxn modelId="{C0F08583-D11C-4341-B264-2493616D62DC}" type="presOf" srcId="{4757FDB6-81E8-4E4A-8FCF-FAE35BBBBAA4}" destId="{62F7868C-2ACC-4986-82A9-A865ED457314}" srcOrd="0" destOrd="0" presId="urn:microsoft.com/office/officeart/2005/8/layout/vList2"/>
     <dgm:cxn modelId="{4D32FDEC-3DCA-4C61-8536-961CC78580B1}" type="presOf" srcId="{7EE23811-508E-456D-B51F-C33ED722A9C6}" destId="{6EC7ACB3-2B4E-4212-9DDE-80813184B94F}" srcOrd="0" destOrd="0" presId="urn:microsoft.com/office/officeart/2005/8/layout/vList2"/>
@@ -4496,7 +6182,7 @@
 </dgm:dataModel>
 </file>
 
-<file path=ppt/diagrams/data3.xml><?xml version="1.0" encoding="utf-8"?>
+<file path=ppt/diagrams/data4.xml><?xml version="1.0" encoding="utf-8"?>
 <dgm:dataModel xmlns:dgm="http://schemas.openxmlformats.org/drawingml/2006/diagram" xmlns:a="http://schemas.openxmlformats.org/drawingml/2006/main">
   <dgm:ptLst>
     <dgm:pt modelId="{5521DE05-0C36-47FF-A5DE-BF8AA21A5DD9}" type="doc">
@@ -4703,6 +6389,13 @@
         </dgm:presLayoutVars>
       </dgm:prSet>
       <dgm:spPr/>
+      <dgm:t>
+        <a:bodyPr/>
+        <a:lstStyle/>
+        <a:p>
+          <a:endParaRPr lang="en-US"/>
+        </a:p>
+      </dgm:t>
     </dgm:pt>
     <dgm:pt modelId="{5F841C1F-5D5B-4DCC-9077-30CDA3281A88}" type="pres">
       <dgm:prSet presAssocID="{F4A0563D-9807-4109-8A3E-FA01E1FB9C8B}" presName="boxAndChildren" presStyleCnt="0"/>
@@ -4711,6 +6404,13 @@
     <dgm:pt modelId="{7E0B1343-3CEF-47AD-8A82-DC7F83EE0732}" type="pres">
       <dgm:prSet presAssocID="{F4A0563D-9807-4109-8A3E-FA01E1FB9C8B}" presName="parentTextBox" presStyleLbl="node1" presStyleIdx="0" presStyleCnt="4"/>
       <dgm:spPr/>
+      <dgm:t>
+        <a:bodyPr/>
+        <a:lstStyle/>
+        <a:p>
+          <a:endParaRPr lang="en-US"/>
+        </a:p>
+      </dgm:t>
     </dgm:pt>
     <dgm:pt modelId="{2716E032-0493-4372-80E2-B30634F2AC9F}" type="pres">
       <dgm:prSet presAssocID="{7E7FD89E-04AC-4977-8665-BF20A6B56F15}" presName="sp" presStyleCnt="0"/>
@@ -4802,7 +6502,7 @@
 </dgm:dataModel>
 </file>
 
-<file path=ppt/diagrams/data4.xml><?xml version="1.0" encoding="utf-8"?>
+<file path=ppt/diagrams/data5.xml><?xml version="1.0" encoding="utf-8"?>
 <dgm:dataModel xmlns:dgm="http://schemas.openxmlformats.org/drawingml/2006/diagram" xmlns:a="http://schemas.openxmlformats.org/drawingml/2006/main">
   <dgm:ptLst>
     <dgm:pt modelId="{DD8C1B21-E105-4303-887A-6CB1E6E4DA97}" type="doc">
@@ -5335,6 +7035,13 @@
         </dgm:presLayoutVars>
       </dgm:prSet>
       <dgm:spPr/>
+      <dgm:t>
+        <a:bodyPr/>
+        <a:lstStyle/>
+        <a:p>
+          <a:endParaRPr lang="en-US"/>
+        </a:p>
+      </dgm:t>
     </dgm:pt>
     <dgm:pt modelId="{82D637B7-780B-4FA2-BADE-5DEF663CC138}" type="pres">
       <dgm:prSet presAssocID="{875A89C7-B05B-4366-8D40-1185823E2C6E}" presName="parentLin" presStyleCnt="0"/>
@@ -5343,6 +7050,13 @@
     <dgm:pt modelId="{81383EA1-0C17-4163-B12F-244F1882C351}" type="pres">
       <dgm:prSet presAssocID="{875A89C7-B05B-4366-8D40-1185823E2C6E}" presName="parentLeftMargin" presStyleLbl="node1" presStyleIdx="0" presStyleCnt="4"/>
       <dgm:spPr/>
+      <dgm:t>
+        <a:bodyPr/>
+        <a:lstStyle/>
+        <a:p>
+          <a:endParaRPr lang="en-US"/>
+        </a:p>
+      </dgm:t>
     </dgm:pt>
     <dgm:pt modelId="{B4FDC873-78D4-4FB4-B5B0-049926DE8A1A}" type="pres">
       <dgm:prSet presAssocID="{875A89C7-B05B-4366-8D40-1185823E2C6E}" presName="parentText" presStyleLbl="node1" presStyleIdx="0" presStyleCnt="4">
@@ -5352,6 +7066,13 @@
         </dgm:presLayoutVars>
       </dgm:prSet>
       <dgm:spPr/>
+      <dgm:t>
+        <a:bodyPr/>
+        <a:lstStyle/>
+        <a:p>
+          <a:endParaRPr lang="en-US"/>
+        </a:p>
+      </dgm:t>
     </dgm:pt>
     <dgm:pt modelId="{B6E0AEE3-4E67-402D-A1AD-D4F9BC680E9C}" type="pres">
       <dgm:prSet presAssocID="{875A89C7-B05B-4366-8D40-1185823E2C6E}" presName="negativeSpace" presStyleCnt="0"/>
@@ -5364,6 +7085,13 @@
         </dgm:presLayoutVars>
       </dgm:prSet>
       <dgm:spPr/>
+      <dgm:t>
+        <a:bodyPr/>
+        <a:lstStyle/>
+        <a:p>
+          <a:endParaRPr lang="en-US"/>
+        </a:p>
+      </dgm:t>
     </dgm:pt>
     <dgm:pt modelId="{0710AE65-E0F4-4BE0-9B45-39A531243760}" type="pres">
       <dgm:prSet presAssocID="{0292764D-80F7-4C7E-86C1-6FEFCE2161BE}" presName="spaceBetweenRectangles" presStyleCnt="0"/>
@@ -5376,6 +7104,13 @@
     <dgm:pt modelId="{46877989-D016-4D36-BCED-CD47F213F7CE}" type="pres">
       <dgm:prSet presAssocID="{6AE72809-82D1-4054-A302-A4B509E9BE7A}" presName="parentLeftMargin" presStyleLbl="node1" presStyleIdx="0" presStyleCnt="4"/>
       <dgm:spPr/>
+      <dgm:t>
+        <a:bodyPr/>
+        <a:lstStyle/>
+        <a:p>
+          <a:endParaRPr lang="en-US"/>
+        </a:p>
+      </dgm:t>
     </dgm:pt>
     <dgm:pt modelId="{8508FF16-E7B7-4DEC-9EA2-CBDF500AA26F}" type="pres">
       <dgm:prSet presAssocID="{6AE72809-82D1-4054-A302-A4B509E9BE7A}" presName="parentText" presStyleLbl="node1" presStyleIdx="1" presStyleCnt="4">
@@ -5385,6 +7120,13 @@
         </dgm:presLayoutVars>
       </dgm:prSet>
       <dgm:spPr/>
+      <dgm:t>
+        <a:bodyPr/>
+        <a:lstStyle/>
+        <a:p>
+          <a:endParaRPr lang="en-US"/>
+        </a:p>
+      </dgm:t>
     </dgm:pt>
     <dgm:pt modelId="{2C8FCCD7-C36D-4EFF-868D-B736BF8F8E4C}" type="pres">
       <dgm:prSet presAssocID="{6AE72809-82D1-4054-A302-A4B509E9BE7A}" presName="negativeSpace" presStyleCnt="0"/>
@@ -5416,6 +7158,13 @@
     <dgm:pt modelId="{FF8A8ED6-16E4-4154-9DE6-3FCAE702C2BF}" type="pres">
       <dgm:prSet presAssocID="{8480DCCD-41B1-4FEE-814C-0E656A275AF9}" presName="parentLeftMargin" presStyleLbl="node1" presStyleIdx="1" presStyleCnt="4"/>
       <dgm:spPr/>
+      <dgm:t>
+        <a:bodyPr/>
+        <a:lstStyle/>
+        <a:p>
+          <a:endParaRPr lang="en-US"/>
+        </a:p>
+      </dgm:t>
     </dgm:pt>
     <dgm:pt modelId="{4FB21003-4F00-4B83-ACB9-5DE3C9405725}" type="pres">
       <dgm:prSet presAssocID="{8480DCCD-41B1-4FEE-814C-0E656A275AF9}" presName="parentText" presStyleLbl="node1" presStyleIdx="2" presStyleCnt="4">
@@ -5425,6 +7174,13 @@
         </dgm:presLayoutVars>
       </dgm:prSet>
       <dgm:spPr/>
+      <dgm:t>
+        <a:bodyPr/>
+        <a:lstStyle/>
+        <a:p>
+          <a:endParaRPr lang="en-US"/>
+        </a:p>
+      </dgm:t>
     </dgm:pt>
     <dgm:pt modelId="{3A6AB26A-F0CE-40D2-9819-8A09637355C2}" type="pres">
       <dgm:prSet presAssocID="{8480DCCD-41B1-4FEE-814C-0E656A275AF9}" presName="negativeSpace" presStyleCnt="0"/>
@@ -5456,6 +7212,13 @@
     <dgm:pt modelId="{5DEEECA0-F703-4185-BE20-02DAF9EFE1D1}" type="pres">
       <dgm:prSet presAssocID="{B3DC2587-E04D-4C5C-A58F-384A6C572ACF}" presName="parentLeftMargin" presStyleLbl="node1" presStyleIdx="2" presStyleCnt="4"/>
       <dgm:spPr/>
+      <dgm:t>
+        <a:bodyPr/>
+        <a:lstStyle/>
+        <a:p>
+          <a:endParaRPr lang="en-US"/>
+        </a:p>
+      </dgm:t>
     </dgm:pt>
     <dgm:pt modelId="{F9FDB6E3-7604-4CFB-99E9-16977FD41B76}" type="pres">
       <dgm:prSet presAssocID="{B3DC2587-E04D-4C5C-A58F-384A6C572ACF}" presName="parentText" presStyleLbl="node1" presStyleIdx="3" presStyleCnt="4">
@@ -5465,6 +7228,13 @@
         </dgm:presLayoutVars>
       </dgm:prSet>
       <dgm:spPr/>
+      <dgm:t>
+        <a:bodyPr/>
+        <a:lstStyle/>
+        <a:p>
+          <a:endParaRPr lang="en-US"/>
+        </a:p>
+      </dgm:t>
     </dgm:pt>
     <dgm:pt modelId="{B1B12411-51D4-43C9-82EE-AD7FCC33016B}" type="pres">
       <dgm:prSet presAssocID="{B3DC2587-E04D-4C5C-A58F-384A6C572ACF}" presName="negativeSpace" presStyleCnt="0"/>
@@ -5477,40 +7247,47 @@
         </dgm:presLayoutVars>
       </dgm:prSet>
       <dgm:spPr/>
+      <dgm:t>
+        <a:bodyPr/>
+        <a:lstStyle/>
+        <a:p>
+          <a:endParaRPr lang="en-US"/>
+        </a:p>
+      </dgm:t>
     </dgm:pt>
   </dgm:ptLst>
   <dgm:cxnLst>
+    <dgm:cxn modelId="{BFB576BD-1931-40BE-956B-CDC49EE1C5C2}" type="presOf" srcId="{6AE72809-82D1-4054-A302-A4B509E9BE7A}" destId="{8508FF16-E7B7-4DEC-9EA2-CBDF500AA26F}" srcOrd="1" destOrd="0" presId="urn:microsoft.com/office/officeart/2005/8/layout/list1"/>
+    <dgm:cxn modelId="{4BE45462-0DEC-4F1C-9F3A-13F320DBD0FF}" srcId="{B3DC2587-E04D-4C5C-A58F-384A6C572ACF}" destId="{DCF00EED-65CC-4C7E-96D9-B816C13F9EFE}" srcOrd="0" destOrd="0" parTransId="{EE9344AE-E1C3-4C29-9CE4-D15F8E84686E}" sibTransId="{DB521E0F-A8CA-444C-A42C-3D0C5D6F961C}"/>
+    <dgm:cxn modelId="{84881D50-A9F4-45CF-B677-E307948FCB8F}" type="presOf" srcId="{381BE165-E217-4469-967D-449BAF1F7DC2}" destId="{A7510B0D-8B2A-4A86-807F-2A085A9968A5}" srcOrd="0" destOrd="0" presId="urn:microsoft.com/office/officeart/2005/8/layout/list1"/>
+    <dgm:cxn modelId="{82632590-126F-478B-95A2-32CA0DFF92F4}" type="presOf" srcId="{875A89C7-B05B-4366-8D40-1185823E2C6E}" destId="{B4FDC873-78D4-4FB4-B5B0-049926DE8A1A}" srcOrd="1" destOrd="0" presId="urn:microsoft.com/office/officeart/2005/8/layout/list1"/>
+    <dgm:cxn modelId="{8C4B960C-99B8-4601-8AC4-F88E3953A281}" type="presOf" srcId="{DFEDEE1D-69F6-4D76-8A43-6A808AD3E1C4}" destId="{CC7BCB6C-8BCA-495D-8CF6-D84666EF5E5F}" srcOrd="0" destOrd="3" presId="urn:microsoft.com/office/officeart/2005/8/layout/list1"/>
+    <dgm:cxn modelId="{B7DC7B38-1D0C-4603-9A07-4BAF8922692C}" type="presOf" srcId="{4809A052-339C-4B54-B992-67A13C97ADAA}" destId="{CC7BCB6C-8BCA-495D-8CF6-D84666EF5E5F}" srcOrd="0" destOrd="1" presId="urn:microsoft.com/office/officeart/2005/8/layout/list1"/>
+    <dgm:cxn modelId="{D7C19577-B0E8-494B-AE68-7087E7E452D3}" srcId="{DD8C1B21-E105-4303-887A-6CB1E6E4DA97}" destId="{875A89C7-B05B-4366-8D40-1185823E2C6E}" srcOrd="0" destOrd="0" parTransId="{1DF17B52-25DF-41A7-A84E-6375AE03F565}" sibTransId="{0292764D-80F7-4C7E-86C1-6FEFCE2161BE}"/>
+    <dgm:cxn modelId="{8C761ED4-F506-40FF-A62F-EF5BA50B6C76}" type="presOf" srcId="{B3DC2587-E04D-4C5C-A58F-384A6C572ACF}" destId="{5DEEECA0-F703-4185-BE20-02DAF9EFE1D1}" srcOrd="0" destOrd="0" presId="urn:microsoft.com/office/officeart/2005/8/layout/list1"/>
+    <dgm:cxn modelId="{42CF3D73-BDEF-4F6A-ADCE-8C1E30560002}" type="presOf" srcId="{249AE276-A24E-42C9-A4C9-E1D2CA9B3F6B}" destId="{CC7BCB6C-8BCA-495D-8CF6-D84666EF5E5F}" srcOrd="0" destOrd="2" presId="urn:microsoft.com/office/officeart/2005/8/layout/list1"/>
+    <dgm:cxn modelId="{7D232A26-26FE-40E6-B9A6-608CBAEAA451}" srcId="{DD8C1B21-E105-4303-887A-6CB1E6E4DA97}" destId="{6AE72809-82D1-4054-A302-A4B509E9BE7A}" srcOrd="1" destOrd="0" parTransId="{1FD80B2D-D71E-42AE-9903-35E256B15AA4}" sibTransId="{D0EB0430-64B4-4777-BA2A-87BF4A75F0CB}"/>
+    <dgm:cxn modelId="{647A9804-2E88-46E4-92AE-3A6EC3759CCD}" srcId="{B3DC2587-E04D-4C5C-A58F-384A6C572ACF}" destId="{4809A052-339C-4B54-B992-67A13C97ADAA}" srcOrd="1" destOrd="0" parTransId="{2F7C2E58-9992-423E-A06F-6A88FFA0F391}" sibTransId="{331793EE-3D70-49D1-B005-76BE228CB3AC}"/>
+    <dgm:cxn modelId="{7AD890BC-5599-4F95-A106-1C041C54315D}" srcId="{B3DC2587-E04D-4C5C-A58F-384A6C572ACF}" destId="{DFEDEE1D-69F6-4D76-8A43-6A808AD3E1C4}" srcOrd="3" destOrd="0" parTransId="{C11AC484-2EEE-4B3D-9B87-1816F90C24F3}" sibTransId="{6CF29048-0F10-4A73-A66D-4A25BC828763}"/>
+    <dgm:cxn modelId="{15EDBB0F-8D3D-4EC8-A294-E28A1258284E}" srcId="{6AE72809-82D1-4054-A302-A4B509E9BE7A}" destId="{D443A12C-8F2E-4816-851F-F7E8881004F2}" srcOrd="0" destOrd="0" parTransId="{79BA18C6-22C6-4234-B05F-44CD8516B15C}" sibTransId="{A185D66A-7162-46EC-897B-87B62D19939B}"/>
+    <dgm:cxn modelId="{49C9A4C3-F801-4B6F-85AE-E79F7EB06D7D}" srcId="{DD8C1B21-E105-4303-887A-6CB1E6E4DA97}" destId="{8480DCCD-41B1-4FEE-814C-0E656A275AF9}" srcOrd="2" destOrd="0" parTransId="{2948BB94-4223-4F8B-91EF-A67DF73C71F0}" sibTransId="{A72B276E-155B-4C51-99A8-88AC6AC51523}"/>
+    <dgm:cxn modelId="{BE3AA0D0-7B74-4624-83C5-79A723A6E10A}" type="presOf" srcId="{52289717-3175-42C8-8737-9F6FBD19C023}" destId="{48B4068F-93DE-4F21-A39D-216EC12D90FA}" srcOrd="0" destOrd="0" presId="urn:microsoft.com/office/officeart/2005/8/layout/list1"/>
+    <dgm:cxn modelId="{9A8C1E40-60C2-4689-9EC1-66B23E3145C8}" type="presOf" srcId="{DCF00EED-65CC-4C7E-96D9-B816C13F9EFE}" destId="{CC7BCB6C-8BCA-495D-8CF6-D84666EF5E5F}" srcOrd="0" destOrd="0" presId="urn:microsoft.com/office/officeart/2005/8/layout/list1"/>
+    <dgm:cxn modelId="{A6C46689-EEC5-4B2E-9222-321978930691}" type="presOf" srcId="{D443A12C-8F2E-4816-851F-F7E8881004F2}" destId="{F2A0EB99-4789-4781-B84A-B91842BA5259}" srcOrd="0" destOrd="0" presId="urn:microsoft.com/office/officeart/2005/8/layout/list1"/>
     <dgm:cxn modelId="{35685387-3BAE-487A-A073-963EC3E8E4D9}" type="presOf" srcId="{8480DCCD-41B1-4FEE-814C-0E656A275AF9}" destId="{FF8A8ED6-16E4-4154-9DE6-3FCAE702C2BF}" srcOrd="0" destOrd="0" presId="urn:microsoft.com/office/officeart/2005/8/layout/list1"/>
-    <dgm:cxn modelId="{4BE45462-0DEC-4F1C-9F3A-13F320DBD0FF}" srcId="{B3DC2587-E04D-4C5C-A58F-384A6C572ACF}" destId="{DCF00EED-65CC-4C7E-96D9-B816C13F9EFE}" srcOrd="0" destOrd="0" parTransId="{EE9344AE-E1C3-4C29-9CE4-D15F8E84686E}" sibTransId="{DB521E0F-A8CA-444C-A42C-3D0C5D6F961C}"/>
+    <dgm:cxn modelId="{F9119C24-1BB2-44A5-9AE0-096AE02AC6B6}" type="presOf" srcId="{8480DCCD-41B1-4FEE-814C-0E656A275AF9}" destId="{4FB21003-4F00-4B83-ACB9-5DE3C9405725}" srcOrd="1" destOrd="0" presId="urn:microsoft.com/office/officeart/2005/8/layout/list1"/>
+    <dgm:cxn modelId="{4B733FFC-0BEF-40D3-B3F1-9002D16FE07E}" type="presOf" srcId="{DB6FE0FF-CD4F-4631-BF72-C498006D7653}" destId="{F2A0EB99-4789-4781-B84A-B91842BA5259}" srcOrd="0" destOrd="2" presId="urn:microsoft.com/office/officeart/2005/8/layout/list1"/>
+    <dgm:cxn modelId="{C666E48A-E17F-40CA-81A4-0B136FD09BC9}" type="presOf" srcId="{1397783F-A20E-4235-A183-0F41B5A760A9}" destId="{F2A0EB99-4789-4781-B84A-B91842BA5259}" srcOrd="0" destOrd="1" presId="urn:microsoft.com/office/officeart/2005/8/layout/list1"/>
+    <dgm:cxn modelId="{1BC08F88-EBA1-4C27-BB06-9BFEF1BB885F}" srcId="{B3DC2587-E04D-4C5C-A58F-384A6C572ACF}" destId="{249AE276-A24E-42C9-A4C9-E1D2CA9B3F6B}" srcOrd="2" destOrd="0" parTransId="{E3E3ED72-1F4A-4699-B828-FF7BA0222C30}" sibTransId="{69AA19D6-3BF5-4B77-8CFC-E1360EC589EC}"/>
+    <dgm:cxn modelId="{22870A76-AE88-45DC-88C8-FD8E83391038}" srcId="{6AE72809-82D1-4054-A302-A4B509E9BE7A}" destId="{1397783F-A20E-4235-A183-0F41B5A760A9}" srcOrd="1" destOrd="0" parTransId="{48E52DA6-416F-4E0D-9EFC-ABE192265EA5}" sibTransId="{B75FA972-2FA7-4377-AE80-9572FD33A539}"/>
+    <dgm:cxn modelId="{102742C8-C00F-40D6-9C8A-B0B290F444C6}" srcId="{6AE72809-82D1-4054-A302-A4B509E9BE7A}" destId="{DB6FE0FF-CD4F-4631-BF72-C498006D7653}" srcOrd="2" destOrd="0" parTransId="{91D8CDED-B3ED-4E6D-9DC0-AF4B7125F173}" sibTransId="{FC0CF06E-6548-4E9C-9078-482335FAE958}"/>
+    <dgm:cxn modelId="{D5FBEC3F-7977-4DCC-B14E-B8C8CB555C9F}" type="presOf" srcId="{B3DC2587-E04D-4C5C-A58F-384A6C572ACF}" destId="{F9FDB6E3-7604-4CFB-99E9-16977FD41B76}" srcOrd="1" destOrd="0" presId="urn:microsoft.com/office/officeart/2005/8/layout/list1"/>
+    <dgm:cxn modelId="{1AC2612F-91E6-4D5C-83F6-8232A96CD232}" srcId="{8480DCCD-41B1-4FEE-814C-0E656A275AF9}" destId="{52289717-3175-42C8-8737-9F6FBD19C023}" srcOrd="0" destOrd="0" parTransId="{5490E82B-6B7D-4F30-802B-DC51137542F4}" sibTransId="{2C8228D6-5C36-4B75-A7CC-94F4EECE7C9D}"/>
+    <dgm:cxn modelId="{870DC54F-CA08-49D2-B0B2-26C1E543DD29}" srcId="{875A89C7-B05B-4366-8D40-1185823E2C6E}" destId="{381BE165-E217-4469-967D-449BAF1F7DC2}" srcOrd="0" destOrd="0" parTransId="{C1F212F0-DDFE-46DA-92C5-B13F3B821D77}" sibTransId="{10006573-E3B7-49BB-9CEB-185B034D967B}"/>
     <dgm:cxn modelId="{F5930BE5-62C5-4646-924D-B5F9F4049EF1}" type="presOf" srcId="{875A89C7-B05B-4366-8D40-1185823E2C6E}" destId="{81383EA1-0C17-4163-B12F-244F1882C351}" srcOrd="0" destOrd="0" presId="urn:microsoft.com/office/officeart/2005/8/layout/list1"/>
-    <dgm:cxn modelId="{1BC08F88-EBA1-4C27-BB06-9BFEF1BB885F}" srcId="{B3DC2587-E04D-4C5C-A58F-384A6C572ACF}" destId="{249AE276-A24E-42C9-A4C9-E1D2CA9B3F6B}" srcOrd="2" destOrd="0" parTransId="{E3E3ED72-1F4A-4699-B828-FF7BA0222C30}" sibTransId="{69AA19D6-3BF5-4B77-8CFC-E1360EC589EC}"/>
-    <dgm:cxn modelId="{42CF3D73-BDEF-4F6A-ADCE-8C1E30560002}" type="presOf" srcId="{249AE276-A24E-42C9-A4C9-E1D2CA9B3F6B}" destId="{CC7BCB6C-8BCA-495D-8CF6-D84666EF5E5F}" srcOrd="0" destOrd="2" presId="urn:microsoft.com/office/officeart/2005/8/layout/list1"/>
-    <dgm:cxn modelId="{84881D50-A9F4-45CF-B677-E307948FCB8F}" type="presOf" srcId="{381BE165-E217-4469-967D-449BAF1F7DC2}" destId="{A7510B0D-8B2A-4A86-807F-2A085A9968A5}" srcOrd="0" destOrd="0" presId="urn:microsoft.com/office/officeart/2005/8/layout/list1"/>
-    <dgm:cxn modelId="{22870A76-AE88-45DC-88C8-FD8E83391038}" srcId="{6AE72809-82D1-4054-A302-A4B509E9BE7A}" destId="{1397783F-A20E-4235-A183-0F41B5A760A9}" srcOrd="1" destOrd="0" parTransId="{48E52DA6-416F-4E0D-9EFC-ABE192265EA5}" sibTransId="{B75FA972-2FA7-4377-AE80-9572FD33A539}"/>
-    <dgm:cxn modelId="{BFB576BD-1931-40BE-956B-CDC49EE1C5C2}" type="presOf" srcId="{6AE72809-82D1-4054-A302-A4B509E9BE7A}" destId="{8508FF16-E7B7-4DEC-9EA2-CBDF500AA26F}" srcOrd="1" destOrd="0" presId="urn:microsoft.com/office/officeart/2005/8/layout/list1"/>
-    <dgm:cxn modelId="{15EDBB0F-8D3D-4EC8-A294-E28A1258284E}" srcId="{6AE72809-82D1-4054-A302-A4B509E9BE7A}" destId="{D443A12C-8F2E-4816-851F-F7E8881004F2}" srcOrd="0" destOrd="0" parTransId="{79BA18C6-22C6-4234-B05F-44CD8516B15C}" sibTransId="{A185D66A-7162-46EC-897B-87B62D19939B}"/>
-    <dgm:cxn modelId="{9A8C1E40-60C2-4689-9EC1-66B23E3145C8}" type="presOf" srcId="{DCF00EED-65CC-4C7E-96D9-B816C13F9EFE}" destId="{CC7BCB6C-8BCA-495D-8CF6-D84666EF5E5F}" srcOrd="0" destOrd="0" presId="urn:microsoft.com/office/officeart/2005/8/layout/list1"/>
-    <dgm:cxn modelId="{870DC54F-CA08-49D2-B0B2-26C1E543DD29}" srcId="{875A89C7-B05B-4366-8D40-1185823E2C6E}" destId="{381BE165-E217-4469-967D-449BAF1F7DC2}" srcOrd="0" destOrd="0" parTransId="{C1F212F0-DDFE-46DA-92C5-B13F3B821D77}" sibTransId="{10006573-E3B7-49BB-9CEB-185B034D967B}"/>
-    <dgm:cxn modelId="{D5FBEC3F-7977-4DCC-B14E-B8C8CB555C9F}" type="presOf" srcId="{B3DC2587-E04D-4C5C-A58F-384A6C572ACF}" destId="{F9FDB6E3-7604-4CFB-99E9-16977FD41B76}" srcOrd="1" destOrd="0" presId="urn:microsoft.com/office/officeart/2005/8/layout/list1"/>
     <dgm:cxn modelId="{E31B849E-1834-41DC-8412-A952D3508046}" srcId="{DD8C1B21-E105-4303-887A-6CB1E6E4DA97}" destId="{B3DC2587-E04D-4C5C-A58F-384A6C572ACF}" srcOrd="3" destOrd="0" parTransId="{2F299146-BA38-46FD-86E5-FB35F2457340}" sibTransId="{1F6E51F2-0652-41FD-82EE-8D265B0695F8}"/>
-    <dgm:cxn modelId="{8C761ED4-F506-40FF-A62F-EF5BA50B6C76}" type="presOf" srcId="{B3DC2587-E04D-4C5C-A58F-384A6C572ACF}" destId="{5DEEECA0-F703-4185-BE20-02DAF9EFE1D1}" srcOrd="0" destOrd="0" presId="urn:microsoft.com/office/officeart/2005/8/layout/list1"/>
-    <dgm:cxn modelId="{F9119C24-1BB2-44A5-9AE0-096AE02AC6B6}" type="presOf" srcId="{8480DCCD-41B1-4FEE-814C-0E656A275AF9}" destId="{4FB21003-4F00-4B83-ACB9-5DE3C9405725}" srcOrd="1" destOrd="0" presId="urn:microsoft.com/office/officeart/2005/8/layout/list1"/>
-    <dgm:cxn modelId="{7D232A26-26FE-40E6-B9A6-608CBAEAA451}" srcId="{DD8C1B21-E105-4303-887A-6CB1E6E4DA97}" destId="{6AE72809-82D1-4054-A302-A4B509E9BE7A}" srcOrd="1" destOrd="0" parTransId="{1FD80B2D-D71E-42AE-9903-35E256B15AA4}" sibTransId="{D0EB0430-64B4-4777-BA2A-87BF4A75F0CB}"/>
-    <dgm:cxn modelId="{1AC2612F-91E6-4D5C-83F6-8232A96CD232}" srcId="{8480DCCD-41B1-4FEE-814C-0E656A275AF9}" destId="{52289717-3175-42C8-8737-9F6FBD19C023}" srcOrd="0" destOrd="0" parTransId="{5490E82B-6B7D-4F30-802B-DC51137542F4}" sibTransId="{2C8228D6-5C36-4B75-A7CC-94F4EECE7C9D}"/>
-    <dgm:cxn modelId="{7AD890BC-5599-4F95-A106-1C041C54315D}" srcId="{B3DC2587-E04D-4C5C-A58F-384A6C572ACF}" destId="{DFEDEE1D-69F6-4D76-8A43-6A808AD3E1C4}" srcOrd="3" destOrd="0" parTransId="{C11AC484-2EEE-4B3D-9B87-1816F90C24F3}" sibTransId="{6CF29048-0F10-4A73-A66D-4A25BC828763}"/>
-    <dgm:cxn modelId="{49C9A4C3-F801-4B6F-85AE-E79F7EB06D7D}" srcId="{DD8C1B21-E105-4303-887A-6CB1E6E4DA97}" destId="{8480DCCD-41B1-4FEE-814C-0E656A275AF9}" srcOrd="2" destOrd="0" parTransId="{2948BB94-4223-4F8B-91EF-A67DF73C71F0}" sibTransId="{A72B276E-155B-4C51-99A8-88AC6AC51523}"/>
-    <dgm:cxn modelId="{82632590-126F-478B-95A2-32CA0DFF92F4}" type="presOf" srcId="{875A89C7-B05B-4366-8D40-1185823E2C6E}" destId="{B4FDC873-78D4-4FB4-B5B0-049926DE8A1A}" srcOrd="1" destOrd="0" presId="urn:microsoft.com/office/officeart/2005/8/layout/list1"/>
-    <dgm:cxn modelId="{647A9804-2E88-46E4-92AE-3A6EC3759CCD}" srcId="{B3DC2587-E04D-4C5C-A58F-384A6C572ACF}" destId="{4809A052-339C-4B54-B992-67A13C97ADAA}" srcOrd="1" destOrd="0" parTransId="{2F7C2E58-9992-423E-A06F-6A88FFA0F391}" sibTransId="{331793EE-3D70-49D1-B005-76BE228CB3AC}"/>
+    <dgm:cxn modelId="{1627157D-A4DF-4A75-82ED-2BCAFAF037CA}" type="presOf" srcId="{DD8C1B21-E105-4303-887A-6CB1E6E4DA97}" destId="{3C62609F-F3FD-4911-AA82-C116C88BB4F0}" srcOrd="0" destOrd="0" presId="urn:microsoft.com/office/officeart/2005/8/layout/list1"/>
     <dgm:cxn modelId="{621AC734-CB76-444E-9592-9E5788A9AD92}" type="presOf" srcId="{6AE72809-82D1-4054-A302-A4B509E9BE7A}" destId="{46877989-D016-4D36-BCED-CD47F213F7CE}" srcOrd="0" destOrd="0" presId="urn:microsoft.com/office/officeart/2005/8/layout/list1"/>
-    <dgm:cxn modelId="{B7DC7B38-1D0C-4603-9A07-4BAF8922692C}" type="presOf" srcId="{4809A052-339C-4B54-B992-67A13C97ADAA}" destId="{CC7BCB6C-8BCA-495D-8CF6-D84666EF5E5F}" srcOrd="0" destOrd="1" presId="urn:microsoft.com/office/officeart/2005/8/layout/list1"/>
-    <dgm:cxn modelId="{4B733FFC-0BEF-40D3-B3F1-9002D16FE07E}" type="presOf" srcId="{DB6FE0FF-CD4F-4631-BF72-C498006D7653}" destId="{F2A0EB99-4789-4781-B84A-B91842BA5259}" srcOrd="0" destOrd="2" presId="urn:microsoft.com/office/officeart/2005/8/layout/list1"/>
-    <dgm:cxn modelId="{1627157D-A4DF-4A75-82ED-2BCAFAF037CA}" type="presOf" srcId="{DD8C1B21-E105-4303-887A-6CB1E6E4DA97}" destId="{3C62609F-F3FD-4911-AA82-C116C88BB4F0}" srcOrd="0" destOrd="0" presId="urn:microsoft.com/office/officeart/2005/8/layout/list1"/>
-    <dgm:cxn modelId="{102742C8-C00F-40D6-9C8A-B0B290F444C6}" srcId="{6AE72809-82D1-4054-A302-A4B509E9BE7A}" destId="{DB6FE0FF-CD4F-4631-BF72-C498006D7653}" srcOrd="2" destOrd="0" parTransId="{91D8CDED-B3ED-4E6D-9DC0-AF4B7125F173}" sibTransId="{FC0CF06E-6548-4E9C-9078-482335FAE958}"/>
-    <dgm:cxn modelId="{8C4B960C-99B8-4601-8AC4-F88E3953A281}" type="presOf" srcId="{DFEDEE1D-69F6-4D76-8A43-6A808AD3E1C4}" destId="{CC7BCB6C-8BCA-495D-8CF6-D84666EF5E5F}" srcOrd="0" destOrd="3" presId="urn:microsoft.com/office/officeart/2005/8/layout/list1"/>
-    <dgm:cxn modelId="{A6C46689-EEC5-4B2E-9222-321978930691}" type="presOf" srcId="{D443A12C-8F2E-4816-851F-F7E8881004F2}" destId="{F2A0EB99-4789-4781-B84A-B91842BA5259}" srcOrd="0" destOrd="0" presId="urn:microsoft.com/office/officeart/2005/8/layout/list1"/>
-    <dgm:cxn modelId="{C666E48A-E17F-40CA-81A4-0B136FD09BC9}" type="presOf" srcId="{1397783F-A20E-4235-A183-0F41B5A760A9}" destId="{F2A0EB99-4789-4781-B84A-B91842BA5259}" srcOrd="0" destOrd="1" presId="urn:microsoft.com/office/officeart/2005/8/layout/list1"/>
-    <dgm:cxn modelId="{BE3AA0D0-7B74-4624-83C5-79A723A6E10A}" type="presOf" srcId="{52289717-3175-42C8-8737-9F6FBD19C023}" destId="{48B4068F-93DE-4F21-A39D-216EC12D90FA}" srcOrd="0" destOrd="0" presId="urn:microsoft.com/office/officeart/2005/8/layout/list1"/>
-    <dgm:cxn modelId="{D7C19577-B0E8-494B-AE68-7087E7E452D3}" srcId="{DD8C1B21-E105-4303-887A-6CB1E6E4DA97}" destId="{875A89C7-B05B-4366-8D40-1185823E2C6E}" srcOrd="0" destOrd="0" parTransId="{1DF17B52-25DF-41A7-A84E-6375AE03F565}" sibTransId="{0292764D-80F7-4C7E-86C1-6FEFCE2161BE}"/>
     <dgm:cxn modelId="{62B6AE52-FD6C-4C16-94F6-40B6C2E63A00}" type="presParOf" srcId="{3C62609F-F3FD-4911-AA82-C116C88BB4F0}" destId="{82D637B7-780B-4FA2-BADE-5DEF663CC138}" srcOrd="0" destOrd="0" presId="urn:microsoft.com/office/officeart/2005/8/layout/list1"/>
     <dgm:cxn modelId="{2E69C1DD-6CCD-4C80-A6D6-503AC3DF7C94}" type="presParOf" srcId="{82D637B7-780B-4FA2-BADE-5DEF663CC138}" destId="{81383EA1-0C17-4163-B12F-244F1882C351}" srcOrd="0" destOrd="0" presId="urn:microsoft.com/office/officeart/2005/8/layout/list1"/>
     <dgm:cxn modelId="{94D16D4A-8A84-4D2F-819F-70D419EF8767}" type="presParOf" srcId="{82D637B7-780B-4FA2-BADE-5DEF663CC138}" destId="{B4FDC873-78D4-4FB4-B5B0-049926DE8A1A}" srcOrd="1" destOrd="0" presId="urn:microsoft.com/office/officeart/2005/8/layout/list1"/>
@@ -5553,6 +7330,784 @@
       <dsp:cNvGrpSpPr/>
     </dsp:nvGrpSpPr>
     <dsp:grpSpPr/>
+    <dsp:sp modelId="{9FDF0394-F153-4F47-97A5-B6A1083C43C9}">
+      <dsp:nvSpPr>
+        <dsp:cNvPr id="0" name=""/>
+        <dsp:cNvSpPr/>
+      </dsp:nvSpPr>
+      <dsp:spPr>
+        <a:xfrm>
+          <a:off x="0" y="71925"/>
+          <a:ext cx="8237537" cy="479700"/>
+        </a:xfrm>
+        <a:prstGeom prst="roundRect">
+          <a:avLst/>
+        </a:prstGeom>
+        <a:solidFill>
+          <a:schemeClr val="accent2">
+            <a:hueOff val="0"/>
+            <a:satOff val="0"/>
+            <a:lumOff val="0"/>
+            <a:alphaOff val="0"/>
+          </a:schemeClr>
+        </a:solidFill>
+        <a:ln w="25400" cap="flat" cmpd="sng" algn="ctr">
+          <a:solidFill>
+            <a:schemeClr val="lt1">
+              <a:hueOff val="0"/>
+              <a:satOff val="0"/>
+              <a:lumOff val="0"/>
+              <a:alphaOff val="0"/>
+            </a:schemeClr>
+          </a:solidFill>
+          <a:prstDash val="solid"/>
+        </a:ln>
+        <a:effectLst/>
+      </dsp:spPr>
+      <dsp:style>
+        <a:lnRef idx="2">
+          <a:scrgbClr r="0" g="0" b="0"/>
+        </a:lnRef>
+        <a:fillRef idx="1">
+          <a:scrgbClr r="0" g="0" b="0"/>
+        </a:fillRef>
+        <a:effectRef idx="0">
+          <a:scrgbClr r="0" g="0" b="0"/>
+        </a:effectRef>
+        <a:fontRef idx="minor">
+          <a:schemeClr val="lt1"/>
+        </a:fontRef>
+      </dsp:style>
+      <dsp:txBody>
+        <a:bodyPr spcFirstLastPara="0" vert="horz" wrap="square" lIns="76200" tIns="76200" rIns="76200" bIns="76200" numCol="1" spcCol="1270" anchor="ctr" anchorCtr="0">
+          <a:noAutofit/>
+        </a:bodyPr>
+        <a:lstStyle/>
+        <a:p>
+          <a:pPr lvl="0" algn="l" defTabSz="889000" rtl="0">
+            <a:lnSpc>
+              <a:spcPct val="90000"/>
+            </a:lnSpc>
+            <a:spcBef>
+              <a:spcPct val="0"/>
+            </a:spcBef>
+            <a:spcAft>
+              <a:spcPct val="35000"/>
+            </a:spcAft>
+          </a:pPr>
+          <a:r>
+            <a:rPr lang="en-US" sz="2000" kern="1200" smtClean="0"/>
+            <a:t>OpenCL Runtime</a:t>
+          </a:r>
+          <a:endParaRPr lang="en-US" sz="2000" kern="1200"/>
+        </a:p>
+      </dsp:txBody>
+      <dsp:txXfrm>
+        <a:off x="23417" y="95342"/>
+        <a:ext cx="8190703" cy="432866"/>
+      </dsp:txXfrm>
+    </dsp:sp>
+    <dsp:sp modelId="{B211CB30-159A-4CFD-94E1-F137136A9689}">
+      <dsp:nvSpPr>
+        <dsp:cNvPr id="0" name=""/>
+        <dsp:cNvSpPr/>
+      </dsp:nvSpPr>
+      <dsp:spPr>
+        <a:xfrm>
+          <a:off x="0" y="551625"/>
+          <a:ext cx="8237537" cy="331200"/>
+        </a:xfrm>
+        <a:prstGeom prst="rect">
+          <a:avLst/>
+        </a:prstGeom>
+        <a:noFill/>
+        <a:ln>
+          <a:noFill/>
+        </a:ln>
+        <a:effectLst/>
+      </dsp:spPr>
+      <dsp:style>
+        <a:lnRef idx="0">
+          <a:scrgbClr r="0" g="0" b="0"/>
+        </a:lnRef>
+        <a:fillRef idx="0">
+          <a:scrgbClr r="0" g="0" b="0"/>
+        </a:fillRef>
+        <a:effectRef idx="0">
+          <a:scrgbClr r="0" g="0" b="0"/>
+        </a:effectRef>
+        <a:fontRef idx="minor"/>
+      </dsp:style>
+      <dsp:txBody>
+        <a:bodyPr spcFirstLastPara="0" vert="horz" wrap="square" lIns="261542" tIns="25400" rIns="142240" bIns="25400" numCol="1" spcCol="1270" anchor="t" anchorCtr="0">
+          <a:noAutofit/>
+        </a:bodyPr>
+        <a:lstStyle/>
+        <a:p>
+          <a:pPr marL="171450" lvl="1" indent="-171450" algn="l" defTabSz="711200" rtl="0">
+            <a:lnSpc>
+              <a:spcPct val="90000"/>
+            </a:lnSpc>
+            <a:spcBef>
+              <a:spcPct val="0"/>
+            </a:spcBef>
+            <a:spcAft>
+              <a:spcPct val="20000"/>
+            </a:spcAft>
+            <a:buChar char="••"/>
+          </a:pPr>
+          <a:r>
+            <a:rPr lang="en-US" sz="1600" kern="1200" smtClean="0"/>
+            <a:t>OpenCL API implementation – Runtime API, OpenCL C language </a:t>
+          </a:r>
+          <a:endParaRPr lang="en-US" sz="1600" kern="1200"/>
+        </a:p>
+      </dsp:txBody>
+      <dsp:txXfrm>
+        <a:off x="0" y="551625"/>
+        <a:ext cx="8237537" cy="331200"/>
+      </dsp:txXfrm>
+    </dsp:sp>
+    <dsp:sp modelId="{0B9BAFDD-B9D0-4782-8DF2-C81996F3A978}">
+      <dsp:nvSpPr>
+        <dsp:cNvPr id="0" name=""/>
+        <dsp:cNvSpPr/>
+      </dsp:nvSpPr>
+      <dsp:spPr>
+        <a:xfrm>
+          <a:off x="0" y="882825"/>
+          <a:ext cx="8237537" cy="479700"/>
+        </a:xfrm>
+        <a:prstGeom prst="roundRect">
+          <a:avLst/>
+        </a:prstGeom>
+        <a:solidFill>
+          <a:schemeClr val="accent2">
+            <a:hueOff val="255619"/>
+            <a:satOff val="-6045"/>
+            <a:lumOff val="4608"/>
+            <a:alphaOff val="0"/>
+          </a:schemeClr>
+        </a:solidFill>
+        <a:ln w="25400" cap="flat" cmpd="sng" algn="ctr">
+          <a:solidFill>
+            <a:schemeClr val="lt1">
+              <a:hueOff val="0"/>
+              <a:satOff val="0"/>
+              <a:lumOff val="0"/>
+              <a:alphaOff val="0"/>
+            </a:schemeClr>
+          </a:solidFill>
+          <a:prstDash val="solid"/>
+        </a:ln>
+        <a:effectLst/>
+      </dsp:spPr>
+      <dsp:style>
+        <a:lnRef idx="2">
+          <a:scrgbClr r="0" g="0" b="0"/>
+        </a:lnRef>
+        <a:fillRef idx="1">
+          <a:scrgbClr r="0" g="0" b="0"/>
+        </a:fillRef>
+        <a:effectRef idx="0">
+          <a:scrgbClr r="0" g="0" b="0"/>
+        </a:effectRef>
+        <a:fontRef idx="minor">
+          <a:schemeClr val="lt1"/>
+        </a:fontRef>
+      </dsp:style>
+      <dsp:txBody>
+        <a:bodyPr spcFirstLastPara="0" vert="horz" wrap="square" lIns="76200" tIns="76200" rIns="76200" bIns="76200" numCol="1" spcCol="1270" anchor="ctr" anchorCtr="0">
+          <a:noAutofit/>
+        </a:bodyPr>
+        <a:lstStyle/>
+        <a:p>
+          <a:pPr lvl="0" algn="l" defTabSz="889000" rtl="0">
+            <a:lnSpc>
+              <a:spcPct val="90000"/>
+            </a:lnSpc>
+            <a:spcBef>
+              <a:spcPct val="0"/>
+            </a:spcBef>
+            <a:spcAft>
+              <a:spcPct val="35000"/>
+            </a:spcAft>
+          </a:pPr>
+          <a:r>
+            <a:rPr lang="en-US" sz="2000" kern="1200" smtClean="0"/>
+            <a:t>MIC Backend </a:t>
+          </a:r>
+          <a:endParaRPr lang="en-US" sz="2000" kern="1200"/>
+        </a:p>
+      </dsp:txBody>
+      <dsp:txXfrm>
+        <a:off x="23417" y="906242"/>
+        <a:ext cx="8190703" cy="432866"/>
+      </dsp:txXfrm>
+    </dsp:sp>
+    <dsp:sp modelId="{51E95E0F-1CF9-4615-994C-D40323F55B69}">
+      <dsp:nvSpPr>
+        <dsp:cNvPr id="0" name=""/>
+        <dsp:cNvSpPr/>
+      </dsp:nvSpPr>
+      <dsp:spPr>
+        <a:xfrm>
+          <a:off x="0" y="1362525"/>
+          <a:ext cx="8237537" cy="548550"/>
+        </a:xfrm>
+        <a:prstGeom prst="rect">
+          <a:avLst/>
+        </a:prstGeom>
+        <a:noFill/>
+        <a:ln>
+          <a:noFill/>
+        </a:ln>
+        <a:effectLst/>
+      </dsp:spPr>
+      <dsp:style>
+        <a:lnRef idx="0">
+          <a:scrgbClr r="0" g="0" b="0"/>
+        </a:lnRef>
+        <a:fillRef idx="0">
+          <a:scrgbClr r="0" g="0" b="0"/>
+        </a:fillRef>
+        <a:effectRef idx="0">
+          <a:scrgbClr r="0" g="0" b="0"/>
+        </a:effectRef>
+        <a:fontRef idx="minor"/>
+      </dsp:style>
+      <dsp:txBody>
+        <a:bodyPr spcFirstLastPara="0" vert="horz" wrap="square" lIns="261542" tIns="25400" rIns="142240" bIns="25400" numCol="1" spcCol="1270" anchor="t" anchorCtr="0">
+          <a:noAutofit/>
+        </a:bodyPr>
+        <a:lstStyle/>
+        <a:p>
+          <a:pPr marL="171450" lvl="1" indent="-171450" algn="l" defTabSz="711200" rtl="0">
+            <a:lnSpc>
+              <a:spcPct val="90000"/>
+            </a:lnSpc>
+            <a:spcBef>
+              <a:spcPct val="0"/>
+            </a:spcBef>
+            <a:spcAft>
+              <a:spcPct val="20000"/>
+            </a:spcAft>
+            <a:buChar char="••"/>
+          </a:pPr>
+          <a:r>
+            <a:rPr lang="en-US" sz="1600" kern="1200" smtClean="0"/>
+            <a:t>Host part – device-specific kernels optimizations and code generation </a:t>
+          </a:r>
+          <a:endParaRPr lang="en-US" sz="1600" kern="1200"/>
+        </a:p>
+        <a:p>
+          <a:pPr marL="171450" lvl="1" indent="-171450" algn="l" defTabSz="711200" rtl="0">
+            <a:lnSpc>
+              <a:spcPct val="90000"/>
+            </a:lnSpc>
+            <a:spcBef>
+              <a:spcPct val="0"/>
+            </a:spcBef>
+            <a:spcAft>
+              <a:spcPct val="20000"/>
+            </a:spcAft>
+            <a:buChar char="••"/>
+          </a:pPr>
+          <a:r>
+            <a:rPr lang="en-US" sz="1600" kern="1200" smtClean="0"/>
+            <a:t>Device part – single WorkGroup kernel execution maintenance</a:t>
+          </a:r>
+          <a:endParaRPr lang="en-US" sz="1600" kern="1200"/>
+        </a:p>
+      </dsp:txBody>
+      <dsp:txXfrm>
+        <a:off x="0" y="1362525"/>
+        <a:ext cx="8237537" cy="548550"/>
+      </dsp:txXfrm>
+    </dsp:sp>
+    <dsp:sp modelId="{B03518A1-866C-43F7-BA44-23792D429F31}">
+      <dsp:nvSpPr>
+        <dsp:cNvPr id="0" name=""/>
+        <dsp:cNvSpPr/>
+      </dsp:nvSpPr>
+      <dsp:spPr>
+        <a:xfrm>
+          <a:off x="0" y="1911075"/>
+          <a:ext cx="8237537" cy="479700"/>
+        </a:xfrm>
+        <a:prstGeom prst="roundRect">
+          <a:avLst/>
+        </a:prstGeom>
+        <a:solidFill>
+          <a:schemeClr val="accent2">
+            <a:hueOff val="511238"/>
+            <a:satOff val="-12091"/>
+            <a:lumOff val="9216"/>
+            <a:alphaOff val="0"/>
+          </a:schemeClr>
+        </a:solidFill>
+        <a:ln w="25400" cap="flat" cmpd="sng" algn="ctr">
+          <a:solidFill>
+            <a:schemeClr val="lt1">
+              <a:hueOff val="0"/>
+              <a:satOff val="0"/>
+              <a:lumOff val="0"/>
+              <a:alphaOff val="0"/>
+            </a:schemeClr>
+          </a:solidFill>
+          <a:prstDash val="solid"/>
+        </a:ln>
+        <a:effectLst/>
+      </dsp:spPr>
+      <dsp:style>
+        <a:lnRef idx="2">
+          <a:scrgbClr r="0" g="0" b="0"/>
+        </a:lnRef>
+        <a:fillRef idx="1">
+          <a:scrgbClr r="0" g="0" b="0"/>
+        </a:fillRef>
+        <a:effectRef idx="0">
+          <a:scrgbClr r="0" g="0" b="0"/>
+        </a:effectRef>
+        <a:fontRef idx="minor">
+          <a:schemeClr val="lt1"/>
+        </a:fontRef>
+      </dsp:style>
+      <dsp:txBody>
+        <a:bodyPr spcFirstLastPara="0" vert="horz" wrap="square" lIns="76200" tIns="76200" rIns="76200" bIns="76200" numCol="1" spcCol="1270" anchor="ctr" anchorCtr="0">
+          <a:noAutofit/>
+        </a:bodyPr>
+        <a:lstStyle/>
+        <a:p>
+          <a:pPr lvl="0" algn="l" defTabSz="889000" rtl="0">
+            <a:lnSpc>
+              <a:spcPct val="90000"/>
+            </a:lnSpc>
+            <a:spcBef>
+              <a:spcPct val="0"/>
+            </a:spcBef>
+            <a:spcAft>
+              <a:spcPct val="35000"/>
+            </a:spcAft>
+          </a:pPr>
+          <a:r>
+            <a:rPr lang="en-US" sz="2000" kern="1200" smtClean="0"/>
+            <a:t>COI</a:t>
+          </a:r>
+          <a:endParaRPr lang="en-US" sz="2000" kern="1200"/>
+        </a:p>
+      </dsp:txBody>
+      <dsp:txXfrm>
+        <a:off x="23417" y="1934492"/>
+        <a:ext cx="8190703" cy="432866"/>
+      </dsp:txXfrm>
+    </dsp:sp>
+    <dsp:sp modelId="{1B715215-7B28-458D-B9F8-10CCD4EB2518}">
+      <dsp:nvSpPr>
+        <dsp:cNvPr id="0" name=""/>
+        <dsp:cNvSpPr/>
+      </dsp:nvSpPr>
+      <dsp:spPr>
+        <a:xfrm>
+          <a:off x="0" y="2390775"/>
+          <a:ext cx="8237537" cy="1097100"/>
+        </a:xfrm>
+        <a:prstGeom prst="rect">
+          <a:avLst/>
+        </a:prstGeom>
+        <a:noFill/>
+        <a:ln>
+          <a:noFill/>
+        </a:ln>
+        <a:effectLst/>
+      </dsp:spPr>
+      <dsp:style>
+        <a:lnRef idx="0">
+          <a:scrgbClr r="0" g="0" b="0"/>
+        </a:lnRef>
+        <a:fillRef idx="0">
+          <a:scrgbClr r="0" g="0" b="0"/>
+        </a:fillRef>
+        <a:effectRef idx="0">
+          <a:scrgbClr r="0" g="0" b="0"/>
+        </a:effectRef>
+        <a:fontRef idx="minor"/>
+      </dsp:style>
+      <dsp:txBody>
+        <a:bodyPr spcFirstLastPara="0" vert="horz" wrap="square" lIns="261542" tIns="25400" rIns="142240" bIns="25400" numCol="1" spcCol="1270" anchor="t" anchorCtr="0">
+          <a:noAutofit/>
+        </a:bodyPr>
+        <a:lstStyle/>
+        <a:p>
+          <a:pPr marL="171450" lvl="1" indent="-171450" algn="l" defTabSz="711200" rtl="0">
+            <a:lnSpc>
+              <a:spcPct val="90000"/>
+            </a:lnSpc>
+            <a:spcBef>
+              <a:spcPct val="0"/>
+            </a:spcBef>
+            <a:spcAft>
+              <a:spcPct val="20000"/>
+            </a:spcAft>
+            <a:buChar char="••"/>
+          </a:pPr>
+          <a:r>
+            <a:rPr lang="en-US" sz="1600" kern="1200" smtClean="0"/>
+            <a:t>Low level device memory management </a:t>
+          </a:r>
+          <a:endParaRPr lang="en-US" sz="1600" kern="1200"/>
+        </a:p>
+        <a:p>
+          <a:pPr marL="171450" lvl="1" indent="-171450" algn="l" defTabSz="711200" rtl="0">
+            <a:lnSpc>
+              <a:spcPct val="90000"/>
+            </a:lnSpc>
+            <a:spcBef>
+              <a:spcPct val="0"/>
+            </a:spcBef>
+            <a:spcAft>
+              <a:spcPct val="20000"/>
+            </a:spcAft>
+            <a:buChar char="••"/>
+          </a:pPr>
+          <a:r>
+            <a:rPr lang="en-US" sz="1600" kern="1200" smtClean="0"/>
+            <a:t>Device process management </a:t>
+          </a:r>
+          <a:endParaRPr lang="en-US" sz="1600" kern="1200"/>
+        </a:p>
+        <a:p>
+          <a:pPr marL="171450" lvl="1" indent="-171450" algn="l" defTabSz="711200" rtl="0">
+            <a:lnSpc>
+              <a:spcPct val="90000"/>
+            </a:lnSpc>
+            <a:spcBef>
+              <a:spcPct val="0"/>
+            </a:spcBef>
+            <a:spcAft>
+              <a:spcPct val="20000"/>
+            </a:spcAft>
+            <a:buChar char="••"/>
+          </a:pPr>
+          <a:r>
+            <a:rPr lang="en-US" sz="1600" kern="1200" smtClean="0"/>
+            <a:t>Pipelining execution requests to device</a:t>
+          </a:r>
+          <a:endParaRPr lang="en-US" sz="1600" kern="1200"/>
+        </a:p>
+        <a:p>
+          <a:pPr marL="171450" lvl="1" indent="-171450" algn="l" defTabSz="711200" rtl="0">
+            <a:lnSpc>
+              <a:spcPct val="90000"/>
+            </a:lnSpc>
+            <a:spcBef>
+              <a:spcPct val="0"/>
+            </a:spcBef>
+            <a:spcAft>
+              <a:spcPct val="20000"/>
+            </a:spcAft>
+            <a:buChar char="••"/>
+          </a:pPr>
+          <a:r>
+            <a:rPr lang="en-US" sz="1600" kern="1200" smtClean="0"/>
+            <a:t>Cross-PCI communication</a:t>
+          </a:r>
+          <a:endParaRPr lang="en-US" sz="1600" kern="1200"/>
+        </a:p>
+      </dsp:txBody>
+      <dsp:txXfrm>
+        <a:off x="0" y="2390775"/>
+        <a:ext cx="8237537" cy="1097100"/>
+      </dsp:txXfrm>
+    </dsp:sp>
+    <dsp:sp modelId="{3A1B2238-7FDC-4F1D-A9B2-36B0C7CCED8B}">
+      <dsp:nvSpPr>
+        <dsp:cNvPr id="0" name=""/>
+        <dsp:cNvSpPr/>
+      </dsp:nvSpPr>
+      <dsp:spPr>
+        <a:xfrm>
+          <a:off x="0" y="3487875"/>
+          <a:ext cx="8237537" cy="479700"/>
+        </a:xfrm>
+        <a:prstGeom prst="roundRect">
+          <a:avLst/>
+        </a:prstGeom>
+        <a:solidFill>
+          <a:schemeClr val="accent2">
+            <a:hueOff val="766857"/>
+            <a:satOff val="-18136"/>
+            <a:lumOff val="13824"/>
+            <a:alphaOff val="0"/>
+          </a:schemeClr>
+        </a:solidFill>
+        <a:ln w="25400" cap="flat" cmpd="sng" algn="ctr">
+          <a:solidFill>
+            <a:schemeClr val="lt1">
+              <a:hueOff val="0"/>
+              <a:satOff val="0"/>
+              <a:lumOff val="0"/>
+              <a:alphaOff val="0"/>
+            </a:schemeClr>
+          </a:solidFill>
+          <a:prstDash val="solid"/>
+        </a:ln>
+        <a:effectLst/>
+      </dsp:spPr>
+      <dsp:style>
+        <a:lnRef idx="2">
+          <a:scrgbClr r="0" g="0" b="0"/>
+        </a:lnRef>
+        <a:fillRef idx="1">
+          <a:scrgbClr r="0" g="0" b="0"/>
+        </a:fillRef>
+        <a:effectRef idx="0">
+          <a:scrgbClr r="0" g="0" b="0"/>
+        </a:effectRef>
+        <a:fontRef idx="minor">
+          <a:schemeClr val="lt1"/>
+        </a:fontRef>
+      </dsp:style>
+      <dsp:txBody>
+        <a:bodyPr spcFirstLastPara="0" vert="horz" wrap="square" lIns="76200" tIns="76200" rIns="76200" bIns="76200" numCol="1" spcCol="1270" anchor="ctr" anchorCtr="0">
+          <a:noAutofit/>
+        </a:bodyPr>
+        <a:lstStyle/>
+        <a:p>
+          <a:pPr lvl="0" algn="l" defTabSz="889000" rtl="0">
+            <a:lnSpc>
+              <a:spcPct val="90000"/>
+            </a:lnSpc>
+            <a:spcBef>
+              <a:spcPct val="0"/>
+            </a:spcBef>
+            <a:spcAft>
+              <a:spcPct val="35000"/>
+            </a:spcAft>
+          </a:pPr>
+          <a:r>
+            <a:rPr lang="en-US" sz="2000" kern="1200" smtClean="0"/>
+            <a:t>TBB</a:t>
+          </a:r>
+          <a:endParaRPr lang="en-US" sz="2000" kern="1200"/>
+        </a:p>
+      </dsp:txBody>
+      <dsp:txXfrm>
+        <a:off x="23417" y="3511292"/>
+        <a:ext cx="8190703" cy="432866"/>
+      </dsp:txXfrm>
+    </dsp:sp>
+    <dsp:sp modelId="{C825C741-13DB-4AF6-8DA4-FE38922ACBD9}">
+      <dsp:nvSpPr>
+        <dsp:cNvPr id="0" name=""/>
+        <dsp:cNvSpPr/>
+      </dsp:nvSpPr>
+      <dsp:spPr>
+        <a:xfrm>
+          <a:off x="0" y="3967575"/>
+          <a:ext cx="8237537" cy="331200"/>
+        </a:xfrm>
+        <a:prstGeom prst="rect">
+          <a:avLst/>
+        </a:prstGeom>
+        <a:noFill/>
+        <a:ln>
+          <a:noFill/>
+        </a:ln>
+        <a:effectLst/>
+      </dsp:spPr>
+      <dsp:style>
+        <a:lnRef idx="0">
+          <a:scrgbClr r="0" g="0" b="0"/>
+        </a:lnRef>
+        <a:fillRef idx="0">
+          <a:scrgbClr r="0" g="0" b="0"/>
+        </a:fillRef>
+        <a:effectRef idx="0">
+          <a:scrgbClr r="0" g="0" b="0"/>
+        </a:effectRef>
+        <a:fontRef idx="minor"/>
+      </dsp:style>
+      <dsp:txBody>
+        <a:bodyPr spcFirstLastPara="0" vert="horz" wrap="square" lIns="261542" tIns="25400" rIns="142240" bIns="25400" numCol="1" spcCol="1270" anchor="t" anchorCtr="0">
+          <a:noAutofit/>
+        </a:bodyPr>
+        <a:lstStyle/>
+        <a:p>
+          <a:pPr marL="171450" lvl="1" indent="-171450" algn="l" defTabSz="711200" rtl="0">
+            <a:lnSpc>
+              <a:spcPct val="90000"/>
+            </a:lnSpc>
+            <a:spcBef>
+              <a:spcPct val="0"/>
+            </a:spcBef>
+            <a:spcAft>
+              <a:spcPct val="20000"/>
+            </a:spcAft>
+            <a:buChar char="••"/>
+          </a:pPr>
+          <a:r>
+            <a:rPr lang="en-US" sz="1600" kern="1200" smtClean="0"/>
+            <a:t>Parallel execution management </a:t>
+          </a:r>
+          <a:endParaRPr lang="en-US" sz="1600" kern="1200"/>
+        </a:p>
+      </dsp:txBody>
+      <dsp:txXfrm>
+        <a:off x="0" y="3967575"/>
+        <a:ext cx="8237537" cy="331200"/>
+      </dsp:txXfrm>
+    </dsp:sp>
+    <dsp:sp modelId="{F8EA85C6-45EA-42D8-BDCE-FA48B5A4495C}">
+      <dsp:nvSpPr>
+        <dsp:cNvPr id="0" name=""/>
+        <dsp:cNvSpPr/>
+      </dsp:nvSpPr>
+      <dsp:spPr>
+        <a:xfrm>
+          <a:off x="0" y="4298775"/>
+          <a:ext cx="8237537" cy="479700"/>
+        </a:xfrm>
+        <a:prstGeom prst="roundRect">
+          <a:avLst/>
+        </a:prstGeom>
+        <a:solidFill>
+          <a:schemeClr val="accent2">
+            <a:hueOff val="1022477"/>
+            <a:satOff val="-24181"/>
+            <a:lumOff val="18432"/>
+            <a:alphaOff val="0"/>
+          </a:schemeClr>
+        </a:solidFill>
+        <a:ln w="25400" cap="flat" cmpd="sng" algn="ctr">
+          <a:solidFill>
+            <a:schemeClr val="lt1">
+              <a:hueOff val="0"/>
+              <a:satOff val="0"/>
+              <a:lumOff val="0"/>
+              <a:alphaOff val="0"/>
+            </a:schemeClr>
+          </a:solidFill>
+          <a:prstDash val="solid"/>
+        </a:ln>
+        <a:effectLst/>
+      </dsp:spPr>
+      <dsp:style>
+        <a:lnRef idx="2">
+          <a:scrgbClr r="0" g="0" b="0"/>
+        </a:lnRef>
+        <a:fillRef idx="1">
+          <a:scrgbClr r="0" g="0" b="0"/>
+        </a:fillRef>
+        <a:effectRef idx="0">
+          <a:scrgbClr r="0" g="0" b="0"/>
+        </a:effectRef>
+        <a:fontRef idx="minor">
+          <a:schemeClr val="lt1"/>
+        </a:fontRef>
+      </dsp:style>
+      <dsp:txBody>
+        <a:bodyPr spcFirstLastPara="0" vert="horz" wrap="square" lIns="76200" tIns="76200" rIns="76200" bIns="76200" numCol="1" spcCol="1270" anchor="ctr" anchorCtr="0">
+          <a:noAutofit/>
+        </a:bodyPr>
+        <a:lstStyle/>
+        <a:p>
+          <a:pPr lvl="0" algn="l" defTabSz="889000" rtl="0">
+            <a:lnSpc>
+              <a:spcPct val="90000"/>
+            </a:lnSpc>
+            <a:spcBef>
+              <a:spcPct val="0"/>
+            </a:spcBef>
+            <a:spcAft>
+              <a:spcPct val="35000"/>
+            </a:spcAft>
+          </a:pPr>
+          <a:r>
+            <a:rPr lang="en-US" sz="2000" kern="1200" smtClean="0"/>
+            <a:t>MIC  Device Agent</a:t>
+          </a:r>
+          <a:endParaRPr lang="en-US" sz="2000" kern="1200"/>
+        </a:p>
+      </dsp:txBody>
+      <dsp:txXfrm>
+        <a:off x="23417" y="4322192"/>
+        <a:ext cx="8190703" cy="432866"/>
+      </dsp:txXfrm>
+    </dsp:sp>
+    <dsp:sp modelId="{70FEAE82-7272-487E-AA43-D63950D5DD52}">
+      <dsp:nvSpPr>
+        <dsp:cNvPr id="0" name=""/>
+        <dsp:cNvSpPr/>
+      </dsp:nvSpPr>
+      <dsp:spPr>
+        <a:xfrm>
+          <a:off x="0" y="4778475"/>
+          <a:ext cx="8237537" cy="331200"/>
+        </a:xfrm>
+        <a:prstGeom prst="rect">
+          <a:avLst/>
+        </a:prstGeom>
+        <a:noFill/>
+        <a:ln>
+          <a:noFill/>
+        </a:ln>
+        <a:effectLst/>
+      </dsp:spPr>
+      <dsp:style>
+        <a:lnRef idx="0">
+          <a:scrgbClr r="0" g="0" b="0"/>
+        </a:lnRef>
+        <a:fillRef idx="0">
+          <a:scrgbClr r="0" g="0" b="0"/>
+        </a:fillRef>
+        <a:effectRef idx="0">
+          <a:scrgbClr r="0" g="0" b="0"/>
+        </a:effectRef>
+        <a:fontRef idx="minor"/>
+      </dsp:style>
+      <dsp:txBody>
+        <a:bodyPr spcFirstLastPara="0" vert="horz" wrap="square" lIns="261542" tIns="25400" rIns="142240" bIns="25400" numCol="1" spcCol="1270" anchor="t" anchorCtr="0">
+          <a:noAutofit/>
+        </a:bodyPr>
+        <a:lstStyle/>
+        <a:p>
+          <a:pPr marL="171450" lvl="1" indent="-171450" algn="l" defTabSz="711200" rtl="0">
+            <a:lnSpc>
+              <a:spcPct val="90000"/>
+            </a:lnSpc>
+            <a:spcBef>
+              <a:spcPct val="0"/>
+            </a:spcBef>
+            <a:spcAft>
+              <a:spcPct val="20000"/>
+            </a:spcAft>
+            <a:buChar char="••"/>
+          </a:pPr>
+          <a:r>
+            <a:rPr lang="en-US" sz="1600" kern="1200" smtClean="0"/>
+            <a:t>Orchestrating all device-specific activities</a:t>
+          </a:r>
+          <a:endParaRPr lang="en-US" sz="1600" kern="1200"/>
+        </a:p>
+      </dsp:txBody>
+      <dsp:txXfrm>
+        <a:off x="0" y="4778475"/>
+        <a:ext cx="8237537" cy="331200"/>
+      </dsp:txXfrm>
+    </dsp:sp>
+  </dsp:spTree>
+</dsp:drawing>
+</file>
+
+<file path=ppt/diagrams/drawing2.xml><?xml version="1.0" encoding="utf-8"?>
+<dsp:drawing xmlns:dgm="http://schemas.openxmlformats.org/drawingml/2006/diagram" xmlns:dsp="http://schemas.microsoft.com/office/drawing/2008/diagram" xmlns:a="http://schemas.openxmlformats.org/drawingml/2006/main">
+  <dsp:spTree>
+    <dsp:nvGrpSpPr>
+      <dsp:cNvPr id="0" name=""/>
+      <dsp:cNvGrpSpPr/>
+    </dsp:nvGrpSpPr>
+    <dsp:grpSpPr/>
     <dsp:sp modelId="{072AC00A-CB07-4B22-A983-F7C182DECFA3}">
       <dsp:nvSpPr>
         <dsp:cNvPr id="0" name=""/>
@@ -5560,7 +8115,7 @@
       </dsp:nvSpPr>
       <dsp:spPr>
         <a:xfrm>
-          <a:off x="0" y="18539"/>
+          <a:off x="0" y="16919"/>
           <a:ext cx="8307387" cy="524160"/>
         </a:xfrm>
         <a:prstGeom prst="roundRect">
@@ -5626,7 +8181,7 @@
         </a:p>
       </dsp:txBody>
       <dsp:txXfrm>
-        <a:off x="25587" y="44126"/>
+        <a:off x="25587" y="42506"/>
         <a:ext cx="8256213" cy="472986"/>
       </dsp:txXfrm>
     </dsp:sp>
@@ -5637,7 +8192,7 @@
       </dsp:nvSpPr>
       <dsp:spPr>
         <a:xfrm>
-          <a:off x="0" y="542699"/>
+          <a:off x="0" y="541080"/>
           <a:ext cx="8307387" cy="463680"/>
         </a:xfrm>
         <a:prstGeom prst="rect">
@@ -5680,14 +8235,14 @@
             <a:buChar char="••"/>
           </a:pPr>
           <a:r>
-            <a:rPr lang="en-US" sz="1600" kern="1200" smtClean="0"/>
+            <a:rPr lang="en-US" sz="1600" kern="1200" dirty="0" smtClean="0"/>
             <a:t>Created as part of OpenCL Context creation</a:t>
           </a:r>
-          <a:endParaRPr lang="en-US" sz="1600" kern="1200"/>
+          <a:endParaRPr lang="en-US" sz="1600" kern="1200" dirty="0"/>
         </a:p>
       </dsp:txBody>
       <dsp:txXfrm>
-        <a:off x="0" y="542699"/>
+        <a:off x="0" y="541080"/>
         <a:ext cx="8307387" cy="463680"/>
       </dsp:txXfrm>
     </dsp:sp>
@@ -5698,7 +8253,7 @@
       </dsp:nvSpPr>
       <dsp:spPr>
         <a:xfrm>
-          <a:off x="0" y="1006379"/>
+          <a:off x="0" y="1004760"/>
           <a:ext cx="8307387" cy="524160"/>
         </a:xfrm>
         <a:prstGeom prst="roundRect">
@@ -5772,7 +8327,7 @@
         </a:p>
       </dsp:txBody>
       <dsp:txXfrm>
-        <a:off x="25587" y="1031966"/>
+        <a:off x="25587" y="1030347"/>
         <a:ext cx="8256213" cy="472986"/>
       </dsp:txXfrm>
     </dsp:sp>
@@ -5783,7 +8338,7 @@
       </dsp:nvSpPr>
       <dsp:spPr>
         <a:xfrm>
-          <a:off x="0" y="1530539"/>
+          <a:off x="0" y="1528920"/>
           <a:ext cx="8307387" cy="2144520"/>
         </a:xfrm>
         <a:prstGeom prst="rect">
@@ -5864,10 +8419,10 @@
             <a:buChar char="••"/>
           </a:pPr>
           <a:r>
-            <a:rPr lang="en-US" sz="1600" kern="1200" smtClean="0"/>
+            <a:rPr lang="en-US" sz="1600" kern="1200" dirty="0" smtClean="0"/>
             <a:t>Process startup is much faster</a:t>
           </a:r>
-          <a:endParaRPr lang="en-US" sz="1600" kern="1200"/>
+          <a:endParaRPr lang="en-US" sz="1600" kern="1200" dirty="0"/>
         </a:p>
         <a:p>
           <a:pPr marL="171450" lvl="1" indent="-171450" algn="l" defTabSz="711200" rtl="0">
@@ -5953,13 +8508,13 @@
           </a:pPr>
           <a:r>
             <a:rPr lang="en-US" sz="1600" kern="1200" dirty="0" smtClean="0"/>
-            <a:t>There is no swapping on device</a:t>
+            <a:t>There is no memory swapping support  (by µOS) on device </a:t>
           </a:r>
           <a:endParaRPr lang="en-US" sz="1600" kern="1200" dirty="0"/>
         </a:p>
       </dsp:txBody>
       <dsp:txXfrm>
-        <a:off x="0" y="1530539"/>
+        <a:off x="0" y="1528920"/>
         <a:ext cx="8307387" cy="2144520"/>
       </dsp:txXfrm>
     </dsp:sp>
@@ -5970,7 +8525,7 @@
       </dsp:nvSpPr>
       <dsp:spPr>
         <a:xfrm>
-          <a:off x="0" y="3675059"/>
+          <a:off x="0" y="3673440"/>
           <a:ext cx="8307387" cy="524160"/>
         </a:xfrm>
         <a:prstGeom prst="roundRect">
@@ -6036,7 +8591,7 @@
         </a:p>
       </dsp:txBody>
       <dsp:txXfrm>
-        <a:off x="25587" y="3700646"/>
+        <a:off x="25587" y="3699027"/>
         <a:ext cx="8256213" cy="472986"/>
       </dsp:txXfrm>
     </dsp:sp>
@@ -6047,8 +8602,8 @@
       </dsp:nvSpPr>
       <dsp:spPr>
         <a:xfrm>
-          <a:off x="0" y="4199219"/>
-          <a:ext cx="8307387" cy="811439"/>
+          <a:off x="0" y="4197600"/>
+          <a:ext cx="8307387" cy="1043280"/>
         </a:xfrm>
         <a:prstGeom prst="rect">
           <a:avLst/>
@@ -6090,29 +8645,10 @@
             <a:buChar char="••"/>
           </a:pPr>
           <a:r>
-            <a:rPr lang="en-US" sz="1600" kern="1200" smtClean="0"/>
-            <a:t>Report failure for all pending operations to Runtime</a:t>
+            <a:rPr lang="en-US" sz="1600" kern="1200" dirty="0" smtClean="0"/>
+            <a:t>Report failure for all pending operations to Runtime. Fail all MIC devices for now, analyze possibility to limit failure to a single MIC Device in future. </a:t>
           </a:r>
-          <a:endParaRPr lang="en-US" sz="1600" kern="1200"/>
-        </a:p>
-        <a:p>
-          <a:pPr marL="171450" lvl="1" indent="-171450" algn="l" defTabSz="711200" rtl="0">
-            <a:lnSpc>
-              <a:spcPct val="90000"/>
-            </a:lnSpc>
-            <a:spcBef>
-              <a:spcPct val="0"/>
-            </a:spcBef>
-            <a:spcAft>
-              <a:spcPct val="20000"/>
-            </a:spcAft>
-            <a:buChar char="••"/>
-          </a:pPr>
-          <a:r>
-            <a:rPr lang="en-US" sz="1600" kern="1200" smtClean="0"/>
-            <a:t>Fail all DA API calls except of DA removal</a:t>
-          </a:r>
-          <a:endParaRPr lang="en-US" sz="1600" kern="1200"/>
+          <a:endParaRPr lang="en-US" sz="1600" kern="1200" dirty="0"/>
         </a:p>
         <a:p>
           <a:pPr marL="171450" lvl="1" indent="-171450" algn="l" defTabSz="711200" rtl="0">
@@ -6129,21 +8665,40 @@
           </a:pPr>
           <a:r>
             <a:rPr lang="en-US" sz="1600" kern="1200" dirty="0" smtClean="0"/>
-            <a:t>Require user to recreate all OpenCL Contexts that used this physical device.</a:t>
+            <a:t>Fail all DA API calls except of DA removal</a:t>
+          </a:r>
+          <a:endParaRPr lang="en-US" sz="1600" kern="1200" dirty="0"/>
+        </a:p>
+        <a:p>
+          <a:pPr marL="171450" lvl="1" indent="-171450" algn="l" defTabSz="711200" rtl="0">
+            <a:lnSpc>
+              <a:spcPct val="90000"/>
+            </a:lnSpc>
+            <a:spcBef>
+              <a:spcPct val="0"/>
+            </a:spcBef>
+            <a:spcAft>
+              <a:spcPct val="20000"/>
+            </a:spcAft>
+            <a:buChar char="••"/>
+          </a:pPr>
+          <a:r>
+            <a:rPr lang="en-US" sz="1600" kern="1200" dirty="0" smtClean="0"/>
+            <a:t>Require user to recreate all OpenCL Contexts that referenced failed physical devices.</a:t>
           </a:r>
           <a:endParaRPr lang="en-US" sz="1600" kern="1200" dirty="0"/>
         </a:p>
       </dsp:txBody>
       <dsp:txXfrm>
-        <a:off x="0" y="4199219"/>
-        <a:ext cx="8307387" cy="811439"/>
+        <a:off x="0" y="4197600"/>
+        <a:ext cx="8307387" cy="1043280"/>
       </dsp:txXfrm>
     </dsp:sp>
   </dsp:spTree>
 </dsp:drawing>
 </file>
 
-<file path=ppt/diagrams/drawing2.xml><?xml version="1.0" encoding="utf-8"?>
+<file path=ppt/diagrams/drawing3.xml><?xml version="1.0" encoding="utf-8"?>
 <dsp:drawing xmlns:dgm="http://schemas.openxmlformats.org/drawingml/2006/diagram" xmlns:dsp="http://schemas.microsoft.com/office/drawing/2008/diagram" xmlns:a="http://schemas.openxmlformats.org/drawingml/2006/main">
   <dsp:spTree>
     <dsp:nvGrpSpPr>
@@ -6158,8 +8713,8 @@
       </dsp:nvSpPr>
       <dsp:spPr>
         <a:xfrm>
-          <a:off x="0" y="296520"/>
-          <a:ext cx="8237537" cy="575639"/>
+          <a:off x="0" y="5477"/>
+          <a:ext cx="8237537" cy="466959"/>
         </a:xfrm>
         <a:prstGeom prst="roundRect">
           <a:avLst/>
@@ -6200,12 +8755,12 @@
         </a:fontRef>
       </dsp:style>
       <dsp:txBody>
-        <a:bodyPr spcFirstLastPara="0" vert="horz" wrap="square" lIns="91440" tIns="91440" rIns="91440" bIns="91440" numCol="1" spcCol="1270" anchor="ctr" anchorCtr="0">
+        <a:bodyPr spcFirstLastPara="0" vert="horz" wrap="square" lIns="68580" tIns="68580" rIns="68580" bIns="68580" numCol="1" spcCol="1270" anchor="ctr" anchorCtr="0">
           <a:noAutofit/>
         </a:bodyPr>
         <a:lstStyle/>
         <a:p>
-          <a:pPr lvl="0" algn="l" defTabSz="1066800" rtl="0">
+          <a:pPr lvl="0" algn="l" defTabSz="800100" rtl="0">
             <a:lnSpc>
               <a:spcPct val="90000"/>
             </a:lnSpc>
@@ -6217,15 +8772,15 @@
             </a:spcAft>
           </a:pPr>
           <a:r>
-            <a:rPr lang="en-US" sz="2400" kern="1200" smtClean="0"/>
+            <a:rPr lang="en-US" sz="1800" kern="1200" dirty="0" smtClean="0"/>
             <a:t>Single Device Mode</a:t>
           </a:r>
-          <a:endParaRPr lang="en-US" sz="2400" kern="1200"/>
+          <a:endParaRPr lang="en-US" sz="1800" kern="1200" dirty="0"/>
         </a:p>
       </dsp:txBody>
       <dsp:txXfrm>
-        <a:off x="28100" y="324620"/>
-        <a:ext cx="8181337" cy="519439"/>
+        <a:off x="22795" y="28272"/>
+        <a:ext cx="8191947" cy="421369"/>
       </dsp:txXfrm>
     </dsp:sp>
     <dsp:sp modelId="{62F7868C-2ACC-4986-82A9-A865ED457314}">
@@ -6235,8 +8790,8 @@
       </dsp:nvSpPr>
       <dsp:spPr>
         <a:xfrm>
-          <a:off x="0" y="872159"/>
-          <a:ext cx="8237537" cy="596160"/>
+          <a:off x="0" y="501361"/>
+          <a:ext cx="8237537" cy="761760"/>
         </a:xfrm>
         <a:prstGeom prst="rect">
           <a:avLst/>
@@ -6260,12 +8815,12 @@
         <a:fontRef idx="minor"/>
       </dsp:style>
       <dsp:txBody>
-        <a:bodyPr spcFirstLastPara="0" vert="horz" wrap="square" lIns="261542" tIns="30480" rIns="170688" bIns="30480" numCol="1" spcCol="1270" anchor="t" anchorCtr="0">
+        <a:bodyPr spcFirstLastPara="0" vert="horz" wrap="square" lIns="261542" tIns="20320" rIns="113792" bIns="20320" numCol="1" spcCol="1270" anchor="t" anchorCtr="0">
           <a:noAutofit/>
         </a:bodyPr>
         <a:lstStyle/>
         <a:p>
-          <a:pPr marL="171450" lvl="1" indent="-171450" algn="l" defTabSz="844550" rtl="0">
+          <a:pPr marL="171450" lvl="1" indent="-171450" algn="l" defTabSz="711200" rtl="0">
             <a:lnSpc>
               <a:spcPct val="90000"/>
             </a:lnSpc>
@@ -6278,22 +8833,15 @@
             <a:buChar char="••"/>
           </a:pPr>
           <a:r>
-            <a:rPr lang="en-US" sz="1900" kern="1200" smtClean="0"/>
-            <a:t>MIC is the only device in an OpenCL Context. </a:t>
+            <a:rPr lang="en-US" sz="1600" kern="1200" dirty="0" smtClean="0"/>
+            <a:t>MIC is the only device in an OpenCL Context. Very like current CPU Device mode.</a:t>
           </a:r>
-          <a:br>
-            <a:rPr lang="en-US" sz="1900" kern="1200" smtClean="0"/>
-          </a:br>
-          <a:r>
-            <a:rPr lang="en-US" sz="1900" kern="1200" smtClean="0"/>
-            <a:t>Very like current CPU Device mode.</a:t>
-          </a:r>
-          <a:endParaRPr lang="en-US" sz="1900" kern="1200"/>
+          <a:endParaRPr lang="en-US" sz="1600" kern="1200" dirty="0"/>
         </a:p>
       </dsp:txBody>
       <dsp:txXfrm>
-        <a:off x="0" y="872159"/>
-        <a:ext cx="8237537" cy="596160"/>
+        <a:off x="0" y="501361"/>
+        <a:ext cx="8237537" cy="761760"/>
       </dsp:txXfrm>
     </dsp:sp>
     <dsp:sp modelId="{A937869A-1F51-4985-A1F6-FE5C81EFD06F}">
@@ -6303,8 +8851,8 @@
       </dsp:nvSpPr>
       <dsp:spPr>
         <a:xfrm>
-          <a:off x="0" y="1468320"/>
-          <a:ext cx="8237537" cy="575639"/>
+          <a:off x="0" y="960029"/>
+          <a:ext cx="8237537" cy="495677"/>
         </a:xfrm>
         <a:prstGeom prst="roundRect">
           <a:avLst/>
@@ -6345,12 +8893,12 @@
         </a:fontRef>
       </dsp:style>
       <dsp:txBody>
-        <a:bodyPr spcFirstLastPara="0" vert="horz" wrap="square" lIns="91440" tIns="91440" rIns="91440" bIns="91440" numCol="1" spcCol="1270" anchor="ctr" anchorCtr="0">
+        <a:bodyPr spcFirstLastPara="0" vert="horz" wrap="square" lIns="68580" tIns="68580" rIns="68580" bIns="68580" numCol="1" spcCol="1270" anchor="ctr" anchorCtr="0">
           <a:noAutofit/>
         </a:bodyPr>
         <a:lstStyle/>
         <a:p>
-          <a:pPr lvl="0" algn="l" defTabSz="1066800" rtl="0">
+          <a:pPr lvl="0" algn="l" defTabSz="800100" rtl="0">
             <a:lnSpc>
               <a:spcPct val="90000"/>
             </a:lnSpc>
@@ -6362,15 +8910,15 @@
             </a:spcAft>
           </a:pPr>
           <a:r>
-            <a:rPr lang="en-US" sz="2400" kern="1200" smtClean="0"/>
+            <a:rPr lang="en-US" sz="1800" kern="1200" dirty="0" smtClean="0"/>
             <a:t>Multiple MIC devices in the same OpenCL Context</a:t>
           </a:r>
-          <a:endParaRPr lang="en-US" sz="2400" kern="1200"/>
+          <a:endParaRPr lang="en-US" sz="1800" kern="1200" dirty="0"/>
         </a:p>
       </dsp:txBody>
       <dsp:txXfrm>
-        <a:off x="28100" y="1496420"/>
-        <a:ext cx="8181337" cy="519439"/>
+        <a:off x="24197" y="984226"/>
+        <a:ext cx="8189143" cy="447283"/>
       </dsp:txXfrm>
     </dsp:sp>
     <dsp:sp modelId="{BDE2880A-6EAA-47F7-A454-BDA9580A4ADE}">
@@ -6380,8 +8928,8 @@
       </dsp:nvSpPr>
       <dsp:spPr>
         <a:xfrm>
-          <a:off x="0" y="2043959"/>
-          <a:ext cx="8237537" cy="1639440"/>
+          <a:off x="0" y="1574399"/>
+          <a:ext cx="8237537" cy="1809180"/>
         </a:xfrm>
         <a:prstGeom prst="rect">
           <a:avLst/>
@@ -6405,12 +8953,12 @@
         <a:fontRef idx="minor"/>
       </dsp:style>
       <dsp:txBody>
-        <a:bodyPr spcFirstLastPara="0" vert="horz" wrap="square" lIns="261542" tIns="30480" rIns="170688" bIns="30480" numCol="1" spcCol="1270" anchor="t" anchorCtr="0">
+        <a:bodyPr spcFirstLastPara="0" vert="horz" wrap="square" lIns="261542" tIns="20320" rIns="113792" bIns="20320" numCol="1" spcCol="1270" anchor="t" anchorCtr="0">
           <a:noAutofit/>
         </a:bodyPr>
         <a:lstStyle/>
         <a:p>
-          <a:pPr marL="171450" lvl="1" indent="-171450" algn="l" defTabSz="844550" rtl="0">
+          <a:pPr marL="171450" lvl="1" indent="-171450" algn="l" defTabSz="711200" rtl="0">
             <a:lnSpc>
               <a:spcPct val="90000"/>
             </a:lnSpc>
@@ -6423,13 +8971,13 @@
             <a:buChar char="••"/>
           </a:pPr>
           <a:r>
-            <a:rPr lang="en-US" sz="1900" kern="1200" smtClean="0"/>
+            <a:rPr lang="en-US" sz="1600" kern="1200" dirty="0" smtClean="0"/>
             <a:t>Multiple MIC Device Agents – one per physical device</a:t>
           </a:r>
-          <a:endParaRPr lang="en-US" sz="1900" kern="1200"/>
+          <a:endParaRPr lang="en-US" sz="1600" kern="1200" dirty="0"/>
         </a:p>
         <a:p>
-          <a:pPr marL="342900" lvl="2" indent="-171450" algn="l" defTabSz="844550" rtl="0">
+          <a:pPr marL="342900" lvl="2" indent="-171450" algn="l" defTabSz="711200" rtl="0">
             <a:lnSpc>
               <a:spcPct val="90000"/>
             </a:lnSpc>
@@ -6442,13 +8990,13 @@
             <a:buChar char="••"/>
           </a:pPr>
           <a:r>
-            <a:rPr lang="en-US" sz="1900" kern="1200" smtClean="0"/>
+            <a:rPr lang="en-US" sz="1600" kern="1200" dirty="0" smtClean="0"/>
             <a:t>A dedicated device process - one per device</a:t>
           </a:r>
-          <a:endParaRPr lang="en-US" sz="1900" kern="1200"/>
+          <a:endParaRPr lang="en-US" sz="1600" kern="1200" dirty="0"/>
         </a:p>
         <a:p>
-          <a:pPr marL="171450" lvl="1" indent="-171450" algn="l" defTabSz="844550" rtl="0">
+          <a:pPr marL="171450" lvl="1" indent="-171450" algn="l" defTabSz="711200" rtl="0">
             <a:lnSpc>
               <a:spcPct val="90000"/>
             </a:lnSpc>
@@ -6461,13 +9009,13 @@
             <a:buChar char="••"/>
           </a:pPr>
           <a:r>
-            <a:rPr lang="en-US" sz="1900" kern="1200" smtClean="0"/>
-            <a:t>Memory Objects management is done by Runtime</a:t>
+            <a:rPr lang="en-US" sz="1600" kern="1200" dirty="0" smtClean="0"/>
+            <a:t>Global Memory Objects management is done by OpenCL Runtime</a:t>
           </a:r>
-          <a:endParaRPr lang="en-US" sz="1900" kern="1200"/>
+          <a:endParaRPr lang="en-US" sz="1600" kern="1200" dirty="0"/>
         </a:p>
         <a:p>
-          <a:pPr marL="342900" lvl="2" indent="-171450" algn="l" defTabSz="844550" rtl="0">
+          <a:pPr marL="342900" lvl="2" indent="-171450" algn="l" defTabSz="711200" rtl="0">
             <a:lnSpc>
               <a:spcPct val="90000"/>
             </a:lnSpc>
@@ -6480,13 +9028,13 @@
             <a:buChar char="••"/>
           </a:pPr>
           <a:r>
-            <a:rPr lang="en-US" sz="1900" kern="1200" smtClean="0"/>
-            <a:t>Global MIC Memory Manager  (singleton) to incorporate global view by COI</a:t>
+            <a:rPr lang="en-US" sz="1600" kern="1200" dirty="0" smtClean="0"/>
+            <a:t>Use single MIC Memory Manager instance to incorporate global Device Memory view by COI</a:t>
           </a:r>
-          <a:endParaRPr lang="en-US" sz="1900" kern="1200"/>
+          <a:endParaRPr lang="en-US" sz="1600" kern="1200" dirty="0"/>
         </a:p>
         <a:p>
-          <a:pPr marL="342900" lvl="2" indent="-171450" algn="l" defTabSz="844550" rtl="0">
+          <a:pPr marL="342900" lvl="2" indent="-171450" algn="l" defTabSz="711200" rtl="0">
             <a:lnSpc>
               <a:spcPct val="90000"/>
             </a:lnSpc>
@@ -6499,15 +9047,18 @@
             <a:buChar char="••"/>
           </a:pPr>
           <a:r>
-            <a:rPr lang="en-US" sz="1900" kern="1200" smtClean="0"/>
-            <a:t>Low level data movement is done by COI using DMA</a:t>
+            <a:rPr lang="en-US" sz="1600" kern="1200" dirty="0" smtClean="0"/>
+            <a:t>Low level data movement is done by COI using inter-device and host-device DMA request</a:t>
           </a:r>
-          <a:endParaRPr lang="en-US" sz="1900" kern="1200"/>
+          <a:br>
+            <a:rPr lang="en-US" sz="1600" kern="1200" dirty="0" smtClean="0"/>
+          </a:br>
+          <a:endParaRPr lang="en-US" sz="1600" kern="1200" dirty="0"/>
         </a:p>
       </dsp:txBody>
       <dsp:txXfrm>
-        <a:off x="0" y="2043959"/>
-        <a:ext cx="8237537" cy="1639440"/>
+        <a:off x="0" y="1574399"/>
+        <a:ext cx="8237537" cy="1809180"/>
       </dsp:txXfrm>
     </dsp:sp>
     <dsp:sp modelId="{8585099D-A9FA-4FBD-9A9A-32907A15E64F}">
@@ -6517,8 +9068,8 @@
       </dsp:nvSpPr>
       <dsp:spPr>
         <a:xfrm>
-          <a:off x="0" y="3683399"/>
-          <a:ext cx="8237537" cy="575639"/>
+          <a:off x="0" y="3365610"/>
+          <a:ext cx="8237537" cy="436458"/>
         </a:xfrm>
         <a:prstGeom prst="roundRect">
           <a:avLst/>
@@ -6559,12 +9110,12 @@
         </a:fontRef>
       </dsp:style>
       <dsp:txBody>
-        <a:bodyPr spcFirstLastPara="0" vert="horz" wrap="square" lIns="91440" tIns="91440" rIns="91440" bIns="91440" numCol="1" spcCol="1270" anchor="ctr" anchorCtr="0">
+        <a:bodyPr spcFirstLastPara="0" vert="horz" wrap="square" lIns="68580" tIns="68580" rIns="68580" bIns="68580" numCol="1" spcCol="1270" anchor="ctr" anchorCtr="0">
           <a:noAutofit/>
         </a:bodyPr>
         <a:lstStyle/>
         <a:p>
-          <a:pPr lvl="0" algn="l" defTabSz="1066800" rtl="0">
+          <a:pPr lvl="0" algn="l" defTabSz="800100" rtl="0">
             <a:lnSpc>
               <a:spcPct val="90000"/>
             </a:lnSpc>
@@ -6576,15 +9127,15 @@
             </a:spcAft>
           </a:pPr>
           <a:r>
-            <a:rPr lang="en-US" sz="2400" kern="1200" smtClean="0"/>
+            <a:rPr lang="en-US" sz="1800" kern="1200" dirty="0" smtClean="0"/>
             <a:t>Heterogeneous CPU + MIC device/s in the same OpenCL Context</a:t>
           </a:r>
-          <a:endParaRPr lang="en-US" sz="2400" kern="1200"/>
+          <a:endParaRPr lang="en-US" sz="1800" kern="1200" dirty="0"/>
         </a:p>
       </dsp:txBody>
       <dsp:txXfrm>
-        <a:off x="28100" y="3711499"/>
-        <a:ext cx="8181337" cy="519439"/>
+        <a:off x="21306" y="3386916"/>
+        <a:ext cx="8194925" cy="393846"/>
       </dsp:txXfrm>
     </dsp:sp>
     <dsp:sp modelId="{9B5EDBC4-519D-467F-A9EC-1847E4482C51}">
@@ -6594,8 +9145,8 @@
       </dsp:nvSpPr>
       <dsp:spPr>
         <a:xfrm>
-          <a:off x="0" y="4259040"/>
-          <a:ext cx="8237537" cy="397440"/>
+          <a:off x="0" y="4004438"/>
+          <a:ext cx="8237537" cy="761760"/>
         </a:xfrm>
         <a:prstGeom prst="rect">
           <a:avLst/>
@@ -6619,12 +9170,12 @@
         <a:fontRef idx="minor"/>
       </dsp:style>
       <dsp:txBody>
-        <a:bodyPr spcFirstLastPara="0" vert="horz" wrap="square" lIns="261542" tIns="30480" rIns="170688" bIns="30480" numCol="1" spcCol="1270" anchor="t" anchorCtr="0">
+        <a:bodyPr spcFirstLastPara="0" vert="horz" wrap="square" lIns="261542" tIns="20320" rIns="113792" bIns="20320" numCol="1" spcCol="1270" anchor="t" anchorCtr="0">
           <a:noAutofit/>
         </a:bodyPr>
         <a:lstStyle/>
         <a:p>
-          <a:pPr marL="171450" lvl="1" indent="-171450" algn="l" defTabSz="844550" rtl="0">
+          <a:pPr marL="171450" lvl="1" indent="-171450" algn="l" defTabSz="711200" rtl="0">
             <a:lnSpc>
               <a:spcPct val="90000"/>
             </a:lnSpc>
@@ -6637,22 +9188,41 @@
             <a:buChar char="••"/>
           </a:pPr>
           <a:r>
-            <a:rPr lang="en-US" sz="1900" kern="1200" smtClean="0"/>
+            <a:rPr lang="en-US" sz="1600" kern="1200" dirty="0" smtClean="0"/>
             <a:t>Very like multiple MIC devices</a:t>
           </a:r>
-          <a:endParaRPr lang="en-US" sz="1900" kern="1200"/>
+          <a:endParaRPr lang="en-US" sz="1600" kern="1200" dirty="0"/>
+        </a:p>
+        <a:p>
+          <a:pPr marL="171450" lvl="1" indent="-171450" algn="l" defTabSz="711200" rtl="0">
+            <a:lnSpc>
+              <a:spcPct val="90000"/>
+            </a:lnSpc>
+            <a:spcBef>
+              <a:spcPct val="0"/>
+            </a:spcBef>
+            <a:spcAft>
+              <a:spcPct val="20000"/>
+            </a:spcAft>
+            <a:buChar char="••"/>
+          </a:pPr>
+          <a:r>
+            <a:rPr lang="en-US" sz="1600" kern="1200" dirty="0" smtClean="0"/>
+            <a:t>Allow MIC DMA engines to access CPU data directly to avoid extra in-main-memory data movement</a:t>
+          </a:r>
+          <a:endParaRPr lang="en-US" sz="1600" kern="1200" dirty="0"/>
         </a:p>
       </dsp:txBody>
       <dsp:txXfrm>
-        <a:off x="0" y="4259040"/>
-        <a:ext cx="8237537" cy="397440"/>
+        <a:off x="0" y="4004438"/>
+        <a:ext cx="8237537" cy="761760"/>
       </dsp:txXfrm>
     </dsp:sp>
   </dsp:spTree>
 </dsp:drawing>
 </file>
 
-<file path=ppt/diagrams/drawing3.xml><?xml version="1.0" encoding="utf-8"?>
+<file path=ppt/diagrams/drawing4.xml><?xml version="1.0" encoding="utf-8"?>
 <dsp:drawing xmlns:dgm="http://schemas.openxmlformats.org/drawingml/2006/diagram" xmlns:dsp="http://schemas.microsoft.com/office/drawing/2008/diagram" xmlns:a="http://schemas.openxmlformats.org/drawingml/2006/main">
   <dsp:spTree>
     <dsp:nvGrpSpPr>
@@ -7004,7 +9574,7 @@
 </dsp:drawing>
 </file>
 
-<file path=ppt/diagrams/drawing4.xml><?xml version="1.0" encoding="utf-8"?>
+<file path=ppt/diagrams/drawing5.xml><?xml version="1.0" encoding="utf-8"?>
 <dsp:drawing xmlns:dgm="http://schemas.openxmlformats.org/drawingml/2006/diagram" xmlns:dsp="http://schemas.microsoft.com/office/drawing/2008/diagram" xmlns:a="http://schemas.openxmlformats.org/drawingml/2006/main">
   <dsp:spTree>
     <dsp:nvGrpSpPr>
@@ -7631,7 +10201,7 @@
       </dsp:nvSpPr>
       <dsp:spPr>
         <a:xfrm>
-          <a:off x="0" y="3915329"/>
+          <a:off x="0" y="3915330"/>
           <a:ext cx="8464550" cy="1278900"/>
         </a:xfrm>
         <a:prstGeom prst="rect">
@@ -7754,7 +10324,7 @@
         </a:p>
       </dsp:txBody>
       <dsp:txXfrm>
-        <a:off x="0" y="3915329"/>
+        <a:off x="0" y="3915330"/>
         <a:ext cx="8464550" cy="1278900"/>
       </dsp:txXfrm>
     </dsp:sp>
@@ -8206,6 +10776,173 @@
 </file>
 
 <file path=ppt/diagrams/layout3.xml><?xml version="1.0" encoding="utf-8"?>
+<dgm:layoutDef xmlns:dgm="http://schemas.openxmlformats.org/drawingml/2006/diagram" xmlns:a="http://schemas.openxmlformats.org/drawingml/2006/main" uniqueId="urn:microsoft.com/office/officeart/2005/8/layout/vList2">
+  <dgm:title val=""/>
+  <dgm:desc val=""/>
+  <dgm:catLst>
+    <dgm:cat type="list" pri="3000"/>
+    <dgm:cat type="convert" pri="1000"/>
+  </dgm:catLst>
+  <dgm:sampData>
+    <dgm:dataModel>
+      <dgm:ptLst>
+        <dgm:pt modelId="0" type="doc"/>
+        <dgm:pt modelId="1">
+          <dgm:prSet phldr="1"/>
+        </dgm:pt>
+        <dgm:pt modelId="11">
+          <dgm:prSet phldr="1"/>
+        </dgm:pt>
+        <dgm:pt modelId="2">
+          <dgm:prSet phldr="1"/>
+        </dgm:pt>
+        <dgm:pt modelId="21">
+          <dgm:prSet phldr="1"/>
+        </dgm:pt>
+      </dgm:ptLst>
+      <dgm:cxnLst>
+        <dgm:cxn modelId="4" srcId="0" destId="1" srcOrd="0" destOrd="0"/>
+        <dgm:cxn modelId="5" srcId="0" destId="2" srcOrd="1" destOrd="0"/>
+        <dgm:cxn modelId="12" srcId="1" destId="11" srcOrd="0" destOrd="0"/>
+        <dgm:cxn modelId="23" srcId="2" destId="21" srcOrd="0" destOrd="0"/>
+      </dgm:cxnLst>
+      <dgm:bg/>
+      <dgm:whole/>
+    </dgm:dataModel>
+  </dgm:sampData>
+  <dgm:styleData>
+    <dgm:dataModel>
+      <dgm:ptLst>
+        <dgm:pt modelId="0" type="doc"/>
+        <dgm:pt modelId="1"/>
+        <dgm:pt modelId="2"/>
+      </dgm:ptLst>
+      <dgm:cxnLst>
+        <dgm:cxn modelId="3" srcId="0" destId="1" srcOrd="0" destOrd="0"/>
+        <dgm:cxn modelId="4" srcId="0" destId="2" srcOrd="1" destOrd="0"/>
+      </dgm:cxnLst>
+      <dgm:bg/>
+      <dgm:whole/>
+    </dgm:dataModel>
+  </dgm:styleData>
+  <dgm:clrData>
+    <dgm:dataModel>
+      <dgm:ptLst>
+        <dgm:pt modelId="0" type="doc"/>
+        <dgm:pt modelId="1"/>
+        <dgm:pt modelId="2"/>
+        <dgm:pt modelId="3"/>
+        <dgm:pt modelId="4"/>
+      </dgm:ptLst>
+      <dgm:cxnLst>
+        <dgm:cxn modelId="5" srcId="0" destId="1" srcOrd="0" destOrd="0"/>
+        <dgm:cxn modelId="6" srcId="0" destId="2" srcOrd="1" destOrd="0"/>
+        <dgm:cxn modelId="7" srcId="0" destId="3" srcOrd="2" destOrd="0"/>
+        <dgm:cxn modelId="8" srcId="0" destId="4" srcOrd="3" destOrd="0"/>
+      </dgm:cxnLst>
+      <dgm:bg/>
+      <dgm:whole/>
+    </dgm:dataModel>
+  </dgm:clrData>
+  <dgm:layoutNode name="linear">
+    <dgm:varLst>
+      <dgm:animLvl val="lvl"/>
+      <dgm:resizeHandles val="exact"/>
+    </dgm:varLst>
+    <dgm:alg type="lin">
+      <dgm:param type="linDir" val="fromT"/>
+      <dgm:param type="vertAlign" val="mid"/>
+    </dgm:alg>
+    <dgm:shape xmlns:r="http://schemas.openxmlformats.org/officeDocument/2006/relationships" r:blip="">
+      <dgm:adjLst/>
+    </dgm:shape>
+    <dgm:presOf/>
+    <dgm:constrLst>
+      <dgm:constr type="w" for="ch" forName="parentText" refType="w"/>
+      <dgm:constr type="h" for="ch" forName="parentText" refType="primFontSz" refFor="ch" refForName="parentText" fact="0.52"/>
+      <dgm:constr type="w" for="ch" forName="childText" refType="w"/>
+      <dgm:constr type="h" for="ch" forName="childText" refType="primFontSz" refFor="ch" refForName="parentText" fact="0.46"/>
+      <dgm:constr type="h" for="ch" forName="parentText" op="equ"/>
+      <dgm:constr type="primFontSz" for="ch" forName="parentText" op="equ" val="65"/>
+      <dgm:constr type="primFontSz" for="ch" forName="childText" refType="primFontSz" refFor="ch" refForName="parentText" op="equ"/>
+      <dgm:constr type="h" for="ch" forName="spacer" refType="primFontSz" refFor="ch" refForName="parentText" fact="0.08"/>
+    </dgm:constrLst>
+    <dgm:ruleLst>
+      <dgm:rule type="primFontSz" for="ch" forName="parentText" val="5" fact="NaN" max="NaN"/>
+    </dgm:ruleLst>
+    <dgm:forEach name="Name0" axis="ch" ptType="node">
+      <dgm:layoutNode name="parentText" styleLbl="node1">
+        <dgm:varLst>
+          <dgm:chMax val="0"/>
+          <dgm:bulletEnabled val="1"/>
+        </dgm:varLst>
+        <dgm:alg type="tx">
+          <dgm:param type="parTxLTRAlign" val="l"/>
+          <dgm:param type="parTxRTLAlign" val="r"/>
+        </dgm:alg>
+        <dgm:shape xmlns:r="http://schemas.openxmlformats.org/officeDocument/2006/relationships" type="roundRect" r:blip="">
+          <dgm:adjLst/>
+        </dgm:shape>
+        <dgm:presOf axis="self"/>
+        <dgm:constrLst>
+          <dgm:constr type="tMarg" refType="primFontSz" fact="0.3"/>
+          <dgm:constr type="bMarg" refType="primFontSz" fact="0.3"/>
+          <dgm:constr type="lMarg" refType="primFontSz" fact="0.3"/>
+          <dgm:constr type="rMarg" refType="primFontSz" fact="0.3"/>
+        </dgm:constrLst>
+        <dgm:ruleLst>
+          <dgm:rule type="h" val="INF" fact="NaN" max="NaN"/>
+        </dgm:ruleLst>
+      </dgm:layoutNode>
+      <dgm:choose name="Name1">
+        <dgm:if name="Name2" axis="ch" ptType="node" func="cnt" op="gte" val="1">
+          <dgm:layoutNode name="childText" styleLbl="revTx">
+            <dgm:varLst>
+              <dgm:bulletEnabled val="1"/>
+            </dgm:varLst>
+            <dgm:alg type="tx">
+              <dgm:param type="stBulletLvl" val="1"/>
+              <dgm:param type="lnSpAfChP" val="20"/>
+            </dgm:alg>
+            <dgm:shape xmlns:r="http://schemas.openxmlformats.org/officeDocument/2006/relationships" type="rect" r:blip="">
+              <dgm:adjLst/>
+            </dgm:shape>
+            <dgm:presOf axis="des" ptType="node"/>
+            <dgm:constrLst>
+              <dgm:constr type="tMarg" refType="primFontSz" fact="0.1"/>
+              <dgm:constr type="bMarg" refType="primFontSz" fact="0.1"/>
+              <dgm:constr type="lMarg" refType="w" fact="0.09"/>
+            </dgm:constrLst>
+            <dgm:ruleLst>
+              <dgm:rule type="h" val="INF" fact="NaN" max="NaN"/>
+            </dgm:ruleLst>
+          </dgm:layoutNode>
+        </dgm:if>
+        <dgm:else name="Name3">
+          <dgm:choose name="Name4">
+            <dgm:if name="Name5" axis="par ch" ptType="doc node" func="cnt" op="gte" val="2">
+              <dgm:forEach name="Name6" axis="followSib" ptType="sibTrans" cnt="1">
+                <dgm:layoutNode name="spacer">
+                  <dgm:alg type="sp"/>
+                  <dgm:shape xmlns:r="http://schemas.openxmlformats.org/officeDocument/2006/relationships" r:blip="">
+                    <dgm:adjLst/>
+                  </dgm:shape>
+                  <dgm:presOf/>
+                  <dgm:constrLst/>
+                  <dgm:ruleLst/>
+                </dgm:layoutNode>
+              </dgm:forEach>
+            </dgm:if>
+            <dgm:else name="Name7"/>
+          </dgm:choose>
+        </dgm:else>
+      </dgm:choose>
+    </dgm:forEach>
+  </dgm:layoutNode>
+</dgm:layoutDef>
+</file>
+
+<file path=ppt/diagrams/layout4.xml><?xml version="1.0" encoding="utf-8"?>
 <dgm:layoutDef xmlns:dgm="http://schemas.openxmlformats.org/drawingml/2006/diagram" xmlns:a="http://schemas.openxmlformats.org/drawingml/2006/main" uniqueId="urn:microsoft.com/office/officeart/2005/8/layout/process4">
   <dgm:title val=""/>
   <dgm:desc val=""/>
@@ -8558,7 +11295,7 @@
 </dgm:layoutDef>
 </file>
 
-<file path=ppt/diagrams/layout4.xml><?xml version="1.0" encoding="utf-8"?>
+<file path=ppt/diagrams/layout5.xml><?xml version="1.0" encoding="utf-8"?>
 <dgm:layoutDef xmlns:dgm="http://schemas.openxmlformats.org/drawingml/2006/diagram" xmlns:a="http://schemas.openxmlformats.org/drawingml/2006/main" uniqueId="urn:microsoft.com/office/officeart/2005/8/layout/list1">
   <dgm:title val=""/>
   <dgm:desc val=""/>
@@ -11886,6 +14623,1040 @@
 </file>
 
 <file path=ppt/diagrams/quickStyle4.xml><?xml version="1.0" encoding="utf-8"?>
+<dgm:styleDef xmlns:dgm="http://schemas.openxmlformats.org/drawingml/2006/diagram" xmlns:a="http://schemas.openxmlformats.org/drawingml/2006/main" uniqueId="urn:microsoft.com/office/officeart/2005/8/quickstyle/simple1">
+  <dgm:title val=""/>
+  <dgm:desc val=""/>
+  <dgm:catLst>
+    <dgm:cat type="simple" pri="10100"/>
+  </dgm:catLst>
+  <dgm:scene3d>
+    <a:camera prst="orthographicFront"/>
+    <a:lightRig rig="threePt" dir="t"/>
+  </dgm:scene3d>
+  <dgm:styleLbl name="node0">
+    <dgm:scene3d>
+      <a:camera prst="orthographicFront"/>
+      <a:lightRig rig="threePt" dir="t"/>
+    </dgm:scene3d>
+    <dgm:sp3d/>
+    <dgm:txPr/>
+    <dgm:style>
+      <a:lnRef idx="2">
+        <a:scrgbClr r="0" g="0" b="0"/>
+      </a:lnRef>
+      <a:fillRef idx="1">
+        <a:scrgbClr r="0" g="0" b="0"/>
+      </a:fillRef>
+      <a:effectRef idx="0">
+        <a:scrgbClr r="0" g="0" b="0"/>
+      </a:effectRef>
+      <a:fontRef idx="minor">
+        <a:schemeClr val="lt1"/>
+      </a:fontRef>
+    </dgm:style>
+  </dgm:styleLbl>
+  <dgm:styleLbl name="lnNode1">
+    <dgm:scene3d>
+      <a:camera prst="orthographicFront"/>
+      <a:lightRig rig="threePt" dir="t"/>
+    </dgm:scene3d>
+    <dgm:sp3d/>
+    <dgm:txPr/>
+    <dgm:style>
+      <a:lnRef idx="2">
+        <a:scrgbClr r="0" g="0" b="0"/>
+      </a:lnRef>
+      <a:fillRef idx="1">
+        <a:scrgbClr r="0" g="0" b="0"/>
+      </a:fillRef>
+      <a:effectRef idx="0">
+        <a:scrgbClr r="0" g="0" b="0"/>
+      </a:effectRef>
+      <a:fontRef idx="minor">
+        <a:schemeClr val="lt1"/>
+      </a:fontRef>
+    </dgm:style>
+  </dgm:styleLbl>
+  <dgm:styleLbl name="vennNode1">
+    <dgm:scene3d>
+      <a:camera prst="orthographicFront"/>
+      <a:lightRig rig="threePt" dir="t"/>
+    </dgm:scene3d>
+    <dgm:sp3d/>
+    <dgm:txPr/>
+    <dgm:style>
+      <a:lnRef idx="2">
+        <a:scrgbClr r="0" g="0" b="0"/>
+      </a:lnRef>
+      <a:fillRef idx="1">
+        <a:scrgbClr r="0" g="0" b="0"/>
+      </a:fillRef>
+      <a:effectRef idx="0">
+        <a:scrgbClr r="0" g="0" b="0"/>
+      </a:effectRef>
+      <a:fontRef idx="minor">
+        <a:schemeClr val="tx1"/>
+      </a:fontRef>
+    </dgm:style>
+  </dgm:styleLbl>
+  <dgm:styleLbl name="alignNode1">
+    <dgm:scene3d>
+      <a:camera prst="orthographicFront"/>
+      <a:lightRig rig="threePt" dir="t"/>
+    </dgm:scene3d>
+    <dgm:sp3d/>
+    <dgm:txPr/>
+    <dgm:style>
+      <a:lnRef idx="2">
+        <a:scrgbClr r="0" g="0" b="0"/>
+      </a:lnRef>
+      <a:fillRef idx="1">
+        <a:scrgbClr r="0" g="0" b="0"/>
+      </a:fillRef>
+      <a:effectRef idx="0">
+        <a:scrgbClr r="0" g="0" b="0"/>
+      </a:effectRef>
+      <a:fontRef idx="minor">
+        <a:schemeClr val="lt1"/>
+      </a:fontRef>
+    </dgm:style>
+  </dgm:styleLbl>
+  <dgm:styleLbl name="node1">
+    <dgm:scene3d>
+      <a:camera prst="orthographicFront"/>
+      <a:lightRig rig="threePt" dir="t"/>
+    </dgm:scene3d>
+    <dgm:sp3d/>
+    <dgm:txPr/>
+    <dgm:style>
+      <a:lnRef idx="2">
+        <a:scrgbClr r="0" g="0" b="0"/>
+      </a:lnRef>
+      <a:fillRef idx="1">
+        <a:scrgbClr r="0" g="0" b="0"/>
+      </a:fillRef>
+      <a:effectRef idx="0">
+        <a:scrgbClr r="0" g="0" b="0"/>
+      </a:effectRef>
+      <a:fontRef idx="minor">
+        <a:schemeClr val="lt1"/>
+      </a:fontRef>
+    </dgm:style>
+  </dgm:styleLbl>
+  <dgm:styleLbl name="node2">
+    <dgm:scene3d>
+      <a:camera prst="orthographicFront"/>
+      <a:lightRig rig="threePt" dir="t"/>
+    </dgm:scene3d>
+    <dgm:sp3d/>
+    <dgm:txPr/>
+    <dgm:style>
+      <a:lnRef idx="2">
+        <a:scrgbClr r="0" g="0" b="0"/>
+      </a:lnRef>
+      <a:fillRef idx="1">
+        <a:scrgbClr r="0" g="0" b="0"/>
+      </a:fillRef>
+      <a:effectRef idx="0">
+        <a:scrgbClr r="0" g="0" b="0"/>
+      </a:effectRef>
+      <a:fontRef idx="minor">
+        <a:schemeClr val="lt1"/>
+      </a:fontRef>
+    </dgm:style>
+  </dgm:styleLbl>
+  <dgm:styleLbl name="node3">
+    <dgm:scene3d>
+      <a:camera prst="orthographicFront"/>
+      <a:lightRig rig="threePt" dir="t"/>
+    </dgm:scene3d>
+    <dgm:sp3d/>
+    <dgm:txPr/>
+    <dgm:style>
+      <a:lnRef idx="2">
+        <a:scrgbClr r="0" g="0" b="0"/>
+      </a:lnRef>
+      <a:fillRef idx="1">
+        <a:scrgbClr r="0" g="0" b="0"/>
+      </a:fillRef>
+      <a:effectRef idx="0">
+        <a:scrgbClr r="0" g="0" b="0"/>
+      </a:effectRef>
+      <a:fontRef idx="minor">
+        <a:schemeClr val="lt1"/>
+      </a:fontRef>
+    </dgm:style>
+  </dgm:styleLbl>
+  <dgm:styleLbl name="node4">
+    <dgm:scene3d>
+      <a:camera prst="orthographicFront"/>
+      <a:lightRig rig="threePt" dir="t"/>
+    </dgm:scene3d>
+    <dgm:sp3d/>
+    <dgm:txPr/>
+    <dgm:style>
+      <a:lnRef idx="2">
+        <a:scrgbClr r="0" g="0" b="0"/>
+      </a:lnRef>
+      <a:fillRef idx="1">
+        <a:scrgbClr r="0" g="0" b="0"/>
+      </a:fillRef>
+      <a:effectRef idx="0">
+        <a:scrgbClr r="0" g="0" b="0"/>
+      </a:effectRef>
+      <a:fontRef idx="minor">
+        <a:schemeClr val="lt1"/>
+      </a:fontRef>
+    </dgm:style>
+  </dgm:styleLbl>
+  <dgm:styleLbl name="fgImgPlace1">
+    <dgm:scene3d>
+      <a:camera prst="orthographicFront"/>
+      <a:lightRig rig="threePt" dir="t"/>
+    </dgm:scene3d>
+    <dgm:sp3d/>
+    <dgm:txPr/>
+    <dgm:style>
+      <a:lnRef idx="2">
+        <a:scrgbClr r="0" g="0" b="0"/>
+      </a:lnRef>
+      <a:fillRef idx="1">
+        <a:scrgbClr r="0" g="0" b="0"/>
+      </a:fillRef>
+      <a:effectRef idx="0">
+        <a:scrgbClr r="0" g="0" b="0"/>
+      </a:effectRef>
+      <a:fontRef idx="minor"/>
+    </dgm:style>
+  </dgm:styleLbl>
+  <dgm:styleLbl name="alignImgPlace1">
+    <dgm:scene3d>
+      <a:camera prst="orthographicFront"/>
+      <a:lightRig rig="threePt" dir="t"/>
+    </dgm:scene3d>
+    <dgm:sp3d/>
+    <dgm:txPr/>
+    <dgm:style>
+      <a:lnRef idx="2">
+        <a:scrgbClr r="0" g="0" b="0"/>
+      </a:lnRef>
+      <a:fillRef idx="1">
+        <a:scrgbClr r="0" g="0" b="0"/>
+      </a:fillRef>
+      <a:effectRef idx="0">
+        <a:scrgbClr r="0" g="0" b="0"/>
+      </a:effectRef>
+      <a:fontRef idx="minor"/>
+    </dgm:style>
+  </dgm:styleLbl>
+  <dgm:styleLbl name="bgImgPlace1">
+    <dgm:scene3d>
+      <a:camera prst="orthographicFront"/>
+      <a:lightRig rig="threePt" dir="t"/>
+    </dgm:scene3d>
+    <dgm:sp3d/>
+    <dgm:txPr/>
+    <dgm:style>
+      <a:lnRef idx="2">
+        <a:scrgbClr r="0" g="0" b="0"/>
+      </a:lnRef>
+      <a:fillRef idx="1">
+        <a:scrgbClr r="0" g="0" b="0"/>
+      </a:fillRef>
+      <a:effectRef idx="0">
+        <a:scrgbClr r="0" g="0" b="0"/>
+      </a:effectRef>
+      <a:fontRef idx="minor"/>
+    </dgm:style>
+  </dgm:styleLbl>
+  <dgm:styleLbl name="sibTrans2D1">
+    <dgm:scene3d>
+      <a:camera prst="orthographicFront"/>
+      <a:lightRig rig="threePt" dir="t"/>
+    </dgm:scene3d>
+    <dgm:sp3d/>
+    <dgm:txPr/>
+    <dgm:style>
+      <a:lnRef idx="0">
+        <a:scrgbClr r="0" g="0" b="0"/>
+      </a:lnRef>
+      <a:fillRef idx="1">
+        <a:scrgbClr r="0" g="0" b="0"/>
+      </a:fillRef>
+      <a:effectRef idx="0">
+        <a:scrgbClr r="0" g="0" b="0"/>
+      </a:effectRef>
+      <a:fontRef idx="minor">
+        <a:schemeClr val="lt1"/>
+      </a:fontRef>
+    </dgm:style>
+  </dgm:styleLbl>
+  <dgm:styleLbl name="fgSibTrans2D1">
+    <dgm:scene3d>
+      <a:camera prst="orthographicFront"/>
+      <a:lightRig rig="threePt" dir="t"/>
+    </dgm:scene3d>
+    <dgm:sp3d/>
+    <dgm:txPr/>
+    <dgm:style>
+      <a:lnRef idx="0">
+        <a:scrgbClr r="0" g="0" b="0"/>
+      </a:lnRef>
+      <a:fillRef idx="1">
+        <a:scrgbClr r="0" g="0" b="0"/>
+      </a:fillRef>
+      <a:effectRef idx="0">
+        <a:scrgbClr r="0" g="0" b="0"/>
+      </a:effectRef>
+      <a:fontRef idx="minor">
+        <a:schemeClr val="lt1"/>
+      </a:fontRef>
+    </dgm:style>
+  </dgm:styleLbl>
+  <dgm:styleLbl name="bgSibTrans2D1">
+    <dgm:scene3d>
+      <a:camera prst="orthographicFront"/>
+      <a:lightRig rig="threePt" dir="t"/>
+    </dgm:scene3d>
+    <dgm:sp3d/>
+    <dgm:txPr/>
+    <dgm:style>
+      <a:lnRef idx="0">
+        <a:scrgbClr r="0" g="0" b="0"/>
+      </a:lnRef>
+      <a:fillRef idx="1">
+        <a:scrgbClr r="0" g="0" b="0"/>
+      </a:fillRef>
+      <a:effectRef idx="0">
+        <a:scrgbClr r="0" g="0" b="0"/>
+      </a:effectRef>
+      <a:fontRef idx="minor">
+        <a:schemeClr val="lt1"/>
+      </a:fontRef>
+    </dgm:style>
+  </dgm:styleLbl>
+  <dgm:styleLbl name="sibTrans1D1">
+    <dgm:scene3d>
+      <a:camera prst="orthographicFront"/>
+      <a:lightRig rig="threePt" dir="t"/>
+    </dgm:scene3d>
+    <dgm:sp3d/>
+    <dgm:txPr/>
+    <dgm:style>
+      <a:lnRef idx="1">
+        <a:scrgbClr r="0" g="0" b="0"/>
+      </a:lnRef>
+      <a:fillRef idx="0">
+        <a:scrgbClr r="0" g="0" b="0"/>
+      </a:fillRef>
+      <a:effectRef idx="0">
+        <a:scrgbClr r="0" g="0" b="0"/>
+      </a:effectRef>
+      <a:fontRef idx="minor"/>
+    </dgm:style>
+  </dgm:styleLbl>
+  <dgm:styleLbl name="callout">
+    <dgm:scene3d>
+      <a:camera prst="orthographicFront"/>
+      <a:lightRig rig="threePt" dir="t"/>
+    </dgm:scene3d>
+    <dgm:sp3d/>
+    <dgm:txPr/>
+    <dgm:style>
+      <a:lnRef idx="2">
+        <a:scrgbClr r="0" g="0" b="0"/>
+      </a:lnRef>
+      <a:fillRef idx="1">
+        <a:scrgbClr r="0" g="0" b="0"/>
+      </a:fillRef>
+      <a:effectRef idx="0">
+        <a:scrgbClr r="0" g="0" b="0"/>
+      </a:effectRef>
+      <a:fontRef idx="minor"/>
+    </dgm:style>
+  </dgm:styleLbl>
+  <dgm:styleLbl name="asst0">
+    <dgm:scene3d>
+      <a:camera prst="orthographicFront"/>
+      <a:lightRig rig="threePt" dir="t"/>
+    </dgm:scene3d>
+    <dgm:sp3d/>
+    <dgm:txPr/>
+    <dgm:style>
+      <a:lnRef idx="2">
+        <a:scrgbClr r="0" g="0" b="0"/>
+      </a:lnRef>
+      <a:fillRef idx="1">
+        <a:scrgbClr r="0" g="0" b="0"/>
+      </a:fillRef>
+      <a:effectRef idx="0">
+        <a:scrgbClr r="0" g="0" b="0"/>
+      </a:effectRef>
+      <a:fontRef idx="minor">
+        <a:schemeClr val="lt1"/>
+      </a:fontRef>
+    </dgm:style>
+  </dgm:styleLbl>
+  <dgm:styleLbl name="asst1">
+    <dgm:scene3d>
+      <a:camera prst="orthographicFront"/>
+      <a:lightRig rig="threePt" dir="t"/>
+    </dgm:scene3d>
+    <dgm:sp3d/>
+    <dgm:txPr/>
+    <dgm:style>
+      <a:lnRef idx="2">
+        <a:scrgbClr r="0" g="0" b="0"/>
+      </a:lnRef>
+      <a:fillRef idx="1">
+        <a:scrgbClr r="0" g="0" b="0"/>
+      </a:fillRef>
+      <a:effectRef idx="0">
+        <a:scrgbClr r="0" g="0" b="0"/>
+      </a:effectRef>
+      <a:fontRef idx="minor">
+        <a:schemeClr val="lt1"/>
+      </a:fontRef>
+    </dgm:style>
+  </dgm:styleLbl>
+  <dgm:styleLbl name="asst2">
+    <dgm:scene3d>
+      <a:camera prst="orthographicFront"/>
+      <a:lightRig rig="threePt" dir="t"/>
+    </dgm:scene3d>
+    <dgm:sp3d/>
+    <dgm:txPr/>
+    <dgm:style>
+      <a:lnRef idx="2">
+        <a:scrgbClr r="0" g="0" b="0"/>
+      </a:lnRef>
+      <a:fillRef idx="1">
+        <a:scrgbClr r="0" g="0" b="0"/>
+      </a:fillRef>
+      <a:effectRef idx="0">
+        <a:scrgbClr r="0" g="0" b="0"/>
+      </a:effectRef>
+      <a:fontRef idx="minor">
+        <a:schemeClr val="lt1"/>
+      </a:fontRef>
+    </dgm:style>
+  </dgm:styleLbl>
+  <dgm:styleLbl name="asst3">
+    <dgm:scene3d>
+      <a:camera prst="orthographicFront"/>
+      <a:lightRig rig="threePt" dir="t"/>
+    </dgm:scene3d>
+    <dgm:sp3d/>
+    <dgm:txPr/>
+    <dgm:style>
+      <a:lnRef idx="2">
+        <a:scrgbClr r="0" g="0" b="0"/>
+      </a:lnRef>
+      <a:fillRef idx="1">
+        <a:scrgbClr r="0" g="0" b="0"/>
+      </a:fillRef>
+      <a:effectRef idx="0">
+        <a:scrgbClr r="0" g="0" b="0"/>
+      </a:effectRef>
+      <a:fontRef idx="minor">
+        <a:schemeClr val="lt1"/>
+      </a:fontRef>
+    </dgm:style>
+  </dgm:styleLbl>
+  <dgm:styleLbl name="asst4">
+    <dgm:scene3d>
+      <a:camera prst="orthographicFront"/>
+      <a:lightRig rig="threePt" dir="t"/>
+    </dgm:scene3d>
+    <dgm:sp3d/>
+    <dgm:txPr/>
+    <dgm:style>
+      <a:lnRef idx="2">
+        <a:scrgbClr r="0" g="0" b="0"/>
+      </a:lnRef>
+      <a:fillRef idx="1">
+        <a:scrgbClr r="0" g="0" b="0"/>
+      </a:fillRef>
+      <a:effectRef idx="0">
+        <a:scrgbClr r="0" g="0" b="0"/>
+      </a:effectRef>
+      <a:fontRef idx="minor">
+        <a:schemeClr val="lt1"/>
+      </a:fontRef>
+    </dgm:style>
+  </dgm:styleLbl>
+  <dgm:styleLbl name="parChTrans2D1">
+    <dgm:scene3d>
+      <a:camera prst="orthographicFront"/>
+      <a:lightRig rig="threePt" dir="t"/>
+    </dgm:scene3d>
+    <dgm:sp3d/>
+    <dgm:txPr/>
+    <dgm:style>
+      <a:lnRef idx="2">
+        <a:scrgbClr r="0" g="0" b="0"/>
+      </a:lnRef>
+      <a:fillRef idx="1">
+        <a:scrgbClr r="0" g="0" b="0"/>
+      </a:fillRef>
+      <a:effectRef idx="0">
+        <a:scrgbClr r="0" g="0" b="0"/>
+      </a:effectRef>
+      <a:fontRef idx="minor">
+        <a:schemeClr val="lt1"/>
+      </a:fontRef>
+    </dgm:style>
+  </dgm:styleLbl>
+  <dgm:styleLbl name="parChTrans2D2">
+    <dgm:scene3d>
+      <a:camera prst="orthographicFront"/>
+      <a:lightRig rig="threePt" dir="t"/>
+    </dgm:scene3d>
+    <dgm:sp3d/>
+    <dgm:txPr/>
+    <dgm:style>
+      <a:lnRef idx="2">
+        <a:scrgbClr r="0" g="0" b="0"/>
+      </a:lnRef>
+      <a:fillRef idx="1">
+        <a:scrgbClr r="0" g="0" b="0"/>
+      </a:fillRef>
+      <a:effectRef idx="0">
+        <a:scrgbClr r="0" g="0" b="0"/>
+      </a:effectRef>
+      <a:fontRef idx="minor">
+        <a:schemeClr val="lt1"/>
+      </a:fontRef>
+    </dgm:style>
+  </dgm:styleLbl>
+  <dgm:styleLbl name="parChTrans2D3">
+    <dgm:scene3d>
+      <a:camera prst="orthographicFront"/>
+      <a:lightRig rig="threePt" dir="t"/>
+    </dgm:scene3d>
+    <dgm:sp3d/>
+    <dgm:txPr/>
+    <dgm:style>
+      <a:lnRef idx="2">
+        <a:scrgbClr r="0" g="0" b="0"/>
+      </a:lnRef>
+      <a:fillRef idx="1">
+        <a:scrgbClr r="0" g="0" b="0"/>
+      </a:fillRef>
+      <a:effectRef idx="0">
+        <a:scrgbClr r="0" g="0" b="0"/>
+      </a:effectRef>
+      <a:fontRef idx="minor">
+        <a:schemeClr val="lt1"/>
+      </a:fontRef>
+    </dgm:style>
+  </dgm:styleLbl>
+  <dgm:styleLbl name="parChTrans2D4">
+    <dgm:scene3d>
+      <a:camera prst="orthographicFront"/>
+      <a:lightRig rig="threePt" dir="t"/>
+    </dgm:scene3d>
+    <dgm:sp3d/>
+    <dgm:txPr/>
+    <dgm:style>
+      <a:lnRef idx="2">
+        <a:scrgbClr r="0" g="0" b="0"/>
+      </a:lnRef>
+      <a:fillRef idx="1">
+        <a:scrgbClr r="0" g="0" b="0"/>
+      </a:fillRef>
+      <a:effectRef idx="0">
+        <a:scrgbClr r="0" g="0" b="0"/>
+      </a:effectRef>
+      <a:fontRef idx="minor">
+        <a:schemeClr val="lt1"/>
+      </a:fontRef>
+    </dgm:style>
+  </dgm:styleLbl>
+  <dgm:styleLbl name="parChTrans1D1">
+    <dgm:scene3d>
+      <a:camera prst="orthographicFront"/>
+      <a:lightRig rig="threePt" dir="t"/>
+    </dgm:scene3d>
+    <dgm:sp3d/>
+    <dgm:txPr/>
+    <dgm:style>
+      <a:lnRef idx="2">
+        <a:scrgbClr r="0" g="0" b="0"/>
+      </a:lnRef>
+      <a:fillRef idx="0">
+        <a:scrgbClr r="0" g="0" b="0"/>
+      </a:fillRef>
+      <a:effectRef idx="0">
+        <a:scrgbClr r="0" g="0" b="0"/>
+      </a:effectRef>
+      <a:fontRef idx="minor"/>
+    </dgm:style>
+  </dgm:styleLbl>
+  <dgm:styleLbl name="parChTrans1D2">
+    <dgm:scene3d>
+      <a:camera prst="orthographicFront"/>
+      <a:lightRig rig="threePt" dir="t"/>
+    </dgm:scene3d>
+    <dgm:sp3d/>
+    <dgm:txPr/>
+    <dgm:style>
+      <a:lnRef idx="2">
+        <a:scrgbClr r="0" g="0" b="0"/>
+      </a:lnRef>
+      <a:fillRef idx="0">
+        <a:scrgbClr r="0" g="0" b="0"/>
+      </a:fillRef>
+      <a:effectRef idx="0">
+        <a:scrgbClr r="0" g="0" b="0"/>
+      </a:effectRef>
+      <a:fontRef idx="minor"/>
+    </dgm:style>
+  </dgm:styleLbl>
+  <dgm:styleLbl name="parChTrans1D3">
+    <dgm:scene3d>
+      <a:camera prst="orthographicFront"/>
+      <a:lightRig rig="threePt" dir="t"/>
+    </dgm:scene3d>
+    <dgm:sp3d/>
+    <dgm:txPr/>
+    <dgm:style>
+      <a:lnRef idx="2">
+        <a:scrgbClr r="0" g="0" b="0"/>
+      </a:lnRef>
+      <a:fillRef idx="0">
+        <a:scrgbClr r="0" g="0" b="0"/>
+      </a:fillRef>
+      <a:effectRef idx="0">
+        <a:scrgbClr r="0" g="0" b="0"/>
+      </a:effectRef>
+      <a:fontRef idx="minor"/>
+    </dgm:style>
+  </dgm:styleLbl>
+  <dgm:styleLbl name="parChTrans1D4">
+    <dgm:scene3d>
+      <a:camera prst="orthographicFront"/>
+      <a:lightRig rig="threePt" dir="t"/>
+    </dgm:scene3d>
+    <dgm:sp3d/>
+    <dgm:txPr/>
+    <dgm:style>
+      <a:lnRef idx="2">
+        <a:scrgbClr r="0" g="0" b="0"/>
+      </a:lnRef>
+      <a:fillRef idx="0">
+        <a:scrgbClr r="0" g="0" b="0"/>
+      </a:fillRef>
+      <a:effectRef idx="0">
+        <a:scrgbClr r="0" g="0" b="0"/>
+      </a:effectRef>
+      <a:fontRef idx="minor"/>
+    </dgm:style>
+  </dgm:styleLbl>
+  <dgm:styleLbl name="fgAcc1">
+    <dgm:scene3d>
+      <a:camera prst="orthographicFront"/>
+      <a:lightRig rig="threePt" dir="t"/>
+    </dgm:scene3d>
+    <dgm:sp3d/>
+    <dgm:txPr/>
+    <dgm:style>
+      <a:lnRef idx="2">
+        <a:scrgbClr r="0" g="0" b="0"/>
+      </a:lnRef>
+      <a:fillRef idx="1">
+        <a:scrgbClr r="0" g="0" b="0"/>
+      </a:fillRef>
+      <a:effectRef idx="0">
+        <a:scrgbClr r="0" g="0" b="0"/>
+      </a:effectRef>
+      <a:fontRef idx="minor"/>
+    </dgm:style>
+  </dgm:styleLbl>
+  <dgm:styleLbl name="conFgAcc1">
+    <dgm:scene3d>
+      <a:camera prst="orthographicFront"/>
+      <a:lightRig rig="threePt" dir="t"/>
+    </dgm:scene3d>
+    <dgm:sp3d/>
+    <dgm:txPr/>
+    <dgm:style>
+      <a:lnRef idx="2">
+        <a:scrgbClr r="0" g="0" b="0"/>
+      </a:lnRef>
+      <a:fillRef idx="1">
+        <a:scrgbClr r="0" g="0" b="0"/>
+      </a:fillRef>
+      <a:effectRef idx="0">
+        <a:scrgbClr r="0" g="0" b="0"/>
+      </a:effectRef>
+      <a:fontRef idx="minor"/>
+    </dgm:style>
+  </dgm:styleLbl>
+  <dgm:styleLbl name="alignAcc1">
+    <dgm:scene3d>
+      <a:camera prst="orthographicFront"/>
+      <a:lightRig rig="threePt" dir="t"/>
+    </dgm:scene3d>
+    <dgm:sp3d/>
+    <dgm:txPr/>
+    <dgm:style>
+      <a:lnRef idx="2">
+        <a:scrgbClr r="0" g="0" b="0"/>
+      </a:lnRef>
+      <a:fillRef idx="1">
+        <a:scrgbClr r="0" g="0" b="0"/>
+      </a:fillRef>
+      <a:effectRef idx="0">
+        <a:scrgbClr r="0" g="0" b="0"/>
+      </a:effectRef>
+      <a:fontRef idx="minor"/>
+    </dgm:style>
+  </dgm:styleLbl>
+  <dgm:styleLbl name="trAlignAcc1">
+    <dgm:scene3d>
+      <a:camera prst="orthographicFront"/>
+      <a:lightRig rig="threePt" dir="t"/>
+    </dgm:scene3d>
+    <dgm:sp3d/>
+    <dgm:txPr/>
+    <dgm:style>
+      <a:lnRef idx="1">
+        <a:scrgbClr r="0" g="0" b="0"/>
+      </a:lnRef>
+      <a:fillRef idx="1">
+        <a:scrgbClr r="0" g="0" b="0"/>
+      </a:fillRef>
+      <a:effectRef idx="0">
+        <a:scrgbClr r="0" g="0" b="0"/>
+      </a:effectRef>
+      <a:fontRef idx="minor"/>
+    </dgm:style>
+  </dgm:styleLbl>
+  <dgm:styleLbl name="bgAcc1">
+    <dgm:scene3d>
+      <a:camera prst="orthographicFront"/>
+      <a:lightRig rig="threePt" dir="t"/>
+    </dgm:scene3d>
+    <dgm:sp3d/>
+    <dgm:txPr/>
+    <dgm:style>
+      <a:lnRef idx="2">
+        <a:scrgbClr r="0" g="0" b="0"/>
+      </a:lnRef>
+      <a:fillRef idx="1">
+        <a:scrgbClr r="0" g="0" b="0"/>
+      </a:fillRef>
+      <a:effectRef idx="0">
+        <a:scrgbClr r="0" g="0" b="0"/>
+      </a:effectRef>
+      <a:fontRef idx="minor"/>
+    </dgm:style>
+  </dgm:styleLbl>
+  <dgm:styleLbl name="solidFgAcc1">
+    <dgm:scene3d>
+      <a:camera prst="orthographicFront"/>
+      <a:lightRig rig="threePt" dir="t"/>
+    </dgm:scene3d>
+    <dgm:sp3d/>
+    <dgm:txPr/>
+    <dgm:style>
+      <a:lnRef idx="2">
+        <a:scrgbClr r="0" g="0" b="0"/>
+      </a:lnRef>
+      <a:fillRef idx="1">
+        <a:scrgbClr r="0" g="0" b="0"/>
+      </a:fillRef>
+      <a:effectRef idx="0">
+        <a:scrgbClr r="0" g="0" b="0"/>
+      </a:effectRef>
+      <a:fontRef idx="minor"/>
+    </dgm:style>
+  </dgm:styleLbl>
+  <dgm:styleLbl name="solidAlignAcc1">
+    <dgm:scene3d>
+      <a:camera prst="orthographicFront"/>
+      <a:lightRig rig="threePt" dir="t"/>
+    </dgm:scene3d>
+    <dgm:sp3d/>
+    <dgm:txPr/>
+    <dgm:style>
+      <a:lnRef idx="2">
+        <a:scrgbClr r="0" g="0" b="0"/>
+      </a:lnRef>
+      <a:fillRef idx="1">
+        <a:scrgbClr r="0" g="0" b="0"/>
+      </a:fillRef>
+      <a:effectRef idx="0">
+        <a:scrgbClr r="0" g="0" b="0"/>
+      </a:effectRef>
+      <a:fontRef idx="minor"/>
+    </dgm:style>
+  </dgm:styleLbl>
+  <dgm:styleLbl name="solidBgAcc1">
+    <dgm:scene3d>
+      <a:camera prst="orthographicFront"/>
+      <a:lightRig rig="threePt" dir="t"/>
+    </dgm:scene3d>
+    <dgm:sp3d/>
+    <dgm:txPr/>
+    <dgm:style>
+      <a:lnRef idx="2">
+        <a:scrgbClr r="0" g="0" b="0"/>
+      </a:lnRef>
+      <a:fillRef idx="1">
+        <a:scrgbClr r="0" g="0" b="0"/>
+      </a:fillRef>
+      <a:effectRef idx="0">
+        <a:scrgbClr r="0" g="0" b="0"/>
+      </a:effectRef>
+      <a:fontRef idx="minor"/>
+    </dgm:style>
+  </dgm:styleLbl>
+  <dgm:styleLbl name="fgAccFollowNode1">
+    <dgm:scene3d>
+      <a:camera prst="orthographicFront"/>
+      <a:lightRig rig="threePt" dir="t"/>
+    </dgm:scene3d>
+    <dgm:sp3d/>
+    <dgm:txPr/>
+    <dgm:style>
+      <a:lnRef idx="2">
+        <a:scrgbClr r="0" g="0" b="0"/>
+      </a:lnRef>
+      <a:fillRef idx="1">
+        <a:scrgbClr r="0" g="0" b="0"/>
+      </a:fillRef>
+      <a:effectRef idx="0">
+        <a:scrgbClr r="0" g="0" b="0"/>
+      </a:effectRef>
+      <a:fontRef idx="minor"/>
+    </dgm:style>
+  </dgm:styleLbl>
+  <dgm:styleLbl name="alignAccFollowNode1">
+    <dgm:scene3d>
+      <a:camera prst="orthographicFront"/>
+      <a:lightRig rig="threePt" dir="t"/>
+    </dgm:scene3d>
+    <dgm:sp3d/>
+    <dgm:txPr/>
+    <dgm:style>
+      <a:lnRef idx="2">
+        <a:scrgbClr r="0" g="0" b="0"/>
+      </a:lnRef>
+      <a:fillRef idx="1">
+        <a:scrgbClr r="0" g="0" b="0"/>
+      </a:fillRef>
+      <a:effectRef idx="0">
+        <a:scrgbClr r="0" g="0" b="0"/>
+      </a:effectRef>
+      <a:fontRef idx="minor"/>
+    </dgm:style>
+  </dgm:styleLbl>
+  <dgm:styleLbl name="bgAccFollowNode1">
+    <dgm:scene3d>
+      <a:camera prst="orthographicFront"/>
+      <a:lightRig rig="threePt" dir="t"/>
+    </dgm:scene3d>
+    <dgm:sp3d/>
+    <dgm:txPr/>
+    <dgm:style>
+      <a:lnRef idx="2">
+        <a:scrgbClr r="0" g="0" b="0"/>
+      </a:lnRef>
+      <a:fillRef idx="1">
+        <a:scrgbClr r="0" g="0" b="0"/>
+      </a:fillRef>
+      <a:effectRef idx="0">
+        <a:scrgbClr r="0" g="0" b="0"/>
+      </a:effectRef>
+      <a:fontRef idx="minor"/>
+    </dgm:style>
+  </dgm:styleLbl>
+  <dgm:styleLbl name="fgAcc0">
+    <dgm:scene3d>
+      <a:camera prst="orthographicFront"/>
+      <a:lightRig rig="threePt" dir="t"/>
+    </dgm:scene3d>
+    <dgm:sp3d/>
+    <dgm:txPr/>
+    <dgm:style>
+      <a:lnRef idx="2">
+        <a:scrgbClr r="0" g="0" b="0"/>
+      </a:lnRef>
+      <a:fillRef idx="1">
+        <a:scrgbClr r="0" g="0" b="0"/>
+      </a:fillRef>
+      <a:effectRef idx="0">
+        <a:scrgbClr r="0" g="0" b="0"/>
+      </a:effectRef>
+      <a:fontRef idx="minor"/>
+    </dgm:style>
+  </dgm:styleLbl>
+  <dgm:styleLbl name="fgAcc2">
+    <dgm:scene3d>
+      <a:camera prst="orthographicFront"/>
+      <a:lightRig rig="threePt" dir="t"/>
+    </dgm:scene3d>
+    <dgm:sp3d/>
+    <dgm:txPr/>
+    <dgm:style>
+      <a:lnRef idx="2">
+        <a:scrgbClr r="0" g="0" b="0"/>
+      </a:lnRef>
+      <a:fillRef idx="1">
+        <a:scrgbClr r="0" g="0" b="0"/>
+      </a:fillRef>
+      <a:effectRef idx="0">
+        <a:scrgbClr r="0" g="0" b="0"/>
+      </a:effectRef>
+      <a:fontRef idx="minor"/>
+    </dgm:style>
+  </dgm:styleLbl>
+  <dgm:styleLbl name="fgAcc3">
+    <dgm:scene3d>
+      <a:camera prst="orthographicFront"/>
+      <a:lightRig rig="threePt" dir="t"/>
+    </dgm:scene3d>
+    <dgm:sp3d/>
+    <dgm:txPr/>
+    <dgm:style>
+      <a:lnRef idx="2">
+        <a:scrgbClr r="0" g="0" b="0"/>
+      </a:lnRef>
+      <a:fillRef idx="1">
+        <a:scrgbClr r="0" g="0" b="0"/>
+      </a:fillRef>
+      <a:effectRef idx="0">
+        <a:scrgbClr r="0" g="0" b="0"/>
+      </a:effectRef>
+      <a:fontRef idx="minor"/>
+    </dgm:style>
+  </dgm:styleLbl>
+  <dgm:styleLbl name="fgAcc4">
+    <dgm:scene3d>
+      <a:camera prst="orthographicFront"/>
+      <a:lightRig rig="threePt" dir="t"/>
+    </dgm:scene3d>
+    <dgm:sp3d/>
+    <dgm:txPr/>
+    <dgm:style>
+      <a:lnRef idx="2">
+        <a:scrgbClr r="0" g="0" b="0"/>
+      </a:lnRef>
+      <a:fillRef idx="1">
+        <a:scrgbClr r="0" g="0" b="0"/>
+      </a:fillRef>
+      <a:effectRef idx="0">
+        <a:scrgbClr r="0" g="0" b="0"/>
+      </a:effectRef>
+      <a:fontRef idx="minor"/>
+    </dgm:style>
+  </dgm:styleLbl>
+  <dgm:styleLbl name="bgShp">
+    <dgm:scene3d>
+      <a:camera prst="orthographicFront"/>
+      <a:lightRig rig="threePt" dir="t"/>
+    </dgm:scene3d>
+    <dgm:sp3d/>
+    <dgm:txPr/>
+    <dgm:style>
+      <a:lnRef idx="0">
+        <a:scrgbClr r="0" g="0" b="0"/>
+      </a:lnRef>
+      <a:fillRef idx="1">
+        <a:scrgbClr r="0" g="0" b="0"/>
+      </a:fillRef>
+      <a:effectRef idx="0">
+        <a:scrgbClr r="0" g="0" b="0"/>
+      </a:effectRef>
+      <a:fontRef idx="minor"/>
+    </dgm:style>
+  </dgm:styleLbl>
+  <dgm:styleLbl name="dkBgShp">
+    <dgm:scene3d>
+      <a:camera prst="orthographicFront"/>
+      <a:lightRig rig="threePt" dir="t"/>
+    </dgm:scene3d>
+    <dgm:sp3d/>
+    <dgm:txPr/>
+    <dgm:style>
+      <a:lnRef idx="0">
+        <a:scrgbClr r="0" g="0" b="0"/>
+      </a:lnRef>
+      <a:fillRef idx="1">
+        <a:scrgbClr r="0" g="0" b="0"/>
+      </a:fillRef>
+      <a:effectRef idx="0">
+        <a:scrgbClr r="0" g="0" b="0"/>
+      </a:effectRef>
+      <a:fontRef idx="minor"/>
+    </dgm:style>
+  </dgm:styleLbl>
+  <dgm:styleLbl name="trBgShp">
+    <dgm:scene3d>
+      <a:camera prst="orthographicFront"/>
+      <a:lightRig rig="threePt" dir="t"/>
+    </dgm:scene3d>
+    <dgm:sp3d/>
+    <dgm:txPr/>
+    <dgm:style>
+      <a:lnRef idx="0">
+        <a:scrgbClr r="0" g="0" b="0"/>
+      </a:lnRef>
+      <a:fillRef idx="1">
+        <a:scrgbClr r="0" g="0" b="0"/>
+      </a:fillRef>
+      <a:effectRef idx="0">
+        <a:scrgbClr r="0" g="0" b="0"/>
+      </a:effectRef>
+      <a:fontRef idx="minor"/>
+    </dgm:style>
+  </dgm:styleLbl>
+  <dgm:styleLbl name="fgShp">
+    <dgm:scene3d>
+      <a:camera prst="orthographicFront"/>
+      <a:lightRig rig="threePt" dir="t"/>
+    </dgm:scene3d>
+    <dgm:sp3d/>
+    <dgm:txPr/>
+    <dgm:style>
+      <a:lnRef idx="2">
+        <a:scrgbClr r="0" g="0" b="0"/>
+      </a:lnRef>
+      <a:fillRef idx="1">
+        <a:scrgbClr r="0" g="0" b="0"/>
+      </a:fillRef>
+      <a:effectRef idx="0">
+        <a:scrgbClr r="0" g="0" b="0"/>
+      </a:effectRef>
+      <a:fontRef idx="minor"/>
+    </dgm:style>
+  </dgm:styleLbl>
+  <dgm:styleLbl name="revTx">
+    <dgm:scene3d>
+      <a:camera prst="orthographicFront"/>
+      <a:lightRig rig="threePt" dir="t"/>
+    </dgm:scene3d>
+    <dgm:sp3d/>
+    <dgm:txPr/>
+    <dgm:style>
+      <a:lnRef idx="0">
+        <a:scrgbClr r="0" g="0" b="0"/>
+      </a:lnRef>
+      <a:fillRef idx="0">
+        <a:scrgbClr r="0" g="0" b="0"/>
+      </a:fillRef>
+      <a:effectRef idx="0">
+        <a:scrgbClr r="0" g="0" b="0"/>
+      </a:effectRef>
+      <a:fontRef idx="minor"/>
+    </dgm:style>
+  </dgm:styleLbl>
+</dgm:styleDef>
+</file>
+
+<file path=ppt/diagrams/quickStyle5.xml><?xml version="1.0" encoding="utf-8"?>
 <dgm:styleDef xmlns:dgm="http://schemas.openxmlformats.org/drawingml/2006/diagram" xmlns:a="http://schemas.openxmlformats.org/drawingml/2006/main" uniqueId="urn:microsoft.com/office/officeart/2005/8/quickstyle/simple3">
   <dgm:title val=""/>
   <dgm:desc val=""/>
@@ -16459,8 +20230,8 @@
         </p:nvSpPr>
         <p:spPr>
           <a:xfrm>
-            <a:off x="7002539" y="4205288"/>
-            <a:ext cx="1800172" cy="553998"/>
+            <a:off x="6742852" y="4205288"/>
+            <a:ext cx="2059859" cy="553998"/>
           </a:xfrm>
           <a:noFill/>
           <a:ln/>
@@ -16482,12 +20253,9 @@
             </a:br>
             <a:r>
               <a:rPr lang="en-US" sz="2000" dirty="0" smtClean="0"/>
-              <a:t>October 31, </a:t>
+              <a:t>November 14, 2011</a:t>
             </a:r>
-            <a:r>
-              <a:rPr lang="en-US" sz="2000" dirty="0" smtClean="0"/>
-              <a:t>2011</a:t>
-            </a:r>
+            <a:endParaRPr lang="en-US" sz="2000" dirty="0" smtClean="0"/>
           </a:p>
         </p:txBody>
       </p:sp>
@@ -16627,6 +20395,104 @@
             <p:ph idx="1"/>
           </p:nvPr>
         </p:nvSpPr>
+        <p:spPr>
+          <a:xfrm>
+            <a:off x="455613" y="838200"/>
+            <a:ext cx="8237537" cy="4953000"/>
+          </a:xfrm>
+        </p:spPr>
+        <p:txBody>
+          <a:bodyPr/>
+          <a:lstStyle/>
+          <a:p>
+            <a:r>
+              <a:rPr lang="en-US" dirty="0" smtClean="0"/>
+              <a:t>Each Command List is represented as COI Pipeline with dedicated device thread.</a:t>
+            </a:r>
+          </a:p>
+          <a:p>
+            <a:r>
+              <a:rPr lang="en-US" dirty="0" smtClean="0"/>
+              <a:t>Enqueue Kernel is mapped to COI Run-Function (device-side </a:t>
+            </a:r>
+            <a:r>
+              <a:rPr lang="en-US" dirty="0" err="1" smtClean="0"/>
+              <a:t>func</a:t>
+            </a:r>
+            <a:r>
+              <a:rPr lang="en-US" dirty="0" smtClean="0"/>
+              <a:t>) enqueue.</a:t>
+            </a:r>
+          </a:p>
+          <a:p>
+            <a:r>
+              <a:rPr lang="en-US" dirty="0" smtClean="0"/>
+              <a:t>Memory Object Operations (Read/Write/Map/</a:t>
+            </a:r>
+            <a:r>
+              <a:rPr lang="en-US" dirty="0" err="1" smtClean="0"/>
+              <a:t>UnMap</a:t>
+            </a:r>
+            <a:r>
+              <a:rPr lang="en-US" dirty="0" smtClean="0"/>
+              <a:t>) are represented as COI Buffer operations and are mapped to DMA invocations </a:t>
+            </a:r>
+            <a:r>
+              <a:rPr lang="en-US" b="1" i="1" dirty="0" smtClean="0"/>
+              <a:t>from host</a:t>
+            </a:r>
+            <a:r>
+              <a:rPr lang="en-US" dirty="0" smtClean="0"/>
+              <a:t>.</a:t>
+            </a:r>
+          </a:p>
+          <a:p>
+            <a:pPr lvl="1"/>
+            <a:r>
+              <a:rPr lang="en-US" dirty="0" smtClean="0"/>
+              <a:t>Not associated with COI Pipelines</a:t>
+            </a:r>
+          </a:p>
+          <a:p>
+            <a:pPr lvl="1">
+              <a:spcBef>
+                <a:spcPts val="0"/>
+              </a:spcBef>
+            </a:pPr>
+            <a:r>
+              <a:rPr lang="en-US" dirty="0" smtClean="0"/>
+              <a:t>COI Events used to enforce ordering between COI Buffer operations and between COI Buffer and COI Pipeline operations</a:t>
+            </a:r>
+          </a:p>
+          <a:p>
+            <a:r>
+              <a:rPr lang="en-US" dirty="0" smtClean="0"/>
+              <a:t>Out-of-Order Command Lists are represented by COI Run-Functions that launch kernels asynchronously and immediately return.</a:t>
+            </a:r>
+          </a:p>
+          <a:p>
+            <a:pPr lvl="1"/>
+            <a:endParaRPr lang="en-US" dirty="0" smtClean="0"/>
+          </a:p>
+          <a:p>
+            <a:r>
+              <a:rPr lang="en-US" dirty="0" smtClean="0"/>
+              <a:t> </a:t>
+            </a:r>
+            <a:endParaRPr lang="en-US" dirty="0"/>
+          </a:p>
+        </p:txBody>
+      </p:sp>
+      <p:sp>
+        <p:nvSpPr>
+          <p:cNvPr id="3" name="Title 2"/>
+          <p:cNvSpPr>
+            <a:spLocks noGrp="1"/>
+          </p:cNvSpPr>
+          <p:nvPr>
+            <p:ph type="title"/>
+          </p:nvPr>
+        </p:nvSpPr>
         <p:spPr/>
         <p:txBody>
           <a:bodyPr/>
@@ -16634,14 +20500,158 @@
           <a:p>
             <a:r>
               <a:rPr lang="en-US" dirty="0" smtClean="0"/>
-              <a:t>Asynchronous notifications and callbacks from Device Agent back to Runtime is implemented using Notification Port pattern</a:t>
+              <a:t>Command Lists Model</a:t>
+            </a:r>
+            <a:endParaRPr lang="en-US" dirty="0"/>
+          </a:p>
+        </p:txBody>
+      </p:sp>
+      <p:sp>
+        <p:nvSpPr>
+          <p:cNvPr id="4" name="Slide Number Placeholder 3"/>
+          <p:cNvSpPr>
+            <a:spLocks noGrp="1"/>
+          </p:cNvSpPr>
+          <p:nvPr>
+            <p:ph type="sldNum" sz="quarter" idx="10"/>
+          </p:nvPr>
+        </p:nvSpPr>
+        <p:spPr/>
+        <p:txBody>
+          <a:bodyPr/>
+          <a:lstStyle/>
+          <a:p>
+            <a:fld id="{644F31DB-F08C-476F-B161-7D382042A277}" type="slidenum">
+              <a:rPr lang="en-US" smtClean="0"/>
+              <a:pPr/>
+              <a:t>10</a:t>
+            </a:fld>
+            <a:endParaRPr lang="en-US"/>
+          </a:p>
+        </p:txBody>
+      </p:sp>
+      <p:pic>
+        <p:nvPicPr>
+          <p:cNvPr id="4098" name="Picture 2"/>
+          <p:cNvPicPr>
+            <a:picLocks noChangeAspect="1" noChangeArrowheads="1"/>
+          </p:cNvPicPr>
+          <p:nvPr/>
+        </p:nvPicPr>
+        <p:blipFill>
+          <a:blip r:embed="rId2">
+            <a:extLst>
+              <a:ext uri="{28A0092B-C50C-407E-A947-70E740481C1C}">
+                <a14:useLocalDpi xmlns:a14="http://schemas.microsoft.com/office/drawing/2010/main" val="0"/>
+              </a:ext>
+            </a:extLst>
+          </a:blip>
+          <a:srcRect/>
+          <a:stretch>
+            <a:fillRect/>
+          </a:stretch>
+        </p:blipFill>
+        <p:spPr bwMode="auto">
+          <a:xfrm>
+            <a:off x="2109640" y="3962400"/>
+            <a:ext cx="4124474" cy="2819400"/>
+          </a:xfrm>
+          <a:prstGeom prst="rect">
+            <a:avLst/>
+          </a:prstGeom>
+          <a:noFill/>
+          <a:ln>
+            <a:noFill/>
+          </a:ln>
+          <a:effectLst/>
+          <a:extLst>
+            <a:ext uri="{909E8E84-426E-40DD-AFC4-6F175D3DCCD1}">
+              <a14:hiddenFill xmlns:a14="http://schemas.microsoft.com/office/drawing/2010/main">
+                <a:solidFill>
+                  <a:schemeClr val="accent1"/>
+                </a:solidFill>
+              </a14:hiddenFill>
+            </a:ext>
+            <a:ext uri="{91240B29-F687-4F45-9708-019B960494DF}">
+              <a14:hiddenLine xmlns:a14="http://schemas.microsoft.com/office/drawing/2010/main" w="9525">
+                <a:solidFill>
+                  <a:schemeClr val="tx1"/>
+                </a:solidFill>
+                <a:miter lim="800000"/>
+                <a:headEnd/>
+                <a:tailEnd/>
+              </a14:hiddenLine>
+            </a:ext>
+            <a:ext uri="{AF507438-7753-43E0-B8FC-AC1667EBCBE1}">
+              <a14:hiddenEffects xmlns:a14="http://schemas.microsoft.com/office/drawing/2010/main">
+                <a:effectLst>
+                  <a:outerShdw dist="35921" dir="2700000" algn="ctr" rotWithShape="0">
+                    <a:schemeClr val="bg2"/>
+                  </a:outerShdw>
+                </a:effectLst>
+              </a14:hiddenEffects>
+            </a:ext>
+          </a:extLst>
+        </p:spPr>
+      </p:pic>
+    </p:spTree>
+    <p:extLst>
+      <p:ext uri="{BB962C8B-B14F-4D97-AF65-F5344CB8AC3E}">
+        <p14:creationId xmlns:p14="http://schemas.microsoft.com/office/powerpoint/2010/main" val="1554307087"/>
+      </p:ext>
+    </p:extLst>
+  </p:cSld>
+  <p:clrMapOvr>
+    <a:masterClrMapping/>
+  </p:clrMapOvr>
+  <p:transition>
+    <p:fade/>
+  </p:transition>
+</p:sld>
+</file>
+
+<file path=ppt/slides/slide11.xml><?xml version="1.0" encoding="utf-8"?>
+<p:sld xmlns:a="http://schemas.openxmlformats.org/drawingml/2006/main" xmlns:r="http://schemas.openxmlformats.org/officeDocument/2006/relationships" xmlns:p="http://schemas.openxmlformats.org/presentationml/2006/main">
+  <p:cSld>
+    <p:spTree>
+      <p:nvGrpSpPr>
+        <p:cNvPr id="1" name=""/>
+        <p:cNvGrpSpPr/>
+        <p:nvPr/>
+      </p:nvGrpSpPr>
+      <p:grpSpPr>
+        <a:xfrm>
+          <a:off x="0" y="0"/>
+          <a:ext cx="0" cy="0"/>
+          <a:chOff x="0" y="0"/>
+          <a:chExt cx="0" cy="0"/>
+        </a:xfrm>
+      </p:grpSpPr>
+      <p:sp>
+        <p:nvSpPr>
+          <p:cNvPr id="2" name="Content Placeholder 1"/>
+          <p:cNvSpPr>
+            <a:spLocks noGrp="1"/>
+          </p:cNvSpPr>
+          <p:nvPr>
+            <p:ph idx="1"/>
+          </p:nvPr>
+        </p:nvSpPr>
+        <p:spPr/>
+        <p:txBody>
+          <a:bodyPr/>
+          <a:lstStyle/>
+          <a:p>
+            <a:r>
+              <a:rPr lang="en-US" dirty="0" smtClean="0"/>
+              <a:t>Asynchronous notifications and callbacks from Device Agent back to Runtime are implemented using Notification Port pattern</a:t>
             </a:r>
           </a:p>
           <a:p>
             <a:pPr lvl="1"/>
             <a:r>
               <a:rPr lang="en-US" dirty="0" smtClean="0"/>
-              <a:t>Current implementation has single Notification Port per physical device</a:t>
+              <a:t>Current implementation uses single Notification Port per physical device</a:t>
             </a:r>
           </a:p>
           <a:p>
@@ -16671,12 +20681,16 @@
               <a:t>Event signaling is done by either COI itself as operation is completed or by explicit </a:t>
             </a:r>
             <a:r>
-              <a:rPr lang="en-US" dirty="0" err="1" smtClean="0"/>
-              <a:t>SetEvent</a:t>
+              <a:rPr lang="en-US" dirty="0" err="1"/>
+              <a:t>COIEventSignalUserEvent</a:t>
+            </a:r>
+            <a:r>
+              <a:rPr lang="en-US" dirty="0"/>
+              <a:t>() </a:t>
             </a:r>
             <a:r>
               <a:rPr lang="en-US" dirty="0" smtClean="0"/>
-              <a:t>() call at device side.</a:t>
+              <a:t>call at device side.</a:t>
             </a:r>
           </a:p>
           <a:p>
@@ -16707,7 +20721,23 @@
             <a:pPr lvl="1"/>
             <a:r>
               <a:rPr lang="en-US" dirty="0" smtClean="0"/>
-              <a:t>Long operations in callbacks inside Runtime (like buffer copy or inter-thread communication) will influence overall device throughput.</a:t>
+              <a:t>Long operations in callbacks inside Runtime </a:t>
+            </a:r>
+            <a:r>
+              <a:rPr lang="en-US" sz="1600" dirty="0" smtClean="0"/>
+              <a:t>(like buffer copy or inter-thread communication)</a:t>
+            </a:r>
+            <a:r>
+              <a:rPr lang="en-US" dirty="0" smtClean="0"/>
+              <a:t> will influence overall device throughput or even cause a deadlock </a:t>
+            </a:r>
+            <a:r>
+              <a:rPr lang="en-US" sz="1600" dirty="0" smtClean="0"/>
+              <a:t>(inter-thread communication)</a:t>
+            </a:r>
+            <a:r>
+              <a:rPr lang="en-US" dirty="0" smtClean="0"/>
+              <a:t>.</a:t>
             </a:r>
           </a:p>
           <a:p>
@@ -16757,7 +20787,7 @@
             <a:fld id="{644F31DB-F08C-476F-B161-7D382042A277}" type="slidenum">
               <a:rPr lang="en-US" smtClean="0"/>
               <a:pPr/>
-              <a:t>10</a:t>
+              <a:t>11</a:t>
             </a:fld>
             <a:endParaRPr lang="en-US"/>
           </a:p>
@@ -16779,7 +20809,7 @@
 </p:sld>
 </file>
 
-<file path=ppt/slides/slide11.xml><?xml version="1.0" encoding="utf-8"?>
+<file path=ppt/slides/slide12.xml><?xml version="1.0" encoding="utf-8"?>
 <p:sld xmlns:a="http://schemas.openxmlformats.org/drawingml/2006/main" xmlns:r="http://schemas.openxmlformats.org/officeDocument/2006/relationships" xmlns:p="http://schemas.openxmlformats.org/presentationml/2006/main">
   <p:cSld>
     <p:spTree>
@@ -16866,7 +20896,7 @@
             <a:fld id="{644F31DB-F08C-476F-B161-7D382042A277}" type="slidenum">
               <a:rPr lang="en-US" smtClean="0"/>
               <a:pPr/>
-              <a:t>11</a:t>
+              <a:t>12</a:t>
             </a:fld>
             <a:endParaRPr lang="en-US"/>
           </a:p>
@@ -16888,7 +20918,7 @@
 </p:sld>
 </file>
 
-<file path=ppt/slides/slide12.xml><?xml version="1.0" encoding="utf-8"?>
+<file path=ppt/slides/slide13.xml><?xml version="1.0" encoding="utf-8"?>
 <p:sld xmlns:a="http://schemas.openxmlformats.org/drawingml/2006/main" xmlns:r="http://schemas.openxmlformats.org/officeDocument/2006/relationships" xmlns:p="http://schemas.openxmlformats.org/presentationml/2006/main">
   <p:cSld>
     <p:spTree>
@@ -16992,7 +21022,7 @@
             <a:fld id="{644F31DB-F08C-476F-B161-7D382042A277}" type="slidenum">
               <a:rPr lang="en-US" smtClean="0"/>
               <a:pPr/>
-              <a:t>12</a:t>
+              <a:t>13</a:t>
             </a:fld>
             <a:endParaRPr lang="en-US"/>
           </a:p>
@@ -17283,7 +21313,7 @@
 </p:sld>
 </file>
 
-<file path=ppt/slides/slide13.xml><?xml version="1.0" encoding="utf-8"?>
+<file path=ppt/slides/slide14.xml><?xml version="1.0" encoding="utf-8"?>
 <p:sld xmlns:a="http://schemas.openxmlformats.org/drawingml/2006/main" xmlns:r="http://schemas.openxmlformats.org/officeDocument/2006/relationships" xmlns:p="http://schemas.openxmlformats.org/presentationml/2006/main">
   <p:cSld>
     <p:spTree>
@@ -17389,7 +21419,7 @@
             <a:fld id="{644F31DB-F08C-476F-B161-7D382042A277}" type="slidenum">
               <a:rPr lang="en-US" smtClean="0"/>
               <a:pPr/>
-              <a:t>13</a:t>
+              <a:t>14</a:t>
             </a:fld>
             <a:endParaRPr lang="en-US"/>
           </a:p>
@@ -17696,7 +21726,7 @@
 </p:sld>
 </file>
 
-<file path=ppt/slides/slide14.xml><?xml version="1.0" encoding="utf-8"?>
+<file path=ppt/slides/slide15.xml><?xml version="1.0" encoding="utf-8"?>
 <p:sld xmlns:a="http://schemas.openxmlformats.org/drawingml/2006/main" xmlns:r="http://schemas.openxmlformats.org/officeDocument/2006/relationships" xmlns:p="http://schemas.openxmlformats.org/presentationml/2006/main">
   <p:cSld>
     <p:spTree>
@@ -17779,7 +21809,7 @@
             <a:fld id="{644F31DB-F08C-476F-B161-7D382042A277}" type="slidenum">
               <a:rPr lang="en-US" smtClean="0"/>
               <a:pPr/>
-              <a:t>14</a:t>
+              <a:t>15</a:t>
             </a:fld>
             <a:endParaRPr lang="en-US"/>
           </a:p>
@@ -17878,9 +21908,9 @@
           <p:nvPr/>
         </p:nvSpPr>
         <p:spPr>
-          <a:xfrm>
-            <a:off x="4337138" y="3769682"/>
-            <a:ext cx="4959262" cy="3088318"/>
+          <a:xfrm rot="21342573">
+            <a:off x="4419600" y="3974456"/>
+            <a:ext cx="4114800" cy="2297771"/>
           </a:xfrm>
           <a:custGeom>
             <a:avLst/>
@@ -19367,52 +23397,6 @@
       </p:sp>
       <p:sp>
         <p:nvSpPr>
-          <p:cNvPr id="8" name="Rectangle 7"/>
-          <p:cNvSpPr/>
-          <p:nvPr/>
-        </p:nvSpPr>
-        <p:spPr>
-          <a:xfrm>
-            <a:off x="6574331" y="4074102"/>
-            <a:ext cx="2493469" cy="2402898"/>
-          </a:xfrm>
-          <a:prstGeom prst="rect">
-            <a:avLst/>
-          </a:prstGeom>
-          <a:solidFill>
-            <a:schemeClr val="bg1"/>
-          </a:solidFill>
-          <a:ln>
-            <a:noFill/>
-          </a:ln>
-        </p:spPr>
-        <p:style>
-          <a:lnRef idx="2">
-            <a:schemeClr val="accent1">
-              <a:shade val="50000"/>
-            </a:schemeClr>
-          </a:lnRef>
-          <a:fillRef idx="1">
-            <a:schemeClr val="accent1"/>
-          </a:fillRef>
-          <a:effectRef idx="0">
-            <a:schemeClr val="accent1"/>
-          </a:effectRef>
-          <a:fontRef idx="minor">
-            <a:schemeClr val="lt1"/>
-          </a:fontRef>
-        </p:style>
-        <p:txBody>
-          <a:bodyPr rtlCol="0" anchor="ctr"/>
-          <a:lstStyle/>
-          <a:p>
-            <a:pPr algn="ctr"/>
-            <a:endParaRPr lang="en-US"/>
-          </a:p>
-        </p:txBody>
-      </p:sp>
-      <p:sp>
-        <p:nvSpPr>
           <p:cNvPr id="9" name="Rounded Rectangle 8"/>
           <p:cNvSpPr/>
           <p:nvPr/>
@@ -20377,11 +24361,7 @@
               <a:pPr algn="ctr"/>
               <a:r>
                 <a:rPr lang="en-US" sz="1600" b="1" dirty="0" smtClean="0"/>
-                <a:t>Compiler </a:t>
-              </a:r>
-              <a:r>
-                <a:rPr lang="en-US" sz="1600" b="1" dirty="0" err="1" smtClean="0"/>
-                <a:t>BackEnd</a:t>
+                <a:t>Device Compiler</a:t>
               </a:r>
               <a:endParaRPr lang="en-US" sz="1600" b="1" dirty="0"/>
             </a:p>
@@ -20573,7 +24553,7 @@
         <p:grpSpPr>
           <a:xfrm>
             <a:off x="4760899" y="4333874"/>
-            <a:ext cx="1737872" cy="2013239"/>
+            <a:ext cx="1487501" cy="1623581"/>
             <a:chOff x="4800600" y="4495800"/>
             <a:chExt cx="1752600" cy="2057400"/>
           </a:xfrm>
@@ -20628,8 +24608,8 @@
           </p:nvSpPr>
           <p:spPr>
             <a:xfrm>
-              <a:off x="5029200" y="4876800"/>
-              <a:ext cx="1066800" cy="457200"/>
+              <a:off x="5029200" y="5060046"/>
+              <a:ext cx="1373862" cy="606552"/>
             </a:xfrm>
             <a:prstGeom prst="roundRect">
               <a:avLst/>
@@ -20658,55 +24638,7 @@
               <a:pPr algn="ctr"/>
               <a:r>
                 <a:rPr lang="en-US" sz="1600" b="1" dirty="0" smtClean="0"/>
-                <a:t>Compiler </a:t>
-              </a:r>
-              <a:r>
-                <a:rPr lang="en-US" sz="1600" b="1" dirty="0" err="1" smtClean="0"/>
-                <a:t>BackEnd</a:t>
-              </a:r>
-              <a:endParaRPr lang="en-US" sz="1600" b="1" dirty="0"/>
-            </a:p>
-          </p:txBody>
-        </p:sp>
-        <p:sp>
-          <p:nvSpPr>
-            <p:cNvPr id="47" name="Rounded Rectangle 46"/>
-            <p:cNvSpPr/>
-            <p:nvPr/>
-          </p:nvSpPr>
-          <p:spPr>
-            <a:xfrm>
-              <a:off x="5029200" y="5410200"/>
-              <a:ext cx="1066800" cy="457200"/>
-            </a:xfrm>
-            <a:prstGeom prst="roundRect">
-              <a:avLst/>
-            </a:prstGeom>
-          </p:spPr>
-          <p:style>
-            <a:lnRef idx="2">
-              <a:schemeClr val="accent6">
-                <a:shade val="50000"/>
-              </a:schemeClr>
-            </a:lnRef>
-            <a:fillRef idx="1">
-              <a:schemeClr val="accent6"/>
-            </a:fillRef>
-            <a:effectRef idx="0">
-              <a:schemeClr val="accent6"/>
-            </a:effectRef>
-            <a:fontRef idx="minor">
-              <a:schemeClr val="lt1"/>
-            </a:fontRef>
-          </p:style>
-          <p:txBody>
-            <a:bodyPr rtlCol="0" anchor="ctr"/>
-            <a:lstStyle/>
-            <a:p>
-              <a:pPr algn="ctr"/>
-              <a:r>
-                <a:rPr lang="en-US" sz="1600" b="1" dirty="0" smtClean="0"/>
-                <a:t>Execution Manager</a:t>
+                <a:t>Device Compiler </a:t>
               </a:r>
               <a:endParaRPr lang="en-US" sz="1600" b="1" dirty="0"/>
             </a:p>
@@ -20720,362 +24652,8 @@
           </p:nvSpPr>
           <p:spPr>
             <a:xfrm>
-              <a:off x="5029200" y="5943600"/>
-              <a:ext cx="1066800" cy="457200"/>
-            </a:xfrm>
-            <a:prstGeom prst="roundRect">
-              <a:avLst/>
-            </a:prstGeom>
-            <a:ln/>
-          </p:spPr>
-          <p:style>
-            <a:lnRef idx="2">
-              <a:schemeClr val="accent6">
-                <a:shade val="50000"/>
-              </a:schemeClr>
-            </a:lnRef>
-            <a:fillRef idx="1">
-              <a:schemeClr val="accent6"/>
-            </a:fillRef>
-            <a:effectRef idx="0">
-              <a:schemeClr val="accent6"/>
-            </a:effectRef>
-            <a:fontRef idx="minor">
-              <a:schemeClr val="lt1"/>
-            </a:fontRef>
-          </p:style>
-          <p:txBody>
-            <a:bodyPr rtlCol="0" anchor="ctr"/>
-            <a:lstStyle/>
-            <a:p>
-              <a:pPr algn="ctr"/>
-              <a:r>
-                <a:rPr lang="en-US" sz="1600" b="1" dirty="0" smtClean="0"/>
-                <a:t>Buffer Manager</a:t>
-              </a:r>
-              <a:endParaRPr lang="en-US" sz="1600" b="1" dirty="0"/>
-            </a:p>
-          </p:txBody>
-        </p:sp>
-        <p:sp>
-          <p:nvSpPr>
-            <p:cNvPr id="49" name="Rounded Rectangle 48"/>
-            <p:cNvSpPr/>
-            <p:nvPr/>
-          </p:nvSpPr>
-          <p:spPr>
-            <a:xfrm>
-              <a:off x="6172200" y="4876800"/>
-              <a:ext cx="228600" cy="1524000"/>
-            </a:xfrm>
-            <a:prstGeom prst="roundRect">
-              <a:avLst/>
-            </a:prstGeom>
-          </p:spPr>
-          <p:style>
-            <a:lnRef idx="2">
-              <a:schemeClr val="accent1"/>
-            </a:lnRef>
-            <a:fillRef idx="1">
-              <a:schemeClr val="lt1"/>
-            </a:fillRef>
-            <a:effectRef idx="0">
-              <a:schemeClr val="accent1"/>
-            </a:effectRef>
-            <a:fontRef idx="minor">
-              <a:schemeClr val="dk1"/>
-            </a:fontRef>
-          </p:style>
-          <p:txBody>
-            <a:bodyPr vert="wordArtVert" rtlCol="0" anchor="ctr"/>
-            <a:lstStyle/>
-            <a:p>
-              <a:r>
-                <a:rPr lang="en-US" dirty="0" smtClean="0">
-                  <a:solidFill>
-                    <a:schemeClr val="dk1"/>
-                  </a:solidFill>
-                </a:rPr>
-                <a:t>COI</a:t>
-              </a:r>
-              <a:endParaRPr lang="en-US" dirty="0">
-                <a:solidFill>
-                  <a:schemeClr val="dk1"/>
-                </a:solidFill>
-              </a:endParaRPr>
-            </a:p>
-          </p:txBody>
-        </p:sp>
-      </p:grpSp>
-      <p:grpSp>
-        <p:nvGrpSpPr>
-          <p:cNvPr id="50" name="Group 49"/>
-          <p:cNvGrpSpPr/>
-          <p:nvPr/>
-        </p:nvGrpSpPr>
-        <p:grpSpPr>
-          <a:xfrm>
-            <a:off x="7178808" y="4268932"/>
-            <a:ext cx="1662313" cy="2078182"/>
-            <a:chOff x="7239000" y="4191000"/>
-            <a:chExt cx="1676400" cy="2438400"/>
-          </a:xfrm>
-        </p:grpSpPr>
-        <p:sp>
-          <p:nvSpPr>
-            <p:cNvPr id="51" name="Rectangle 50"/>
-            <p:cNvSpPr/>
-            <p:nvPr/>
-          </p:nvSpPr>
-          <p:spPr>
-            <a:xfrm>
-              <a:off x="7239000" y="4191000"/>
-              <a:ext cx="1676400" cy="2438400"/>
-            </a:xfrm>
-            <a:prstGeom prst="rect">
-              <a:avLst/>
-            </a:prstGeom>
-            <a:blipFill>
-              <a:blip r:embed="rId2"/>
-              <a:tile tx="0" ty="0" sx="100000" sy="100000" flip="none" algn="tl"/>
-            </a:blipFill>
-            <a:ln w="155575" cmpd="tri"/>
-          </p:spPr>
-          <p:style>
-            <a:lnRef idx="2">
-              <a:schemeClr val="accent1">
-                <a:shade val="50000"/>
-              </a:schemeClr>
-            </a:lnRef>
-            <a:fillRef idx="1">
-              <a:schemeClr val="accent1"/>
-            </a:fillRef>
-            <a:effectRef idx="0">
-              <a:schemeClr val="accent1"/>
-            </a:effectRef>
-            <a:fontRef idx="minor">
-              <a:schemeClr val="lt1"/>
-            </a:fontRef>
-          </p:style>
-          <p:txBody>
-            <a:bodyPr rtlCol="0" anchor="ctr"/>
-            <a:lstStyle/>
-            <a:p>
-              <a:pPr algn="ctr"/>
-              <a:endParaRPr lang="en-US" dirty="0"/>
-            </a:p>
-          </p:txBody>
-        </p:sp>
-        <p:sp>
-          <p:nvSpPr>
-            <p:cNvPr id="52" name="Rounded Rectangle 51"/>
-            <p:cNvSpPr/>
-            <p:nvPr/>
-          </p:nvSpPr>
-          <p:spPr>
-            <a:xfrm>
-              <a:off x="7391400" y="4419600"/>
-              <a:ext cx="228600" cy="1905000"/>
-            </a:xfrm>
-            <a:prstGeom prst="roundRect">
-              <a:avLst/>
-            </a:prstGeom>
-          </p:spPr>
-          <p:style>
-            <a:lnRef idx="2">
-              <a:schemeClr val="accent1"/>
-            </a:lnRef>
-            <a:fillRef idx="1">
-              <a:schemeClr val="lt1"/>
-            </a:fillRef>
-            <a:effectRef idx="0">
-              <a:schemeClr val="accent1"/>
-            </a:effectRef>
-            <a:fontRef idx="minor">
-              <a:schemeClr val="dk1"/>
-            </a:fontRef>
-          </p:style>
-          <p:txBody>
-            <a:bodyPr vert="wordArtVert" rtlCol="0" anchor="ctr"/>
-            <a:lstStyle/>
-            <a:p>
-              <a:r>
-                <a:rPr lang="en-US" dirty="0" smtClean="0">
-                  <a:solidFill>
-                    <a:schemeClr val="dk1"/>
-                  </a:solidFill>
-                </a:rPr>
-                <a:t>COI</a:t>
-              </a:r>
-              <a:endParaRPr lang="en-US" dirty="0">
-                <a:solidFill>
-                  <a:schemeClr val="dk1"/>
-                </a:solidFill>
-              </a:endParaRPr>
-            </a:p>
-          </p:txBody>
-        </p:sp>
-        <p:sp>
-          <p:nvSpPr>
-            <p:cNvPr id="53" name="TextBox 52"/>
-            <p:cNvSpPr txBox="1"/>
-            <p:nvPr/>
-          </p:nvSpPr>
-          <p:spPr>
-            <a:xfrm>
-              <a:off x="7696200" y="4267200"/>
-              <a:ext cx="1066800" cy="369332"/>
-            </a:xfrm>
-            <a:prstGeom prst="rect">
-              <a:avLst/>
-            </a:prstGeom>
-            <a:solidFill>
-              <a:schemeClr val="bg2">
-                <a:alpha val="44000"/>
-              </a:schemeClr>
-            </a:solidFill>
-            <a:ln>
-              <a:noFill/>
-            </a:ln>
-          </p:spPr>
-          <p:style>
-            <a:lnRef idx="2">
-              <a:schemeClr val="dk1"/>
-            </a:lnRef>
-            <a:fillRef idx="1">
-              <a:schemeClr val="lt1"/>
-            </a:fillRef>
-            <a:effectRef idx="0">
-              <a:schemeClr val="dk1"/>
-            </a:effectRef>
-            <a:fontRef idx="minor">
-              <a:schemeClr val="dk1"/>
-            </a:fontRef>
-          </p:style>
-          <p:txBody>
-            <a:bodyPr wrap="square" rtlCol="0">
-              <a:spAutoFit/>
-            </a:bodyPr>
-            <a:lstStyle/>
-            <a:p>
-              <a:r>
-                <a:rPr lang="en-US" b="1" dirty="0" smtClean="0">
-                  <a:solidFill>
-                    <a:schemeClr val="tx1"/>
-                  </a:solidFill>
-                </a:rPr>
-                <a:t>MIC Card</a:t>
-              </a:r>
-              <a:endParaRPr lang="en-US" b="1" dirty="0">
-                <a:solidFill>
-                  <a:schemeClr val="tx1"/>
-                </a:solidFill>
-              </a:endParaRPr>
-            </a:p>
-          </p:txBody>
-        </p:sp>
-        <p:sp>
-          <p:nvSpPr>
-            <p:cNvPr id="54" name="Rounded Rectangle 53"/>
-            <p:cNvSpPr/>
-            <p:nvPr/>
-          </p:nvSpPr>
-          <p:spPr>
-            <a:xfrm>
-              <a:off x="7696200" y="4724400"/>
-              <a:ext cx="1066800" cy="468869"/>
-            </a:xfrm>
-            <a:prstGeom prst="roundRect">
-              <a:avLst/>
-            </a:prstGeom>
-          </p:spPr>
-          <p:style>
-            <a:lnRef idx="2">
-              <a:schemeClr val="accent6">
-                <a:shade val="50000"/>
-              </a:schemeClr>
-            </a:lnRef>
-            <a:fillRef idx="1">
-              <a:schemeClr val="accent6"/>
-            </a:fillRef>
-            <a:effectRef idx="0">
-              <a:schemeClr val="accent6"/>
-            </a:effectRef>
-            <a:fontRef idx="minor">
-              <a:schemeClr val="lt1"/>
-            </a:fontRef>
-          </p:style>
-          <p:txBody>
-            <a:bodyPr rtlCol="0" anchor="ctr"/>
-            <a:lstStyle/>
-            <a:p>
-              <a:pPr algn="ctr"/>
-              <a:r>
-                <a:rPr lang="en-US" sz="1600" b="1" dirty="0" smtClean="0"/>
-                <a:t>Compiler </a:t>
-              </a:r>
-              <a:r>
-                <a:rPr lang="en-US" sz="1600" b="1" dirty="0" err="1" smtClean="0"/>
-                <a:t>BackEnd</a:t>
-              </a:r>
-              <a:endParaRPr lang="en-US" sz="1600" b="1" dirty="0"/>
-            </a:p>
-          </p:txBody>
-        </p:sp>
-        <p:sp>
-          <p:nvSpPr>
-            <p:cNvPr id="55" name="Rounded Rectangle 54"/>
-            <p:cNvSpPr/>
-            <p:nvPr/>
-          </p:nvSpPr>
-          <p:spPr>
-            <a:xfrm>
-              <a:off x="7696200" y="5341112"/>
-              <a:ext cx="1066800" cy="457200"/>
-            </a:xfrm>
-            <a:prstGeom prst="roundRect">
-              <a:avLst/>
-            </a:prstGeom>
-          </p:spPr>
-          <p:style>
-            <a:lnRef idx="2">
-              <a:schemeClr val="accent6">
-                <a:shade val="50000"/>
-              </a:schemeClr>
-            </a:lnRef>
-            <a:fillRef idx="1">
-              <a:schemeClr val="accent6"/>
-            </a:fillRef>
-            <a:effectRef idx="0">
-              <a:schemeClr val="accent6"/>
-            </a:effectRef>
-            <a:fontRef idx="minor">
-              <a:schemeClr val="lt1"/>
-            </a:fontRef>
-          </p:style>
-          <p:txBody>
-            <a:bodyPr rtlCol="0" anchor="ctr"/>
-            <a:lstStyle/>
-            <a:p>
-              <a:pPr algn="ctr"/>
-              <a:r>
-                <a:rPr lang="en-US" sz="1600" b="1" dirty="0" smtClean="0"/>
-                <a:t>Execution Manager</a:t>
-              </a:r>
-              <a:endParaRPr lang="en-US" sz="1600" b="1" dirty="0"/>
-            </a:p>
-          </p:txBody>
-        </p:sp>
-        <p:sp>
-          <p:nvSpPr>
-            <p:cNvPr id="56" name="Rounded Rectangle 55"/>
-            <p:cNvSpPr/>
-            <p:nvPr/>
-          </p:nvSpPr>
-          <p:spPr>
-            <a:xfrm>
-              <a:off x="7696200" y="5966968"/>
-              <a:ext cx="1066800" cy="457200"/>
+              <a:off x="5029200" y="5770167"/>
+              <a:ext cx="1373862" cy="572354"/>
             </a:xfrm>
             <a:prstGeom prst="roundRect">
               <a:avLst/>
@@ -21112,54 +24690,341 @@
           </p:txBody>
         </p:sp>
       </p:grpSp>
-      <p:sp>
-        <p:nvSpPr>
-          <p:cNvPr id="57" name="Rectangle 56"/>
-          <p:cNvSpPr/>
+      <p:grpSp>
+        <p:nvGrpSpPr>
+          <p:cNvPr id="5" name="Group 4"/>
+          <p:cNvGrpSpPr/>
           <p:nvPr/>
-        </p:nvSpPr>
-        <p:spPr>
+        </p:nvGrpSpPr>
+        <p:grpSpPr>
           <a:xfrm>
-            <a:off x="6649891" y="4203989"/>
-            <a:ext cx="302239" cy="2143125"/>
+            <a:off x="6248400" y="4114800"/>
+            <a:ext cx="2112135" cy="1918855"/>
+            <a:chOff x="6727065" y="4139045"/>
+            <a:chExt cx="2112135" cy="2109355"/>
           </a:xfrm>
-          <a:prstGeom prst="rect">
-            <a:avLst/>
-          </a:prstGeom>
-          <a:blipFill dpi="0" rotWithShape="1">
-            <a:blip r:embed="rId3"/>
-            <a:srcRect/>
-            <a:tile tx="0" ty="0" sx="100000" sy="100000" flip="none" algn="tl"/>
-          </a:blipFill>
-          <a:ln>
+        </p:grpSpPr>
+        <p:grpSp>
+          <p:nvGrpSpPr>
+            <p:cNvPr id="3" name="Group 2"/>
+            <p:cNvGrpSpPr/>
+            <p:nvPr/>
+          </p:nvGrpSpPr>
+          <p:grpSpPr>
+            <a:xfrm>
+              <a:off x="6802931" y="4262661"/>
+              <a:ext cx="2036269" cy="1985739"/>
+              <a:chOff x="6574331" y="4074102"/>
+              <a:chExt cx="2493469" cy="2402898"/>
+            </a:xfrm>
+          </p:grpSpPr>
+          <p:sp>
+            <p:nvSpPr>
+              <p:cNvPr id="8" name="Rectangle 7"/>
+              <p:cNvSpPr/>
+              <p:nvPr/>
+            </p:nvSpPr>
+            <p:spPr>
+              <a:xfrm>
+                <a:off x="6574331" y="4074102"/>
+                <a:ext cx="2493469" cy="2402898"/>
+              </a:xfrm>
+              <a:prstGeom prst="rect">
+                <a:avLst/>
+              </a:prstGeom>
+              <a:solidFill>
+                <a:schemeClr val="bg1"/>
+              </a:solidFill>
+              <a:ln>
+                <a:noFill/>
+              </a:ln>
+            </p:spPr>
+            <p:style>
+              <a:lnRef idx="2">
+                <a:schemeClr val="accent1">
+                  <a:shade val="50000"/>
+                </a:schemeClr>
+              </a:lnRef>
+              <a:fillRef idx="1">
+                <a:schemeClr val="accent1"/>
+              </a:fillRef>
+              <a:effectRef idx="0">
+                <a:schemeClr val="accent1"/>
+              </a:effectRef>
+              <a:fontRef idx="minor">
+                <a:schemeClr val="lt1"/>
+              </a:fontRef>
+            </p:style>
+            <p:txBody>
+              <a:bodyPr rtlCol="0" anchor="ctr"/>
+              <a:lstStyle/>
+              <a:p>
+                <a:pPr algn="ctr"/>
+                <a:endParaRPr lang="en-US"/>
+              </a:p>
+            </p:txBody>
+          </p:sp>
+          <p:grpSp>
+            <p:nvGrpSpPr>
+              <p:cNvPr id="50" name="Group 49"/>
+              <p:cNvGrpSpPr/>
+              <p:nvPr/>
+            </p:nvGrpSpPr>
+            <p:grpSpPr>
+              <a:xfrm>
+                <a:off x="7178808" y="4268932"/>
+                <a:ext cx="1662313" cy="2078182"/>
+                <a:chOff x="7239000" y="4191000"/>
+                <a:chExt cx="1676400" cy="2438400"/>
+              </a:xfrm>
+            </p:grpSpPr>
+            <p:sp>
+              <p:nvSpPr>
+                <p:cNvPr id="51" name="Rectangle 50"/>
+                <p:cNvSpPr/>
+                <p:nvPr/>
+              </p:nvSpPr>
+              <p:spPr>
+                <a:xfrm>
+                  <a:off x="7239000" y="4191000"/>
+                  <a:ext cx="1676400" cy="2438400"/>
+                </a:xfrm>
+                <a:prstGeom prst="rect">
+                  <a:avLst/>
+                </a:prstGeom>
+                <a:blipFill>
+                  <a:blip r:embed="rId2"/>
+                  <a:tile tx="0" ty="0" sx="100000" sy="100000" flip="none" algn="tl"/>
+                </a:blipFill>
+                <a:ln w="155575" cmpd="tri"/>
+              </p:spPr>
+              <p:style>
+                <a:lnRef idx="2">
+                  <a:schemeClr val="accent1">
+                    <a:shade val="50000"/>
+                  </a:schemeClr>
+                </a:lnRef>
+                <a:fillRef idx="1">
+                  <a:schemeClr val="accent1"/>
+                </a:fillRef>
+                <a:effectRef idx="0">
+                  <a:schemeClr val="accent1"/>
+                </a:effectRef>
+                <a:fontRef idx="minor">
+                  <a:schemeClr val="lt1"/>
+                </a:fontRef>
+              </p:style>
+              <p:txBody>
+                <a:bodyPr rtlCol="0" anchor="ctr"/>
+                <a:lstStyle/>
+                <a:p>
+                  <a:pPr algn="ctr"/>
+                  <a:endParaRPr lang="en-US" dirty="0"/>
+                </a:p>
+              </p:txBody>
+            </p:sp>
+            <p:sp>
+              <p:nvSpPr>
+                <p:cNvPr id="53" name="TextBox 52"/>
+                <p:cNvSpPr txBox="1"/>
+                <p:nvPr/>
+              </p:nvSpPr>
+              <p:spPr>
+                <a:xfrm>
+                  <a:off x="7288511" y="4267201"/>
+                  <a:ext cx="1524000" cy="524386"/>
+                </a:xfrm>
+                <a:prstGeom prst="rect">
+                  <a:avLst/>
+                </a:prstGeom>
+                <a:solidFill>
+                  <a:schemeClr val="bg2">
+                    <a:alpha val="44000"/>
+                  </a:schemeClr>
+                </a:solidFill>
+                <a:ln>
+                  <a:noFill/>
+                </a:ln>
+              </p:spPr>
+              <p:style>
+                <a:lnRef idx="2">
+                  <a:schemeClr val="dk1"/>
+                </a:lnRef>
+                <a:fillRef idx="1">
+                  <a:schemeClr val="lt1"/>
+                </a:fillRef>
+                <a:effectRef idx="0">
+                  <a:schemeClr val="dk1"/>
+                </a:effectRef>
+                <a:fontRef idx="minor">
+                  <a:schemeClr val="dk1"/>
+                </a:fontRef>
+              </p:style>
+              <p:txBody>
+                <a:bodyPr wrap="square" rtlCol="0">
+                  <a:spAutoFit/>
+                </a:bodyPr>
+                <a:lstStyle/>
+                <a:p>
+                  <a:r>
+                    <a:rPr lang="en-US" b="1" dirty="0" smtClean="0">
+                      <a:solidFill>
+                        <a:schemeClr val="tx1"/>
+                      </a:solidFill>
+                    </a:rPr>
+                    <a:t>MIC Card</a:t>
+                  </a:r>
+                  <a:endParaRPr lang="en-US" b="1" dirty="0">
+                    <a:solidFill>
+                      <a:schemeClr val="tx1"/>
+                    </a:solidFill>
+                  </a:endParaRPr>
+                </a:p>
+              </p:txBody>
+            </p:sp>
+            <p:sp>
+              <p:nvSpPr>
+                <p:cNvPr id="55" name="Rounded Rectangle 54"/>
+                <p:cNvSpPr/>
+                <p:nvPr/>
+              </p:nvSpPr>
+              <p:spPr>
+                <a:xfrm>
+                  <a:off x="7382611" y="5214066"/>
+                  <a:ext cx="1406897" cy="967819"/>
+                </a:xfrm>
+                <a:prstGeom prst="roundRect">
+                  <a:avLst/>
+                </a:prstGeom>
+              </p:spPr>
+              <p:style>
+                <a:lnRef idx="2">
+                  <a:schemeClr val="accent6">
+                    <a:shade val="50000"/>
+                  </a:schemeClr>
+                </a:lnRef>
+                <a:fillRef idx="1">
+                  <a:schemeClr val="accent6"/>
+                </a:fillRef>
+                <a:effectRef idx="0">
+                  <a:schemeClr val="accent6"/>
+                </a:effectRef>
+                <a:fontRef idx="minor">
+                  <a:schemeClr val="lt1"/>
+                </a:fontRef>
+              </p:style>
+              <p:txBody>
+                <a:bodyPr rtlCol="0" anchor="ctr"/>
+                <a:lstStyle/>
+                <a:p>
+                  <a:pPr algn="ctr"/>
+                  <a:r>
+                    <a:rPr lang="en-US" sz="1600" b="1" dirty="0" smtClean="0"/>
+                    <a:t>Execution Manager</a:t>
+                  </a:r>
+                  <a:endParaRPr lang="en-US" sz="1600" b="1" dirty="0"/>
+                </a:p>
+              </p:txBody>
+            </p:sp>
+          </p:grpSp>
+          <p:sp>
+            <p:nvSpPr>
+              <p:cNvPr id="57" name="Rectangle 56"/>
+              <p:cNvSpPr/>
+              <p:nvPr/>
+            </p:nvSpPr>
+            <p:spPr>
+              <a:xfrm>
+                <a:off x="6649891" y="4203989"/>
+                <a:ext cx="302239" cy="2143125"/>
+              </a:xfrm>
+              <a:prstGeom prst="rect">
+                <a:avLst/>
+              </a:prstGeom>
+              <a:blipFill dpi="0" rotWithShape="1">
+                <a:blip r:embed="rId3"/>
+                <a:srcRect/>
+                <a:tile tx="0" ty="0" sx="100000" sy="100000" flip="none" algn="tl"/>
+              </a:blipFill>
+              <a:ln>
+                <a:noFill/>
+              </a:ln>
+            </p:spPr>
+            <p:style>
+              <a:lnRef idx="2">
+                <a:schemeClr val="accent1">
+                  <a:shade val="50000"/>
+                </a:schemeClr>
+              </a:lnRef>
+              <a:fillRef idx="1">
+                <a:schemeClr val="accent1"/>
+              </a:fillRef>
+              <a:effectRef idx="0">
+                <a:schemeClr val="accent1"/>
+              </a:effectRef>
+              <a:fontRef idx="minor">
+                <a:schemeClr val="lt1"/>
+              </a:fontRef>
+            </p:style>
+            <p:txBody>
+              <a:bodyPr vert="wordArtVert" rtlCol="0" anchor="ctr" anchorCtr="0"/>
+              <a:lstStyle/>
+              <a:p>
+                <a:pPr algn="ctr"/>
+                <a:endParaRPr lang="en-US" dirty="0"/>
+              </a:p>
+            </p:txBody>
+          </p:sp>
+        </p:grpSp>
+        <p:sp>
+          <p:nvSpPr>
+            <p:cNvPr id="59" name="TextBox 58"/>
+            <p:cNvSpPr txBox="1"/>
+            <p:nvPr/>
+          </p:nvSpPr>
+          <p:spPr>
+            <a:xfrm>
+              <a:off x="6727065" y="4139045"/>
+              <a:ext cx="511935" cy="1493694"/>
+            </a:xfrm>
+            <a:prstGeom prst="rect">
+              <a:avLst/>
+            </a:prstGeom>
             <a:noFill/>
-          </a:ln>
-        </p:spPr>
-        <p:style>
-          <a:lnRef idx="2">
-            <a:schemeClr val="accent1">
-              <a:shade val="50000"/>
-            </a:schemeClr>
-          </a:lnRef>
-          <a:fillRef idx="1">
-            <a:schemeClr val="accent1"/>
-          </a:fillRef>
-          <a:effectRef idx="0">
-            <a:schemeClr val="accent1"/>
-          </a:effectRef>
-          <a:fontRef idx="minor">
-            <a:schemeClr val="lt1"/>
-          </a:fontRef>
-        </p:style>
-        <p:txBody>
-          <a:bodyPr vert="wordArtVert" rtlCol="0" anchor="ctr" anchorCtr="0"/>
-          <a:lstStyle/>
-          <a:p>
-            <a:pPr algn="ctr"/>
-            <a:endParaRPr lang="en-US" dirty="0"/>
-          </a:p>
-        </p:txBody>
-      </p:sp>
+          </p:spPr>
+          <p:txBody>
+            <a:bodyPr vert="wordArtVert" wrap="square" rtlCol="0">
+              <a:spAutoFit/>
+            </a:bodyPr>
+            <a:lstStyle/>
+            <a:p>
+              <a:r>
+                <a:rPr lang="en-US" b="1" dirty="0" smtClean="0">
+                  <a:ln>
+                    <a:solidFill>
+                      <a:schemeClr val="tx1">
+                        <a:lumMod val="95000"/>
+                        <a:lumOff val="5000"/>
+                      </a:schemeClr>
+                    </a:solidFill>
+                  </a:ln>
+                </a:rPr>
+                <a:t>PCI</a:t>
+              </a:r>
+              <a:endParaRPr lang="en-US" b="1" dirty="0">
+                <a:ln>
+                  <a:solidFill>
+                    <a:schemeClr val="tx1">
+                      <a:lumMod val="95000"/>
+                      <a:lumOff val="5000"/>
+                    </a:schemeClr>
+                  </a:solidFill>
+                </a:ln>
+              </a:endParaRPr>
+            </a:p>
+          </p:txBody>
+        </p:sp>
+      </p:grpSp>
       <p:sp>
         <p:nvSpPr>
           <p:cNvPr id="58" name="Left-Right Arrow 57"/>
@@ -21168,8 +25033,8 @@
         </p:nvSpPr>
         <p:spPr>
           <a:xfrm>
-            <a:off x="6347652" y="5113193"/>
-            <a:ext cx="982276" cy="389659"/>
+            <a:off x="6172201" y="5113193"/>
+            <a:ext cx="761999" cy="389659"/>
           </a:xfrm>
           <a:prstGeom prst="leftRightArrow">
             <a:avLst/>
@@ -21195,54 +25060,6 @@
           <a:p>
             <a:pPr algn="ctr"/>
             <a:endParaRPr lang="en-US"/>
-          </a:p>
-        </p:txBody>
-      </p:sp>
-      <p:sp>
-        <p:nvSpPr>
-          <p:cNvPr id="59" name="TextBox 58"/>
-          <p:cNvSpPr txBox="1"/>
-          <p:nvPr/>
-        </p:nvSpPr>
-        <p:spPr>
-          <a:xfrm>
-            <a:off x="6574331" y="4139045"/>
-            <a:ext cx="511935" cy="1493694"/>
-          </a:xfrm>
-          <a:prstGeom prst="rect">
-            <a:avLst/>
-          </a:prstGeom>
-          <a:noFill/>
-        </p:spPr>
-        <p:txBody>
-          <a:bodyPr vert="wordArtVert" wrap="square" rtlCol="0">
-            <a:spAutoFit/>
-          </a:bodyPr>
-          <a:lstStyle/>
-          <a:p>
-            <a:r>
-              <a:rPr lang="en-US" b="1" dirty="0" smtClean="0">
-                <a:ln>
-                  <a:solidFill>
-                    <a:schemeClr val="tx1">
-                      <a:lumMod val="95000"/>
-                      <a:lumOff val="5000"/>
-                    </a:schemeClr>
-                  </a:solidFill>
-                </a:ln>
-              </a:rPr>
-              <a:t>PCI</a:t>
-            </a:r>
-            <a:endParaRPr lang="en-US" b="1" dirty="0">
-              <a:ln>
-                <a:solidFill>
-                  <a:schemeClr val="tx1">
-                    <a:lumMod val="95000"/>
-                    <a:lumOff val="5000"/>
-                  </a:schemeClr>
-                </a:solidFill>
-              </a:ln>
-            </a:endParaRPr>
           </a:p>
         </p:txBody>
       </p:sp>
@@ -21387,14 +25204,14 @@
         <p:nvCxnSpPr>
           <p:cNvPr id="67" name="Straight Arrow Connector 66"/>
           <p:cNvCxnSpPr>
-            <a:endCxn id="45" idx="1"/>
+            <a:endCxn id="95" idx="57"/>
           </p:cNvCxnSpPr>
           <p:nvPr/>
         </p:nvCxnSpPr>
         <p:spPr>
           <a:xfrm flipV="1">
-            <a:off x="3116721" y="5340494"/>
-            <a:ext cx="1644178" cy="162358"/>
+            <a:off x="3116721" y="5364145"/>
+            <a:ext cx="1346565" cy="138708"/>
           </a:xfrm>
           <a:prstGeom prst="straightConnector1">
             <a:avLst/>
@@ -21571,7 +25388,7 @@
           <a:p>
             <a:r>
               <a:rPr lang="en-US" sz="2400" dirty="0" smtClean="0"/>
-              <a:t>Plug-in into CPU Runtime</a:t>
+              <a:t>Plug-in into OpenCL Runtime</a:t>
             </a:r>
             <a:endParaRPr lang="en-US" sz="2400" dirty="0"/>
           </a:p>
@@ -21805,7 +25622,15 @@
           <a:p>
             <a:r>
               <a:rPr lang="en-US" dirty="0" smtClean="0"/>
-              <a:t>MIC Device is an integration project</a:t>
+              <a:t>MIC Device as an Integration </a:t>
+            </a:r>
+            <a:r>
+              <a:rPr lang="en-US" dirty="0"/>
+              <a:t>P</a:t>
+            </a:r>
+            <a:r>
+              <a:rPr lang="en-US" dirty="0" smtClean="0"/>
+              <a:t>roject</a:t>
             </a:r>
             <a:endParaRPr lang="en-US" dirty="0"/>
           </a:p>
@@ -21948,22 +25773,6 @@
               </a:rPr>
               <a:t>Runtime</a:t>
             </a:r>
-            <a:endParaRPr kumimoji="0" lang="en-US" sz="1800" b="1" i="0" u="none" strike="noStrike" cap="none" normalizeH="0" baseline="0" dirty="0" smtClean="0">
-              <a:ln>
-                <a:noFill/>
-              </a:ln>
-              <a:solidFill>
-                <a:srgbClr val="FFFFCC"/>
-              </a:solidFill>
-              <a:effectLst>
-                <a:outerShdw blurRad="38100" dist="38100" dir="2700000" algn="tl">
-                  <a:srgbClr val="000000">
-                    <a:alpha val="43137"/>
-                  </a:srgbClr>
-                </a:outerShdw>
-              </a:effectLst>
-              <a:latin typeface="Verdana" pitchFamily="34" charset="0"/>
-            </a:endParaRPr>
           </a:p>
         </p:txBody>
       </p:sp>
@@ -22706,7 +26515,7 @@
                 <a:effectLst/>
                 <a:latin typeface="Verdana" pitchFamily="34" charset="0"/>
               </a:rPr>
-              <a:t>Host</a:t>
+              <a:t>Device </a:t>
             </a:r>
             <a:r>
               <a:rPr kumimoji="0" lang="en-US" sz="1200" b="1" i="0" u="none" strike="noStrike" cap="none" normalizeH="0" dirty="0" smtClean="0">
@@ -22721,7 +26530,7 @@
                 <a:effectLst/>
                 <a:latin typeface="Verdana" pitchFamily="34" charset="0"/>
               </a:rPr>
-              <a:t> part</a:t>
+              <a:t>part</a:t>
             </a:r>
             <a:endParaRPr kumimoji="0" lang="en-US" sz="1200" b="1" i="0" u="none" strike="noStrike" cap="none" normalizeH="0" baseline="0" dirty="0" smtClean="0">
               <a:ln>
@@ -22837,7 +26646,7 @@
                 <a:effectLst/>
                 <a:latin typeface="Verdana" pitchFamily="34" charset="0"/>
               </a:rPr>
-              <a:t>Host</a:t>
+              <a:t>Device </a:t>
             </a:r>
             <a:r>
               <a:rPr kumimoji="0" lang="en-US" sz="1200" b="1" i="0" u="none" strike="noStrike" cap="none" normalizeH="0" dirty="0" smtClean="0">
@@ -22852,7 +26661,7 @@
                 <a:effectLst/>
                 <a:latin typeface="Verdana" pitchFamily="34" charset="0"/>
               </a:rPr>
-              <a:t> part</a:t>
+              <a:t>part</a:t>
             </a:r>
             <a:endParaRPr kumimoji="0" lang="en-US" sz="1200" b="1" i="0" u="none" strike="noStrike" cap="none" normalizeH="0" baseline="0" dirty="0" smtClean="0">
               <a:ln>
@@ -22941,18 +26750,6 @@
               </a:rPr>
               <a:t>TBB</a:t>
             </a:r>
-            <a:endParaRPr kumimoji="0" lang="en-US" sz="1200" b="1" i="0" u="none" strike="noStrike" cap="none" normalizeH="0" baseline="0" dirty="0" smtClean="0">
-              <a:ln>
-                <a:noFill/>
-              </a:ln>
-              <a:solidFill>
-                <a:schemeClr val="bg1">
-                  <a:lumMod val="50000"/>
-                </a:schemeClr>
-              </a:solidFill>
-              <a:effectLst/>
-              <a:latin typeface="Verdana" pitchFamily="34" charset="0"/>
-            </a:endParaRPr>
           </a:p>
         </p:txBody>
       </p:sp>
@@ -23284,7 +27081,6 @@
               <a:rPr lang="en-US" sz="1600" dirty="0"/>
               <a:t>API</a:t>
             </a:r>
-            <a:endParaRPr lang="en-US" sz="1600" dirty="0"/>
           </a:p>
         </p:txBody>
       </p:sp>
@@ -23609,7 +27405,6 @@
               <a:rPr lang="en-US" sz="1600" dirty="0"/>
               <a:t>API</a:t>
             </a:r>
-            <a:endParaRPr lang="en-US" sz="1600" dirty="0"/>
           </a:p>
         </p:txBody>
       </p:sp>
@@ -23792,6 +27587,13 @@
   <p:transition>
     <p:fade/>
   </p:transition>
+  <p:timing>
+    <p:tnLst>
+      <p:par>
+        <p:cTn id="1" dur="indefinite" restart="never" nodeType="tmRoot"/>
+      </p:par>
+    </p:tnLst>
+  </p:timing>
 </p:sld>
 </file>
 
@@ -23822,14 +27624,119 @@
             <p:ph idx="1"/>
             <p:extLst>
               <p:ext uri="{D42A27DB-BD31-4B8C-83A1-F6EECF244321}">
-                <p14:modId xmlns:p14="http://schemas.microsoft.com/office/powerpoint/2010/main" val="3628448840"/>
+                <p14:modId xmlns:p14="http://schemas.microsoft.com/office/powerpoint/2010/main" val="2624432192"/>
               </p:ext>
             </p:extLst>
           </p:nvPr>
         </p:nvGraphicFramePr>
         <p:xfrm>
           <a:off x="455613" y="990600"/>
-          <a:ext cx="8307387" cy="5029200"/>
+          <a:ext cx="8237537" cy="5181600"/>
+        </p:xfrm>
+        <a:graphic>
+          <a:graphicData uri="http://schemas.openxmlformats.org/drawingml/2006/diagram">
+            <dgm:relIds xmlns:dgm="http://schemas.openxmlformats.org/drawingml/2006/diagram" xmlns:r="http://schemas.openxmlformats.org/officeDocument/2006/relationships" r:dm="rId2" r:lo="rId3" r:qs="rId4" r:cs="rId5"/>
+          </a:graphicData>
+        </a:graphic>
+      </p:graphicFrame>
+      <p:sp>
+        <p:nvSpPr>
+          <p:cNvPr id="3" name="Title 2"/>
+          <p:cNvSpPr>
+            <a:spLocks noGrp="1"/>
+          </p:cNvSpPr>
+          <p:nvPr>
+            <p:ph type="title"/>
+          </p:nvPr>
+        </p:nvSpPr>
+        <p:spPr/>
+        <p:txBody>
+          <a:bodyPr/>
+          <a:lstStyle/>
+          <a:p>
+            <a:r>
+              <a:rPr lang="en-US" dirty="0" smtClean="0"/>
+              <a:t>Major Component Responsibilities </a:t>
+            </a:r>
+            <a:endParaRPr lang="en-US" dirty="0"/>
+          </a:p>
+        </p:txBody>
+      </p:sp>
+      <p:sp>
+        <p:nvSpPr>
+          <p:cNvPr id="4" name="Slide Number Placeholder 3"/>
+          <p:cNvSpPr>
+            <a:spLocks noGrp="1"/>
+          </p:cNvSpPr>
+          <p:nvPr>
+            <p:ph type="sldNum" sz="quarter" idx="10"/>
+          </p:nvPr>
+        </p:nvSpPr>
+        <p:spPr/>
+        <p:txBody>
+          <a:bodyPr/>
+          <a:lstStyle/>
+          <a:p>
+            <a:fld id="{644F31DB-F08C-476F-B161-7D382042A277}" type="slidenum">
+              <a:rPr lang="en-US" smtClean="0"/>
+              <a:pPr/>
+              <a:t>4</a:t>
+            </a:fld>
+            <a:endParaRPr lang="en-US"/>
+          </a:p>
+        </p:txBody>
+      </p:sp>
+    </p:spTree>
+    <p:extLst>
+      <p:ext uri="{BB962C8B-B14F-4D97-AF65-F5344CB8AC3E}">
+        <p14:creationId xmlns:p14="http://schemas.microsoft.com/office/powerpoint/2010/main" val="2889943291"/>
+      </p:ext>
+    </p:extLst>
+  </p:cSld>
+  <p:clrMapOvr>
+    <a:masterClrMapping/>
+  </p:clrMapOvr>
+  <p:transition>
+    <p:fade/>
+  </p:transition>
+</p:sld>
+</file>
+
+<file path=ppt/slides/slide5.xml><?xml version="1.0" encoding="utf-8"?>
+<p:sld xmlns:a="http://schemas.openxmlformats.org/drawingml/2006/main" xmlns:r="http://schemas.openxmlformats.org/officeDocument/2006/relationships" xmlns:p="http://schemas.openxmlformats.org/presentationml/2006/main">
+  <p:cSld>
+    <p:spTree>
+      <p:nvGrpSpPr>
+        <p:cNvPr id="1" name=""/>
+        <p:cNvGrpSpPr/>
+        <p:nvPr/>
+      </p:nvGrpSpPr>
+      <p:grpSpPr>
+        <a:xfrm>
+          <a:off x="0" y="0"/>
+          <a:ext cx="0" cy="0"/>
+          <a:chOff x="0" y="0"/>
+          <a:chExt cx="0" cy="0"/>
+        </a:xfrm>
+      </p:grpSpPr>
+      <p:graphicFrame>
+        <p:nvGraphicFramePr>
+          <p:cNvPr id="5" name="Content Placeholder 4"/>
+          <p:cNvGraphicFramePr>
+            <a:graphicFrameLocks noGrp="1"/>
+          </p:cNvGraphicFramePr>
+          <p:nvPr>
+            <p:ph idx="1"/>
+            <p:extLst>
+              <p:ext uri="{D42A27DB-BD31-4B8C-83A1-F6EECF244321}">
+                <p14:modId xmlns:p14="http://schemas.microsoft.com/office/powerpoint/2010/main" val="2892900296"/>
+              </p:ext>
+            </p:extLst>
+          </p:nvPr>
+        </p:nvGraphicFramePr>
+        <p:xfrm>
+          <a:off x="455613" y="990600"/>
+          <a:ext cx="8307387" cy="5257800"/>
         </p:xfrm>
         <a:graphic>
           <a:graphicData uri="http://schemas.openxmlformats.org/drawingml/2006/diagram">
@@ -23878,7 +27785,7 @@
             <a:fld id="{644F31DB-F08C-476F-B161-7D382042A277}" type="slidenum">
               <a:rPr lang="en-US" smtClean="0"/>
               <a:pPr/>
-              <a:t>4</a:t>
+              <a:t>5</a:t>
             </a:fld>
             <a:endParaRPr lang="en-US"/>
           </a:p>
@@ -23900,7 +27807,7 @@
 </p:sld>
 </file>
 
-<file path=ppt/slides/slide5.xml><?xml version="1.0" encoding="utf-8"?>
+<file path=ppt/slides/slide6.xml><?xml version="1.0" encoding="utf-8"?>
 <p:sld xmlns:a="http://schemas.openxmlformats.org/drawingml/2006/main" xmlns:r="http://schemas.openxmlformats.org/officeDocument/2006/relationships" xmlns:p="http://schemas.openxmlformats.org/presentationml/2006/main">
   <p:cSld>
     <p:spTree>
@@ -23927,14 +27834,14 @@
             <p:ph idx="1"/>
             <p:extLst>
               <p:ext uri="{D42A27DB-BD31-4B8C-83A1-F6EECF244321}">
-                <p14:modId xmlns:p14="http://schemas.microsoft.com/office/powerpoint/2010/main" val="74926421"/>
+                <p14:modId xmlns:p14="http://schemas.microsoft.com/office/powerpoint/2010/main" val="2890615609"/>
               </p:ext>
             </p:extLst>
           </p:nvPr>
         </p:nvGraphicFramePr>
         <p:xfrm>
-          <a:off x="455613" y="1219200"/>
-          <a:ext cx="8237537" cy="4953000"/>
+          <a:off x="455613" y="1066800"/>
+          <a:ext cx="8237537" cy="4800600"/>
         </p:xfrm>
         <a:graphic>
           <a:graphicData uri="http://schemas.openxmlformats.org/drawingml/2006/diagram">
@@ -23983,7 +27890,7 @@
             <a:fld id="{644F31DB-F08C-476F-B161-7D382042A277}" type="slidenum">
               <a:rPr lang="en-US" smtClean="0"/>
               <a:pPr/>
-              <a:t>5</a:t>
+              <a:t>6</a:t>
             </a:fld>
             <a:endParaRPr lang="en-US"/>
           </a:p>
@@ -24012,7 +27919,7 @@
 </p:sld>
 </file>
 
-<file path=ppt/slides/slide6.xml><?xml version="1.0" encoding="utf-8"?>
+<file path=ppt/slides/slide7.xml><?xml version="1.0" encoding="utf-8"?>
 <p:sld xmlns:a="http://schemas.openxmlformats.org/drawingml/2006/main" xmlns:r="http://schemas.openxmlformats.org/officeDocument/2006/relationships" xmlns:p="http://schemas.openxmlformats.org/presentationml/2006/main">
   <p:cSld>
     <p:spTree>
@@ -24041,7 +27948,7 @@
         </p:nvSpPr>
         <p:spPr>
           <a:xfrm>
-            <a:off x="455613" y="1143000"/>
+            <a:off x="455613" y="838200"/>
             <a:ext cx="8237537" cy="4953000"/>
           </a:xfrm>
         </p:spPr>
@@ -24055,6 +27962,13 @@
             </a:r>
           </a:p>
           <a:p>
+            <a:pPr lvl="1"/>
+            <a:r>
+              <a:rPr lang="en-US" sz="1600" dirty="0" smtClean="0"/>
+              <a:t>Final linkage may happen on device to access low level services</a:t>
+            </a:r>
+          </a:p>
+          <a:p>
             <a:r>
               <a:rPr lang="en-US" dirty="0" smtClean="0"/>
               <a:t>Minimum compilation entity is OpenCL Program</a:t>
@@ -24062,8 +27976,12 @@
           </a:p>
           <a:p>
             <a:r>
+              <a:rPr lang="en-US" dirty="0"/>
+              <a:t>P</a:t>
+            </a:r>
+            <a:r>
               <a:rPr lang="en-US" dirty="0" smtClean="0"/>
-              <a:t>Compiled program transfer is done as part of Program Build sequence</a:t>
+              <a:t>rogram transfer is done as part of Program Build sequence</a:t>
             </a:r>
           </a:p>
           <a:p>
@@ -24131,7 +28049,7 @@
             <a:fld id="{644F31DB-F08C-476F-B161-7D382042A277}" type="slidenum">
               <a:rPr lang="en-US" smtClean="0"/>
               <a:pPr/>
-              <a:t>6</a:t>
+              <a:t>7</a:t>
             </a:fld>
             <a:endParaRPr lang="en-US"/>
           </a:p>
@@ -24312,7 +28230,7 @@
             <a:graphicData uri="http://schemas.openxmlformats.org/presentationml/2006/ole">
               <mc:AlternateContent xmlns:mc="http://schemas.openxmlformats.org/markup-compatibility/2006">
                 <mc:Choice xmlns:v="urn:schemas-microsoft-com:vml" Requires="v">
-                  <p:oleObj spid="_x0000_s3127" name="Visio" r:id="rId3" imgW="2998483" imgH="2655307" progId="Visio.Drawing.11">
+                  <p:oleObj spid="_x0000_s3180" name="Visio" r:id="rId3" imgW="2998483" imgH="2655307" progId="Visio.Drawing.11">
                     <p:embed/>
                   </p:oleObj>
                 </mc:Choice>
@@ -24374,7 +28292,7 @@
 </p:sld>
 </file>
 
-<file path=ppt/slides/slide7.xml><?xml version="1.0" encoding="utf-8"?>
+<file path=ppt/slides/slide8.xml><?xml version="1.0" encoding="utf-8"?>
 <p:sld xmlns:a="http://schemas.openxmlformats.org/drawingml/2006/main" xmlns:r="http://schemas.openxmlformats.org/officeDocument/2006/relationships" xmlns:p="http://schemas.openxmlformats.org/presentationml/2006/main">
   <p:cSld>
     <p:spTree>
@@ -24401,7 +28319,12 @@
             <p:ph idx="1"/>
           </p:nvPr>
         </p:nvSpPr>
-        <p:spPr/>
+        <p:spPr>
+          <a:xfrm>
+            <a:off x="455613" y="914400"/>
+            <a:ext cx="8237537" cy="4953000"/>
+          </a:xfrm>
+        </p:spPr>
         <p:txBody>
           <a:bodyPr/>
           <a:lstStyle/>
@@ -24440,7 +28363,39 @@
             </a:r>
             <a:r>
               <a:rPr lang="en-US" dirty="0" smtClean="0"/>
-              <a:t>– a group of Device Agents that share the same instance of Device Memory Object. Sharing Group unique ID is reported by DA per Memory Object type (buffer/image/etc.)</a:t>
+              <a:t>– </a:t>
+            </a:r>
+            <a:r>
+              <a:rPr lang="en-US" i="1" dirty="0" smtClean="0"/>
+              <a:t>all</a:t>
+            </a:r>
+            <a:r>
+              <a:rPr lang="en-US" dirty="0" smtClean="0"/>
+              <a:t> Device Agents that share the </a:t>
+            </a:r>
+            <a:r>
+              <a:rPr lang="en-US" i="1" dirty="0" smtClean="0"/>
+              <a:t>same instance </a:t>
+            </a:r>
+            <a:r>
+              <a:rPr lang="en-US" dirty="0" smtClean="0"/>
+              <a:t>of Device Memory Object inside </a:t>
+            </a:r>
+            <a:r>
+              <a:rPr lang="en-US" i="1" dirty="0" smtClean="0"/>
+              <a:t>single</a:t>
+            </a:r>
+            <a:r>
+              <a:rPr lang="en-US" dirty="0" smtClean="0"/>
+              <a:t> Runtime Memory Object </a:t>
+            </a:r>
+            <a:r>
+              <a:rPr lang="en-US" sz="1600" dirty="0" smtClean="0"/>
+              <a:t>(ex. multiple MIC Devices in the same OpenCL Context)</a:t>
+            </a:r>
+            <a:r>
+              <a:rPr lang="en-US" dirty="0" smtClean="0"/>
+              <a:t>. Sharing Group unique ID is reported by DA per Memory Object type (buffer/image/etc.)</a:t>
             </a:r>
           </a:p>
           <a:p>
@@ -24450,8 +28405,29 @@
             </a:r>
             <a:r>
               <a:rPr lang="en-US" dirty="0" smtClean="0"/>
-              <a:t>– raw data buffer for inter-device/device-runtime communication managed by Runtime. Devices may use this buffer directly for data storage or maintain it’s own data copy. Runtime may use this buffer for data mappings or maintain it’s own data copy.</a:t>
+              <a:t>– raw data buffer for inter-device/device-runtime communication managed by Runtime. Each device may use this buffer directly for data storage </a:t>
             </a:r>
+            <a:r>
+              <a:rPr lang="en-US" sz="1600" dirty="0" smtClean="0"/>
+              <a:t>(ex. CPU Device)</a:t>
+            </a:r>
+            <a:r>
+              <a:rPr lang="en-US" sz="1800" dirty="0" smtClean="0"/>
+              <a:t> </a:t>
+            </a:r>
+            <a:r>
+              <a:rPr lang="en-US" dirty="0" smtClean="0"/>
+              <a:t>or maintain its own data copy. Runtime may use this buffer for data mappings or maintain its own data copy </a:t>
+            </a:r>
+            <a:r>
+              <a:rPr lang="en-US" sz="1600" dirty="0" smtClean="0"/>
+              <a:t>(ex. unaligned buffers support</a:t>
+            </a:r>
+            <a:r>
+              <a:rPr lang="en-US" sz="1800" dirty="0" smtClean="0"/>
+              <a:t>)</a:t>
+            </a:r>
+            <a:endParaRPr lang="en-US" dirty="0" smtClean="0"/>
           </a:p>
           <a:p>
             <a:endParaRPr lang="en-US" dirty="0"/>
@@ -24499,7 +28475,7 @@
             <a:fld id="{644F31DB-F08C-476F-B161-7D382042A277}" type="slidenum">
               <a:rPr lang="en-US" smtClean="0"/>
               <a:pPr/>
-              <a:t>7</a:t>
+              <a:t>8</a:t>
             </a:fld>
             <a:endParaRPr lang="en-US"/>
           </a:p>
@@ -24515,7 +28491,7 @@
         </p:nvCxnSpPr>
         <p:spPr>
           <a:xfrm flipH="1" flipV="1">
-            <a:off x="1097446" y="5177977"/>
+            <a:off x="1097446" y="5482777"/>
             <a:ext cx="1226654" cy="15815"/>
           </a:xfrm>
           <a:prstGeom prst="line">
@@ -24545,7 +28521,7 @@
         </p:nvSpPr>
         <p:spPr>
           <a:xfrm>
-            <a:off x="2324100" y="3986784"/>
+            <a:off x="2324100" y="4291584"/>
             <a:ext cx="4914900" cy="2414016"/>
           </a:xfrm>
           <a:prstGeom prst="roundRect">
@@ -24679,7 +28655,7 @@
         </p:nvSpPr>
         <p:spPr>
           <a:xfrm>
-            <a:off x="990600" y="5127798"/>
+            <a:off x="990600" y="5432598"/>
             <a:ext cx="106846" cy="97365"/>
           </a:xfrm>
           <a:prstGeom prst="ellipse">
@@ -24821,7 +28797,7 @@
         </p:nvSpPr>
         <p:spPr>
           <a:xfrm>
-            <a:off x="152400" y="4727655"/>
+            <a:off x="152400" y="5032455"/>
             <a:ext cx="1976645" cy="177279"/>
           </a:xfrm>
           <a:prstGeom prst="rect">
@@ -24945,7 +28921,7 @@
         </p:nvSpPr>
         <p:spPr>
           <a:xfrm>
-            <a:off x="2751483" y="4126992"/>
+            <a:off x="2751483" y="4431792"/>
             <a:ext cx="1068457" cy="2121408"/>
           </a:xfrm>
           <a:prstGeom prst="rect">
@@ -25099,7 +29075,7 @@
         </p:nvSpPr>
         <p:spPr>
           <a:xfrm>
-            <a:off x="4087053" y="4130040"/>
+            <a:off x="4087053" y="4434840"/>
             <a:ext cx="2190336" cy="1609344"/>
           </a:xfrm>
           <a:prstGeom prst="roundRect">
@@ -25231,7 +29207,7 @@
         </p:nvSpPr>
         <p:spPr>
           <a:xfrm>
-            <a:off x="4193899" y="4203192"/>
+            <a:off x="4193899" y="4507992"/>
             <a:ext cx="2190336" cy="1609344"/>
           </a:xfrm>
           <a:prstGeom prst="roundRect">
@@ -25363,7 +29339,7 @@
         </p:nvSpPr>
         <p:spPr>
           <a:xfrm>
-            <a:off x="4300745" y="4276344"/>
+            <a:off x="4300745" y="4581144"/>
             <a:ext cx="2190336" cy="1609344"/>
           </a:xfrm>
           <a:prstGeom prst="roundRect">
@@ -25495,7 +29471,7 @@
         </p:nvSpPr>
         <p:spPr>
           <a:xfrm>
-            <a:off x="4407590" y="4349496"/>
+            <a:off x="4407590" y="4654296"/>
             <a:ext cx="2190336" cy="1609344"/>
           </a:xfrm>
           <a:prstGeom prst="roundRect">
@@ -25627,7 +29603,7 @@
         </p:nvSpPr>
         <p:spPr>
           <a:xfrm>
-            <a:off x="4514436" y="4422648"/>
+            <a:off x="4514436" y="4727448"/>
             <a:ext cx="2190336" cy="1609344"/>
           </a:xfrm>
           <a:prstGeom prst="roundRect">
@@ -25759,7 +29735,7 @@
         </p:nvSpPr>
         <p:spPr>
           <a:xfrm>
-            <a:off x="4621282" y="4495800"/>
+            <a:off x="4621282" y="4800600"/>
             <a:ext cx="2190336" cy="1609344"/>
           </a:xfrm>
           <a:prstGeom prst="roundRect">
@@ -25891,7 +29867,7 @@
         </p:nvSpPr>
         <p:spPr>
           <a:xfrm>
-            <a:off x="4781550" y="5611368"/>
+            <a:off x="4781550" y="5916168"/>
             <a:ext cx="1869799" cy="347472"/>
           </a:xfrm>
           <a:prstGeom prst="roundRect">
@@ -26034,7 +30010,7 @@
         </p:nvGrpSpPr>
         <p:grpSpPr>
           <a:xfrm>
-            <a:off x="4728127" y="4751832"/>
+            <a:off x="4728127" y="5056632"/>
             <a:ext cx="2030067" cy="713232"/>
             <a:chOff x="4800600" y="3009900"/>
             <a:chExt cx="2438400" cy="1295400"/>
@@ -26581,7 +30557,7 @@
         </p:nvSpPr>
         <p:spPr>
           <a:xfrm>
-            <a:off x="7411692" y="4267200"/>
+            <a:off x="7411692" y="4572000"/>
             <a:ext cx="1351308" cy="523220"/>
           </a:xfrm>
           <a:prstGeom prst="rect">
@@ -26634,7 +30610,7 @@
         </p:nvCxnSpPr>
         <p:spPr bwMode="auto">
           <a:xfrm flipH="1" flipV="1">
-            <a:off x="6504436" y="4349496"/>
+            <a:off x="6504436" y="4654296"/>
             <a:ext cx="1115564" cy="179314"/>
           </a:xfrm>
           <a:prstGeom prst="line">
@@ -26689,7 +30665,7 @@
 </p:sld>
 </file>
 
-<file path=ppt/slides/slide8.xml><?xml version="1.0" encoding="utf-8"?>
+<file path=ppt/slides/slide9.xml><?xml version="1.0" encoding="utf-8"?>
 <p:sld xmlns:a="http://schemas.openxmlformats.org/drawingml/2006/main" xmlns:r="http://schemas.openxmlformats.org/officeDocument/2006/relationships" xmlns:p="http://schemas.openxmlformats.org/presentationml/2006/main">
   <p:cSld>
     <p:spTree>
@@ -26725,7 +30701,18 @@
               <a:rPr lang="en-US" dirty="0" smtClean="0"/>
               <a:t>Sharing/Transferring Data between devices in the same Context</a:t>
             </a:r>
-            <a:endParaRPr lang="en-US" dirty="0"/>
+            <a:r>
+              <a:rPr lang="en-US" dirty="0"/>
+              <a:t/>
+            </a:r>
+            <a:br>
+              <a:rPr lang="en-US" dirty="0"/>
+            </a:br>
+            <a:r>
+              <a:rPr lang="en-US" sz="1600" dirty="0" smtClean="0"/>
+              <a:t>Track most updated data location and move up-to-date data to required location.</a:t>
+            </a:r>
+            <a:endParaRPr lang="en-US" sz="1600" dirty="0"/>
           </a:p>
         </p:txBody>
       </p:sp>
@@ -26747,7 +30734,7 @@
             <a:fld id="{644F31DB-F08C-476F-B161-7D382042A277}" type="slidenum">
               <a:rPr lang="en-US" smtClean="0"/>
               <a:pPr/>
-              <a:t>8</a:t>
+              <a:t>9</a:t>
             </a:fld>
             <a:endParaRPr lang="en-US"/>
           </a:p>
@@ -26928,7 +30915,7 @@
             <a:graphicData uri="http://schemas.openxmlformats.org/presentationml/2006/ole">
               <mc:AlternateContent xmlns:mc="http://schemas.openxmlformats.org/markup-compatibility/2006">
                 <mc:Choice xmlns:v="urn:schemas-microsoft-com:vml" Requires="v">
-                  <p:oleObj spid="_x0000_s2106" name="Visio" r:id="rId3" imgW="13542503" imgH="6263447" progId="Visio.Drawing.11">
+                  <p:oleObj spid="_x0000_s2159" name="Visio" r:id="rId3" imgW="13542503" imgH="6263447" progId="Visio.Drawing.11">
                     <p:embed/>
                   </p:oleObj>
                 </mc:Choice>
@@ -27008,7 +30995,7 @@
           <a:p>
             <a:r>
               <a:rPr lang="en-US" sz="1600" dirty="0" smtClean="0"/>
-              <a:t>Owner – last device that executed Kernel with write permission to the specific Memory Object or somehow modified the Memory  Object</a:t>
+              <a:t>Owner/s – last device or group of devices that executed Kernel with write permission to the specific Memory Object or copied-to/wrote-to/filled/write-mapped the Memory  Object</a:t>
             </a:r>
           </a:p>
           <a:p>
@@ -27021,252 +31008,50 @@
           </a:p>
         </p:txBody>
       </p:sp>
-    </p:spTree>
-    <p:extLst>
-      <p:ext uri="{BB962C8B-B14F-4D97-AF65-F5344CB8AC3E}">
-        <p14:creationId xmlns:p14="http://schemas.microsoft.com/office/powerpoint/2010/main" val="1516101976"/>
-      </p:ext>
-    </p:extLst>
-  </p:cSld>
-  <p:clrMapOvr>
-    <a:masterClrMapping/>
-  </p:clrMapOvr>
-  <p:transition>
-    <p:fade/>
-  </p:transition>
-</p:sld>
-</file>
-
-<file path=ppt/slides/slide9.xml><?xml version="1.0" encoding="utf-8"?>
-<p:sld xmlns:a="http://schemas.openxmlformats.org/drawingml/2006/main" xmlns:r="http://schemas.openxmlformats.org/officeDocument/2006/relationships" xmlns:p="http://schemas.openxmlformats.org/presentationml/2006/main">
-  <p:cSld>
-    <p:spTree>
-      <p:nvGrpSpPr>
-        <p:cNvPr id="1" name=""/>
-        <p:cNvGrpSpPr/>
-        <p:nvPr/>
-      </p:nvGrpSpPr>
-      <p:grpSpPr>
-        <a:xfrm>
-          <a:off x="0" y="0"/>
-          <a:ext cx="0" cy="0"/>
-          <a:chOff x="0" y="0"/>
-          <a:chExt cx="0" cy="0"/>
-        </a:xfrm>
-      </p:grpSpPr>
       <p:sp>
         <p:nvSpPr>
-          <p:cNvPr id="2" name="Content Placeholder 1"/>
-          <p:cNvSpPr>
-            <a:spLocks noGrp="1"/>
-          </p:cNvSpPr>
-          <p:nvPr>
-            <p:ph idx="1"/>
-          </p:nvPr>
+          <p:cNvPr id="2" name="TextBox 1"/>
+          <p:cNvSpPr txBox="1"/>
+          <p:nvPr/>
         </p:nvSpPr>
         <p:spPr>
           <a:xfrm>
-            <a:off x="455613" y="990600"/>
-            <a:ext cx="8237537" cy="4953000"/>
-          </a:xfrm>
-        </p:spPr>
-        <p:txBody>
-          <a:bodyPr/>
-          <a:lstStyle/>
-          <a:p>
-            <a:r>
-              <a:rPr lang="en-US" dirty="0" smtClean="0"/>
-              <a:t>Each Command List is represented as COI Pipeline with dedicated thread.</a:t>
-            </a:r>
-          </a:p>
-          <a:p>
-            <a:r>
-              <a:rPr lang="en-US" dirty="0" smtClean="0"/>
-              <a:t>Enqueue Kernel is mapped to COI Run-Function (device-side </a:t>
-            </a:r>
-            <a:r>
-              <a:rPr lang="en-US" dirty="0" err="1" smtClean="0"/>
-              <a:t>func</a:t>
-            </a:r>
-            <a:r>
-              <a:rPr lang="en-US" dirty="0" smtClean="0"/>
-              <a:t>) enqueue.</a:t>
-            </a:r>
-          </a:p>
-          <a:p>
-            <a:r>
-              <a:rPr lang="en-US" dirty="0" smtClean="0"/>
-              <a:t>Memory Object Operations (Read/Write/Map/</a:t>
-            </a:r>
-            <a:r>
-              <a:rPr lang="en-US" dirty="0" err="1" smtClean="0"/>
-              <a:t>UnMap</a:t>
-            </a:r>
-            <a:r>
-              <a:rPr lang="en-US" dirty="0" smtClean="0"/>
-              <a:t>) are represented as COI Buffer operations and are mapped to DMA invocations </a:t>
-            </a:r>
-            <a:r>
-              <a:rPr lang="en-US" b="1" i="1" dirty="0" smtClean="0"/>
-              <a:t>from host</a:t>
-            </a:r>
-            <a:r>
-              <a:rPr lang="en-US" dirty="0" smtClean="0"/>
-              <a:t>.</a:t>
-            </a:r>
-          </a:p>
-          <a:p>
-            <a:pPr lvl="1"/>
-            <a:r>
-              <a:rPr lang="en-US" dirty="0" smtClean="0"/>
-              <a:t>Not associated with COI Pipelines</a:t>
-            </a:r>
-          </a:p>
-          <a:p>
-            <a:pPr lvl="1">
-              <a:spcBef>
-                <a:spcPts val="0"/>
-              </a:spcBef>
-            </a:pPr>
-            <a:r>
-              <a:rPr lang="en-US" dirty="0" smtClean="0"/>
-              <a:t>COI Events used to enforce ordering between COI Buffer operations and between COI Buffer and COI Pipeline operations</a:t>
-            </a:r>
-          </a:p>
-          <a:p>
-            <a:r>
-              <a:rPr lang="en-US" dirty="0" smtClean="0"/>
-              <a:t>Out-of-Order Command Lists are represented by COI Run-Functions that launch kernels asynchronously and immediately return.</a:t>
-            </a:r>
-          </a:p>
-          <a:p>
-            <a:pPr lvl="1"/>
-            <a:endParaRPr lang="en-US" dirty="0" smtClean="0"/>
-          </a:p>
-          <a:p>
-            <a:r>
-              <a:rPr lang="en-US" dirty="0" smtClean="0"/>
-              <a:t> </a:t>
-            </a:r>
-            <a:endParaRPr lang="en-US" dirty="0"/>
-          </a:p>
-        </p:txBody>
-      </p:sp>
-      <p:sp>
-        <p:nvSpPr>
-          <p:cNvPr id="3" name="Title 2"/>
-          <p:cNvSpPr>
-            <a:spLocks noGrp="1"/>
-          </p:cNvSpPr>
-          <p:nvPr>
-            <p:ph type="title"/>
-          </p:nvPr>
-        </p:nvSpPr>
-        <p:spPr/>
-        <p:txBody>
-          <a:bodyPr/>
-          <a:lstStyle/>
-          <a:p>
-            <a:r>
-              <a:rPr lang="en-US" dirty="0" smtClean="0"/>
-              <a:t>Command Lists Model</a:t>
-            </a:r>
-            <a:endParaRPr lang="en-US" dirty="0"/>
-          </a:p>
-        </p:txBody>
-      </p:sp>
-      <p:sp>
-        <p:nvSpPr>
-          <p:cNvPr id="4" name="Slide Number Placeholder 3"/>
-          <p:cNvSpPr>
-            <a:spLocks noGrp="1"/>
-          </p:cNvSpPr>
-          <p:nvPr>
-            <p:ph type="sldNum" sz="quarter" idx="10"/>
-          </p:nvPr>
-        </p:nvSpPr>
-        <p:spPr/>
-        <p:txBody>
-          <a:bodyPr/>
-          <a:lstStyle/>
-          <a:p>
-            <a:fld id="{644F31DB-F08C-476F-B161-7D382042A277}" type="slidenum">
-              <a:rPr lang="en-US" smtClean="0"/>
-              <a:pPr/>
-              <a:t>9</a:t>
-            </a:fld>
-            <a:endParaRPr lang="en-US"/>
-          </a:p>
-        </p:txBody>
-      </p:sp>
-      <p:pic>
-        <p:nvPicPr>
-          <p:cNvPr id="4098" name="Picture 2"/>
-          <p:cNvPicPr>
-            <a:picLocks noChangeAspect="1" noChangeArrowheads="1"/>
-          </p:cNvPicPr>
-          <p:nvPr/>
-        </p:nvPicPr>
-        <p:blipFill>
-          <a:blip r:embed="rId2">
-            <a:extLst>
-              <a:ext uri="{28A0092B-C50C-407E-A947-70E740481C1C}">
-                <a14:useLocalDpi xmlns:a14="http://schemas.microsoft.com/office/drawing/2010/main" val="0"/>
-              </a:ext>
-            </a:extLst>
-          </a:blip>
-          <a:srcRect/>
-          <a:stretch>
-            <a:fillRect/>
-          </a:stretch>
-        </p:blipFill>
-        <p:spPr bwMode="auto">
-          <a:xfrm>
-            <a:off x="2109640" y="3962400"/>
-            <a:ext cx="4124474" cy="2819400"/>
+            <a:off x="2590800" y="3440668"/>
+            <a:ext cx="1524000" cy="369332"/>
           </a:xfrm>
           <a:prstGeom prst="rect">
             <a:avLst/>
           </a:prstGeom>
           <a:noFill/>
-          <a:ln>
-            <a:noFill/>
-          </a:ln>
-          <a:effectLst/>
-          <a:extLst>
-            <a:ext uri="{909E8E84-426E-40DD-AFC4-6F175D3DCCD1}">
-              <a14:hiddenFill xmlns:a14="http://schemas.microsoft.com/office/drawing/2010/main">
+        </p:spPr>
+        <p:txBody>
+          <a:bodyPr wrap="square" rtlCol="0">
+            <a:spAutoFit/>
+          </a:bodyPr>
+          <a:lstStyle/>
+          <a:p>
+            <a:r>
+              <a:rPr lang="en-US" sz="900" b="0" dirty="0" smtClean="0">
                 <a:solidFill>
-                  <a:schemeClr val="accent1"/>
+                  <a:srgbClr val="000000"/>
                 </a:solidFill>
-              </a14:hiddenFill>
-            </a:ext>
-            <a:ext uri="{91240B29-F687-4F45-9708-019B960494DF}">
-              <a14:hiddenLine xmlns:a14="http://schemas.microsoft.com/office/drawing/2010/main" w="9525">
-                <a:solidFill>
-                  <a:schemeClr val="tx1"/>
-                </a:solidFill>
-                <a:miter lim="800000"/>
-                <a:headEnd/>
-                <a:tailEnd/>
-              </a14:hiddenLine>
-            </a:ext>
-            <a:ext uri="{AF507438-7753-43E0-B8FC-AC1667EBCBE1}">
-              <a14:hiddenEffects xmlns:a14="http://schemas.microsoft.com/office/drawing/2010/main">
-                <a:effectLst>
-                  <a:outerShdw dist="35921" dir="2700000" algn="ctr" rotWithShape="0">
-                    <a:schemeClr val="bg2"/>
-                  </a:outerShdw>
-                </a:effectLst>
-              </a14:hiddenEffects>
-            </a:ext>
-          </a:extLst>
-        </p:spPr>
-      </p:pic>
+                <a:effectLst/>
+              </a:rPr>
+              <a:t>Instruction sequences for data movement</a:t>
+            </a:r>
+            <a:endParaRPr lang="en-US" sz="900" b="0" dirty="0">
+              <a:solidFill>
+                <a:srgbClr val="000000"/>
+              </a:solidFill>
+              <a:effectLst/>
+            </a:endParaRPr>
+          </a:p>
+        </p:txBody>
+      </p:sp>
     </p:spTree>
     <p:extLst>
       <p:ext uri="{BB962C8B-B14F-4D97-AF65-F5344CB8AC3E}">
-        <p14:creationId xmlns:p14="http://schemas.microsoft.com/office/powerpoint/2010/main" val="1554307087"/>
+        <p14:creationId xmlns:p14="http://schemas.microsoft.com/office/powerpoint/2010/main" val="1516101976"/>
       </p:ext>
     </p:extLst>
   </p:cSld>

--- a/opencl-intel/devices/mic_device/doc/OpenCL for MIC acrh overview for Runtime.pptx
+++ b/opencl-intel/devices/mic_device/doc/OpenCL for MIC acrh overview for Runtime.pptx
@@ -5,10 +5,10 @@
     <p:sldMasterId id="2147483648" r:id="rId1"/>
   </p:sldMasterIdLst>
   <p:notesMasterIdLst>
-    <p:notesMasterId r:id="rId17"/>
+    <p:notesMasterId r:id="rId18"/>
   </p:notesMasterIdLst>
   <p:handoutMasterIdLst>
-    <p:handoutMasterId r:id="rId18"/>
+    <p:handoutMasterId r:id="rId19"/>
   </p:handoutMasterIdLst>
   <p:sldIdLst>
     <p:sldId id="288" r:id="rId2"/>
@@ -25,7 +25,8 @@
     <p:sldId id="481" r:id="rId13"/>
     <p:sldId id="482" r:id="rId14"/>
     <p:sldId id="483" r:id="rId15"/>
-    <p:sldId id="485" r:id="rId16"/>
+    <p:sldId id="487" r:id="rId16"/>
+    <p:sldId id="485" r:id="rId17"/>
   </p:sldIdLst>
   <p:sldSz cx="9144000" cy="6858000" type="screen4x3"/>
   <p:notesSz cx="7150100" cy="9448800"/>
@@ -5574,8 +5575,8 @@
     <dgm:cxn modelId="{2A48B30C-03F6-4155-9867-8FDB030F45B5}" type="presOf" srcId="{EDE9A32A-1EE8-49EE-9616-6231124FD3A3}" destId="{67CB0F3C-91F0-4252-B2FD-94DD2A88713F}" srcOrd="0" destOrd="1" presId="urn:microsoft.com/office/officeart/2005/8/layout/vList2"/>
     <dgm:cxn modelId="{448B5DFE-9B65-4D7F-9B9F-6117679C94CA}" srcId="{645C2147-D9DF-426D-9B9E-9A3E88FF3842}" destId="{16AB3D69-F3F4-49D7-A479-1381D0944BFF}" srcOrd="1" destOrd="0" parTransId="{B36237B1-1AF9-4E14-AB43-B4D8ACBF65FA}" sibTransId="{E44A54B4-060E-47E3-975D-95083743D9B3}"/>
     <dgm:cxn modelId="{591AAD2E-6BD0-47C7-826A-C50832576999}" srcId="{3B357217-0457-4C25-9F85-86D455F8C347}" destId="{8CADFED6-C70E-467B-9FA9-19F180D0304F}" srcOrd="0" destOrd="0" parTransId="{C291A340-5D69-4D16-9A00-B24344F612B1}" sibTransId="{BE0341A3-94A0-45A7-98A7-44CB269DAC3D}"/>
+    <dgm:cxn modelId="{9034A79B-6AA3-4830-BB01-11A5C52956C4}" srcId="{5FE6577F-2F0E-42A1-A8B3-642CEF5553B1}" destId="{B33E0094-6108-409F-9B05-31DF59FC87DE}" srcOrd="2" destOrd="0" parTransId="{EEA66E92-C882-4700-A457-379A110343AE}" sibTransId="{A50A1DDB-8226-4FD4-B38B-BB5910663D6F}"/>
     <dgm:cxn modelId="{2323AD08-9DE1-43A0-8103-30C242ADAC29}" type="presOf" srcId="{FF7C26BD-6F3D-490A-A545-505E6F77B79D}" destId="{5D0E9AB6-30DB-4451-BD34-57F4B8A1A198}" srcOrd="0" destOrd="0" presId="urn:microsoft.com/office/officeart/2005/8/layout/vList2"/>
-    <dgm:cxn modelId="{9034A79B-6AA3-4830-BB01-11A5C52956C4}" srcId="{5FE6577F-2F0E-42A1-A8B3-642CEF5553B1}" destId="{B33E0094-6108-409F-9B05-31DF59FC87DE}" srcOrd="2" destOrd="0" parTransId="{EEA66E92-C882-4700-A457-379A110343AE}" sibTransId="{A50A1DDB-8226-4FD4-B38B-BB5910663D6F}"/>
     <dgm:cxn modelId="{1801BD03-5993-4691-AEB2-670114D50408}" srcId="{645C2147-D9DF-426D-9B9E-9A3E88FF3842}" destId="{FF7C26BD-6F3D-490A-A545-505E6F77B79D}" srcOrd="0" destOrd="0" parTransId="{C7DDC468-2299-40F2-94F9-42ACFB819AE3}" sibTransId="{3D3A5D58-F110-4EAC-BD8B-9554B58A7838}"/>
     <dgm:cxn modelId="{680C57E1-1C70-44BD-8DBC-7739FF535F3C}" srcId="{16AB3D69-F3F4-49D7-A479-1381D0944BFF}" destId="{3B357217-0457-4C25-9F85-86D455F8C347}" srcOrd="1" destOrd="0" parTransId="{B04E24B6-D35E-4A81-8E70-9F6DF74BC9B1}" sibTransId="{D0D0E4D7-9784-47A3-9A9E-A3D72E4994F1}"/>
     <dgm:cxn modelId="{8B82F0A8-118D-4BAC-8F91-7D93C35B7153}" type="presOf" srcId="{673A70AA-5817-42A2-81C6-3AF6A86AD91C}" destId="{67CB0F3C-91F0-4252-B2FD-94DD2A88713F}" srcOrd="0" destOrd="0" presId="urn:microsoft.com/office/officeart/2005/8/layout/vList2"/>
@@ -6306,9 +6307,20 @@
           <a:pPr rtl="0"/>
           <a:r>
             <a:rPr lang="en-US" sz="1800" dirty="0" smtClean="0"/>
-            <a:t>MIC DA device side callback copies the string to the specific buffer atomically.</a:t>
+            <a:t>MIC DA device side callback copies the string to the specific buffer atomically</a:t>
           </a:r>
-          <a:endParaRPr lang="en-US" sz="1800" dirty="0"/>
+          <a:r>
+            <a:rPr lang="en-US" sz="1800" dirty="0" smtClean="0"/>
+            <a:t>.</a:t>
+          </a:r>
+        </a:p>
+        <a:p>
+          <a:pPr rtl="0"/>
+          <a:r>
+            <a:rPr lang="en-US" sz="1800" b="1" i="1" dirty="0" smtClean="0"/>
+            <a:t>** Avoid Work Items output intermixing to ease debugging **</a:t>
+          </a:r>
+          <a:endParaRPr lang="en-US" sz="1800" b="1" i="1" dirty="0"/>
         </a:p>
       </dgm:t>
     </dgm:pt>
@@ -6807,7 +6819,7 @@
         <a:p>
           <a:pPr rtl="0"/>
           <a:r>
-            <a:rPr lang="en-US" smtClean="0"/>
+            <a:rPr lang="en-US" dirty="0" smtClean="0"/>
             <a:t>Allow manual Arena creation and submitting tasks to arbitrary arenas by any application thread</a:t>
           </a:r>
           <a:endParaRPr lang="en-US" dirty="0"/>
@@ -6959,10 +6971,10 @@
         <a:p>
           <a:pPr rtl="0"/>
           <a:r>
-            <a:rPr lang="en-US" smtClean="0"/>
+            <a:rPr lang="en-US" dirty="0" smtClean="0"/>
             <a:t>Ability to measure buffer operation start</a:t>
           </a:r>
-          <a:endParaRPr lang="en-US"/>
+          <a:endParaRPr lang="en-US" dirty="0"/>
         </a:p>
       </dgm:t>
     </dgm:pt>
@@ -7016,6 +7028,44 @@
       </dgm:t>
     </dgm:pt>
     <dgm:pt modelId="{6CF29048-0F10-4A73-A66D-4A25BC828763}" type="sibTrans" cxnId="{7AD890BC-5599-4F95-A106-1C041C54315D}">
+      <dgm:prSet/>
+      <dgm:spPr/>
+      <dgm:t>
+        <a:bodyPr/>
+        <a:lstStyle/>
+        <a:p>
+          <a:endParaRPr lang="en-US"/>
+        </a:p>
+      </dgm:t>
+    </dgm:pt>
+    <dgm:pt modelId="{5EA98692-4DD2-4F1A-909E-252F4E37A285}">
+      <dgm:prSet/>
+      <dgm:spPr/>
+      <dgm:t>
+        <a:bodyPr/>
+        <a:lstStyle/>
+        <a:p>
+          <a:pPr rtl="0"/>
+          <a:r>
+            <a:rPr lang="en-US" dirty="0" smtClean="0"/>
+            <a:t>Support Local Arena Observers</a:t>
+          </a:r>
+          <a:endParaRPr lang="en-US" dirty="0"/>
+        </a:p>
+      </dgm:t>
+    </dgm:pt>
+    <dgm:pt modelId="{9CDABB4E-A8AE-4F6A-9188-E0631CE30B34}" type="parTrans" cxnId="{9DE7BCFA-4B72-4028-BA7C-C42AA4694649}">
+      <dgm:prSet/>
+      <dgm:spPr/>
+      <dgm:t>
+        <a:bodyPr/>
+        <a:lstStyle/>
+        <a:p>
+          <a:endParaRPr lang="en-US"/>
+        </a:p>
+      </dgm:t>
+    </dgm:pt>
+    <dgm:pt modelId="{0882DC31-B73D-4877-9292-B07A59CEDE38}" type="sibTrans" cxnId="{9DE7BCFA-4B72-4028-BA7C-C42AA4694649}">
       <dgm:prSet/>
       <dgm:spPr/>
       <dgm:t>
@@ -7262,6 +7312,8 @@
     <dgm:cxn modelId="{84881D50-A9F4-45CF-B677-E307948FCB8F}" type="presOf" srcId="{381BE165-E217-4469-967D-449BAF1F7DC2}" destId="{A7510B0D-8B2A-4A86-807F-2A085A9968A5}" srcOrd="0" destOrd="0" presId="urn:microsoft.com/office/officeart/2005/8/layout/list1"/>
     <dgm:cxn modelId="{82632590-126F-478B-95A2-32CA0DFF92F4}" type="presOf" srcId="{875A89C7-B05B-4366-8D40-1185823E2C6E}" destId="{B4FDC873-78D4-4FB4-B5B0-049926DE8A1A}" srcOrd="1" destOrd="0" presId="urn:microsoft.com/office/officeart/2005/8/layout/list1"/>
     <dgm:cxn modelId="{8C4B960C-99B8-4601-8AC4-F88E3953A281}" type="presOf" srcId="{DFEDEE1D-69F6-4D76-8A43-6A808AD3E1C4}" destId="{CC7BCB6C-8BCA-495D-8CF6-D84666EF5E5F}" srcOrd="0" destOrd="3" presId="urn:microsoft.com/office/officeart/2005/8/layout/list1"/>
+    <dgm:cxn modelId="{9DE7BCFA-4B72-4028-BA7C-C42AA4694649}" srcId="{8480DCCD-41B1-4FEE-814C-0E656A275AF9}" destId="{5EA98692-4DD2-4F1A-909E-252F4E37A285}" srcOrd="1" destOrd="0" parTransId="{9CDABB4E-A8AE-4F6A-9188-E0631CE30B34}" sibTransId="{0882DC31-B73D-4877-9292-B07A59CEDE38}"/>
+    <dgm:cxn modelId="{CE1E61B2-E742-4CBC-94AD-97B7A52B449D}" type="presOf" srcId="{5EA98692-4DD2-4F1A-909E-252F4E37A285}" destId="{48B4068F-93DE-4F21-A39D-216EC12D90FA}" srcOrd="0" destOrd="1" presId="urn:microsoft.com/office/officeart/2005/8/layout/list1"/>
     <dgm:cxn modelId="{B7DC7B38-1D0C-4603-9A07-4BAF8922692C}" type="presOf" srcId="{4809A052-339C-4B54-B992-67A13C97ADAA}" destId="{CC7BCB6C-8BCA-495D-8CF6-D84666EF5E5F}" srcOrd="0" destOrd="1" presId="urn:microsoft.com/office/officeart/2005/8/layout/list1"/>
     <dgm:cxn modelId="{D7C19577-B0E8-494B-AE68-7087E7E452D3}" srcId="{DD8C1B21-E105-4303-887A-6CB1E6E4DA97}" destId="{875A89C7-B05B-4366-8D40-1185823E2C6E}" srcOrd="0" destOrd="0" parTransId="{1DF17B52-25DF-41A7-A84E-6375AE03F565}" sibTransId="{0292764D-80F7-4C7E-86C1-6FEFCE2161BE}"/>
     <dgm:cxn modelId="{8C761ED4-F506-40FF-A62F-EF5BA50B6C76}" type="presOf" srcId="{B3DC2587-E04D-4C5C-A58F-384A6C572ACF}" destId="{5DEEECA0-F703-4185-BE20-02DAF9EFE1D1}" srcOrd="0" destOrd="0" presId="urn:microsoft.com/office/officeart/2005/8/layout/list1"/>
@@ -9382,9 +9434,30 @@
           </a:pPr>
           <a:r>
             <a:rPr lang="en-US" sz="1800" kern="1200" dirty="0" smtClean="0"/>
-            <a:t>MIC DA device side callback copies the string to the specific buffer atomically.</a:t>
+            <a:t>MIC DA device side callback copies the string to the specific buffer atomically</a:t>
           </a:r>
-          <a:endParaRPr lang="en-US" sz="1800" kern="1200" dirty="0"/>
+          <a:r>
+            <a:rPr lang="en-US" sz="1800" kern="1200" dirty="0" smtClean="0"/>
+            <a:t>.</a:t>
+          </a:r>
+        </a:p>
+        <a:p>
+          <a:pPr lvl="0" algn="ctr" defTabSz="800100" rtl="0">
+            <a:lnSpc>
+              <a:spcPct val="90000"/>
+            </a:lnSpc>
+            <a:spcBef>
+              <a:spcPct val="0"/>
+            </a:spcBef>
+            <a:spcAft>
+              <a:spcPct val="35000"/>
+            </a:spcAft>
+          </a:pPr>
+          <a:r>
+            <a:rPr lang="en-US" sz="1800" b="1" i="1" kern="1200" dirty="0" smtClean="0"/>
+            <a:t>** Avoid Work Items output intermixing to ease debugging **</a:t>
+          </a:r>
+          <a:endParaRPr lang="en-US" sz="1800" b="1" i="1" kern="1200" dirty="0"/>
         </a:p>
       </dsp:txBody>
       <dsp:txXfrm rot="10800000">
@@ -9589,7 +9662,7 @@
       </dsp:nvSpPr>
       <dsp:spPr>
         <a:xfrm>
-          <a:off x="0" y="422610"/>
+          <a:off x="0" y="312360"/>
           <a:ext cx="8464550" cy="595350"/>
         </a:xfrm>
         <a:prstGeom prst="rect">
@@ -9655,7 +9728,7 @@
         </a:p>
       </dsp:txBody>
       <dsp:txXfrm>
-        <a:off x="0" y="422610"/>
+        <a:off x="0" y="312360"/>
         <a:ext cx="8464550" cy="595350"/>
       </dsp:txXfrm>
     </dsp:sp>
@@ -9666,7 +9739,7 @@
       </dsp:nvSpPr>
       <dsp:spPr>
         <a:xfrm>
-          <a:off x="423227" y="215970"/>
+          <a:off x="423227" y="105720"/>
           <a:ext cx="5925185" cy="413280"/>
         </a:xfrm>
         <a:prstGeom prst="roundRect">
@@ -9764,7 +9837,7 @@
         </a:p>
       </dsp:txBody>
       <dsp:txXfrm>
-        <a:off x="443402" y="236145"/>
+        <a:off x="443402" y="125895"/>
         <a:ext cx="5884835" cy="372930"/>
       </dsp:txXfrm>
     </dsp:sp>
@@ -9775,7 +9848,7 @@
       </dsp:nvSpPr>
       <dsp:spPr>
         <a:xfrm>
-          <a:off x="0" y="1300200"/>
+          <a:off x="0" y="1189950"/>
           <a:ext cx="8464550" cy="1455299"/>
         </a:xfrm>
         <a:prstGeom prst="rect">
@@ -9895,7 +9968,7 @@
         </a:p>
       </dsp:txBody>
       <dsp:txXfrm>
-        <a:off x="0" y="1300200"/>
+        <a:off x="0" y="1189950"/>
         <a:ext cx="8464550" cy="1455299"/>
       </dsp:txXfrm>
     </dsp:sp>
@@ -9906,7 +9979,7 @@
       </dsp:nvSpPr>
       <dsp:spPr>
         <a:xfrm>
-          <a:off x="423227" y="1093560"/>
+          <a:off x="423227" y="983310"/>
           <a:ext cx="5925185" cy="413280"/>
         </a:xfrm>
         <a:prstGeom prst="roundRect">
@@ -10004,7 +10077,7 @@
         </a:p>
       </dsp:txBody>
       <dsp:txXfrm>
-        <a:off x="443402" y="1113735"/>
+        <a:off x="443402" y="1003485"/>
         <a:ext cx="5884835" cy="372930"/>
       </dsp:txXfrm>
     </dsp:sp>
@@ -10015,8 +10088,8 @@
       </dsp:nvSpPr>
       <dsp:spPr>
         <a:xfrm>
-          <a:off x="0" y="3037739"/>
-          <a:ext cx="8464550" cy="595350"/>
+          <a:off x="0" y="2927489"/>
+          <a:ext cx="8464550" cy="815850"/>
         </a:xfrm>
         <a:prstGeom prst="rect">
           <a:avLst/>
@@ -10074,15 +10147,34 @@
             <a:buChar char="••"/>
           </a:pPr>
           <a:r>
-            <a:rPr lang="en-US" sz="1400" kern="1200" smtClean="0"/>
+            <a:rPr lang="en-US" sz="1400" kern="1200" dirty="0" smtClean="0"/>
             <a:t>Allow manual Arena creation and submitting tasks to arbitrary arenas by any application thread</a:t>
+          </a:r>
+          <a:endParaRPr lang="en-US" sz="1400" kern="1200" dirty="0"/>
+        </a:p>
+        <a:p>
+          <a:pPr marL="114300" lvl="1" indent="-114300" algn="l" defTabSz="622300" rtl="0">
+            <a:lnSpc>
+              <a:spcPct val="90000"/>
+            </a:lnSpc>
+            <a:spcBef>
+              <a:spcPct val="0"/>
+            </a:spcBef>
+            <a:spcAft>
+              <a:spcPct val="15000"/>
+            </a:spcAft>
+            <a:buChar char="••"/>
+          </a:pPr>
+          <a:r>
+            <a:rPr lang="en-US" sz="1400" kern="1200" dirty="0" smtClean="0"/>
+            <a:t>Support Local Arena Observers</a:t>
           </a:r>
           <a:endParaRPr lang="en-US" sz="1400" kern="1200" dirty="0"/>
         </a:p>
       </dsp:txBody>
       <dsp:txXfrm>
-        <a:off x="0" y="3037739"/>
-        <a:ext cx="8464550" cy="595350"/>
+        <a:off x="0" y="2927489"/>
+        <a:ext cx="8464550" cy="815850"/>
       </dsp:txXfrm>
     </dsp:sp>
     <dsp:sp modelId="{4FB21003-4F00-4B83-ACB9-5DE3C9405725}">
@@ -10092,7 +10184,7 @@
       </dsp:nvSpPr>
       <dsp:spPr>
         <a:xfrm>
-          <a:off x="423227" y="2831099"/>
+          <a:off x="423227" y="2720849"/>
           <a:ext cx="5925185" cy="413280"/>
         </a:xfrm>
         <a:prstGeom prst="roundRect">
@@ -10190,7 +10282,7 @@
         </a:p>
       </dsp:txBody>
       <dsp:txXfrm>
-        <a:off x="443402" y="2851274"/>
+        <a:off x="443402" y="2741024"/>
         <a:ext cx="5884835" cy="372930"/>
       </dsp:txXfrm>
     </dsp:sp>
@@ -10201,7 +10293,7 @@
       </dsp:nvSpPr>
       <dsp:spPr>
         <a:xfrm>
-          <a:off x="0" y="3915330"/>
+          <a:off x="0" y="4025579"/>
           <a:ext cx="8464550" cy="1278900"/>
         </a:xfrm>
         <a:prstGeom prst="rect">
@@ -10298,10 +10390,10 @@
             <a:buChar char="••"/>
           </a:pPr>
           <a:r>
-            <a:rPr lang="en-US" sz="1400" kern="1200" smtClean="0"/>
+            <a:rPr lang="en-US" sz="1400" kern="1200" dirty="0" smtClean="0"/>
             <a:t>Ability to measure buffer operation start</a:t>
           </a:r>
-          <a:endParaRPr lang="en-US" sz="1400" kern="1200"/>
+          <a:endParaRPr lang="en-US" sz="1400" kern="1200" dirty="0"/>
         </a:p>
         <a:p>
           <a:pPr marL="114300" lvl="1" indent="-114300" algn="l" defTabSz="622300" rtl="0">
@@ -10324,7 +10416,7 @@
         </a:p>
       </dsp:txBody>
       <dsp:txXfrm>
-        <a:off x="0" y="3915330"/>
+        <a:off x="0" y="4025579"/>
         <a:ext cx="8464550" cy="1278900"/>
       </dsp:txXfrm>
     </dsp:sp>
@@ -10335,7 +10427,7 @@
       </dsp:nvSpPr>
       <dsp:spPr>
         <a:xfrm>
-          <a:off x="423227" y="3708689"/>
+          <a:off x="423227" y="3818939"/>
           <a:ext cx="5925185" cy="413280"/>
         </a:xfrm>
         <a:prstGeom prst="roundRect">
@@ -10433,7 +10525,7 @@
         </a:p>
       </dsp:txBody>
       <dsp:txXfrm>
-        <a:off x="443402" y="3728864"/>
+        <a:off x="443402" y="3839114"/>
         <a:ext cx="5884835" cy="372930"/>
       </dsp:txXfrm>
     </dsp:sp>
@@ -20255,7 +20347,6 @@
               <a:rPr lang="en-US" sz="2000" dirty="0" smtClean="0"/>
               <a:t>November 14, 2011</a:t>
             </a:r>
-            <a:endParaRPr lang="en-US" sz="2000" dirty="0" smtClean="0"/>
           </a:p>
         </p:txBody>
       </p:sp>
@@ -20407,13 +20498,46 @@
           <a:p>
             <a:r>
               <a:rPr lang="en-US" dirty="0" smtClean="0"/>
-              <a:t>Each Command List is represented as COI Pipeline with dedicated device thread.</a:t>
+              <a:t>Each Command List is represented as </a:t>
+            </a:r>
+            <a:r>
+              <a:rPr lang="en-US" i="1" dirty="0" smtClean="0"/>
+              <a:t>COI Pipeline</a:t>
+            </a:r>
+            <a:r>
+              <a:rPr lang="en-US" dirty="0" smtClean="0"/>
+              <a:t> with dedicated device thread.</a:t>
             </a:r>
           </a:p>
           <a:p>
+            <a:pPr>
+              <a:spcBef>
+                <a:spcPts val="600"/>
+              </a:spcBef>
+            </a:pPr>
+            <a:r>
+              <a:rPr lang="en-US" dirty="0" err="1" smtClean="0"/>
+              <a:t>NDRange</a:t>
+            </a:r>
             <a:r>
               <a:rPr lang="en-US" dirty="0" smtClean="0"/>
-              <a:t>Enqueue Kernel is mapped to COI Run-Function (device-side </a:t>
+              <a:t> </a:t>
+            </a:r>
+            <a:r>
+              <a:rPr lang="en-US" dirty="0" smtClean="0"/>
+              <a:t>is mapped to </a:t>
+            </a:r>
+            <a:r>
+              <a:rPr lang="en-US" i="1" dirty="0" smtClean="0"/>
+              <a:t>COI Run-Function</a:t>
+            </a:r>
+            <a:r>
+              <a:rPr lang="en-US" dirty="0" smtClean="0"/>
+              <a:t> (</a:t>
+            </a:r>
+            <a:r>
+              <a:rPr lang="en-US" dirty="0" smtClean="0"/>
+              <a:t>device-side </a:t>
             </a:r>
             <a:r>
               <a:rPr lang="en-US" dirty="0" err="1" smtClean="0"/>
@@ -20421,10 +20545,16 @@
             </a:r>
             <a:r>
               <a:rPr lang="en-US" dirty="0" smtClean="0"/>
-              <a:t>) enqueue.</a:t>
+              <a:t>) invocation.</a:t>
             </a:r>
+            <a:endParaRPr lang="en-US" dirty="0" smtClean="0"/>
           </a:p>
           <a:p>
+            <a:pPr>
+              <a:spcBef>
+                <a:spcPts val="600"/>
+              </a:spcBef>
+            </a:pPr>
             <a:r>
               <a:rPr lang="en-US" dirty="0" smtClean="0"/>
               <a:t>Memory Object Operations (Read/Write/Map/</a:t>
@@ -20435,7 +20565,27 @@
             </a:r>
             <a:r>
               <a:rPr lang="en-US" dirty="0" smtClean="0"/>
-              <a:t>) are represented as COI Buffer operations and are mapped to DMA invocations </a:t>
+              <a:t>) are </a:t>
+            </a:r>
+            <a:r>
+              <a:rPr lang="en-US" dirty="0" smtClean="0"/>
+              <a:t>implemented as </a:t>
+            </a:r>
+            <a:r>
+              <a:rPr lang="en-US" i="1" dirty="0" smtClean="0"/>
+              <a:t>COI Buffer</a:t>
+            </a:r>
+            <a:r>
+              <a:rPr lang="en-US" dirty="0" smtClean="0"/>
+              <a:t> operations </a:t>
+            </a:r>
+            <a:r>
+              <a:rPr lang="en-US" dirty="0" smtClean="0"/>
+              <a:t>which are mapped onto </a:t>
+            </a:r>
+            <a:r>
+              <a:rPr lang="en-US" dirty="0" smtClean="0"/>
+              <a:t>DMA invocations </a:t>
             </a:r>
             <a:r>
               <a:rPr lang="en-US" b="1" i="1" dirty="0" smtClean="0"/>
@@ -20449,7 +20599,7 @@
           <a:p>
             <a:pPr lvl="1"/>
             <a:r>
-              <a:rPr lang="en-US" dirty="0" smtClean="0"/>
+              <a:rPr lang="en-US" sz="1600" dirty="0" smtClean="0"/>
               <a:t>Not associated with COI Pipelines</a:t>
             </a:r>
           </a:p>
@@ -20460,14 +20610,34 @@
               </a:spcBef>
             </a:pPr>
             <a:r>
-              <a:rPr lang="en-US" dirty="0" smtClean="0"/>
+              <a:rPr lang="en-US" sz="1600" dirty="0" smtClean="0"/>
               <a:t>COI Events used to enforce ordering between COI Buffer operations and between COI Buffer and COI Pipeline operations</a:t>
             </a:r>
           </a:p>
           <a:p>
             <a:r>
               <a:rPr lang="en-US" dirty="0" smtClean="0"/>
-              <a:t>Out-of-Order Command Lists are represented by COI Run-Functions that launch kernels asynchronously and immediately return.</a:t>
+              <a:t>Out-of-Order </a:t>
+            </a:r>
+            <a:r>
+              <a:rPr lang="en-US" dirty="0" err="1" smtClean="0"/>
+              <a:t>NDRanges</a:t>
+            </a:r>
+            <a:r>
+              <a:rPr lang="en-US" dirty="0" smtClean="0"/>
+              <a:t> </a:t>
+            </a:r>
+            <a:r>
+              <a:rPr lang="en-US" dirty="0" smtClean="0"/>
+              <a:t>are </a:t>
+            </a:r>
+            <a:r>
+              <a:rPr lang="en-US" dirty="0" smtClean="0"/>
+              <a:t>implemented by </a:t>
+            </a:r>
+            <a:r>
+              <a:rPr lang="en-US" dirty="0" smtClean="0"/>
+              <a:t>COI Run-Functions that launch kernels asynchronously and immediately return.</a:t>
             </a:r>
           </a:p>
           <a:p>
@@ -20553,7 +20723,7 @@
         </p:blipFill>
         <p:spPr bwMode="auto">
           <a:xfrm>
-            <a:off x="2109640" y="3962400"/>
+            <a:off x="1447800" y="3886200"/>
             <a:ext cx="4124474" cy="2819400"/>
           </a:xfrm>
           <a:prstGeom prst="rect">
@@ -20594,6 +20764,477 @@
           </a:extLst>
         </p:spPr>
       </p:pic>
+      <p:graphicFrame>
+        <p:nvGraphicFramePr>
+          <p:cNvPr id="5" name="Table 4"/>
+          <p:cNvGraphicFramePr>
+            <a:graphicFrameLocks noGrp="1"/>
+          </p:cNvGraphicFramePr>
+          <p:nvPr>
+            <p:extLst>
+              <p:ext uri="{D42A27DB-BD31-4B8C-83A1-F6EECF244321}">
+                <p14:modId xmlns:p14="http://schemas.microsoft.com/office/powerpoint/2010/main" val="1045240219"/>
+              </p:ext>
+            </p:extLst>
+          </p:nvPr>
+        </p:nvGraphicFramePr>
+        <p:xfrm>
+          <a:off x="5791199" y="4950459"/>
+          <a:ext cx="2743201" cy="764541"/>
+        </p:xfrm>
+        <a:graphic>
+          <a:graphicData uri="http://schemas.openxmlformats.org/drawingml/2006/table">
+            <a:tbl>
+              <a:tblPr firstRow="1" bandRow="1">
+                <a:tableStyleId>{2D5ABB26-0587-4C30-8999-92F81FD0307C}</a:tableStyleId>
+              </a:tblPr>
+              <a:tblGrid>
+                <a:gridCol w="1066801"/>
+                <a:gridCol w="228600"/>
+                <a:gridCol w="1447800"/>
+              </a:tblGrid>
+              <a:tr h="254847">
+                <a:tc>
+                  <a:txBody>
+                    <a:bodyPr/>
+                    <a:lstStyle/>
+                    <a:p>
+                      <a:r>
+                        <a:rPr lang="en-US" sz="1400" b="0" i="1" dirty="0" smtClean="0">
+                          <a:solidFill>
+                            <a:srgbClr val="FFFF00"/>
+                          </a:solidFill>
+                        </a:rPr>
+                        <a:t>Command</a:t>
+                      </a:r>
+                      <a:r>
+                        <a:rPr lang="en-US" sz="1400" b="0" i="1" baseline="0" dirty="0" smtClean="0">
+                          <a:solidFill>
+                            <a:srgbClr val="FFFF00"/>
+                          </a:solidFill>
+                        </a:rPr>
+                        <a:t> List</a:t>
+                      </a:r>
+                      <a:endParaRPr lang="en-US" sz="1400" b="0" i="1" dirty="0">
+                        <a:solidFill>
+                          <a:srgbClr val="FFFF00"/>
+                        </a:solidFill>
+                      </a:endParaRPr>
+                    </a:p>
+                  </a:txBody>
+                  <a:tcPr marL="0" marR="0" marT="0" marB="0">
+                    <a:lnL>
+                      <a:noFill/>
+                    </a:lnL>
+                    <a:lnR>
+                      <a:noFill/>
+                    </a:lnR>
+                    <a:lnT>
+                      <a:noFill/>
+                    </a:lnT>
+                    <a:lnB>
+                      <a:noFill/>
+                    </a:lnB>
+                    <a:lnTlToBr w="12700" cmpd="sng">
+                      <a:noFill/>
+                      <a:prstDash val="solid"/>
+                    </a:lnTlToBr>
+                    <a:lnBlToTr w="12700" cmpd="sng">
+                      <a:noFill/>
+                      <a:prstDash val="solid"/>
+                    </a:lnBlToTr>
+                  </a:tcPr>
+                </a:tc>
+                <a:tc>
+                  <a:txBody>
+                    <a:bodyPr/>
+                    <a:lstStyle/>
+                    <a:p>
+                      <a:r>
+                        <a:rPr lang="en-US" sz="1400" b="0" i="1" dirty="0" smtClean="0">
+                          <a:solidFill>
+                            <a:srgbClr val="FFFF00"/>
+                          </a:solidFill>
+                          <a:sym typeface="Wingdings"/>
+                        </a:rPr>
+                        <a:t></a:t>
+                      </a:r>
+                      <a:endParaRPr lang="en-US" sz="1400" b="0" i="1" dirty="0">
+                        <a:solidFill>
+                          <a:srgbClr val="FFFF00"/>
+                        </a:solidFill>
+                      </a:endParaRPr>
+                    </a:p>
+                  </a:txBody>
+                  <a:tcPr marL="0" marR="0" marT="0" marB="0">
+                    <a:lnL>
+                      <a:noFill/>
+                    </a:lnL>
+                    <a:lnR>
+                      <a:noFill/>
+                    </a:lnR>
+                    <a:lnT>
+                      <a:noFill/>
+                    </a:lnT>
+                    <a:lnB>
+                      <a:noFill/>
+                    </a:lnB>
+                    <a:lnTlToBr w="12700" cmpd="sng">
+                      <a:noFill/>
+                      <a:prstDash val="solid"/>
+                    </a:lnTlToBr>
+                    <a:lnBlToTr w="12700" cmpd="sng">
+                      <a:noFill/>
+                      <a:prstDash val="solid"/>
+                    </a:lnBlToTr>
+                  </a:tcPr>
+                </a:tc>
+                <a:tc>
+                  <a:txBody>
+                    <a:bodyPr/>
+                    <a:lstStyle/>
+                    <a:p>
+                      <a:r>
+                        <a:rPr lang="en-US" sz="1400" b="0" i="1" dirty="0" smtClean="0">
+                          <a:solidFill>
+                            <a:srgbClr val="FFFF00"/>
+                          </a:solidFill>
+                        </a:rPr>
+                        <a:t>COI Pipeline</a:t>
+                      </a:r>
+                      <a:endParaRPr lang="en-US" sz="1400" b="0" i="1" dirty="0">
+                        <a:solidFill>
+                          <a:srgbClr val="FFFF00"/>
+                        </a:solidFill>
+                      </a:endParaRPr>
+                    </a:p>
+                  </a:txBody>
+                  <a:tcPr marL="0" marR="0" marT="0" marB="0">
+                    <a:lnL>
+                      <a:noFill/>
+                    </a:lnL>
+                    <a:lnR>
+                      <a:noFill/>
+                    </a:lnR>
+                    <a:lnT>
+                      <a:noFill/>
+                    </a:lnT>
+                    <a:lnB>
+                      <a:noFill/>
+                    </a:lnB>
+                    <a:lnTlToBr w="12700" cmpd="sng">
+                      <a:noFill/>
+                      <a:prstDash val="solid"/>
+                    </a:lnTlToBr>
+                    <a:lnBlToTr w="12700" cmpd="sng">
+                      <a:noFill/>
+                      <a:prstDash val="solid"/>
+                    </a:lnBlToTr>
+                  </a:tcPr>
+                </a:tc>
+              </a:tr>
+              <a:tr h="254847">
+                <a:tc>
+                  <a:txBody>
+                    <a:bodyPr/>
+                    <a:lstStyle/>
+                    <a:p>
+                      <a:r>
+                        <a:rPr lang="en-US" sz="1400" b="0" i="1" dirty="0" err="1" smtClean="0">
+                          <a:solidFill>
+                            <a:srgbClr val="FFFF00"/>
+                          </a:solidFill>
+                        </a:rPr>
+                        <a:t>NDRange</a:t>
+                      </a:r>
+                      <a:endParaRPr lang="en-US" sz="1400" b="0" i="1" dirty="0">
+                        <a:solidFill>
+                          <a:srgbClr val="FFFF00"/>
+                        </a:solidFill>
+                      </a:endParaRPr>
+                    </a:p>
+                  </a:txBody>
+                  <a:tcPr marL="0" marR="0" marT="0" marB="0">
+                    <a:lnL>
+                      <a:noFill/>
+                    </a:lnL>
+                    <a:lnR>
+                      <a:noFill/>
+                    </a:lnR>
+                    <a:lnT>
+                      <a:noFill/>
+                    </a:lnT>
+                    <a:lnB>
+                      <a:noFill/>
+                    </a:lnB>
+                    <a:lnTlToBr w="12700" cmpd="sng">
+                      <a:noFill/>
+                      <a:prstDash val="solid"/>
+                    </a:lnTlToBr>
+                    <a:lnBlToTr w="12700" cmpd="sng">
+                      <a:noFill/>
+                      <a:prstDash val="solid"/>
+                    </a:lnBlToTr>
+                  </a:tcPr>
+                </a:tc>
+                <a:tc>
+                  <a:txBody>
+                    <a:bodyPr/>
+                    <a:lstStyle/>
+                    <a:p>
+                      <a:pPr marL="0" marR="0" indent="0" algn="l" defTabSz="914400" rtl="0" eaLnBrk="1" fontAlgn="auto" latinLnBrk="0" hangingPunct="1">
+                        <a:lnSpc>
+                          <a:spcPct val="100000"/>
+                        </a:lnSpc>
+                        <a:spcBef>
+                          <a:spcPts val="0"/>
+                        </a:spcBef>
+                        <a:spcAft>
+                          <a:spcPts val="0"/>
+                        </a:spcAft>
+                        <a:buClrTx/>
+                        <a:buSzTx/>
+                        <a:buFontTx/>
+                        <a:buNone/>
+                        <a:tabLst/>
+                        <a:defRPr/>
+                      </a:pPr>
+                      <a:r>
+                        <a:rPr lang="en-US" sz="1400" b="0" i="1" dirty="0" smtClean="0">
+                          <a:solidFill>
+                            <a:srgbClr val="FFFF00"/>
+                          </a:solidFill>
+                          <a:sym typeface="Wingdings"/>
+                        </a:rPr>
+                        <a:t></a:t>
+                      </a:r>
+                      <a:endParaRPr lang="en-US" sz="1400" b="0" i="1" dirty="0" smtClean="0">
+                        <a:solidFill>
+                          <a:srgbClr val="FFFF00"/>
+                        </a:solidFill>
+                      </a:endParaRPr>
+                    </a:p>
+                  </a:txBody>
+                  <a:tcPr marL="0" marR="0" marT="0" marB="0">
+                    <a:lnL>
+                      <a:noFill/>
+                    </a:lnL>
+                    <a:lnR>
+                      <a:noFill/>
+                    </a:lnR>
+                    <a:lnT>
+                      <a:noFill/>
+                    </a:lnT>
+                    <a:lnB>
+                      <a:noFill/>
+                    </a:lnB>
+                    <a:lnTlToBr w="12700" cmpd="sng">
+                      <a:noFill/>
+                      <a:prstDash val="solid"/>
+                    </a:lnTlToBr>
+                    <a:lnBlToTr w="12700" cmpd="sng">
+                      <a:noFill/>
+                      <a:prstDash val="solid"/>
+                    </a:lnBlToTr>
+                  </a:tcPr>
+                </a:tc>
+                <a:tc>
+                  <a:txBody>
+                    <a:bodyPr/>
+                    <a:lstStyle/>
+                    <a:p>
+                      <a:r>
+                        <a:rPr lang="en-US" sz="1400" b="0" i="1" dirty="0" smtClean="0">
+                          <a:solidFill>
+                            <a:srgbClr val="FFFF00"/>
+                          </a:solidFill>
+                        </a:rPr>
+                        <a:t>COI Run-Function</a:t>
+                      </a:r>
+                      <a:endParaRPr lang="en-US" sz="1400" b="0" i="1" dirty="0">
+                        <a:solidFill>
+                          <a:srgbClr val="FFFF00"/>
+                        </a:solidFill>
+                      </a:endParaRPr>
+                    </a:p>
+                  </a:txBody>
+                  <a:tcPr marL="0" marR="0" marT="0" marB="0">
+                    <a:lnL>
+                      <a:noFill/>
+                    </a:lnL>
+                    <a:lnR>
+                      <a:noFill/>
+                    </a:lnR>
+                    <a:lnT>
+                      <a:noFill/>
+                    </a:lnT>
+                    <a:lnB>
+                      <a:noFill/>
+                    </a:lnB>
+                    <a:lnTlToBr w="12700" cmpd="sng">
+                      <a:noFill/>
+                      <a:prstDash val="solid"/>
+                    </a:lnTlToBr>
+                    <a:lnBlToTr w="12700" cmpd="sng">
+                      <a:noFill/>
+                      <a:prstDash val="solid"/>
+                    </a:lnBlToTr>
+                  </a:tcPr>
+                </a:tc>
+              </a:tr>
+              <a:tr h="254847">
+                <a:tc>
+                  <a:txBody>
+                    <a:bodyPr/>
+                    <a:lstStyle/>
+                    <a:p>
+                      <a:r>
+                        <a:rPr lang="en-US" sz="1400" b="0" i="1" dirty="0" smtClean="0">
+                          <a:solidFill>
+                            <a:srgbClr val="FFFF00"/>
+                          </a:solidFill>
+                        </a:rPr>
+                        <a:t>Buffer/Image</a:t>
+                      </a:r>
+                      <a:endParaRPr lang="en-US" sz="1400" b="0" i="1" dirty="0">
+                        <a:solidFill>
+                          <a:srgbClr val="FFFF00"/>
+                        </a:solidFill>
+                      </a:endParaRPr>
+                    </a:p>
+                  </a:txBody>
+                  <a:tcPr marL="0" marR="0" marT="0" marB="0">
+                    <a:lnL>
+                      <a:noFill/>
+                    </a:lnL>
+                    <a:lnR>
+                      <a:noFill/>
+                    </a:lnR>
+                    <a:lnT>
+                      <a:noFill/>
+                    </a:lnT>
+                    <a:lnB>
+                      <a:noFill/>
+                    </a:lnB>
+                    <a:lnTlToBr w="12700" cmpd="sng">
+                      <a:noFill/>
+                      <a:prstDash val="solid"/>
+                    </a:lnTlToBr>
+                    <a:lnBlToTr w="12700" cmpd="sng">
+                      <a:noFill/>
+                      <a:prstDash val="solid"/>
+                    </a:lnBlToTr>
+                  </a:tcPr>
+                </a:tc>
+                <a:tc>
+                  <a:txBody>
+                    <a:bodyPr/>
+                    <a:lstStyle/>
+                    <a:p>
+                      <a:pPr marL="0" marR="0" indent="0" algn="l" defTabSz="914400" rtl="0" eaLnBrk="1" fontAlgn="auto" latinLnBrk="0" hangingPunct="1">
+                        <a:lnSpc>
+                          <a:spcPct val="100000"/>
+                        </a:lnSpc>
+                        <a:spcBef>
+                          <a:spcPts val="0"/>
+                        </a:spcBef>
+                        <a:spcAft>
+                          <a:spcPts val="0"/>
+                        </a:spcAft>
+                        <a:buClrTx/>
+                        <a:buSzTx/>
+                        <a:buFontTx/>
+                        <a:buNone/>
+                        <a:tabLst/>
+                        <a:defRPr/>
+                      </a:pPr>
+                      <a:r>
+                        <a:rPr lang="en-US" sz="1400" b="0" i="1" dirty="0" smtClean="0">
+                          <a:solidFill>
+                            <a:srgbClr val="FFFF00"/>
+                          </a:solidFill>
+                          <a:sym typeface="Wingdings"/>
+                        </a:rPr>
+                        <a:t></a:t>
+                      </a:r>
+                      <a:endParaRPr lang="en-US" sz="1400" b="0" i="1" dirty="0" smtClean="0">
+                        <a:solidFill>
+                          <a:srgbClr val="FFFF00"/>
+                        </a:solidFill>
+                      </a:endParaRPr>
+                    </a:p>
+                  </a:txBody>
+                  <a:tcPr marL="0" marR="0" marT="0" marB="0">
+                    <a:lnL>
+                      <a:noFill/>
+                    </a:lnL>
+                    <a:lnR>
+                      <a:noFill/>
+                    </a:lnR>
+                    <a:lnT>
+                      <a:noFill/>
+                    </a:lnT>
+                    <a:lnB>
+                      <a:noFill/>
+                    </a:lnB>
+                    <a:lnTlToBr w="12700" cmpd="sng">
+                      <a:noFill/>
+                      <a:prstDash val="solid"/>
+                    </a:lnTlToBr>
+                    <a:lnBlToTr w="12700" cmpd="sng">
+                      <a:noFill/>
+                      <a:prstDash val="solid"/>
+                    </a:lnBlToTr>
+                  </a:tcPr>
+                </a:tc>
+                <a:tc>
+                  <a:txBody>
+                    <a:bodyPr/>
+                    <a:lstStyle/>
+                    <a:p>
+                      <a:r>
+                        <a:rPr lang="en-US" sz="1400" b="0" i="1" dirty="0" smtClean="0">
+                          <a:solidFill>
+                            <a:srgbClr val="FFFF00"/>
+                          </a:solidFill>
+                        </a:rPr>
+                        <a:t>COI Buffer</a:t>
+                      </a:r>
+                      <a:endParaRPr lang="en-US" sz="1400" b="0" i="1" dirty="0">
+                        <a:solidFill>
+                          <a:srgbClr val="FFFF00"/>
+                        </a:solidFill>
+                      </a:endParaRPr>
+                    </a:p>
+                  </a:txBody>
+                  <a:tcPr marL="0" marR="0" marT="0" marB="0">
+                    <a:lnL>
+                      <a:noFill/>
+                    </a:lnL>
+                    <a:lnR>
+                      <a:noFill/>
+                    </a:lnR>
+                    <a:lnT>
+                      <a:noFill/>
+                    </a:lnT>
+                    <a:lnB>
+                      <a:noFill/>
+                    </a:lnB>
+                    <a:lnTlToBr w="12700" cmpd="sng">
+                      <a:noFill/>
+                      <a:prstDash val="solid"/>
+                    </a:lnTlToBr>
+                    <a:lnBlToTr w="12700" cmpd="sng">
+                      <a:noFill/>
+                      <a:prstDash val="solid"/>
+                    </a:lnBlToTr>
+                  </a:tcPr>
+                </a:tc>
+              </a:tr>
+            </a:tbl>
+          </a:graphicData>
+        </a:graphic>
+      </p:graphicFrame>
     </p:spTree>
     <p:extLst>
       <p:ext uri="{BB962C8B-B14F-4D97-AF65-F5344CB8AC3E}">
@@ -20607,6 +21248,13 @@
   <p:transition>
     <p:fade/>
   </p:transition>
+  <p:timing>
+    <p:tnLst>
+      <p:par>
+        <p:cTn id="1" dur="indefinite" restart="never" nodeType="tmRoot"/>
+      </p:par>
+    </p:tnLst>
+  </p:timing>
 </p:sld>
 </file>
 
@@ -20681,16 +21329,12 @@
               <a:t>Event signaling is done by either COI itself as operation is completed or by explicit </a:t>
             </a:r>
             <a:r>
-              <a:rPr lang="en-US" dirty="0" err="1"/>
-              <a:t>COIEventSignalUserEvent</a:t>
-            </a:r>
-            <a:r>
-              <a:rPr lang="en-US" dirty="0"/>
-              <a:t>() </a:t>
+              <a:rPr lang="en-US" dirty="0" smtClean="0"/>
+              <a:t>COI API call </a:t>
             </a:r>
             <a:r>
               <a:rPr lang="en-US" dirty="0" smtClean="0"/>
-              <a:t>call at device side.</a:t>
+              <a:t>at device side.</a:t>
             </a:r>
           </a:p>
           <a:p>
@@ -20806,6 +21450,13 @@
   <p:transition>
     <p:fade/>
   </p:transition>
+  <p:timing>
+    <p:tnLst>
+      <p:par>
+        <p:cTn id="1" dur="indefinite" restart="never" nodeType="tmRoot"/>
+      </p:par>
+    </p:tnLst>
+  </p:timing>
 </p:sld>
 </file>
 
@@ -20836,7 +21487,7 @@
             <p:ph idx="1"/>
             <p:extLst>
               <p:ext uri="{D42A27DB-BD31-4B8C-83A1-F6EECF244321}">
-                <p14:modId xmlns:p14="http://schemas.microsoft.com/office/powerpoint/2010/main" val="1415738842"/>
+                <p14:modId xmlns:p14="http://schemas.microsoft.com/office/powerpoint/2010/main" val="3196977865"/>
               </p:ext>
             </p:extLst>
           </p:nvPr>
@@ -20915,6 +21566,13 @@
   <p:transition>
     <p:fade/>
   </p:transition>
+  <p:timing>
+    <p:tnLst>
+      <p:par>
+        <p:cTn id="1" dur="indefinite" restart="never" nodeType="tmRoot"/>
+      </p:par>
+    </p:tnLst>
+  </p:timing>
 </p:sld>
 </file>
 
@@ -20945,7 +21603,12 @@
             <p:ph idx="1"/>
           </p:nvPr>
         </p:nvSpPr>
-        <p:spPr/>
+        <p:spPr>
+          <a:xfrm>
+            <a:off x="455613" y="914400"/>
+            <a:ext cx="8237537" cy="4953000"/>
+          </a:xfrm>
+        </p:spPr>
         <p:txBody>
           <a:bodyPr/>
           <a:lstStyle/>
@@ -21051,8 +21714,8 @@
         </p:blipFill>
         <p:spPr bwMode="auto">
           <a:xfrm>
-            <a:off x="287895" y="2543175"/>
-            <a:ext cx="4055505" cy="2714625"/>
+            <a:off x="287895" y="2260672"/>
+            <a:ext cx="4055505" cy="2387528"/>
           </a:xfrm>
           <a:prstGeom prst="rect">
             <a:avLst/>
@@ -21115,8 +21778,8 @@
         </p:blipFill>
         <p:spPr bwMode="auto">
           <a:xfrm>
-            <a:off x="4724400" y="2514600"/>
-            <a:ext cx="4191000" cy="2768529"/>
+            <a:off x="4724400" y="2260671"/>
+            <a:ext cx="4191000" cy="2387529"/>
           </a:xfrm>
           <a:prstGeom prst="rect">
             <a:avLst/>
@@ -21164,8 +21827,8 @@
         </p:nvSpPr>
         <p:spPr>
           <a:xfrm>
-            <a:off x="381000" y="5308937"/>
-            <a:ext cx="8001000" cy="1446550"/>
+            <a:off x="381000" y="4659630"/>
+            <a:ext cx="8001000" cy="1738938"/>
           </a:xfrm>
           <a:prstGeom prst="rect">
             <a:avLst/>
@@ -21209,7 +21872,7 @@
               <a:buChar char="•"/>
             </a:pPr>
             <a:r>
-              <a:rPr lang="en-US" sz="1600" b="0" dirty="0" smtClean="0">
+              <a:rPr lang="en-US" sz="1400" b="0" dirty="0" smtClean="0">
                 <a:solidFill>
                   <a:schemeClr val="tx1"/>
                 </a:solidFill>
@@ -21219,7 +21882,7 @@
               <a:t>Required to </a:t>
             </a:r>
             <a:r>
-              <a:rPr lang="en-US" sz="1600" b="0" dirty="0">
+              <a:rPr lang="en-US" sz="1400" b="0" dirty="0">
                 <a:solidFill>
                   <a:schemeClr val="tx1"/>
                 </a:solidFill>
@@ -21229,7 +21892,7 @@
               <a:t>allow differentiation between CL_RUNNING command status change notification and </a:t>
             </a:r>
             <a:r>
-              <a:rPr lang="en-US" sz="1600" b="0" dirty="0" err="1">
+              <a:rPr lang="en-US" sz="1400" b="0" dirty="0" err="1">
                 <a:solidFill>
                   <a:schemeClr val="tx1"/>
                 </a:solidFill>
@@ -21239,7 +21902,7 @@
               <a:t>T</a:t>
             </a:r>
             <a:r>
-              <a:rPr lang="en-US" sz="1600" b="0" baseline="-25000" dirty="0" err="1">
+              <a:rPr lang="en-US" sz="1400" b="0" baseline="-25000" dirty="0" err="1">
                 <a:solidFill>
                   <a:schemeClr val="tx1"/>
                 </a:solidFill>
@@ -21249,7 +21912,7 @@
               <a:t>start</a:t>
             </a:r>
             <a:r>
-              <a:rPr lang="en-US" sz="1600" b="0" dirty="0">
+              <a:rPr lang="en-US" sz="1400" b="0" dirty="0">
                 <a:solidFill>
                   <a:schemeClr val="tx1"/>
                 </a:solidFill>
@@ -21259,6 +21922,35 @@
               <a:t> </a:t>
             </a:r>
             <a:r>
+              <a:rPr lang="en-US" sz="1400" b="0" dirty="0" smtClean="0">
+                <a:solidFill>
+                  <a:schemeClr val="tx1"/>
+                </a:solidFill>
+                <a:effectLst/>
+                <a:latin typeface="+mn-lt"/>
+              </a:rPr>
+              <a:t>measurement</a:t>
+            </a:r>
+            <a:r>
+              <a:rPr lang="en-US" sz="1400" b="0" dirty="0" smtClean="0">
+                <a:solidFill>
+                  <a:schemeClr val="tx1"/>
+                </a:solidFill>
+                <a:effectLst/>
+                <a:latin typeface="+mn-lt"/>
+              </a:rPr>
+              <a:t>.</a:t>
+            </a:r>
+          </a:p>
+          <a:p>
+            <a:pPr marL="285750" indent="-285750" algn="l">
+              <a:spcBef>
+                <a:spcPts val="600"/>
+              </a:spcBef>
+              <a:buFont typeface="Arial" pitchFamily="34" charset="0"/>
+              <a:buChar char="•"/>
+            </a:pPr>
+            <a:r>
               <a:rPr lang="en-US" sz="1600" b="0" dirty="0" smtClean="0">
                 <a:solidFill>
                   <a:schemeClr val="tx1"/>
@@ -21266,7 +21958,27 @@
                 <a:effectLst/>
                 <a:latin typeface="+mn-lt"/>
               </a:rPr>
-              <a:t>measurement.</a:t>
+              <a:t>COI to provide a </a:t>
+            </a:r>
+            <a:r>
+              <a:rPr lang="en-US" b="0" dirty="0">
+                <a:solidFill>
+                  <a:schemeClr val="tx1"/>
+                </a:solidFill>
+                <a:effectLst/>
+                <a:latin typeface="+mn-lt"/>
+              </a:rPr>
+              <a:t>way</a:t>
+            </a:r>
+            <a:r>
+              <a:rPr lang="en-US" sz="1600" b="0" dirty="0" smtClean="0">
+                <a:solidFill>
+                  <a:schemeClr val="tx1"/>
+                </a:solidFill>
+                <a:effectLst/>
+                <a:latin typeface="+mn-lt"/>
+              </a:rPr>
+              <a:t> to record an execution start time as COI Buffer operation starts</a:t>
             </a:r>
             <a:endParaRPr lang="en-US" sz="1600" b="0" dirty="0">
               <a:solidFill>
@@ -21692,21 +22404,28 @@
             </a:r>
           </a:p>
           <a:p>
-            <a:pPr lvl="2"/>
+            <a:pPr lvl="1"/>
+            <a:r>
+              <a:rPr lang="en-US" b="0" dirty="0">
+                <a:effectLst/>
+              </a:rPr>
+              <a:t>Each TBB </a:t>
+            </a:r>
             <a:r>
               <a:rPr lang="en-US" b="0" dirty="0" smtClean="0">
-                <a:solidFill>
-                  <a:srgbClr val="FFFF00"/>
-                </a:solidFill>
                 <a:effectLst/>
-                <a:sym typeface="Wingdings" pitchFamily="2" charset="2"/>
               </a:rPr>
-              <a:t>New requirement to TBB</a:t>
+              <a:t>Arena </a:t>
             </a:r>
-          </a:p>
-          <a:p>
-            <a:pPr lvl="1"/>
-            <a:endParaRPr lang="en-US" dirty="0"/>
+            <a:r>
+              <a:rPr lang="en-US" b="0" dirty="0">
+                <a:effectLst/>
+              </a:rPr>
+              <a:t>will use distinct set of HW execution units (HW Cores/Threads)</a:t>
+            </a:r>
+            <a:endParaRPr lang="en-US" b="0" dirty="0">
+              <a:effectLst/>
+            </a:endParaRPr>
           </a:p>
         </p:txBody>
       </p:sp>
@@ -21723,6 +22442,13 @@
   <p:transition>
     <p:fade/>
   </p:transition>
+  <p:timing>
+    <p:tnLst>
+      <p:par>
+        <p:cTn id="1" dur="indefinite" restart="never" nodeType="tmRoot"/>
+      </p:par>
+    </p:tnLst>
+  </p:timing>
 </p:sld>
 </file>
 
@@ -21753,7 +22479,927 @@
             <p:ph idx="1"/>
             <p:extLst>
               <p:ext uri="{D42A27DB-BD31-4B8C-83A1-F6EECF244321}">
-                <p14:modId xmlns:p14="http://schemas.microsoft.com/office/powerpoint/2010/main" val="982587094"/>
+                <p14:modId xmlns:p14="http://schemas.microsoft.com/office/powerpoint/2010/main" val="3634274934"/>
+              </p:ext>
+            </p:extLst>
+          </p:nvPr>
+        </p:nvGraphicFramePr>
+        <p:xfrm>
+          <a:off x="304800" y="909320"/>
+          <a:ext cx="8610600" cy="5486400"/>
+        </p:xfrm>
+        <a:graphic>
+          <a:graphicData uri="http://schemas.openxmlformats.org/drawingml/2006/table">
+            <a:tbl>
+              <a:tblPr firstRow="1" bandRow="1">
+                <a:tableStyleId>{5940675A-B579-460E-94D1-54222C63F5DA}</a:tableStyleId>
+              </a:tblPr>
+              <a:tblGrid>
+                <a:gridCol w="3352800"/>
+                <a:gridCol w="5257800"/>
+              </a:tblGrid>
+              <a:tr h="370840">
+                <a:tc>
+                  <a:txBody>
+                    <a:bodyPr/>
+                    <a:lstStyle/>
+                    <a:p>
+                      <a:r>
+                        <a:rPr lang="en-US" sz="1400" dirty="0" smtClean="0"/>
+                        <a:t>CL_DEVICE_TYPE</a:t>
+                      </a:r>
+                      <a:endParaRPr lang="en-US" sz="1400" b="0" dirty="0"/>
+                    </a:p>
+                  </a:txBody>
+                  <a:tcPr/>
+                </a:tc>
+                <a:tc>
+                  <a:txBody>
+                    <a:bodyPr/>
+                    <a:lstStyle/>
+                    <a:p>
+                      <a:r>
+                        <a:rPr lang="en-US" sz="1400" dirty="0" smtClean="0"/>
+                        <a:t>CL_DEVICE_TYPE_ACCELERATOR</a:t>
+                      </a:r>
+                      <a:endParaRPr lang="en-US" sz="1400" b="0" dirty="0"/>
+                    </a:p>
+                  </a:txBody>
+                  <a:tcPr/>
+                </a:tc>
+              </a:tr>
+              <a:tr h="370840">
+                <a:tc>
+                  <a:txBody>
+                    <a:bodyPr/>
+                    <a:lstStyle/>
+                    <a:p>
+                      <a:r>
+                        <a:rPr lang="en-US" sz="1400" dirty="0" smtClean="0"/>
+                        <a:t>CL_DEVICE_MAX_COMPUTE_UNITS</a:t>
+                      </a:r>
+                      <a:endParaRPr lang="en-US" sz="1400" b="0" dirty="0"/>
+                    </a:p>
+                  </a:txBody>
+                  <a:tcPr/>
+                </a:tc>
+                <a:tc>
+                  <a:txBody>
+                    <a:bodyPr/>
+                    <a:lstStyle/>
+                    <a:p>
+                      <a:r>
+                        <a:rPr lang="en-US" sz="1400" dirty="0" smtClean="0"/>
+                        <a:t>Number</a:t>
+                      </a:r>
+                      <a:r>
+                        <a:rPr lang="en-US" sz="1400" baseline="0" dirty="0" smtClean="0"/>
+                        <a:t> of HW threads on device</a:t>
+                      </a:r>
+                      <a:endParaRPr lang="en-US" sz="1400" b="0" dirty="0"/>
+                    </a:p>
+                  </a:txBody>
+                  <a:tcPr/>
+                </a:tc>
+              </a:tr>
+              <a:tr h="370840">
+                <a:tc>
+                  <a:txBody>
+                    <a:bodyPr/>
+                    <a:lstStyle/>
+                    <a:p>
+                      <a:pPr marL="0" marR="0" indent="0" algn="l" defTabSz="914400" rtl="0" eaLnBrk="1" fontAlgn="auto" latinLnBrk="0" hangingPunct="1">
+                        <a:lnSpc>
+                          <a:spcPct val="100000"/>
+                        </a:lnSpc>
+                        <a:spcBef>
+                          <a:spcPts val="0"/>
+                        </a:spcBef>
+                        <a:spcAft>
+                          <a:spcPts val="0"/>
+                        </a:spcAft>
+                        <a:buClrTx/>
+                        <a:buSzTx/>
+                        <a:buFontTx/>
+                        <a:buNone/>
+                        <a:tabLst/>
+                        <a:defRPr/>
+                      </a:pPr>
+                      <a:r>
+                        <a:rPr lang="en-US" sz="1400" u="none" strike="noStrike" kern="1200" baseline="0" dirty="0" smtClean="0"/>
+                        <a:t>CL_DEVICE_PREFERRED_VECTOR_WIDTH_*</a:t>
+                      </a:r>
+                      <a:endParaRPr lang="en-US" sz="1400" b="0" i="0" u="none" strike="noStrike" kern="1200" baseline="0" dirty="0" smtClean="0">
+                        <a:solidFill>
+                          <a:schemeClr val="dk1"/>
+                        </a:solidFill>
+                        <a:latin typeface="+mn-lt"/>
+                        <a:ea typeface="+mn-ea"/>
+                        <a:cs typeface="+mn-cs"/>
+                      </a:endParaRPr>
+                    </a:p>
+                  </a:txBody>
+                  <a:tcPr/>
+                </a:tc>
+                <a:tc>
+                  <a:txBody>
+                    <a:bodyPr/>
+                    <a:lstStyle/>
+                    <a:p>
+                      <a:r>
+                        <a:rPr lang="en-US" sz="1400" dirty="0" smtClean="0"/>
+                        <a:t>1 to allow efficient auto-</a:t>
+                      </a:r>
+                      <a:r>
+                        <a:rPr lang="en-US" sz="1400" dirty="0" err="1" smtClean="0"/>
+                        <a:t>vectorization</a:t>
+                      </a:r>
+                      <a:endParaRPr lang="en-US" sz="1400" b="0" dirty="0"/>
+                    </a:p>
+                  </a:txBody>
+                  <a:tcPr/>
+                </a:tc>
+              </a:tr>
+              <a:tr h="370840">
+                <a:tc>
+                  <a:txBody>
+                    <a:bodyPr/>
+                    <a:lstStyle/>
+                    <a:p>
+                      <a:pPr marL="0" marR="0" indent="0" algn="l" defTabSz="914400" rtl="0" eaLnBrk="1" fontAlgn="auto" latinLnBrk="0" hangingPunct="1">
+                        <a:lnSpc>
+                          <a:spcPct val="100000"/>
+                        </a:lnSpc>
+                        <a:spcBef>
+                          <a:spcPts val="0"/>
+                        </a:spcBef>
+                        <a:spcAft>
+                          <a:spcPts val="0"/>
+                        </a:spcAft>
+                        <a:buClrTx/>
+                        <a:buSzTx/>
+                        <a:buFontTx/>
+                        <a:buNone/>
+                        <a:tabLst/>
+                        <a:defRPr/>
+                      </a:pPr>
+                      <a:r>
+                        <a:rPr lang="en-US" sz="1400" u="none" strike="noStrike" kern="1200" baseline="0" dirty="0" smtClean="0"/>
+                        <a:t>CL_DEVICE_NATIVE_VECTOR_WIDTH_*</a:t>
+                      </a:r>
+                      <a:endParaRPr lang="en-US" sz="1400" b="0" i="0" u="none" strike="noStrike" kern="1200" baseline="0" dirty="0" smtClean="0">
+                        <a:solidFill>
+                          <a:schemeClr val="dk1"/>
+                        </a:solidFill>
+                        <a:latin typeface="+mn-lt"/>
+                        <a:ea typeface="+mn-ea"/>
+                        <a:cs typeface="+mn-cs"/>
+                      </a:endParaRPr>
+                    </a:p>
+                  </a:txBody>
+                  <a:tcPr/>
+                </a:tc>
+                <a:tc>
+                  <a:txBody>
+                    <a:bodyPr/>
+                    <a:lstStyle/>
+                    <a:p>
+                      <a:r>
+                        <a:rPr lang="en-US" sz="1400" dirty="0" smtClean="0"/>
+                        <a:t>512 bits</a:t>
+                      </a:r>
+                      <a:endParaRPr lang="en-US" sz="1400" b="0" dirty="0"/>
+                    </a:p>
+                  </a:txBody>
+                  <a:tcPr/>
+                </a:tc>
+              </a:tr>
+              <a:tr h="370840">
+                <a:tc>
+                  <a:txBody>
+                    <a:bodyPr/>
+                    <a:lstStyle/>
+                    <a:p>
+                      <a:pPr marL="0" marR="0" indent="0" algn="l" defTabSz="914400" rtl="0" eaLnBrk="1" fontAlgn="auto" latinLnBrk="0" hangingPunct="1">
+                        <a:lnSpc>
+                          <a:spcPct val="100000"/>
+                        </a:lnSpc>
+                        <a:spcBef>
+                          <a:spcPts val="0"/>
+                        </a:spcBef>
+                        <a:spcAft>
+                          <a:spcPts val="0"/>
+                        </a:spcAft>
+                        <a:buClrTx/>
+                        <a:buSzTx/>
+                        <a:buFontTx/>
+                        <a:buNone/>
+                        <a:tabLst/>
+                        <a:defRPr/>
+                      </a:pPr>
+                      <a:r>
+                        <a:rPr lang="en-US" sz="1400" u="none" strike="noStrike" kern="1200" baseline="0" dirty="0" smtClean="0"/>
+                        <a:t>CL_DEVICE_HOST_UNIFIED_MEMORY	</a:t>
+                      </a:r>
+                      <a:endParaRPr lang="en-US" sz="1400" b="0" i="0" u="none" strike="noStrike" kern="1200" baseline="0" dirty="0" smtClean="0">
+                        <a:solidFill>
+                          <a:schemeClr val="dk1"/>
+                        </a:solidFill>
+                        <a:latin typeface="+mn-lt"/>
+                        <a:ea typeface="+mn-ea"/>
+                        <a:cs typeface="+mn-cs"/>
+                      </a:endParaRPr>
+                    </a:p>
+                  </a:txBody>
+                  <a:tcPr/>
+                </a:tc>
+                <a:tc>
+                  <a:txBody>
+                    <a:bodyPr/>
+                    <a:lstStyle/>
+                    <a:p>
+                      <a:r>
+                        <a:rPr lang="en-US" sz="1400" u="none" strike="noStrike" kern="1200" baseline="0" dirty="0" smtClean="0"/>
+                        <a:t>CL_FALSE 	</a:t>
+                      </a:r>
+                      <a:endParaRPr lang="en-US" sz="1400" b="0" i="0" u="none" strike="noStrike" kern="1200" baseline="0" dirty="0" smtClean="0">
+                        <a:solidFill>
+                          <a:schemeClr val="dk1"/>
+                        </a:solidFill>
+                        <a:latin typeface="+mn-lt"/>
+                        <a:ea typeface="+mn-ea"/>
+                        <a:cs typeface="+mn-cs"/>
+                      </a:endParaRPr>
+                    </a:p>
+                  </a:txBody>
+                  <a:tcPr/>
+                </a:tc>
+              </a:tr>
+              <a:tr h="370840">
+                <a:tc>
+                  <a:txBody>
+                    <a:bodyPr/>
+                    <a:lstStyle/>
+                    <a:p>
+                      <a:pPr marL="0" marR="0" indent="0" algn="l" defTabSz="914400" rtl="0" eaLnBrk="1" fontAlgn="auto" latinLnBrk="0" hangingPunct="1">
+                        <a:lnSpc>
+                          <a:spcPct val="100000"/>
+                        </a:lnSpc>
+                        <a:spcBef>
+                          <a:spcPts val="0"/>
+                        </a:spcBef>
+                        <a:spcAft>
+                          <a:spcPts val="0"/>
+                        </a:spcAft>
+                        <a:buClrTx/>
+                        <a:buSzTx/>
+                        <a:buFontTx/>
+                        <a:buNone/>
+                        <a:tabLst/>
+                        <a:defRPr/>
+                      </a:pPr>
+                      <a:r>
+                        <a:rPr lang="en-US" sz="1400" u="none" strike="noStrike" kern="1200" baseline="0" dirty="0" smtClean="0"/>
+                        <a:t>CL_DEVICE_GLOBAL_MEM_SIZE 	</a:t>
+                      </a:r>
+                      <a:endParaRPr lang="en-US" sz="1400" b="0" i="0" u="none" strike="noStrike" kern="1200" baseline="0" dirty="0" smtClean="0">
+                        <a:solidFill>
+                          <a:schemeClr val="dk1"/>
+                        </a:solidFill>
+                        <a:latin typeface="+mn-lt"/>
+                        <a:ea typeface="+mn-ea"/>
+                        <a:cs typeface="+mn-cs"/>
+                      </a:endParaRPr>
+                    </a:p>
+                  </a:txBody>
+                  <a:tcPr/>
+                </a:tc>
+                <a:tc>
+                  <a:txBody>
+                    <a:bodyPr/>
+                    <a:lstStyle/>
+                    <a:p>
+                      <a:r>
+                        <a:rPr lang="en-US" sz="1400" dirty="0" smtClean="0"/>
+                        <a:t>¾ of device</a:t>
+                      </a:r>
+                      <a:r>
+                        <a:rPr lang="en-US" sz="1400" baseline="0" dirty="0" smtClean="0"/>
+                        <a:t> physical memory size</a:t>
+                      </a:r>
+                      <a:endParaRPr lang="en-US" sz="1400" b="0" dirty="0"/>
+                    </a:p>
+                  </a:txBody>
+                  <a:tcPr/>
+                </a:tc>
+              </a:tr>
+              <a:tr h="370840">
+                <a:tc>
+                  <a:txBody>
+                    <a:bodyPr/>
+                    <a:lstStyle/>
+                    <a:p>
+                      <a:pPr marL="0" marR="0" indent="0" algn="l" defTabSz="914400" rtl="0" eaLnBrk="1" fontAlgn="auto" latinLnBrk="0" hangingPunct="1">
+                        <a:lnSpc>
+                          <a:spcPct val="100000"/>
+                        </a:lnSpc>
+                        <a:spcBef>
+                          <a:spcPts val="0"/>
+                        </a:spcBef>
+                        <a:spcAft>
+                          <a:spcPts val="0"/>
+                        </a:spcAft>
+                        <a:buClrTx/>
+                        <a:buSzTx/>
+                        <a:buFontTx/>
+                        <a:buNone/>
+                        <a:tabLst/>
+                        <a:defRPr/>
+                      </a:pPr>
+                      <a:r>
+                        <a:rPr lang="en-US" sz="1400" u="none" strike="noStrike" kern="1200" baseline="0" dirty="0" smtClean="0"/>
+                        <a:t>CL_DEVICE_MAX_MEM_ALLOC_SIZE </a:t>
+                      </a:r>
+                      <a:endParaRPr lang="en-US" sz="1400" b="0" i="0" u="none" strike="noStrike" kern="1200" baseline="0" dirty="0" smtClean="0">
+                        <a:solidFill>
+                          <a:schemeClr val="dk1"/>
+                        </a:solidFill>
+                        <a:latin typeface="+mn-lt"/>
+                        <a:ea typeface="+mn-ea"/>
+                        <a:cs typeface="+mn-cs"/>
+                      </a:endParaRPr>
+                    </a:p>
+                  </a:txBody>
+                  <a:tcPr/>
+                </a:tc>
+                <a:tc>
+                  <a:txBody>
+                    <a:bodyPr/>
+                    <a:lstStyle/>
+                    <a:p>
+                      <a:r>
+                        <a:rPr lang="en-US" sz="1400" dirty="0" smtClean="0"/>
+                        <a:t>¼ of Global</a:t>
+                      </a:r>
+                      <a:endParaRPr lang="en-US" sz="1400" b="0" dirty="0"/>
+                    </a:p>
+                  </a:txBody>
+                  <a:tcPr/>
+                </a:tc>
+              </a:tr>
+              <a:tr h="370840">
+                <a:tc>
+                  <a:txBody>
+                    <a:bodyPr/>
+                    <a:lstStyle/>
+                    <a:p>
+                      <a:pPr marL="0" marR="0" indent="0" algn="l" defTabSz="914400" rtl="0" eaLnBrk="1" fontAlgn="auto" latinLnBrk="0" hangingPunct="1">
+                        <a:lnSpc>
+                          <a:spcPct val="100000"/>
+                        </a:lnSpc>
+                        <a:spcBef>
+                          <a:spcPts val="0"/>
+                        </a:spcBef>
+                        <a:spcAft>
+                          <a:spcPts val="0"/>
+                        </a:spcAft>
+                        <a:buClrTx/>
+                        <a:buSzTx/>
+                        <a:buFontTx/>
+                        <a:buNone/>
+                        <a:tabLst/>
+                        <a:defRPr/>
+                      </a:pPr>
+                      <a:r>
+                        <a:rPr lang="en-US" sz="1400" u="none" strike="noStrike" kern="1200" baseline="0" dirty="0" smtClean="0"/>
+                        <a:t>CL_DEVICE_MEM_BASE_ADDR_ALIGN</a:t>
+                      </a:r>
+                      <a:endParaRPr lang="en-US" sz="1400" b="0" i="0" u="none" strike="noStrike" kern="1200" baseline="0" dirty="0" smtClean="0">
+                        <a:solidFill>
+                          <a:schemeClr val="dk1"/>
+                        </a:solidFill>
+                        <a:latin typeface="+mn-lt"/>
+                        <a:ea typeface="+mn-ea"/>
+                        <a:cs typeface="+mn-cs"/>
+                      </a:endParaRPr>
+                    </a:p>
+                  </a:txBody>
+                  <a:tcPr/>
+                </a:tc>
+                <a:tc>
+                  <a:txBody>
+                    <a:bodyPr/>
+                    <a:lstStyle/>
+                    <a:p>
+                      <a:r>
+                        <a:rPr lang="en-US" sz="1400" dirty="0" smtClean="0"/>
+                        <a:t>512 bytes</a:t>
+                      </a:r>
+                      <a:r>
+                        <a:rPr lang="en-US" sz="1400" baseline="0" dirty="0" smtClean="0"/>
+                        <a:t> – maximum alignment of KNF/KNC vector instructions</a:t>
+                      </a:r>
+                      <a:endParaRPr lang="en-US" sz="1400" b="0" dirty="0"/>
+                    </a:p>
+                  </a:txBody>
+                  <a:tcPr/>
+                </a:tc>
+              </a:tr>
+              <a:tr h="370840">
+                <a:tc>
+                  <a:txBody>
+                    <a:bodyPr/>
+                    <a:lstStyle/>
+                    <a:p>
+                      <a:pPr marL="0" marR="0" indent="0" algn="l" defTabSz="914400" rtl="0" eaLnBrk="1" fontAlgn="auto" latinLnBrk="0" hangingPunct="1">
+                        <a:lnSpc>
+                          <a:spcPct val="100000"/>
+                        </a:lnSpc>
+                        <a:spcBef>
+                          <a:spcPts val="0"/>
+                        </a:spcBef>
+                        <a:spcAft>
+                          <a:spcPts val="0"/>
+                        </a:spcAft>
+                        <a:buClrTx/>
+                        <a:buSzTx/>
+                        <a:buFontTx/>
+                        <a:buNone/>
+                        <a:tabLst/>
+                        <a:defRPr/>
+                      </a:pPr>
+                      <a:r>
+                        <a:rPr lang="en-US" sz="1400" u="none" strike="noStrike" kern="1200" baseline="0" dirty="0" smtClean="0"/>
+                        <a:t>CL_DEVICE_MAX_SAMPLERS 	</a:t>
+                      </a:r>
+                      <a:endParaRPr lang="en-US" sz="1400" b="0" i="0" u="none" strike="noStrike" kern="1200" baseline="0" dirty="0" smtClean="0">
+                        <a:solidFill>
+                          <a:schemeClr val="dk1"/>
+                        </a:solidFill>
+                        <a:latin typeface="+mn-lt"/>
+                        <a:ea typeface="+mn-ea"/>
+                        <a:cs typeface="+mn-cs"/>
+                      </a:endParaRPr>
+                    </a:p>
+                  </a:txBody>
+                  <a:tcPr/>
+                </a:tc>
+                <a:tc>
+                  <a:txBody>
+                    <a:bodyPr/>
+                    <a:lstStyle/>
+                    <a:p>
+                      <a:r>
+                        <a:rPr lang="en-US" sz="1400" dirty="0" smtClean="0"/>
+                        <a:t>Number of HW TXS units (after TXS units support will be added)</a:t>
+                      </a:r>
+                      <a:endParaRPr lang="en-US" sz="1400" b="0" dirty="0"/>
+                    </a:p>
+                  </a:txBody>
+                  <a:tcPr/>
+                </a:tc>
+              </a:tr>
+              <a:tr h="370840">
+                <a:tc>
+                  <a:txBody>
+                    <a:bodyPr/>
+                    <a:lstStyle/>
+                    <a:p>
+                      <a:pPr marL="0" marR="0" indent="0" algn="l" defTabSz="914400" rtl="0" eaLnBrk="1" fontAlgn="auto" latinLnBrk="0" hangingPunct="1">
+                        <a:lnSpc>
+                          <a:spcPct val="100000"/>
+                        </a:lnSpc>
+                        <a:spcBef>
+                          <a:spcPts val="0"/>
+                        </a:spcBef>
+                        <a:spcAft>
+                          <a:spcPts val="0"/>
+                        </a:spcAft>
+                        <a:buClrTx/>
+                        <a:buSzTx/>
+                        <a:buFontTx/>
+                        <a:buNone/>
+                        <a:tabLst/>
+                        <a:defRPr/>
+                      </a:pPr>
+                      <a:r>
+                        <a:rPr lang="en-US" sz="1400" u="none" strike="noStrike" kern="1200" baseline="0" dirty="0" smtClean="0"/>
+                        <a:t>CL_DEVICE_SINGLE_FP_CONFIG  (KNC)</a:t>
+                      </a:r>
+                      <a:endParaRPr lang="en-US" sz="1400" b="0" i="0" u="none" strike="noStrike" kern="1200" baseline="0" dirty="0" smtClean="0">
+                        <a:solidFill>
+                          <a:schemeClr val="dk1"/>
+                        </a:solidFill>
+                        <a:latin typeface="+mn-lt"/>
+                        <a:ea typeface="+mn-ea"/>
+                        <a:cs typeface="+mn-cs"/>
+                      </a:endParaRPr>
+                    </a:p>
+                  </a:txBody>
+                  <a:tcPr/>
+                </a:tc>
+                <a:tc>
+                  <a:txBody>
+                    <a:bodyPr/>
+                    <a:lstStyle/>
+                    <a:p>
+                      <a:pPr marL="0" marR="0" indent="0" algn="l" defTabSz="914400" rtl="0" eaLnBrk="1" fontAlgn="auto" latinLnBrk="0" hangingPunct="1">
+                        <a:lnSpc>
+                          <a:spcPct val="100000"/>
+                        </a:lnSpc>
+                        <a:spcBef>
+                          <a:spcPts val="0"/>
+                        </a:spcBef>
+                        <a:spcAft>
+                          <a:spcPts val="0"/>
+                        </a:spcAft>
+                        <a:buClrTx/>
+                        <a:buSzTx/>
+                        <a:buFontTx/>
+                        <a:buNone/>
+                        <a:tabLst/>
+                        <a:defRPr/>
+                      </a:pPr>
+                      <a:r>
+                        <a:rPr lang="en-US" sz="1100" u="none" strike="noStrike" kern="1200" baseline="0" dirty="0" smtClean="0"/>
+                        <a:t>DENORM,  INF_NAN, ROUND_TO_NEAREST, ROUND_TO_ZERO, ROUND_TO_INF, FMA </a:t>
+                      </a:r>
+                      <a:endParaRPr lang="en-US" sz="1600" b="0" i="0" u="none" strike="noStrike" kern="1200" baseline="0" dirty="0" smtClean="0">
+                        <a:solidFill>
+                          <a:schemeClr val="dk1"/>
+                        </a:solidFill>
+                        <a:latin typeface="+mn-lt"/>
+                        <a:ea typeface="+mn-ea"/>
+                        <a:cs typeface="+mn-cs"/>
+                      </a:endParaRPr>
+                    </a:p>
+                  </a:txBody>
+                  <a:tcPr/>
+                </a:tc>
+              </a:tr>
+              <a:tr h="370840">
+                <a:tc>
+                  <a:txBody>
+                    <a:bodyPr/>
+                    <a:lstStyle/>
+                    <a:p>
+                      <a:pPr marL="0" marR="0" indent="0" algn="l" defTabSz="914400" rtl="0" eaLnBrk="1" fontAlgn="auto" latinLnBrk="0" hangingPunct="1">
+                        <a:lnSpc>
+                          <a:spcPct val="100000"/>
+                        </a:lnSpc>
+                        <a:spcBef>
+                          <a:spcPts val="0"/>
+                        </a:spcBef>
+                        <a:spcAft>
+                          <a:spcPts val="0"/>
+                        </a:spcAft>
+                        <a:buClrTx/>
+                        <a:buSzTx/>
+                        <a:buFontTx/>
+                        <a:buNone/>
+                        <a:tabLst/>
+                        <a:defRPr/>
+                      </a:pPr>
+                      <a:r>
+                        <a:rPr lang="en-US" sz="1400" u="none" strike="noStrike" kern="1200" baseline="0" dirty="0" smtClean="0"/>
+                        <a:t>CL_DEVICE_DOUBLE_FP_CONFIG  (KNC)</a:t>
+                      </a:r>
+                      <a:endParaRPr lang="en-US" sz="1400" b="0" i="0" u="none" strike="noStrike" kern="1200" baseline="0" dirty="0" smtClean="0">
+                        <a:solidFill>
+                          <a:schemeClr val="dk1"/>
+                        </a:solidFill>
+                        <a:latin typeface="+mn-lt"/>
+                        <a:ea typeface="+mn-ea"/>
+                        <a:cs typeface="+mn-cs"/>
+                      </a:endParaRPr>
+                    </a:p>
+                  </a:txBody>
+                  <a:tcPr/>
+                </a:tc>
+                <a:tc>
+                  <a:txBody>
+                    <a:bodyPr/>
+                    <a:lstStyle/>
+                    <a:p>
+                      <a:pPr marL="0" marR="0" indent="0" algn="l" defTabSz="914400" rtl="0" eaLnBrk="1" fontAlgn="auto" latinLnBrk="0" hangingPunct="1">
+                        <a:lnSpc>
+                          <a:spcPct val="100000"/>
+                        </a:lnSpc>
+                        <a:spcBef>
+                          <a:spcPts val="0"/>
+                        </a:spcBef>
+                        <a:spcAft>
+                          <a:spcPts val="0"/>
+                        </a:spcAft>
+                        <a:buClrTx/>
+                        <a:buSzTx/>
+                        <a:buFontTx/>
+                        <a:buNone/>
+                        <a:tabLst/>
+                        <a:defRPr/>
+                      </a:pPr>
+                      <a:r>
+                        <a:rPr lang="en-US" sz="1100" u="none" strike="noStrike" kern="1200" baseline="0" dirty="0" smtClean="0"/>
+                        <a:t>DENORM, INF_NAN, ROUND_TO_NEAREST, ROUND_TO_ZERO, ROUND_TO_INF, FMA</a:t>
+                      </a:r>
+                      <a:endParaRPr lang="en-US" sz="1600" b="0" i="0" u="none" strike="noStrike" kern="1200" baseline="0" dirty="0" smtClean="0">
+                        <a:solidFill>
+                          <a:schemeClr val="dk1"/>
+                        </a:solidFill>
+                        <a:latin typeface="+mn-lt"/>
+                        <a:ea typeface="+mn-ea"/>
+                        <a:cs typeface="+mn-cs"/>
+                      </a:endParaRPr>
+                    </a:p>
+                  </a:txBody>
+                  <a:tcPr/>
+                </a:tc>
+              </a:tr>
+              <a:tr h="370840">
+                <a:tc>
+                  <a:txBody>
+                    <a:bodyPr/>
+                    <a:lstStyle/>
+                    <a:p>
+                      <a:pPr marL="0" marR="0" indent="0" algn="l" defTabSz="914400" rtl="0" eaLnBrk="1" fontAlgn="auto" latinLnBrk="0" hangingPunct="1">
+                        <a:lnSpc>
+                          <a:spcPct val="100000"/>
+                        </a:lnSpc>
+                        <a:spcBef>
+                          <a:spcPts val="0"/>
+                        </a:spcBef>
+                        <a:spcAft>
+                          <a:spcPts val="0"/>
+                        </a:spcAft>
+                        <a:buClrTx/>
+                        <a:buSzTx/>
+                        <a:buFontTx/>
+                        <a:buNone/>
+                        <a:tabLst/>
+                        <a:defRPr/>
+                      </a:pPr>
+                      <a:r>
+                        <a:rPr lang="en-US" sz="1400" u="none" strike="noStrike" kern="1200" baseline="0" dirty="0" smtClean="0"/>
+                        <a:t>CL_DEVICE_EXTENSIONS</a:t>
+                      </a:r>
+                      <a:endParaRPr lang="en-US" sz="1400" b="0" i="0" u="none" strike="noStrike" kern="1200" baseline="0" dirty="0" smtClean="0">
+                        <a:solidFill>
+                          <a:schemeClr val="tx1"/>
+                        </a:solidFill>
+                        <a:latin typeface="+mn-lt"/>
+                        <a:ea typeface="+mn-ea"/>
+                        <a:cs typeface="+mn-cs"/>
+                      </a:endParaRPr>
+                    </a:p>
+                  </a:txBody>
+                  <a:tcPr/>
+                </a:tc>
+                <a:tc>
+                  <a:txBody>
+                    <a:bodyPr/>
+                    <a:lstStyle/>
+                    <a:p>
+                      <a:r>
+                        <a:rPr lang="en-US" sz="1400" u="none" strike="noStrike" kern="1200" baseline="0" dirty="0" smtClean="0"/>
+                        <a:t>FP64, global/local/32/64/base/extended  atomics, byte store, 3D image writes, device fission, GL sharing</a:t>
+                      </a:r>
+                      <a:endParaRPr lang="en-US" sz="1400" b="0" i="0" u="none" strike="noStrike" kern="1200" baseline="0" dirty="0" smtClean="0">
+                        <a:solidFill>
+                          <a:schemeClr val="tx1"/>
+                        </a:solidFill>
+                        <a:latin typeface="+mn-lt"/>
+                        <a:ea typeface="+mn-ea"/>
+                        <a:cs typeface="+mn-cs"/>
+                      </a:endParaRPr>
+                    </a:p>
+                  </a:txBody>
+                  <a:tcPr/>
+                </a:tc>
+              </a:tr>
+              <a:tr h="370840">
+                <a:tc>
+                  <a:txBody>
+                    <a:bodyPr/>
+                    <a:lstStyle/>
+                    <a:p>
+                      <a:pPr marL="0" marR="0" indent="0" algn="l" defTabSz="914400" rtl="0" eaLnBrk="1" fontAlgn="auto" latinLnBrk="0" hangingPunct="1">
+                        <a:lnSpc>
+                          <a:spcPct val="100000"/>
+                        </a:lnSpc>
+                        <a:spcBef>
+                          <a:spcPts val="0"/>
+                        </a:spcBef>
+                        <a:spcAft>
+                          <a:spcPts val="0"/>
+                        </a:spcAft>
+                        <a:buClrTx/>
+                        <a:buSzTx/>
+                        <a:buFontTx/>
+                        <a:buNone/>
+                        <a:tabLst/>
+                        <a:defRPr/>
+                      </a:pPr>
+                      <a:r>
+                        <a:rPr lang="en-US" sz="1400" u="none" strike="noStrike" kern="1200" baseline="0" dirty="0" smtClean="0"/>
+                        <a:t>CL_DEVICE_PARTITION_PROPERTIES </a:t>
+                      </a:r>
+                      <a:endParaRPr lang="en-US" sz="1400" b="0" i="0" u="none" strike="noStrike" kern="1200" baseline="0" dirty="0" smtClean="0">
+                        <a:solidFill>
+                          <a:schemeClr val="tx1"/>
+                        </a:solidFill>
+                        <a:latin typeface="+mn-lt"/>
+                        <a:ea typeface="+mn-ea"/>
+                        <a:cs typeface="+mn-cs"/>
+                      </a:endParaRPr>
+                    </a:p>
+                  </a:txBody>
+                  <a:tcPr/>
+                </a:tc>
+                <a:tc>
+                  <a:txBody>
+                    <a:bodyPr/>
+                    <a:lstStyle/>
+                    <a:p>
+                      <a:r>
+                        <a:rPr lang="en-US" sz="1400" u="none" strike="noStrike" kern="1200" baseline="0" dirty="0" smtClean="0"/>
+                        <a:t>Equally, By Counts, By Affinity Domain</a:t>
+                      </a:r>
+                      <a:endParaRPr lang="en-US" sz="1400" b="0" i="0" u="none" strike="noStrike" kern="1200" baseline="0" dirty="0" smtClean="0">
+                        <a:solidFill>
+                          <a:schemeClr val="tx1"/>
+                        </a:solidFill>
+                        <a:latin typeface="+mn-lt"/>
+                        <a:ea typeface="+mn-ea"/>
+                        <a:cs typeface="+mn-cs"/>
+                      </a:endParaRPr>
+                    </a:p>
+                  </a:txBody>
+                  <a:tcPr/>
+                </a:tc>
+              </a:tr>
+              <a:tr h="370840">
+                <a:tc>
+                  <a:txBody>
+                    <a:bodyPr/>
+                    <a:lstStyle/>
+                    <a:p>
+                      <a:pPr marL="0" marR="0" indent="0" algn="l" defTabSz="914400" rtl="0" eaLnBrk="1" fontAlgn="auto" latinLnBrk="0" hangingPunct="1">
+                        <a:lnSpc>
+                          <a:spcPct val="100000"/>
+                        </a:lnSpc>
+                        <a:spcBef>
+                          <a:spcPts val="0"/>
+                        </a:spcBef>
+                        <a:spcAft>
+                          <a:spcPts val="0"/>
+                        </a:spcAft>
+                        <a:buClrTx/>
+                        <a:buSzTx/>
+                        <a:buFontTx/>
+                        <a:buNone/>
+                        <a:tabLst/>
+                        <a:defRPr/>
+                      </a:pPr>
+                      <a:r>
+                        <a:rPr lang="en-US" sz="1400" u="none" strike="noStrike" kern="1200" baseline="0" dirty="0" smtClean="0"/>
+                        <a:t>CL_DEVICE_PARTITION_AFFINITY_DOMAIN</a:t>
+                      </a:r>
+                      <a:endParaRPr lang="en-US" sz="1400" b="0" i="0" u="none" strike="noStrike" kern="1200" baseline="0" dirty="0" smtClean="0">
+                        <a:solidFill>
+                          <a:schemeClr val="tx1"/>
+                        </a:solidFill>
+                        <a:latin typeface="+mn-lt"/>
+                        <a:ea typeface="+mn-ea"/>
+                        <a:cs typeface="+mn-cs"/>
+                      </a:endParaRPr>
+                    </a:p>
+                  </a:txBody>
+                  <a:tcPr/>
+                </a:tc>
+                <a:tc>
+                  <a:txBody>
+                    <a:bodyPr/>
+                    <a:lstStyle/>
+                    <a:p>
+                      <a:r>
+                        <a:rPr lang="en-US" sz="1400" u="none" strike="noStrike" kern="1200" baseline="0" dirty="0" smtClean="0"/>
+                        <a:t>L1 cache only (assume both L1 and L2 split KNF/KNC device into CPU Cores)</a:t>
+                      </a:r>
+                      <a:endParaRPr lang="en-US" sz="1400" b="0" i="0" u="none" strike="noStrike" kern="1200" baseline="0" dirty="0" smtClean="0">
+                        <a:solidFill>
+                          <a:schemeClr val="tx1"/>
+                        </a:solidFill>
+                        <a:latin typeface="+mn-lt"/>
+                        <a:ea typeface="+mn-ea"/>
+                        <a:cs typeface="+mn-cs"/>
+                      </a:endParaRPr>
+                    </a:p>
+                  </a:txBody>
+                  <a:tcPr/>
+                </a:tc>
+              </a:tr>
+            </a:tbl>
+          </a:graphicData>
+        </a:graphic>
+      </p:graphicFrame>
+      <p:sp>
+        <p:nvSpPr>
+          <p:cNvPr id="3" name="Title 2"/>
+          <p:cNvSpPr>
+            <a:spLocks noGrp="1"/>
+          </p:cNvSpPr>
+          <p:nvPr>
+            <p:ph type="title"/>
+          </p:nvPr>
+        </p:nvSpPr>
+        <p:spPr/>
+        <p:txBody>
+          <a:bodyPr/>
+          <a:lstStyle/>
+          <a:p>
+            <a:r>
+              <a:rPr lang="en-US" dirty="0" smtClean="0"/>
+              <a:t>Device Info Highlights</a:t>
+            </a:r>
+            <a:endParaRPr lang="en-US" dirty="0"/>
+          </a:p>
+        </p:txBody>
+      </p:sp>
+      <p:sp>
+        <p:nvSpPr>
+          <p:cNvPr id="4" name="Slide Number Placeholder 3"/>
+          <p:cNvSpPr>
+            <a:spLocks noGrp="1"/>
+          </p:cNvSpPr>
+          <p:nvPr>
+            <p:ph type="sldNum" sz="quarter" idx="10"/>
+          </p:nvPr>
+        </p:nvSpPr>
+        <p:spPr/>
+        <p:txBody>
+          <a:bodyPr/>
+          <a:lstStyle/>
+          <a:p>
+            <a:fld id="{644F31DB-F08C-476F-B161-7D382042A277}" type="slidenum">
+              <a:rPr lang="en-US" smtClean="0"/>
+              <a:pPr/>
+              <a:t>15</a:t>
+            </a:fld>
+            <a:endParaRPr lang="en-US"/>
+          </a:p>
+        </p:txBody>
+      </p:sp>
+    </p:spTree>
+    <p:extLst>
+      <p:ext uri="{BB962C8B-B14F-4D97-AF65-F5344CB8AC3E}">
+        <p14:creationId xmlns:p14="http://schemas.microsoft.com/office/powerpoint/2010/main" val="821722739"/>
+      </p:ext>
+    </p:extLst>
+  </p:cSld>
+  <p:clrMapOvr>
+    <a:masterClrMapping/>
+  </p:clrMapOvr>
+  <p:transition>
+    <p:fade/>
+  </p:transition>
+  <p:timing>
+    <p:tnLst>
+      <p:par>
+        <p:cTn id="1" dur="indefinite" restart="never" nodeType="tmRoot"/>
+      </p:par>
+    </p:tnLst>
+  </p:timing>
+</p:sld>
+</file>
+
+<file path=ppt/slides/slide16.xml><?xml version="1.0" encoding="utf-8"?>
+<p:sld xmlns:a="http://schemas.openxmlformats.org/drawingml/2006/main" xmlns:r="http://schemas.openxmlformats.org/officeDocument/2006/relationships" xmlns:p="http://schemas.openxmlformats.org/presentationml/2006/main">
+  <p:cSld>
+    <p:spTree>
+      <p:nvGrpSpPr>
+        <p:cNvPr id="1" name=""/>
+        <p:cNvGrpSpPr/>
+        <p:nvPr/>
+      </p:nvGrpSpPr>
+      <p:grpSpPr>
+        <a:xfrm>
+          <a:off x="0" y="0"/>
+          <a:ext cx="0" cy="0"/>
+          <a:chOff x="0" y="0"/>
+          <a:chExt cx="0" cy="0"/>
+        </a:xfrm>
+      </p:grpSpPr>
+      <p:graphicFrame>
+        <p:nvGraphicFramePr>
+          <p:cNvPr id="5" name="Content Placeholder 4"/>
+          <p:cNvGraphicFramePr>
+            <a:graphicFrameLocks noGrp="1"/>
+          </p:cNvGraphicFramePr>
+          <p:nvPr>
+            <p:ph idx="1"/>
+            <p:extLst>
+              <p:ext uri="{D42A27DB-BD31-4B8C-83A1-F6EECF244321}">
+                <p14:modId xmlns:p14="http://schemas.microsoft.com/office/powerpoint/2010/main" val="3187404401"/>
               </p:ext>
             </p:extLst>
           </p:nvPr>
@@ -21809,7 +23455,7 @@
             <a:fld id="{644F31DB-F08C-476F-B161-7D382042A277}" type="slidenum">
               <a:rPr lang="en-US" smtClean="0"/>
               <a:pPr/>
-              <a:t>15</a:t>
+              <a:t>16</a:t>
             </a:fld>
             <a:endParaRPr lang="en-US"/>
           </a:p>
@@ -21828,6 +23474,13 @@
   <p:transition>
     <p:fade/>
   </p:transition>
+  <p:timing>
+    <p:tnLst>
+      <p:par>
+        <p:cTn id="1" dur="indefinite" restart="never" nodeType="tmRoot"/>
+      </p:par>
+    </p:tnLst>
+  </p:timing>
 </p:sld>
 </file>
 
@@ -28230,7 +29883,7 @@
             <a:graphicData uri="http://schemas.openxmlformats.org/presentationml/2006/ole">
               <mc:AlternateContent xmlns:mc="http://schemas.openxmlformats.org/markup-compatibility/2006">
                 <mc:Choice xmlns:v="urn:schemas-microsoft-com:vml" Requires="v">
-                  <p:oleObj spid="_x0000_s3180" name="Visio" r:id="rId3" imgW="2998483" imgH="2655307" progId="Visio.Drawing.11">
+                  <p:oleObj spid="_x0000_s3212" name="Visio" r:id="rId3" imgW="2998483" imgH="2655307" progId="Visio.Drawing.11">
                     <p:embed/>
                   </p:oleObj>
                 </mc:Choice>
@@ -30915,7 +32568,7 @@
             <a:graphicData uri="http://schemas.openxmlformats.org/presentationml/2006/ole">
               <mc:AlternateContent xmlns:mc="http://schemas.openxmlformats.org/markup-compatibility/2006">
                 <mc:Choice xmlns:v="urn:schemas-microsoft-com:vml" Requires="v">
-                  <p:oleObj spid="_x0000_s2159" name="Visio" r:id="rId3" imgW="13542503" imgH="6263447" progId="Visio.Drawing.11">
+                  <p:oleObj spid="_x0000_s2191" name="Visio" r:id="rId3" imgW="13542503" imgH="6263447" progId="Visio.Drawing.11">
                     <p:embed/>
                   </p:oleObj>
                 </mc:Choice>

--- a/opencl-intel/devices/mic_device/doc/OpenCL for MIC acrh overview for Runtime.pptx
+++ b/opencl-intel/devices/mic_device/doc/OpenCL for MIC acrh overview for Runtime.pptx
@@ -5575,8 +5575,8 @@
     <dgm:cxn modelId="{2A48B30C-03F6-4155-9867-8FDB030F45B5}" type="presOf" srcId="{EDE9A32A-1EE8-49EE-9616-6231124FD3A3}" destId="{67CB0F3C-91F0-4252-B2FD-94DD2A88713F}" srcOrd="0" destOrd="1" presId="urn:microsoft.com/office/officeart/2005/8/layout/vList2"/>
     <dgm:cxn modelId="{448B5DFE-9B65-4D7F-9B9F-6117679C94CA}" srcId="{645C2147-D9DF-426D-9B9E-9A3E88FF3842}" destId="{16AB3D69-F3F4-49D7-A479-1381D0944BFF}" srcOrd="1" destOrd="0" parTransId="{B36237B1-1AF9-4E14-AB43-B4D8ACBF65FA}" sibTransId="{E44A54B4-060E-47E3-975D-95083743D9B3}"/>
     <dgm:cxn modelId="{591AAD2E-6BD0-47C7-826A-C50832576999}" srcId="{3B357217-0457-4C25-9F85-86D455F8C347}" destId="{8CADFED6-C70E-467B-9FA9-19F180D0304F}" srcOrd="0" destOrd="0" parTransId="{C291A340-5D69-4D16-9A00-B24344F612B1}" sibTransId="{BE0341A3-94A0-45A7-98A7-44CB269DAC3D}"/>
+    <dgm:cxn modelId="{2323AD08-9DE1-43A0-8103-30C242ADAC29}" type="presOf" srcId="{FF7C26BD-6F3D-490A-A545-505E6F77B79D}" destId="{5D0E9AB6-30DB-4451-BD34-57F4B8A1A198}" srcOrd="0" destOrd="0" presId="urn:microsoft.com/office/officeart/2005/8/layout/vList2"/>
     <dgm:cxn modelId="{9034A79B-6AA3-4830-BB01-11A5C52956C4}" srcId="{5FE6577F-2F0E-42A1-A8B3-642CEF5553B1}" destId="{B33E0094-6108-409F-9B05-31DF59FC87DE}" srcOrd="2" destOrd="0" parTransId="{EEA66E92-C882-4700-A457-379A110343AE}" sibTransId="{A50A1DDB-8226-4FD4-B38B-BB5910663D6F}"/>
-    <dgm:cxn modelId="{2323AD08-9DE1-43A0-8103-30C242ADAC29}" type="presOf" srcId="{FF7C26BD-6F3D-490A-A545-505E6F77B79D}" destId="{5D0E9AB6-30DB-4451-BD34-57F4B8A1A198}" srcOrd="0" destOrd="0" presId="urn:microsoft.com/office/officeart/2005/8/layout/vList2"/>
     <dgm:cxn modelId="{1801BD03-5993-4691-AEB2-670114D50408}" srcId="{645C2147-D9DF-426D-9B9E-9A3E88FF3842}" destId="{FF7C26BD-6F3D-490A-A545-505E6F77B79D}" srcOrd="0" destOrd="0" parTransId="{C7DDC468-2299-40F2-94F9-42ACFB819AE3}" sibTransId="{3D3A5D58-F110-4EAC-BD8B-9554B58A7838}"/>
     <dgm:cxn modelId="{680C57E1-1C70-44BD-8DBC-7739FF535F3C}" srcId="{16AB3D69-F3F4-49D7-A479-1381D0944BFF}" destId="{3B357217-0457-4C25-9F85-86D455F8C347}" srcOrd="1" destOrd="0" parTransId="{B04E24B6-D35E-4A81-8E70-9F6DF74BC9B1}" sibTransId="{D0D0E4D7-9784-47A3-9A9E-A3D72E4994F1}"/>
     <dgm:cxn modelId="{8B82F0A8-118D-4BAC-8F91-7D93C35B7153}" type="presOf" srcId="{673A70AA-5817-42A2-81C6-3AF6A86AD91C}" destId="{67CB0F3C-91F0-4252-B2FD-94DD2A88713F}" srcOrd="0" destOrd="0" presId="urn:microsoft.com/office/officeart/2005/8/layout/vList2"/>
@@ -6187,61 +6187,7 @@
 <dgm:dataModel xmlns:dgm="http://schemas.openxmlformats.org/drawingml/2006/diagram" xmlns:a="http://schemas.openxmlformats.org/drawingml/2006/main">
   <dgm:ptLst>
     <dgm:pt modelId="{5521DE05-0C36-47FF-A5DE-BF8AA21A5DD9}" type="doc">
-      <dgm:prSet loTypeId="urn:microsoft.com/office/officeart/2005/8/layout/process4" loCatId="process" qsTypeId="urn:microsoft.com/office/officeart/2005/8/quickstyle/simple1" qsCatId="simple" csTypeId="urn:microsoft.com/office/officeart/2005/8/colors/colorful2" csCatId="colorful" phldr="1"/>
-      <dgm:spPr/>
-      <dgm:t>
-        <a:bodyPr/>
-        <a:lstStyle/>
-        <a:p>
-          <a:endParaRPr lang="en-US"/>
-        </a:p>
-      </dgm:t>
-    </dgm:pt>
-    <dgm:pt modelId="{007DD2AD-9081-4079-823C-9AFD687AEFCF}">
-      <dgm:prSet custT="1"/>
-      <dgm:spPr/>
-      <dgm:t>
-        <a:bodyPr/>
-        <a:lstStyle/>
-        <a:p>
-          <a:pPr rtl="0"/>
-          <a:r>
-            <a:rPr lang="en-US" sz="1800" dirty="0" smtClean="0"/>
-            <a:t>MIC DA allocates new COI Buffer with limited size for each </a:t>
-          </a:r>
-          <a:r>
-            <a:rPr lang="en-US" sz="1800" dirty="0" err="1" smtClean="0"/>
-            <a:t>NDRange</a:t>
-          </a:r>
-          <a:r>
-            <a:rPr lang="en-US" sz="1800" dirty="0" smtClean="0"/>
-            <a:t> command that uses </a:t>
-          </a:r>
-          <a:r>
-            <a:rPr lang="en-US" sz="1800" dirty="0" err="1" smtClean="0"/>
-            <a:t>printf</a:t>
-          </a:r>
-          <a:r>
-            <a:rPr lang="en-US" sz="1800" dirty="0" smtClean="0"/>
-            <a:t>()</a:t>
-          </a:r>
-          <a:endParaRPr lang="en-US" sz="1800" dirty="0"/>
-        </a:p>
-      </dgm:t>
-    </dgm:pt>
-    <dgm:pt modelId="{E71A3DBD-D155-4670-8D6E-401E78D4376A}" type="parTrans" cxnId="{8D910CE5-7343-436F-A26F-D5EACB192C27}">
-      <dgm:prSet/>
-      <dgm:spPr/>
-      <dgm:t>
-        <a:bodyPr/>
-        <a:lstStyle/>
-        <a:p>
-          <a:endParaRPr lang="en-US"/>
-        </a:p>
-      </dgm:t>
-    </dgm:pt>
-    <dgm:pt modelId="{356CE534-FBA0-4FBB-9C31-F2B235A17175}" type="sibTrans" cxnId="{8D910CE5-7343-436F-A26F-D5EACB192C27}">
-      <dgm:prSet/>
+      <dgm:prSet loTypeId="urn:microsoft.com/office/officeart/2005/8/layout/process1" loCatId="process" qsTypeId="urn:microsoft.com/office/officeart/2005/8/quickstyle/simple1" qsCatId="simple" csTypeId="urn:microsoft.com/office/officeart/2005/8/colors/colorful2" csCatId="colorful" phldr="1"/>
       <dgm:spPr/>
       <dgm:t>
         <a:bodyPr/>
@@ -6261,7 +6207,11 @@
           <a:pPr rtl="0"/>
           <a:r>
             <a:rPr lang="en-US" sz="1800" dirty="0" smtClean="0"/>
-            <a:t>As kernel calls </a:t>
+            <a:t>kernel </a:t>
+          </a:r>
+          <a:r>
+            <a:rPr lang="en-US" sz="1800" dirty="0" smtClean="0"/>
+            <a:t>calls </a:t>
           </a:r>
           <a:r>
             <a:rPr lang="en-US" sz="1800" dirty="0" err="1" smtClean="0"/>
@@ -6269,7 +6219,11 @@
           </a:r>
           <a:r>
             <a:rPr lang="en-US" sz="1800" dirty="0" smtClean="0"/>
-            <a:t>() function Backend invokes MIC DA device side callback with relevant string and string size.</a:t>
+            <a:t>() </a:t>
+          </a:r>
+          <a:r>
+            <a:rPr lang="en-US" sz="1800" dirty="0" smtClean="0"/>
+            <a:t>function</a:t>
           </a:r>
           <a:endParaRPr lang="en-US" sz="1800" dirty="0"/>
         </a:p>
@@ -6307,18 +6261,27 @@
           <a:pPr rtl="0"/>
           <a:r>
             <a:rPr lang="en-US" sz="1800" dirty="0" smtClean="0"/>
-            <a:t>MIC DA device side callback copies the string to the specific buffer atomically</a:t>
+            <a:t>MIC DA device side callback </a:t>
           </a:r>
           <a:r>
             <a:rPr lang="en-US" sz="1800" dirty="0" smtClean="0"/>
-            <a:t>.</a:t>
+            <a:t>issues standard C </a:t>
           </a:r>
-        </a:p>
-        <a:p>
-          <a:pPr rtl="0"/>
           <a:r>
-            <a:rPr lang="en-US" sz="1800" b="1" i="1" dirty="0" smtClean="0"/>
-            <a:t>** Avoid Work Items output intermixing to ease debugging **</a:t>
+            <a:rPr lang="en-US" sz="1800" dirty="0" err="1" smtClean="0"/>
+            <a:t>printf</a:t>
+          </a:r>
+          <a:r>
+            <a:rPr lang="en-US" sz="1800" dirty="0" smtClean="0"/>
+            <a:t>() function to </a:t>
+          </a:r>
+          <a:r>
+            <a:rPr lang="en-US" sz="1800" dirty="0" err="1" smtClean="0"/>
+            <a:t>stdout</a:t>
+          </a:r>
+          <a:r>
+            <a:rPr lang="en-US" sz="1800" dirty="0" smtClean="0"/>
+            <a:t> stream.</a:t>
           </a:r>
           <a:endParaRPr lang="en-US" sz="1800" b="1" i="1" dirty="0"/>
         </a:p>
@@ -6355,16 +6318,24 @@
         <a:p>
           <a:pPr rtl="0"/>
           <a:r>
-            <a:rPr lang="en-US" sz="1800" smtClean="0"/>
-            <a:t>After NDRange command finished and appropriate COI Event in Notification Port is signaled  MIC DA host side will copy printf() buffer to the host and </a:t>
+            <a:rPr lang="en-US" sz="1800" dirty="0" smtClean="0"/>
+            <a:t>COI redirects device </a:t>
           </a:r>
           <a:r>
-            <a:rPr lang="en-US" sz="1800" i="1" smtClean="0"/>
-            <a:t>invoke appropriate Runtime service to consume the data</a:t>
+            <a:rPr lang="en-US" sz="1800" dirty="0" err="1" smtClean="0"/>
+            <a:t>stdout</a:t>
           </a:r>
           <a:r>
-            <a:rPr lang="en-US" sz="1800" smtClean="0"/>
-            <a:t>.</a:t>
+            <a:rPr lang="en-US" sz="1800" dirty="0" smtClean="0"/>
+            <a:t> to host application </a:t>
+          </a:r>
+          <a:r>
+            <a:rPr lang="en-US" sz="1800" dirty="0" err="1" smtClean="0"/>
+            <a:t>stdout</a:t>
+          </a:r>
+          <a:r>
+            <a:rPr lang="en-US" sz="1800" dirty="0" smtClean="0"/>
+            <a:t> stream. </a:t>
           </a:r>
           <a:endParaRPr lang="en-US" sz="1800" dirty="0"/>
         </a:p>
@@ -6392,11 +6363,52 @@
         </a:p>
       </dgm:t>
     </dgm:pt>
-    <dgm:pt modelId="{767864E3-0525-490A-A4C2-859F8709053C}" type="pres">
+    <dgm:pt modelId="{1D93C01E-1F08-4BB6-992A-51BB439396A2}">
+      <dgm:prSet custT="1"/>
+      <dgm:spPr/>
+      <dgm:t>
+        <a:bodyPr/>
+        <a:lstStyle/>
+        <a:p>
+          <a:pPr rtl="0"/>
+          <a:r>
+            <a:rPr lang="en-US" sz="1800" smtClean="0"/>
+            <a:t>Backend </a:t>
+          </a:r>
+          <a:r>
+            <a:rPr lang="en-US" sz="1800" dirty="0" smtClean="0"/>
+            <a:t>invokes MIC DA device side callback with relevant string and string size.</a:t>
+          </a:r>
+          <a:endParaRPr lang="en-US" sz="1800" dirty="0"/>
+        </a:p>
+      </dgm:t>
+    </dgm:pt>
+    <dgm:pt modelId="{4079233D-0206-4BC7-AE2A-0A9869712887}" type="parTrans" cxnId="{EB13B355-2C38-4872-94AD-4866FC0AAA91}">
+      <dgm:prSet/>
+      <dgm:spPr/>
+      <dgm:t>
+        <a:bodyPr/>
+        <a:lstStyle/>
+        <a:p>
+          <a:endParaRPr lang="en-US"/>
+        </a:p>
+      </dgm:t>
+    </dgm:pt>
+    <dgm:pt modelId="{AE772780-E92B-4C0D-BC6F-D75ACF002CE8}" type="sibTrans" cxnId="{EB13B355-2C38-4872-94AD-4866FC0AAA91}">
+      <dgm:prSet/>
+      <dgm:spPr/>
+      <dgm:t>
+        <a:bodyPr/>
+        <a:lstStyle/>
+        <a:p>
+          <a:endParaRPr lang="en-US"/>
+        </a:p>
+      </dgm:t>
+    </dgm:pt>
+    <dgm:pt modelId="{AB8E10D2-01E1-4BC2-80C4-7652179ACF4B}" type="pres">
       <dgm:prSet presAssocID="{5521DE05-0C36-47FF-A5DE-BF8AA21A5DD9}" presName="Name0" presStyleCnt="0">
         <dgm:presLayoutVars>
           <dgm:dir/>
-          <dgm:animLvl val="lvl"/>
           <dgm:resizeHandles val="exact"/>
         </dgm:presLayoutVars>
       </dgm:prSet>
@@ -6409,12 +6421,12 @@
         </a:p>
       </dgm:t>
     </dgm:pt>
-    <dgm:pt modelId="{5F841C1F-5D5B-4DCC-9077-30CDA3281A88}" type="pres">
-      <dgm:prSet presAssocID="{F4A0563D-9807-4109-8A3E-FA01E1FB9C8B}" presName="boxAndChildren" presStyleCnt="0"/>
-      <dgm:spPr/>
-    </dgm:pt>
-    <dgm:pt modelId="{7E0B1343-3CEF-47AD-8A82-DC7F83EE0732}" type="pres">
-      <dgm:prSet presAssocID="{F4A0563D-9807-4109-8A3E-FA01E1FB9C8B}" presName="parentTextBox" presStyleLbl="node1" presStyleIdx="0" presStyleCnt="4"/>
+    <dgm:pt modelId="{7AEE35B3-3929-4A16-90D9-993B1AFC31B5}" type="pres">
+      <dgm:prSet presAssocID="{2A71917F-8DBB-4408-9287-046EAD796B0A}" presName="node" presStyleLbl="node1" presStyleIdx="0" presStyleCnt="4">
+        <dgm:presLayoutVars>
+          <dgm:bulletEnabled val="1"/>
+        </dgm:presLayoutVars>
+      </dgm:prSet>
       <dgm:spPr/>
       <dgm:t>
         <a:bodyPr/>
@@ -6424,16 +6436,8 @@
         </a:p>
       </dgm:t>
     </dgm:pt>
-    <dgm:pt modelId="{2716E032-0493-4372-80E2-B30634F2AC9F}" type="pres">
-      <dgm:prSet presAssocID="{7E7FD89E-04AC-4977-8665-BF20A6B56F15}" presName="sp" presStyleCnt="0"/>
-      <dgm:spPr/>
-    </dgm:pt>
-    <dgm:pt modelId="{3ECB1C9A-9DA5-480E-9FC2-2D10DF11F2E6}" type="pres">
-      <dgm:prSet presAssocID="{86046F2D-EF8B-456E-A166-1D72235685ED}" presName="arrowAndChildren" presStyleCnt="0"/>
-      <dgm:spPr/>
-    </dgm:pt>
-    <dgm:pt modelId="{6F4C924D-0F7F-4AB7-B69D-4D109D0B9DCD}" type="pres">
-      <dgm:prSet presAssocID="{86046F2D-EF8B-456E-A166-1D72235685ED}" presName="parentTextArrow" presStyleLbl="node1" presStyleIdx="1" presStyleCnt="4"/>
+    <dgm:pt modelId="{07B03748-3870-49A9-9F52-53D5696CACE6}" type="pres">
+      <dgm:prSet presAssocID="{B43900F3-6E20-4A6D-8494-6711179A0D8F}" presName="sibTrans" presStyleLbl="sibTrans2D1" presStyleIdx="0" presStyleCnt="3"/>
       <dgm:spPr/>
       <dgm:t>
         <a:bodyPr/>
@@ -6443,16 +6447,8 @@
         </a:p>
       </dgm:t>
     </dgm:pt>
-    <dgm:pt modelId="{F32752CD-0C8E-4D6B-B180-F49B9919C27B}" type="pres">
-      <dgm:prSet presAssocID="{B43900F3-6E20-4A6D-8494-6711179A0D8F}" presName="sp" presStyleCnt="0"/>
-      <dgm:spPr/>
-    </dgm:pt>
-    <dgm:pt modelId="{1BCA258B-18FF-4BDC-92C5-4A784969248D}" type="pres">
-      <dgm:prSet presAssocID="{2A71917F-8DBB-4408-9287-046EAD796B0A}" presName="arrowAndChildren" presStyleCnt="0"/>
-      <dgm:spPr/>
-    </dgm:pt>
-    <dgm:pt modelId="{6B3A3F9E-A769-4656-A859-BA507AC1248C}" type="pres">
-      <dgm:prSet presAssocID="{2A71917F-8DBB-4408-9287-046EAD796B0A}" presName="parentTextArrow" presStyleLbl="node1" presStyleIdx="2" presStyleCnt="4"/>
+    <dgm:pt modelId="{79993F78-00AD-4180-9568-6157D89BA782}" type="pres">
+      <dgm:prSet presAssocID="{B43900F3-6E20-4A6D-8494-6711179A0D8F}" presName="connectorText" presStyleLbl="sibTrans2D1" presStyleIdx="0" presStyleCnt="3"/>
       <dgm:spPr/>
       <dgm:t>
         <a:bodyPr/>
@@ -6462,16 +6458,72 @@
         </a:p>
       </dgm:t>
     </dgm:pt>
-    <dgm:pt modelId="{6BA3442D-E068-401C-B3F7-19ECA27EA26E}" type="pres">
-      <dgm:prSet presAssocID="{356CE534-FBA0-4FBB-9C31-F2B235A17175}" presName="sp" presStyleCnt="0"/>
+    <dgm:pt modelId="{864363C6-652B-4DD8-86B7-8885EEEB880C}" type="pres">
+      <dgm:prSet presAssocID="{1D93C01E-1F08-4BB6-992A-51BB439396A2}" presName="node" presStyleLbl="node1" presStyleIdx="1" presStyleCnt="4">
+        <dgm:presLayoutVars>
+          <dgm:bulletEnabled val="1"/>
+        </dgm:presLayoutVars>
+      </dgm:prSet>
+      <dgm:spPr/>
+      <dgm:t>
+        <a:bodyPr/>
+        <a:lstStyle/>
+        <a:p>
+          <a:endParaRPr lang="en-US"/>
+        </a:p>
+      </dgm:t>
+    </dgm:pt>
+    <dgm:pt modelId="{0639B046-C3D5-49E6-89AC-FB80CD7DD456}" type="pres">
+      <dgm:prSet presAssocID="{AE772780-E92B-4C0D-BC6F-D75ACF002CE8}" presName="sibTrans" presStyleLbl="sibTrans2D1" presStyleIdx="1" presStyleCnt="3"/>
       <dgm:spPr/>
     </dgm:pt>
-    <dgm:pt modelId="{EC151991-E825-43AF-B271-8299086DEB87}" type="pres">
-      <dgm:prSet presAssocID="{007DD2AD-9081-4079-823C-9AFD687AEFCF}" presName="arrowAndChildren" presStyleCnt="0"/>
+    <dgm:pt modelId="{AE78BBDF-0B63-4EF0-A1FD-78D72F4316BB}" type="pres">
+      <dgm:prSet presAssocID="{AE772780-E92B-4C0D-BC6F-D75ACF002CE8}" presName="connectorText" presStyleLbl="sibTrans2D1" presStyleIdx="1" presStyleCnt="3"/>
       <dgm:spPr/>
     </dgm:pt>
-    <dgm:pt modelId="{FCDB95F6-53E8-4C47-8F8F-9E847D02123A}" type="pres">
-      <dgm:prSet presAssocID="{007DD2AD-9081-4079-823C-9AFD687AEFCF}" presName="parentTextArrow" presStyleLbl="node1" presStyleIdx="3" presStyleCnt="4"/>
+    <dgm:pt modelId="{D91390A3-1164-4A1A-A538-C0648F590879}" type="pres">
+      <dgm:prSet presAssocID="{86046F2D-EF8B-456E-A166-1D72235685ED}" presName="node" presStyleLbl="node1" presStyleIdx="2" presStyleCnt="4">
+        <dgm:presLayoutVars>
+          <dgm:bulletEnabled val="1"/>
+        </dgm:presLayoutVars>
+      </dgm:prSet>
+      <dgm:spPr/>
+      <dgm:t>
+        <a:bodyPr/>
+        <a:lstStyle/>
+        <a:p>
+          <a:endParaRPr lang="en-US"/>
+        </a:p>
+      </dgm:t>
+    </dgm:pt>
+    <dgm:pt modelId="{EAA81B7C-6FDA-4B97-86D0-F97DC70520B0}" type="pres">
+      <dgm:prSet presAssocID="{7E7FD89E-04AC-4977-8665-BF20A6B56F15}" presName="sibTrans" presStyleLbl="sibTrans2D1" presStyleIdx="2" presStyleCnt="3"/>
+      <dgm:spPr/>
+      <dgm:t>
+        <a:bodyPr/>
+        <a:lstStyle/>
+        <a:p>
+          <a:endParaRPr lang="en-US"/>
+        </a:p>
+      </dgm:t>
+    </dgm:pt>
+    <dgm:pt modelId="{B8C6EBEF-1E36-4AFE-BAA9-76FCB351D93B}" type="pres">
+      <dgm:prSet presAssocID="{7E7FD89E-04AC-4977-8665-BF20A6B56F15}" presName="connectorText" presStyleLbl="sibTrans2D1" presStyleIdx="2" presStyleCnt="3"/>
+      <dgm:spPr/>
+      <dgm:t>
+        <a:bodyPr/>
+        <a:lstStyle/>
+        <a:p>
+          <a:endParaRPr lang="en-US"/>
+        </a:p>
+      </dgm:t>
+    </dgm:pt>
+    <dgm:pt modelId="{C835CE53-7F6E-4DEB-A901-F739EA1BB092}" type="pres">
+      <dgm:prSet presAssocID="{F4A0563D-9807-4109-8A3E-FA01E1FB9C8B}" presName="node" presStyleLbl="node1" presStyleIdx="3" presStyleCnt="4">
+        <dgm:presLayoutVars>
+          <dgm:bulletEnabled val="1"/>
+        </dgm:presLayoutVars>
+      </dgm:prSet>
       <dgm:spPr/>
       <dgm:t>
         <a:bodyPr/>
@@ -6483,26 +6535,31 @@
     </dgm:pt>
   </dgm:ptLst>
   <dgm:cxnLst>
-    <dgm:cxn modelId="{8D910CE5-7343-436F-A26F-D5EACB192C27}" srcId="{5521DE05-0C36-47FF-A5DE-BF8AA21A5DD9}" destId="{007DD2AD-9081-4079-823C-9AFD687AEFCF}" srcOrd="0" destOrd="0" parTransId="{E71A3DBD-D155-4670-8D6E-401E78D4376A}" sibTransId="{356CE534-FBA0-4FBB-9C31-F2B235A17175}"/>
-    <dgm:cxn modelId="{2A135F17-4608-4AA1-B7E5-D93A787B2EA8}" type="presOf" srcId="{007DD2AD-9081-4079-823C-9AFD687AEFCF}" destId="{FCDB95F6-53E8-4C47-8F8F-9E847D02123A}" srcOrd="0" destOrd="0" presId="urn:microsoft.com/office/officeart/2005/8/layout/process4"/>
-    <dgm:cxn modelId="{4289EEA2-76F7-4CAA-B09D-D44BE2A8432D}" type="presOf" srcId="{5521DE05-0C36-47FF-A5DE-BF8AA21A5DD9}" destId="{767864E3-0525-490A-A4C2-859F8709053C}" srcOrd="0" destOrd="0" presId="urn:microsoft.com/office/officeart/2005/8/layout/process4"/>
-    <dgm:cxn modelId="{75ED5D39-E676-4C99-9C95-F240A3808901}" type="presOf" srcId="{86046F2D-EF8B-456E-A166-1D72235685ED}" destId="{6F4C924D-0F7F-4AB7-B69D-4D109D0B9DCD}" srcOrd="0" destOrd="0" presId="urn:microsoft.com/office/officeart/2005/8/layout/process4"/>
+    <dgm:cxn modelId="{770554D3-4867-478C-AC51-9DF06ACCAD28}" type="presOf" srcId="{B43900F3-6E20-4A6D-8494-6711179A0D8F}" destId="{07B03748-3870-49A9-9F52-53D5696CACE6}" srcOrd="0" destOrd="0" presId="urn:microsoft.com/office/officeart/2005/8/layout/process1"/>
+    <dgm:cxn modelId="{B4FAB1D4-A87A-405E-87F9-03BFF15DD820}" type="presOf" srcId="{AE772780-E92B-4C0D-BC6F-D75ACF002CE8}" destId="{0639B046-C3D5-49E6-89AC-FB80CD7DD456}" srcOrd="0" destOrd="0" presId="urn:microsoft.com/office/officeart/2005/8/layout/process1"/>
+    <dgm:cxn modelId="{458FF8D3-1228-49D1-8384-73A7AA0E384A}" srcId="{5521DE05-0C36-47FF-A5DE-BF8AA21A5DD9}" destId="{2A71917F-8DBB-4408-9287-046EAD796B0A}" srcOrd="0" destOrd="0" parTransId="{F4141090-3A6C-4ABE-AA90-EDC62AFA9358}" sibTransId="{B43900F3-6E20-4A6D-8494-6711179A0D8F}"/>
+    <dgm:cxn modelId="{EB13B355-2C38-4872-94AD-4866FC0AAA91}" srcId="{5521DE05-0C36-47FF-A5DE-BF8AA21A5DD9}" destId="{1D93C01E-1F08-4BB6-992A-51BB439396A2}" srcOrd="1" destOrd="0" parTransId="{4079233D-0206-4BC7-AE2A-0A9869712887}" sibTransId="{AE772780-E92B-4C0D-BC6F-D75ACF002CE8}"/>
+    <dgm:cxn modelId="{79989943-44C7-4A36-A2BB-7F6E853FB86B}" type="presOf" srcId="{7E7FD89E-04AC-4977-8665-BF20A6B56F15}" destId="{EAA81B7C-6FDA-4B97-86D0-F97DC70520B0}" srcOrd="0" destOrd="0" presId="urn:microsoft.com/office/officeart/2005/8/layout/process1"/>
+    <dgm:cxn modelId="{09380BD1-31AA-46D9-BCD0-8777F900C669}" type="presOf" srcId="{F4A0563D-9807-4109-8A3E-FA01E1FB9C8B}" destId="{C835CE53-7F6E-4DEB-A901-F739EA1BB092}" srcOrd="0" destOrd="0" presId="urn:microsoft.com/office/officeart/2005/8/layout/process1"/>
+    <dgm:cxn modelId="{D6B1A6F2-66ED-4CBA-8EE1-EA009BBB93C1}" type="presOf" srcId="{5521DE05-0C36-47FF-A5DE-BF8AA21A5DD9}" destId="{AB8E10D2-01E1-4BC2-80C4-7652179ACF4B}" srcOrd="0" destOrd="0" presId="urn:microsoft.com/office/officeart/2005/8/layout/process1"/>
     <dgm:cxn modelId="{0C8CE640-D2F0-4E8B-8DCF-DC60CCF514E5}" srcId="{5521DE05-0C36-47FF-A5DE-BF8AA21A5DD9}" destId="{86046F2D-EF8B-456E-A166-1D72235685ED}" srcOrd="2" destOrd="0" parTransId="{EC3FDECB-30E6-41C5-84ED-F44BD99C2851}" sibTransId="{7E7FD89E-04AC-4977-8665-BF20A6B56F15}"/>
-    <dgm:cxn modelId="{6347940E-7A81-4B8D-BCA2-08FC5876CCC5}" type="presOf" srcId="{2A71917F-8DBB-4408-9287-046EAD796B0A}" destId="{6B3A3F9E-A769-4656-A859-BA507AC1248C}" srcOrd="0" destOrd="0" presId="urn:microsoft.com/office/officeart/2005/8/layout/process4"/>
-    <dgm:cxn modelId="{1FE7E8A8-7B2B-4FA5-BE82-CA3DC33B0523}" type="presOf" srcId="{F4A0563D-9807-4109-8A3E-FA01E1FB9C8B}" destId="{7E0B1343-3CEF-47AD-8A82-DC7F83EE0732}" srcOrd="0" destOrd="0" presId="urn:microsoft.com/office/officeart/2005/8/layout/process4"/>
-    <dgm:cxn modelId="{458FF8D3-1228-49D1-8384-73A7AA0E384A}" srcId="{5521DE05-0C36-47FF-A5DE-BF8AA21A5DD9}" destId="{2A71917F-8DBB-4408-9287-046EAD796B0A}" srcOrd="1" destOrd="0" parTransId="{F4141090-3A6C-4ABE-AA90-EDC62AFA9358}" sibTransId="{B43900F3-6E20-4A6D-8494-6711179A0D8F}"/>
+    <dgm:cxn modelId="{EBE03324-754B-40E0-BD1B-D73B8306104E}" type="presOf" srcId="{7E7FD89E-04AC-4977-8665-BF20A6B56F15}" destId="{B8C6EBEF-1E36-4AFE-BAA9-76FCB351D93B}" srcOrd="1" destOrd="0" presId="urn:microsoft.com/office/officeart/2005/8/layout/process1"/>
+    <dgm:cxn modelId="{6D753309-0CB3-48A6-8987-8F584AF0A243}" type="presOf" srcId="{AE772780-E92B-4C0D-BC6F-D75ACF002CE8}" destId="{AE78BBDF-0B63-4EF0-A1FD-78D72F4316BB}" srcOrd="1" destOrd="0" presId="urn:microsoft.com/office/officeart/2005/8/layout/process1"/>
     <dgm:cxn modelId="{C3FC15A0-AD32-4D6B-B0ED-6F3CBCB3C215}" srcId="{5521DE05-0C36-47FF-A5DE-BF8AA21A5DD9}" destId="{F4A0563D-9807-4109-8A3E-FA01E1FB9C8B}" srcOrd="3" destOrd="0" parTransId="{3504CB28-85B0-4B0F-A7C8-5679F6E24D0F}" sibTransId="{93CBB696-5459-48CB-8A0D-BB7F30B537B6}"/>
-    <dgm:cxn modelId="{C0C1DBC8-A256-48F4-9061-AF6C13490BF4}" type="presParOf" srcId="{767864E3-0525-490A-A4C2-859F8709053C}" destId="{5F841C1F-5D5B-4DCC-9077-30CDA3281A88}" srcOrd="0" destOrd="0" presId="urn:microsoft.com/office/officeart/2005/8/layout/process4"/>
-    <dgm:cxn modelId="{0FD46B05-03B6-4558-A00B-C2F7E8206310}" type="presParOf" srcId="{5F841C1F-5D5B-4DCC-9077-30CDA3281A88}" destId="{7E0B1343-3CEF-47AD-8A82-DC7F83EE0732}" srcOrd="0" destOrd="0" presId="urn:microsoft.com/office/officeart/2005/8/layout/process4"/>
-    <dgm:cxn modelId="{D8BD499C-597B-4C5A-9F85-6C0EDA1417D3}" type="presParOf" srcId="{767864E3-0525-490A-A4C2-859F8709053C}" destId="{2716E032-0493-4372-80E2-B30634F2AC9F}" srcOrd="1" destOrd="0" presId="urn:microsoft.com/office/officeart/2005/8/layout/process4"/>
-    <dgm:cxn modelId="{2A7F675C-5ACC-456D-B723-01BAAE9139D5}" type="presParOf" srcId="{767864E3-0525-490A-A4C2-859F8709053C}" destId="{3ECB1C9A-9DA5-480E-9FC2-2D10DF11F2E6}" srcOrd="2" destOrd="0" presId="urn:microsoft.com/office/officeart/2005/8/layout/process4"/>
-    <dgm:cxn modelId="{A8C82FAD-DA2C-4CAE-8E6B-8C7A7E95CDFA}" type="presParOf" srcId="{3ECB1C9A-9DA5-480E-9FC2-2D10DF11F2E6}" destId="{6F4C924D-0F7F-4AB7-B69D-4D109D0B9DCD}" srcOrd="0" destOrd="0" presId="urn:microsoft.com/office/officeart/2005/8/layout/process4"/>
-    <dgm:cxn modelId="{6ED4AFF6-EB7D-4F05-A42C-18468FDD2BA4}" type="presParOf" srcId="{767864E3-0525-490A-A4C2-859F8709053C}" destId="{F32752CD-0C8E-4D6B-B180-F49B9919C27B}" srcOrd="3" destOrd="0" presId="urn:microsoft.com/office/officeart/2005/8/layout/process4"/>
-    <dgm:cxn modelId="{2514200B-780D-4A0C-8CCA-F81C11476038}" type="presParOf" srcId="{767864E3-0525-490A-A4C2-859F8709053C}" destId="{1BCA258B-18FF-4BDC-92C5-4A784969248D}" srcOrd="4" destOrd="0" presId="urn:microsoft.com/office/officeart/2005/8/layout/process4"/>
-    <dgm:cxn modelId="{C273C0D8-6723-44FD-886D-6A010EB39FE7}" type="presParOf" srcId="{1BCA258B-18FF-4BDC-92C5-4A784969248D}" destId="{6B3A3F9E-A769-4656-A859-BA507AC1248C}" srcOrd="0" destOrd="0" presId="urn:microsoft.com/office/officeart/2005/8/layout/process4"/>
-    <dgm:cxn modelId="{B198AF14-B841-4447-9D3E-93E71D86B8B9}" type="presParOf" srcId="{767864E3-0525-490A-A4C2-859F8709053C}" destId="{6BA3442D-E068-401C-B3F7-19ECA27EA26E}" srcOrd="5" destOrd="0" presId="urn:microsoft.com/office/officeart/2005/8/layout/process4"/>
-    <dgm:cxn modelId="{5AA0540E-8F99-4FA9-BB9A-67ED97B5452F}" type="presParOf" srcId="{767864E3-0525-490A-A4C2-859F8709053C}" destId="{EC151991-E825-43AF-B271-8299086DEB87}" srcOrd="6" destOrd="0" presId="urn:microsoft.com/office/officeart/2005/8/layout/process4"/>
-    <dgm:cxn modelId="{97457512-EEB7-46BF-91D7-5EEB001CAF1F}" type="presParOf" srcId="{EC151991-E825-43AF-B271-8299086DEB87}" destId="{FCDB95F6-53E8-4C47-8F8F-9E847D02123A}" srcOrd="0" destOrd="0" presId="urn:microsoft.com/office/officeart/2005/8/layout/process4"/>
+    <dgm:cxn modelId="{F6FD1FD2-B2A2-4856-B236-6BDB3CBAD549}" type="presOf" srcId="{2A71917F-8DBB-4408-9287-046EAD796B0A}" destId="{7AEE35B3-3929-4A16-90D9-993B1AFC31B5}" srcOrd="0" destOrd="0" presId="urn:microsoft.com/office/officeart/2005/8/layout/process1"/>
+    <dgm:cxn modelId="{DB968BB6-3CF0-4A92-88CE-ACDF94256678}" type="presOf" srcId="{1D93C01E-1F08-4BB6-992A-51BB439396A2}" destId="{864363C6-652B-4DD8-86B7-8885EEEB880C}" srcOrd="0" destOrd="0" presId="urn:microsoft.com/office/officeart/2005/8/layout/process1"/>
+    <dgm:cxn modelId="{3A2E8FB3-A269-4412-861C-051A5B9A07DA}" type="presOf" srcId="{B43900F3-6E20-4A6D-8494-6711179A0D8F}" destId="{79993F78-00AD-4180-9568-6157D89BA782}" srcOrd="1" destOrd="0" presId="urn:microsoft.com/office/officeart/2005/8/layout/process1"/>
+    <dgm:cxn modelId="{A4F28A18-2073-46D6-A7EE-FF70D997374E}" type="presOf" srcId="{86046F2D-EF8B-456E-A166-1D72235685ED}" destId="{D91390A3-1164-4A1A-A538-C0648F590879}" srcOrd="0" destOrd="0" presId="urn:microsoft.com/office/officeart/2005/8/layout/process1"/>
+    <dgm:cxn modelId="{A09AD850-A350-4106-9BAA-FCACA584E79E}" type="presParOf" srcId="{AB8E10D2-01E1-4BC2-80C4-7652179ACF4B}" destId="{7AEE35B3-3929-4A16-90D9-993B1AFC31B5}" srcOrd="0" destOrd="0" presId="urn:microsoft.com/office/officeart/2005/8/layout/process1"/>
+    <dgm:cxn modelId="{4F4A249B-4555-4996-A908-07516443705A}" type="presParOf" srcId="{AB8E10D2-01E1-4BC2-80C4-7652179ACF4B}" destId="{07B03748-3870-49A9-9F52-53D5696CACE6}" srcOrd="1" destOrd="0" presId="urn:microsoft.com/office/officeart/2005/8/layout/process1"/>
+    <dgm:cxn modelId="{98321CE1-B249-4A92-88A8-BAECF0AE9D4F}" type="presParOf" srcId="{07B03748-3870-49A9-9F52-53D5696CACE6}" destId="{79993F78-00AD-4180-9568-6157D89BA782}" srcOrd="0" destOrd="0" presId="urn:microsoft.com/office/officeart/2005/8/layout/process1"/>
+    <dgm:cxn modelId="{206FC9DA-8880-41B2-90FB-ABF04A8E30C5}" type="presParOf" srcId="{AB8E10D2-01E1-4BC2-80C4-7652179ACF4B}" destId="{864363C6-652B-4DD8-86B7-8885EEEB880C}" srcOrd="2" destOrd="0" presId="urn:microsoft.com/office/officeart/2005/8/layout/process1"/>
+    <dgm:cxn modelId="{91150900-EA7E-494C-9980-F66986C5A169}" type="presParOf" srcId="{AB8E10D2-01E1-4BC2-80C4-7652179ACF4B}" destId="{0639B046-C3D5-49E6-89AC-FB80CD7DD456}" srcOrd="3" destOrd="0" presId="urn:microsoft.com/office/officeart/2005/8/layout/process1"/>
+    <dgm:cxn modelId="{5D4964B6-5E6A-4621-BF37-DC8F526A48BF}" type="presParOf" srcId="{0639B046-C3D5-49E6-89AC-FB80CD7DD456}" destId="{AE78BBDF-0B63-4EF0-A1FD-78D72F4316BB}" srcOrd="0" destOrd="0" presId="urn:microsoft.com/office/officeart/2005/8/layout/process1"/>
+    <dgm:cxn modelId="{634AFC61-1866-40B4-82A0-54ED72C72C09}" type="presParOf" srcId="{AB8E10D2-01E1-4BC2-80C4-7652179ACF4B}" destId="{D91390A3-1164-4A1A-A538-C0648F590879}" srcOrd="4" destOrd="0" presId="urn:microsoft.com/office/officeart/2005/8/layout/process1"/>
+    <dgm:cxn modelId="{E31706A3-06CC-4669-ADFF-FDAF08478C69}" type="presParOf" srcId="{AB8E10D2-01E1-4BC2-80C4-7652179ACF4B}" destId="{EAA81B7C-6FDA-4B97-86D0-F97DC70520B0}" srcOrd="5" destOrd="0" presId="urn:microsoft.com/office/officeart/2005/8/layout/process1"/>
+    <dgm:cxn modelId="{AD3CE395-23AA-4C70-97EA-AF7215B4DC0E}" type="presParOf" srcId="{EAA81B7C-6FDA-4B97-86D0-F97DC70520B0}" destId="{B8C6EBEF-1E36-4AFE-BAA9-76FCB351D93B}" srcOrd="0" destOrd="0" presId="urn:microsoft.com/office/officeart/2005/8/layout/process1"/>
+    <dgm:cxn modelId="{BFF7E768-24E6-4CAA-B141-34C50F5BA338}" type="presParOf" srcId="{AB8E10D2-01E1-4BC2-80C4-7652179ACF4B}" destId="{C835CE53-7F6E-4DEB-A901-F739EA1BB092}" srcOrd="6" destOrd="0" presId="urn:microsoft.com/office/officeart/2005/8/layout/process1"/>
   </dgm:cxnLst>
   <dgm:bg/>
   <dgm:whole/>
@@ -6652,23 +6709,7 @@
           <a:pPr rtl="0"/>
           <a:r>
             <a:rPr lang="en-US" dirty="0" smtClean="0"/>
-            <a:t>Consume </a:t>
-          </a:r>
-          <a:r>
-            <a:rPr lang="en-US" dirty="0" err="1" smtClean="0"/>
-            <a:t>printf</a:t>
-          </a:r>
-          <a:r>
-            <a:rPr lang="en-US" dirty="0" smtClean="0"/>
-            <a:t>() buffer after </a:t>
-          </a:r>
-          <a:r>
-            <a:rPr lang="en-US" dirty="0" err="1" smtClean="0"/>
-            <a:t>NDRange</a:t>
-          </a:r>
-          <a:r>
-            <a:rPr lang="en-US" dirty="0" smtClean="0"/>
-            <a:t> completion</a:t>
+            <a:t>Modify Device Querying and Creation APIs of Device Agents to support multiple top level device instances of the same type</a:t>
           </a:r>
           <a:endParaRPr lang="en-US" dirty="0"/>
         </a:p>
@@ -6686,44 +6727,6 @@
       </dgm:t>
     </dgm:pt>
     <dgm:pt modelId="{A185D66A-7162-46EC-897B-87B62D19939B}" type="sibTrans" cxnId="{15EDBB0F-8D3D-4EC8-A294-E28A1258284E}">
-      <dgm:prSet/>
-      <dgm:spPr/>
-      <dgm:t>
-        <a:bodyPr/>
-        <a:lstStyle/>
-        <a:p>
-          <a:endParaRPr lang="en-US"/>
-        </a:p>
-      </dgm:t>
-    </dgm:pt>
-    <dgm:pt modelId="{1397783F-A20E-4235-A183-0F41B5A760A9}">
-      <dgm:prSet/>
-      <dgm:spPr/>
-      <dgm:t>
-        <a:bodyPr/>
-        <a:lstStyle/>
-        <a:p>
-          <a:pPr rtl="0"/>
-          <a:r>
-            <a:rPr lang="en-US" smtClean="0"/>
-            <a:t>Modify Device Querying and Creation APIs of Device Agents to support multiple top level device instances of the same type</a:t>
-          </a:r>
-          <a:endParaRPr lang="en-US" dirty="0"/>
-        </a:p>
-      </dgm:t>
-    </dgm:pt>
-    <dgm:pt modelId="{48E52DA6-416F-4E0D-9EFC-ABE192265EA5}" type="parTrans" cxnId="{22870A76-AE88-45DC-88C8-FD8E83391038}">
-      <dgm:prSet/>
-      <dgm:spPr/>
-      <dgm:t>
-        <a:bodyPr/>
-        <a:lstStyle/>
-        <a:p>
-          <a:endParaRPr lang="en-US"/>
-        </a:p>
-      </dgm:t>
-    </dgm:pt>
-    <dgm:pt modelId="{B75FA972-2FA7-4377-AE80-9572FD33A539}" type="sibTrans" cxnId="{22870A76-AE88-45DC-88C8-FD8E83391038}">
       <dgm:prSet/>
       <dgm:spPr/>
       <dgm:t>
@@ -6933,10 +6936,10 @@
         <a:p>
           <a:pPr rtl="0"/>
           <a:r>
-            <a:rPr lang="en-US" smtClean="0"/>
+            <a:rPr lang="en-US" dirty="0" smtClean="0"/>
             <a:t>Sub-buffers</a:t>
           </a:r>
-          <a:endParaRPr lang="en-US"/>
+          <a:endParaRPr lang="en-US" dirty="0"/>
         </a:p>
       </dgm:t>
     </dgm:pt>
@@ -7009,8 +7012,12 @@
         <a:p>
           <a:pPr rtl="0"/>
           <a:r>
-            <a:rPr lang="en-US" smtClean="0"/>
-            <a:t>Process crash notification</a:t>
+            <a:rPr lang="en-US" dirty="0" smtClean="0"/>
+            <a:t>Device process </a:t>
+          </a:r>
+          <a:r>
+            <a:rPr lang="en-US" dirty="0" smtClean="0"/>
+            <a:t>crash notification</a:t>
           </a:r>
           <a:endParaRPr lang="en-US" dirty="0"/>
         </a:p>
@@ -7307,39 +7314,37 @@
     </dgm:pt>
   </dgm:ptLst>
   <dgm:cxnLst>
+    <dgm:cxn modelId="{B7DC7B38-1D0C-4603-9A07-4BAF8922692C}" type="presOf" srcId="{4809A052-339C-4B54-B992-67A13C97ADAA}" destId="{CC7BCB6C-8BCA-495D-8CF6-D84666EF5E5F}" srcOrd="0" destOrd="1" presId="urn:microsoft.com/office/officeart/2005/8/layout/list1"/>
+    <dgm:cxn modelId="{1627157D-A4DF-4A75-82ED-2BCAFAF037CA}" type="presOf" srcId="{DD8C1B21-E105-4303-887A-6CB1E6E4DA97}" destId="{3C62609F-F3FD-4911-AA82-C116C88BB4F0}" srcOrd="0" destOrd="0" presId="urn:microsoft.com/office/officeart/2005/8/layout/list1"/>
+    <dgm:cxn modelId="{F9119C24-1BB2-44A5-9AE0-096AE02AC6B6}" type="presOf" srcId="{8480DCCD-41B1-4FEE-814C-0E656A275AF9}" destId="{4FB21003-4F00-4B83-ACB9-5DE3C9405725}" srcOrd="1" destOrd="0" presId="urn:microsoft.com/office/officeart/2005/8/layout/list1"/>
+    <dgm:cxn modelId="{4BE45462-0DEC-4F1C-9F3A-13F320DBD0FF}" srcId="{B3DC2587-E04D-4C5C-A58F-384A6C572ACF}" destId="{DCF00EED-65CC-4C7E-96D9-B816C13F9EFE}" srcOrd="0" destOrd="0" parTransId="{EE9344AE-E1C3-4C29-9CE4-D15F8E84686E}" sibTransId="{DB521E0F-A8CA-444C-A42C-3D0C5D6F961C}"/>
+    <dgm:cxn modelId="{49C9A4C3-F801-4B6F-85AE-E79F7EB06D7D}" srcId="{DD8C1B21-E105-4303-887A-6CB1E6E4DA97}" destId="{8480DCCD-41B1-4FEE-814C-0E656A275AF9}" srcOrd="2" destOrd="0" parTransId="{2948BB94-4223-4F8B-91EF-A67DF73C71F0}" sibTransId="{A72B276E-155B-4C51-99A8-88AC6AC51523}"/>
+    <dgm:cxn modelId="{42CF3D73-BDEF-4F6A-ADCE-8C1E30560002}" type="presOf" srcId="{249AE276-A24E-42C9-A4C9-E1D2CA9B3F6B}" destId="{CC7BCB6C-8BCA-495D-8CF6-D84666EF5E5F}" srcOrd="0" destOrd="2" presId="urn:microsoft.com/office/officeart/2005/8/layout/list1"/>
+    <dgm:cxn modelId="{F5930BE5-62C5-4646-924D-B5F9F4049EF1}" type="presOf" srcId="{875A89C7-B05B-4366-8D40-1185823E2C6E}" destId="{81383EA1-0C17-4163-B12F-244F1882C351}" srcOrd="0" destOrd="0" presId="urn:microsoft.com/office/officeart/2005/8/layout/list1"/>
+    <dgm:cxn modelId="{870DC54F-CA08-49D2-B0B2-26C1E543DD29}" srcId="{875A89C7-B05B-4366-8D40-1185823E2C6E}" destId="{381BE165-E217-4469-967D-449BAF1F7DC2}" srcOrd="0" destOrd="0" parTransId="{C1F212F0-DDFE-46DA-92C5-B13F3B821D77}" sibTransId="{10006573-E3B7-49BB-9CEB-185B034D967B}"/>
+    <dgm:cxn modelId="{84881D50-A9F4-45CF-B677-E307948FCB8F}" type="presOf" srcId="{381BE165-E217-4469-967D-449BAF1F7DC2}" destId="{A7510B0D-8B2A-4A86-807F-2A085A9968A5}" srcOrd="0" destOrd="0" presId="urn:microsoft.com/office/officeart/2005/8/layout/list1"/>
+    <dgm:cxn modelId="{9DE7BCFA-4B72-4028-BA7C-C42AA4694649}" srcId="{8480DCCD-41B1-4FEE-814C-0E656A275AF9}" destId="{5EA98692-4DD2-4F1A-909E-252F4E37A285}" srcOrd="1" destOrd="0" parTransId="{9CDABB4E-A8AE-4F6A-9188-E0631CE30B34}" sibTransId="{0882DC31-B73D-4877-9292-B07A59CEDE38}"/>
+    <dgm:cxn modelId="{621AC734-CB76-444E-9592-9E5788A9AD92}" type="presOf" srcId="{6AE72809-82D1-4054-A302-A4B509E9BE7A}" destId="{46877989-D016-4D36-BCED-CD47F213F7CE}" srcOrd="0" destOrd="0" presId="urn:microsoft.com/office/officeart/2005/8/layout/list1"/>
+    <dgm:cxn modelId="{D5FBEC3F-7977-4DCC-B14E-B8C8CB555C9F}" type="presOf" srcId="{B3DC2587-E04D-4C5C-A58F-384A6C572ACF}" destId="{F9FDB6E3-7604-4CFB-99E9-16977FD41B76}" srcOrd="1" destOrd="0" presId="urn:microsoft.com/office/officeart/2005/8/layout/list1"/>
+    <dgm:cxn modelId="{BE3AA0D0-7B74-4624-83C5-79A723A6E10A}" type="presOf" srcId="{52289717-3175-42C8-8737-9F6FBD19C023}" destId="{48B4068F-93DE-4F21-A39D-216EC12D90FA}" srcOrd="0" destOrd="0" presId="urn:microsoft.com/office/officeart/2005/8/layout/list1"/>
+    <dgm:cxn modelId="{102742C8-C00F-40D6-9C8A-B0B290F444C6}" srcId="{6AE72809-82D1-4054-A302-A4B509E9BE7A}" destId="{DB6FE0FF-CD4F-4631-BF72-C498006D7653}" srcOrd="1" destOrd="0" parTransId="{91D8CDED-B3ED-4E6D-9DC0-AF4B7125F173}" sibTransId="{FC0CF06E-6548-4E9C-9078-482335FAE958}"/>
+    <dgm:cxn modelId="{8C761ED4-F506-40FF-A62F-EF5BA50B6C76}" type="presOf" srcId="{B3DC2587-E04D-4C5C-A58F-384A6C572ACF}" destId="{5DEEECA0-F703-4185-BE20-02DAF9EFE1D1}" srcOrd="0" destOrd="0" presId="urn:microsoft.com/office/officeart/2005/8/layout/list1"/>
+    <dgm:cxn modelId="{8C4B960C-99B8-4601-8AC4-F88E3953A281}" type="presOf" srcId="{DFEDEE1D-69F6-4D76-8A43-6A808AD3E1C4}" destId="{CC7BCB6C-8BCA-495D-8CF6-D84666EF5E5F}" srcOrd="0" destOrd="3" presId="urn:microsoft.com/office/officeart/2005/8/layout/list1"/>
+    <dgm:cxn modelId="{7D232A26-26FE-40E6-B9A6-608CBAEAA451}" srcId="{DD8C1B21-E105-4303-887A-6CB1E6E4DA97}" destId="{6AE72809-82D1-4054-A302-A4B509E9BE7A}" srcOrd="1" destOrd="0" parTransId="{1FD80B2D-D71E-42AE-9903-35E256B15AA4}" sibTransId="{D0EB0430-64B4-4777-BA2A-87BF4A75F0CB}"/>
+    <dgm:cxn modelId="{A6C46689-EEC5-4B2E-9222-321978930691}" type="presOf" srcId="{D443A12C-8F2E-4816-851F-F7E8881004F2}" destId="{F2A0EB99-4789-4781-B84A-B91842BA5259}" srcOrd="0" destOrd="0" presId="urn:microsoft.com/office/officeart/2005/8/layout/list1"/>
+    <dgm:cxn modelId="{15EDBB0F-8D3D-4EC8-A294-E28A1258284E}" srcId="{6AE72809-82D1-4054-A302-A4B509E9BE7A}" destId="{D443A12C-8F2E-4816-851F-F7E8881004F2}" srcOrd="0" destOrd="0" parTransId="{79BA18C6-22C6-4234-B05F-44CD8516B15C}" sibTransId="{A185D66A-7162-46EC-897B-87B62D19939B}"/>
+    <dgm:cxn modelId="{7AD890BC-5599-4F95-A106-1C041C54315D}" srcId="{B3DC2587-E04D-4C5C-A58F-384A6C572ACF}" destId="{DFEDEE1D-69F6-4D76-8A43-6A808AD3E1C4}" srcOrd="3" destOrd="0" parTransId="{C11AC484-2EEE-4B3D-9B87-1816F90C24F3}" sibTransId="{6CF29048-0F10-4A73-A66D-4A25BC828763}"/>
+    <dgm:cxn modelId="{1BC08F88-EBA1-4C27-BB06-9BFEF1BB885F}" srcId="{B3DC2587-E04D-4C5C-A58F-384A6C572ACF}" destId="{249AE276-A24E-42C9-A4C9-E1D2CA9B3F6B}" srcOrd="2" destOrd="0" parTransId="{E3E3ED72-1F4A-4699-B828-FF7BA0222C30}" sibTransId="{69AA19D6-3BF5-4B77-8CFC-E1360EC589EC}"/>
+    <dgm:cxn modelId="{D7C19577-B0E8-494B-AE68-7087E7E452D3}" srcId="{DD8C1B21-E105-4303-887A-6CB1E6E4DA97}" destId="{875A89C7-B05B-4366-8D40-1185823E2C6E}" srcOrd="0" destOrd="0" parTransId="{1DF17B52-25DF-41A7-A84E-6375AE03F565}" sibTransId="{0292764D-80F7-4C7E-86C1-6FEFCE2161BE}"/>
+    <dgm:cxn modelId="{E31B849E-1834-41DC-8412-A952D3508046}" srcId="{DD8C1B21-E105-4303-887A-6CB1E6E4DA97}" destId="{B3DC2587-E04D-4C5C-A58F-384A6C572ACF}" srcOrd="3" destOrd="0" parTransId="{2F299146-BA38-46FD-86E5-FB35F2457340}" sibTransId="{1F6E51F2-0652-41FD-82EE-8D265B0695F8}"/>
+    <dgm:cxn modelId="{9A8C1E40-60C2-4689-9EC1-66B23E3145C8}" type="presOf" srcId="{DCF00EED-65CC-4C7E-96D9-B816C13F9EFE}" destId="{CC7BCB6C-8BCA-495D-8CF6-D84666EF5E5F}" srcOrd="0" destOrd="0" presId="urn:microsoft.com/office/officeart/2005/8/layout/list1"/>
+    <dgm:cxn modelId="{CE1E61B2-E742-4CBC-94AD-97B7A52B449D}" type="presOf" srcId="{5EA98692-4DD2-4F1A-909E-252F4E37A285}" destId="{48B4068F-93DE-4F21-A39D-216EC12D90FA}" srcOrd="0" destOrd="1" presId="urn:microsoft.com/office/officeart/2005/8/layout/list1"/>
     <dgm:cxn modelId="{BFB576BD-1931-40BE-956B-CDC49EE1C5C2}" type="presOf" srcId="{6AE72809-82D1-4054-A302-A4B509E9BE7A}" destId="{8508FF16-E7B7-4DEC-9EA2-CBDF500AA26F}" srcOrd="1" destOrd="0" presId="urn:microsoft.com/office/officeart/2005/8/layout/list1"/>
-    <dgm:cxn modelId="{4BE45462-0DEC-4F1C-9F3A-13F320DBD0FF}" srcId="{B3DC2587-E04D-4C5C-A58F-384A6C572ACF}" destId="{DCF00EED-65CC-4C7E-96D9-B816C13F9EFE}" srcOrd="0" destOrd="0" parTransId="{EE9344AE-E1C3-4C29-9CE4-D15F8E84686E}" sibTransId="{DB521E0F-A8CA-444C-A42C-3D0C5D6F961C}"/>
-    <dgm:cxn modelId="{84881D50-A9F4-45CF-B677-E307948FCB8F}" type="presOf" srcId="{381BE165-E217-4469-967D-449BAF1F7DC2}" destId="{A7510B0D-8B2A-4A86-807F-2A085A9968A5}" srcOrd="0" destOrd="0" presId="urn:microsoft.com/office/officeart/2005/8/layout/list1"/>
     <dgm:cxn modelId="{82632590-126F-478B-95A2-32CA0DFF92F4}" type="presOf" srcId="{875A89C7-B05B-4366-8D40-1185823E2C6E}" destId="{B4FDC873-78D4-4FB4-B5B0-049926DE8A1A}" srcOrd="1" destOrd="0" presId="urn:microsoft.com/office/officeart/2005/8/layout/list1"/>
-    <dgm:cxn modelId="{8C4B960C-99B8-4601-8AC4-F88E3953A281}" type="presOf" srcId="{DFEDEE1D-69F6-4D76-8A43-6A808AD3E1C4}" destId="{CC7BCB6C-8BCA-495D-8CF6-D84666EF5E5F}" srcOrd="0" destOrd="3" presId="urn:microsoft.com/office/officeart/2005/8/layout/list1"/>
-    <dgm:cxn modelId="{9DE7BCFA-4B72-4028-BA7C-C42AA4694649}" srcId="{8480DCCD-41B1-4FEE-814C-0E656A275AF9}" destId="{5EA98692-4DD2-4F1A-909E-252F4E37A285}" srcOrd="1" destOrd="0" parTransId="{9CDABB4E-A8AE-4F6A-9188-E0631CE30B34}" sibTransId="{0882DC31-B73D-4877-9292-B07A59CEDE38}"/>
-    <dgm:cxn modelId="{CE1E61B2-E742-4CBC-94AD-97B7A52B449D}" type="presOf" srcId="{5EA98692-4DD2-4F1A-909E-252F4E37A285}" destId="{48B4068F-93DE-4F21-A39D-216EC12D90FA}" srcOrd="0" destOrd="1" presId="urn:microsoft.com/office/officeart/2005/8/layout/list1"/>
-    <dgm:cxn modelId="{B7DC7B38-1D0C-4603-9A07-4BAF8922692C}" type="presOf" srcId="{4809A052-339C-4B54-B992-67A13C97ADAA}" destId="{CC7BCB6C-8BCA-495D-8CF6-D84666EF5E5F}" srcOrd="0" destOrd="1" presId="urn:microsoft.com/office/officeart/2005/8/layout/list1"/>
-    <dgm:cxn modelId="{D7C19577-B0E8-494B-AE68-7087E7E452D3}" srcId="{DD8C1B21-E105-4303-887A-6CB1E6E4DA97}" destId="{875A89C7-B05B-4366-8D40-1185823E2C6E}" srcOrd="0" destOrd="0" parTransId="{1DF17B52-25DF-41A7-A84E-6375AE03F565}" sibTransId="{0292764D-80F7-4C7E-86C1-6FEFCE2161BE}"/>
-    <dgm:cxn modelId="{8C761ED4-F506-40FF-A62F-EF5BA50B6C76}" type="presOf" srcId="{B3DC2587-E04D-4C5C-A58F-384A6C572ACF}" destId="{5DEEECA0-F703-4185-BE20-02DAF9EFE1D1}" srcOrd="0" destOrd="0" presId="urn:microsoft.com/office/officeart/2005/8/layout/list1"/>
-    <dgm:cxn modelId="{42CF3D73-BDEF-4F6A-ADCE-8C1E30560002}" type="presOf" srcId="{249AE276-A24E-42C9-A4C9-E1D2CA9B3F6B}" destId="{CC7BCB6C-8BCA-495D-8CF6-D84666EF5E5F}" srcOrd="0" destOrd="2" presId="urn:microsoft.com/office/officeart/2005/8/layout/list1"/>
-    <dgm:cxn modelId="{7D232A26-26FE-40E6-B9A6-608CBAEAA451}" srcId="{DD8C1B21-E105-4303-887A-6CB1E6E4DA97}" destId="{6AE72809-82D1-4054-A302-A4B509E9BE7A}" srcOrd="1" destOrd="0" parTransId="{1FD80B2D-D71E-42AE-9903-35E256B15AA4}" sibTransId="{D0EB0430-64B4-4777-BA2A-87BF4A75F0CB}"/>
+    <dgm:cxn modelId="{4B733FFC-0BEF-40D3-B3F1-9002D16FE07E}" type="presOf" srcId="{DB6FE0FF-CD4F-4631-BF72-C498006D7653}" destId="{F2A0EB99-4789-4781-B84A-B91842BA5259}" srcOrd="0" destOrd="1" presId="urn:microsoft.com/office/officeart/2005/8/layout/list1"/>
+    <dgm:cxn modelId="{1AC2612F-91E6-4D5C-83F6-8232A96CD232}" srcId="{8480DCCD-41B1-4FEE-814C-0E656A275AF9}" destId="{52289717-3175-42C8-8737-9F6FBD19C023}" srcOrd="0" destOrd="0" parTransId="{5490E82B-6B7D-4F30-802B-DC51137542F4}" sibTransId="{2C8228D6-5C36-4B75-A7CC-94F4EECE7C9D}"/>
+    <dgm:cxn modelId="{35685387-3BAE-487A-A073-963EC3E8E4D9}" type="presOf" srcId="{8480DCCD-41B1-4FEE-814C-0E656A275AF9}" destId="{FF8A8ED6-16E4-4154-9DE6-3FCAE702C2BF}" srcOrd="0" destOrd="0" presId="urn:microsoft.com/office/officeart/2005/8/layout/list1"/>
     <dgm:cxn modelId="{647A9804-2E88-46E4-92AE-3A6EC3759CCD}" srcId="{B3DC2587-E04D-4C5C-A58F-384A6C572ACF}" destId="{4809A052-339C-4B54-B992-67A13C97ADAA}" srcOrd="1" destOrd="0" parTransId="{2F7C2E58-9992-423E-A06F-6A88FFA0F391}" sibTransId="{331793EE-3D70-49D1-B005-76BE228CB3AC}"/>
-    <dgm:cxn modelId="{7AD890BC-5599-4F95-A106-1C041C54315D}" srcId="{B3DC2587-E04D-4C5C-A58F-384A6C572ACF}" destId="{DFEDEE1D-69F6-4D76-8A43-6A808AD3E1C4}" srcOrd="3" destOrd="0" parTransId="{C11AC484-2EEE-4B3D-9B87-1816F90C24F3}" sibTransId="{6CF29048-0F10-4A73-A66D-4A25BC828763}"/>
-    <dgm:cxn modelId="{15EDBB0F-8D3D-4EC8-A294-E28A1258284E}" srcId="{6AE72809-82D1-4054-A302-A4B509E9BE7A}" destId="{D443A12C-8F2E-4816-851F-F7E8881004F2}" srcOrd="0" destOrd="0" parTransId="{79BA18C6-22C6-4234-B05F-44CD8516B15C}" sibTransId="{A185D66A-7162-46EC-897B-87B62D19939B}"/>
-    <dgm:cxn modelId="{49C9A4C3-F801-4B6F-85AE-E79F7EB06D7D}" srcId="{DD8C1B21-E105-4303-887A-6CB1E6E4DA97}" destId="{8480DCCD-41B1-4FEE-814C-0E656A275AF9}" srcOrd="2" destOrd="0" parTransId="{2948BB94-4223-4F8B-91EF-A67DF73C71F0}" sibTransId="{A72B276E-155B-4C51-99A8-88AC6AC51523}"/>
-    <dgm:cxn modelId="{BE3AA0D0-7B74-4624-83C5-79A723A6E10A}" type="presOf" srcId="{52289717-3175-42C8-8737-9F6FBD19C023}" destId="{48B4068F-93DE-4F21-A39D-216EC12D90FA}" srcOrd="0" destOrd="0" presId="urn:microsoft.com/office/officeart/2005/8/layout/list1"/>
-    <dgm:cxn modelId="{9A8C1E40-60C2-4689-9EC1-66B23E3145C8}" type="presOf" srcId="{DCF00EED-65CC-4C7E-96D9-B816C13F9EFE}" destId="{CC7BCB6C-8BCA-495D-8CF6-D84666EF5E5F}" srcOrd="0" destOrd="0" presId="urn:microsoft.com/office/officeart/2005/8/layout/list1"/>
-    <dgm:cxn modelId="{A6C46689-EEC5-4B2E-9222-321978930691}" type="presOf" srcId="{D443A12C-8F2E-4816-851F-F7E8881004F2}" destId="{F2A0EB99-4789-4781-B84A-B91842BA5259}" srcOrd="0" destOrd="0" presId="urn:microsoft.com/office/officeart/2005/8/layout/list1"/>
-    <dgm:cxn modelId="{35685387-3BAE-487A-A073-963EC3E8E4D9}" type="presOf" srcId="{8480DCCD-41B1-4FEE-814C-0E656A275AF9}" destId="{FF8A8ED6-16E4-4154-9DE6-3FCAE702C2BF}" srcOrd="0" destOrd="0" presId="urn:microsoft.com/office/officeart/2005/8/layout/list1"/>
-    <dgm:cxn modelId="{F9119C24-1BB2-44A5-9AE0-096AE02AC6B6}" type="presOf" srcId="{8480DCCD-41B1-4FEE-814C-0E656A275AF9}" destId="{4FB21003-4F00-4B83-ACB9-5DE3C9405725}" srcOrd="1" destOrd="0" presId="urn:microsoft.com/office/officeart/2005/8/layout/list1"/>
-    <dgm:cxn modelId="{4B733FFC-0BEF-40D3-B3F1-9002D16FE07E}" type="presOf" srcId="{DB6FE0FF-CD4F-4631-BF72-C498006D7653}" destId="{F2A0EB99-4789-4781-B84A-B91842BA5259}" srcOrd="0" destOrd="2" presId="urn:microsoft.com/office/officeart/2005/8/layout/list1"/>
-    <dgm:cxn modelId="{C666E48A-E17F-40CA-81A4-0B136FD09BC9}" type="presOf" srcId="{1397783F-A20E-4235-A183-0F41B5A760A9}" destId="{F2A0EB99-4789-4781-B84A-B91842BA5259}" srcOrd="0" destOrd="1" presId="urn:microsoft.com/office/officeart/2005/8/layout/list1"/>
-    <dgm:cxn modelId="{1BC08F88-EBA1-4C27-BB06-9BFEF1BB885F}" srcId="{B3DC2587-E04D-4C5C-A58F-384A6C572ACF}" destId="{249AE276-A24E-42C9-A4C9-E1D2CA9B3F6B}" srcOrd="2" destOrd="0" parTransId="{E3E3ED72-1F4A-4699-B828-FF7BA0222C30}" sibTransId="{69AA19D6-3BF5-4B77-8CFC-E1360EC589EC}"/>
-    <dgm:cxn modelId="{22870A76-AE88-45DC-88C8-FD8E83391038}" srcId="{6AE72809-82D1-4054-A302-A4B509E9BE7A}" destId="{1397783F-A20E-4235-A183-0F41B5A760A9}" srcOrd="1" destOrd="0" parTransId="{48E52DA6-416F-4E0D-9EFC-ABE192265EA5}" sibTransId="{B75FA972-2FA7-4377-AE80-9572FD33A539}"/>
-    <dgm:cxn modelId="{102742C8-C00F-40D6-9C8A-B0B290F444C6}" srcId="{6AE72809-82D1-4054-A302-A4B509E9BE7A}" destId="{DB6FE0FF-CD4F-4631-BF72-C498006D7653}" srcOrd="2" destOrd="0" parTransId="{91D8CDED-B3ED-4E6D-9DC0-AF4B7125F173}" sibTransId="{FC0CF06E-6548-4E9C-9078-482335FAE958}"/>
-    <dgm:cxn modelId="{D5FBEC3F-7977-4DCC-B14E-B8C8CB555C9F}" type="presOf" srcId="{B3DC2587-E04D-4C5C-A58F-384A6C572ACF}" destId="{F9FDB6E3-7604-4CFB-99E9-16977FD41B76}" srcOrd="1" destOrd="0" presId="urn:microsoft.com/office/officeart/2005/8/layout/list1"/>
-    <dgm:cxn modelId="{1AC2612F-91E6-4D5C-83F6-8232A96CD232}" srcId="{8480DCCD-41B1-4FEE-814C-0E656A275AF9}" destId="{52289717-3175-42C8-8737-9F6FBD19C023}" srcOrd="0" destOrd="0" parTransId="{5490E82B-6B7D-4F30-802B-DC51137542F4}" sibTransId="{2C8228D6-5C36-4B75-A7CC-94F4EECE7C9D}"/>
-    <dgm:cxn modelId="{870DC54F-CA08-49D2-B0B2-26C1E543DD29}" srcId="{875A89C7-B05B-4366-8D40-1185823E2C6E}" destId="{381BE165-E217-4469-967D-449BAF1F7DC2}" srcOrd="0" destOrd="0" parTransId="{C1F212F0-DDFE-46DA-92C5-B13F3B821D77}" sibTransId="{10006573-E3B7-49BB-9CEB-185B034D967B}"/>
-    <dgm:cxn modelId="{F5930BE5-62C5-4646-924D-B5F9F4049EF1}" type="presOf" srcId="{875A89C7-B05B-4366-8D40-1185823E2C6E}" destId="{81383EA1-0C17-4163-B12F-244F1882C351}" srcOrd="0" destOrd="0" presId="urn:microsoft.com/office/officeart/2005/8/layout/list1"/>
-    <dgm:cxn modelId="{E31B849E-1834-41DC-8412-A952D3508046}" srcId="{DD8C1B21-E105-4303-887A-6CB1E6E4DA97}" destId="{B3DC2587-E04D-4C5C-A58F-384A6C572ACF}" srcOrd="3" destOrd="0" parTransId="{2F299146-BA38-46FD-86E5-FB35F2457340}" sibTransId="{1F6E51F2-0652-41FD-82EE-8D265B0695F8}"/>
-    <dgm:cxn modelId="{1627157D-A4DF-4A75-82ED-2BCAFAF037CA}" type="presOf" srcId="{DD8C1B21-E105-4303-887A-6CB1E6E4DA97}" destId="{3C62609F-F3FD-4911-AA82-C116C88BB4F0}" srcOrd="0" destOrd="0" presId="urn:microsoft.com/office/officeart/2005/8/layout/list1"/>
-    <dgm:cxn modelId="{621AC734-CB76-444E-9592-9E5788A9AD92}" type="presOf" srcId="{6AE72809-82D1-4054-A302-A4B509E9BE7A}" destId="{46877989-D016-4D36-BCED-CD47F213F7CE}" srcOrd="0" destOrd="0" presId="urn:microsoft.com/office/officeart/2005/8/layout/list1"/>
     <dgm:cxn modelId="{62B6AE52-FD6C-4C16-94F6-40B6C2E63A00}" type="presParOf" srcId="{3C62609F-F3FD-4911-AA82-C116C88BB4F0}" destId="{82D637B7-780B-4FA2-BADE-5DEF663CC138}" srcOrd="0" destOrd="0" presId="urn:microsoft.com/office/officeart/2005/8/layout/list1"/>
     <dgm:cxn modelId="{2E69C1DD-6CCD-4C80-A6D6-503AC3DF7C94}" type="presParOf" srcId="{82D637B7-780B-4FA2-BADE-5DEF663CC138}" destId="{81383EA1-0C17-4163-B12F-244F1882C351}" srcOrd="0" destOrd="0" presId="urn:microsoft.com/office/officeart/2005/8/layout/list1"/>
     <dgm:cxn modelId="{94D16D4A-8A84-4D2F-819F-70D419EF8767}" type="presParOf" srcId="{82D637B7-780B-4FA2-BADE-5DEF663CC138}" destId="{B4FDC873-78D4-4FB4-B5B0-049926DE8A1A}" srcOrd="1" destOrd="0" presId="urn:microsoft.com/office/officeart/2005/8/layout/list1"/>
@@ -9282,18 +9287,20 @@
       <dsp:cNvGrpSpPr/>
     </dsp:nvGrpSpPr>
     <dsp:grpSpPr/>
-    <dsp:sp modelId="{7E0B1343-3CEF-47AD-8A82-DC7F83EE0732}">
+    <dsp:sp modelId="{7AEE35B3-3929-4A16-90D9-993B1AFC31B5}">
       <dsp:nvSpPr>
         <dsp:cNvPr id="0" name=""/>
         <dsp:cNvSpPr/>
       </dsp:nvSpPr>
       <dsp:spPr>
         <a:xfrm>
-          <a:off x="0" y="4062533"/>
-          <a:ext cx="8237537" cy="888782"/>
+          <a:off x="3620" y="60810"/>
+          <a:ext cx="1582749" cy="2240579"/>
         </a:xfrm>
-        <a:prstGeom prst="rect">
-          <a:avLst/>
+        <a:prstGeom prst="roundRect">
+          <a:avLst>
+            <a:gd name="adj" fmla="val 10000"/>
+          </a:avLst>
         </a:prstGeom>
         <a:solidFill>
           <a:schemeClr val="accent2">
@@ -9331,7 +9338,7 @@
         </a:fontRef>
       </dsp:style>
       <dsp:txBody>
-        <a:bodyPr spcFirstLastPara="0" vert="horz" wrap="square" lIns="128016" tIns="128016" rIns="128016" bIns="128016" numCol="1" spcCol="1270" anchor="ctr" anchorCtr="0">
+        <a:bodyPr spcFirstLastPara="0" vert="horz" wrap="square" lIns="68580" tIns="68580" rIns="68580" bIns="68580" numCol="1" spcCol="1270" anchor="ctr" anchorCtr="0">
           <a:noAutofit/>
         </a:bodyPr>
         <a:lstStyle/>
@@ -9348,37 +9355,115 @@
             </a:spcAft>
           </a:pPr>
           <a:r>
-            <a:rPr lang="en-US" sz="1800" kern="1200" smtClean="0"/>
-            <a:t>After NDRange command finished and appropriate COI Event in Notification Port is signaled  MIC DA host side will copy printf() buffer to the host and </a:t>
+            <a:rPr lang="en-US" sz="1800" kern="1200" dirty="0" smtClean="0"/>
+            <a:t>kernel </a:t>
           </a:r>
           <a:r>
-            <a:rPr lang="en-US" sz="1800" i="1" kern="1200" smtClean="0"/>
-            <a:t>invoke appropriate Runtime service to consume the data</a:t>
+            <a:rPr lang="en-US" sz="1800" kern="1200" dirty="0" smtClean="0"/>
+            <a:t>calls </a:t>
           </a:r>
           <a:r>
-            <a:rPr lang="en-US" sz="1800" kern="1200" smtClean="0"/>
-            <a:t>.</a:t>
+            <a:rPr lang="en-US" sz="1800" kern="1200" dirty="0" err="1" smtClean="0"/>
+            <a:t>printf</a:t>
+          </a:r>
+          <a:r>
+            <a:rPr lang="en-US" sz="1800" kern="1200" dirty="0" smtClean="0"/>
+            <a:t>() </a:t>
+          </a:r>
+          <a:r>
+            <a:rPr lang="en-US" sz="1800" kern="1200" dirty="0" smtClean="0"/>
+            <a:t>function</a:t>
           </a:r>
           <a:endParaRPr lang="en-US" sz="1800" kern="1200" dirty="0"/>
         </a:p>
       </dsp:txBody>
       <dsp:txXfrm>
-        <a:off x="0" y="4062533"/>
-        <a:ext cx="8237537" cy="888782"/>
+        <a:off x="49977" y="107167"/>
+        <a:ext cx="1490035" cy="2147865"/>
       </dsp:txXfrm>
     </dsp:sp>
-    <dsp:sp modelId="{6F4C924D-0F7F-4AB7-B69D-4D109D0B9DCD}">
+    <dsp:sp modelId="{07B03748-3870-49A9-9F52-53D5696CACE6}">
       <dsp:nvSpPr>
         <dsp:cNvPr id="0" name=""/>
         <dsp:cNvSpPr/>
       </dsp:nvSpPr>
       <dsp:spPr>
-        <a:xfrm rot="10800000">
-          <a:off x="0" y="2708916"/>
-          <a:ext cx="8237537" cy="1366948"/>
+        <a:xfrm>
+          <a:off x="1744644" y="984839"/>
+          <a:ext cx="335542" cy="392521"/>
         </a:xfrm>
-        <a:prstGeom prst="upArrowCallout">
-          <a:avLst/>
+        <a:prstGeom prst="rightArrow">
+          <a:avLst>
+            <a:gd name="adj1" fmla="val 60000"/>
+            <a:gd name="adj2" fmla="val 50000"/>
+          </a:avLst>
+        </a:prstGeom>
+        <a:solidFill>
+          <a:schemeClr val="accent2">
+            <a:hueOff val="0"/>
+            <a:satOff val="0"/>
+            <a:lumOff val="0"/>
+            <a:alphaOff val="0"/>
+          </a:schemeClr>
+        </a:solidFill>
+        <a:ln>
+          <a:noFill/>
+        </a:ln>
+        <a:effectLst/>
+      </dsp:spPr>
+      <dsp:style>
+        <a:lnRef idx="0">
+          <a:scrgbClr r="0" g="0" b="0"/>
+        </a:lnRef>
+        <a:fillRef idx="1">
+          <a:scrgbClr r="0" g="0" b="0"/>
+        </a:fillRef>
+        <a:effectRef idx="0">
+          <a:scrgbClr r="0" g="0" b="0"/>
+        </a:effectRef>
+        <a:fontRef idx="minor">
+          <a:schemeClr val="lt1"/>
+        </a:fontRef>
+      </dsp:style>
+      <dsp:txBody>
+        <a:bodyPr spcFirstLastPara="0" vert="horz" wrap="square" lIns="0" tIns="0" rIns="0" bIns="0" numCol="1" spcCol="1270" anchor="ctr" anchorCtr="0">
+          <a:noAutofit/>
+        </a:bodyPr>
+        <a:lstStyle/>
+        <a:p>
+          <a:pPr lvl="0" algn="ctr" defTabSz="711200">
+            <a:lnSpc>
+              <a:spcPct val="90000"/>
+            </a:lnSpc>
+            <a:spcBef>
+              <a:spcPct val="0"/>
+            </a:spcBef>
+            <a:spcAft>
+              <a:spcPct val="35000"/>
+            </a:spcAft>
+          </a:pPr>
+          <a:endParaRPr lang="en-US" sz="1600" kern="1200"/>
+        </a:p>
+      </dsp:txBody>
+      <dsp:txXfrm>
+        <a:off x="1744644" y="1063343"/>
+        <a:ext cx="234879" cy="235513"/>
+      </dsp:txXfrm>
+    </dsp:sp>
+    <dsp:sp modelId="{864363C6-652B-4DD8-86B7-8885EEEB880C}">
+      <dsp:nvSpPr>
+        <dsp:cNvPr id="0" name=""/>
+        <dsp:cNvSpPr/>
+      </dsp:nvSpPr>
+      <dsp:spPr>
+        <a:xfrm>
+          <a:off x="2219469" y="60810"/>
+          <a:ext cx="1582749" cy="2240579"/>
+        </a:xfrm>
+        <a:prstGeom prst="roundRect">
+          <a:avLst>
+            <a:gd name="adj" fmla="val 10000"/>
+          </a:avLst>
         </a:prstGeom>
         <a:solidFill>
           <a:schemeClr val="accent2">
@@ -9416,7 +9501,7 @@
         </a:fontRef>
       </dsp:style>
       <dsp:txBody>
-        <a:bodyPr spcFirstLastPara="0" vert="horz" wrap="square" lIns="128016" tIns="128016" rIns="128016" bIns="128016" numCol="1" spcCol="1270" anchor="ctr" anchorCtr="0">
+        <a:bodyPr spcFirstLastPara="0" vert="horz" wrap="square" lIns="68580" tIns="68580" rIns="68580" bIns="68580" numCol="1" spcCol="1270" anchor="ctr" anchorCtr="0">
           <a:noAutofit/>
         </a:bodyPr>
         <a:lstStyle/>
@@ -9433,16 +9518,71 @@
             </a:spcAft>
           </a:pPr>
           <a:r>
-            <a:rPr lang="en-US" sz="1800" kern="1200" dirty="0" smtClean="0"/>
-            <a:t>MIC DA device side callback copies the string to the specific buffer atomically</a:t>
+            <a:rPr lang="en-US" sz="1800" kern="1200" smtClean="0"/>
+            <a:t>Backend </a:t>
           </a:r>
           <a:r>
             <a:rPr lang="en-US" sz="1800" kern="1200" dirty="0" smtClean="0"/>
-            <a:t>.</a:t>
+            <a:t>invokes MIC DA device side callback with relevant string and string size.</a:t>
           </a:r>
+          <a:endParaRPr lang="en-US" sz="1800" kern="1200" dirty="0"/>
         </a:p>
+      </dsp:txBody>
+      <dsp:txXfrm>
+        <a:off x="2265826" y="107167"/>
+        <a:ext cx="1490035" cy="2147865"/>
+      </dsp:txXfrm>
+    </dsp:sp>
+    <dsp:sp modelId="{0639B046-C3D5-49E6-89AC-FB80CD7DD456}">
+      <dsp:nvSpPr>
+        <dsp:cNvPr id="0" name=""/>
+        <dsp:cNvSpPr/>
+      </dsp:nvSpPr>
+      <dsp:spPr>
+        <a:xfrm>
+          <a:off x="3960493" y="984839"/>
+          <a:ext cx="335542" cy="392521"/>
+        </a:xfrm>
+        <a:prstGeom prst="rightArrow">
+          <a:avLst>
+            <a:gd name="adj1" fmla="val 60000"/>
+            <a:gd name="adj2" fmla="val 50000"/>
+          </a:avLst>
+        </a:prstGeom>
+        <a:solidFill>
+          <a:schemeClr val="accent2">
+            <a:hueOff val="511238"/>
+            <a:satOff val="-12091"/>
+            <a:lumOff val="9216"/>
+            <a:alphaOff val="0"/>
+          </a:schemeClr>
+        </a:solidFill>
+        <a:ln>
+          <a:noFill/>
+        </a:ln>
+        <a:effectLst/>
+      </dsp:spPr>
+      <dsp:style>
+        <a:lnRef idx="0">
+          <a:scrgbClr r="0" g="0" b="0"/>
+        </a:lnRef>
+        <a:fillRef idx="1">
+          <a:scrgbClr r="0" g="0" b="0"/>
+        </a:fillRef>
+        <a:effectRef idx="0">
+          <a:scrgbClr r="0" g="0" b="0"/>
+        </a:effectRef>
+        <a:fontRef idx="minor">
+          <a:schemeClr val="lt1"/>
+        </a:fontRef>
+      </dsp:style>
+      <dsp:txBody>
+        <a:bodyPr spcFirstLastPara="0" vert="horz" wrap="square" lIns="0" tIns="0" rIns="0" bIns="0" numCol="1" spcCol="1270" anchor="ctr" anchorCtr="0">
+          <a:noAutofit/>
+        </a:bodyPr>
+        <a:lstStyle/>
         <a:p>
-          <a:pPr lvl="0" algn="ctr" defTabSz="800100" rtl="0">
+          <a:pPr lvl="0" algn="ctr" defTabSz="711200">
             <a:lnSpc>
               <a:spcPct val="90000"/>
             </a:lnSpc>
@@ -9453,30 +9593,28 @@
               <a:spcPct val="35000"/>
             </a:spcAft>
           </a:pPr>
-          <a:r>
-            <a:rPr lang="en-US" sz="1800" b="1" i="1" kern="1200" dirty="0" smtClean="0"/>
-            <a:t>** Avoid Work Items output intermixing to ease debugging **</a:t>
-          </a:r>
-          <a:endParaRPr lang="en-US" sz="1800" b="1" i="1" kern="1200" dirty="0"/>
+          <a:endParaRPr lang="en-US" sz="1600" kern="1200"/>
         </a:p>
       </dsp:txBody>
-      <dsp:txXfrm rot="10800000">
-        <a:off x="0" y="2708916"/>
-        <a:ext cx="8237537" cy="888202"/>
+      <dsp:txXfrm>
+        <a:off x="3960493" y="1063343"/>
+        <a:ext cx="234879" cy="235513"/>
       </dsp:txXfrm>
     </dsp:sp>
-    <dsp:sp modelId="{6B3A3F9E-A769-4656-A859-BA507AC1248C}">
+    <dsp:sp modelId="{D91390A3-1164-4A1A-A538-C0648F590879}">
       <dsp:nvSpPr>
         <dsp:cNvPr id="0" name=""/>
         <dsp:cNvSpPr/>
       </dsp:nvSpPr>
       <dsp:spPr>
-        <a:xfrm rot="10800000">
-          <a:off x="0" y="1355300"/>
-          <a:ext cx="8237537" cy="1366948"/>
+        <a:xfrm>
+          <a:off x="4435318" y="60810"/>
+          <a:ext cx="1582749" cy="2240579"/>
         </a:xfrm>
-        <a:prstGeom prst="upArrowCallout">
-          <a:avLst/>
+        <a:prstGeom prst="roundRect">
+          <a:avLst>
+            <a:gd name="adj" fmla="val 10000"/>
+          </a:avLst>
         </a:prstGeom>
         <a:solidFill>
           <a:schemeClr val="accent2">
@@ -9514,7 +9652,7 @@
         </a:fontRef>
       </dsp:style>
       <dsp:txBody>
-        <a:bodyPr spcFirstLastPara="0" vert="horz" wrap="square" lIns="128016" tIns="128016" rIns="128016" bIns="128016" numCol="1" spcCol="1270" anchor="ctr" anchorCtr="0">
+        <a:bodyPr spcFirstLastPara="0" vert="horz" wrap="square" lIns="68580" tIns="68580" rIns="68580" bIns="68580" numCol="1" spcCol="1270" anchor="ctr" anchorCtr="0">
           <a:noAutofit/>
         </a:bodyPr>
         <a:lstStyle/>
@@ -9532,7 +9670,11 @@
           </a:pPr>
           <a:r>
             <a:rPr lang="en-US" sz="1800" kern="1200" dirty="0" smtClean="0"/>
-            <a:t>As kernel calls </a:t>
+            <a:t>MIC DA device side callback </a:t>
+          </a:r>
+          <a:r>
+            <a:rPr lang="en-US" sz="1800" kern="1200" dirty="0" smtClean="0"/>
+            <a:t>issues standard C </a:t>
           </a:r>
           <a:r>
             <a:rPr lang="en-US" sz="1800" kern="1200" dirty="0" err="1" smtClean="0"/>
@@ -9540,28 +9682,106 @@
           </a:r>
           <a:r>
             <a:rPr lang="en-US" sz="1800" kern="1200" dirty="0" smtClean="0"/>
-            <a:t>() function Backend invokes MIC DA device side callback with relevant string and string size.</a:t>
+            <a:t>() function to </a:t>
           </a:r>
-          <a:endParaRPr lang="en-US" sz="1800" kern="1200" dirty="0"/>
+          <a:r>
+            <a:rPr lang="en-US" sz="1800" kern="1200" dirty="0" err="1" smtClean="0"/>
+            <a:t>stdout</a:t>
+          </a:r>
+          <a:r>
+            <a:rPr lang="en-US" sz="1800" kern="1200" dirty="0" smtClean="0"/>
+            <a:t> stream.</a:t>
+          </a:r>
+          <a:endParaRPr lang="en-US" sz="1800" b="1" i="1" kern="1200" dirty="0"/>
         </a:p>
       </dsp:txBody>
-      <dsp:txXfrm rot="10800000">
-        <a:off x="0" y="1355300"/>
-        <a:ext cx="8237537" cy="888202"/>
+      <dsp:txXfrm>
+        <a:off x="4481675" y="107167"/>
+        <a:ext cx="1490035" cy="2147865"/>
       </dsp:txXfrm>
     </dsp:sp>
-    <dsp:sp modelId="{FCDB95F6-53E8-4C47-8F8F-9E847D02123A}">
+    <dsp:sp modelId="{EAA81B7C-6FDA-4B97-86D0-F97DC70520B0}">
       <dsp:nvSpPr>
         <dsp:cNvPr id="0" name=""/>
         <dsp:cNvSpPr/>
       </dsp:nvSpPr>
       <dsp:spPr>
-        <a:xfrm rot="10800000">
-          <a:off x="0" y="1683"/>
-          <a:ext cx="8237537" cy="1366948"/>
+        <a:xfrm>
+          <a:off x="6176342" y="984839"/>
+          <a:ext cx="335542" cy="392521"/>
         </a:xfrm>
-        <a:prstGeom prst="upArrowCallout">
-          <a:avLst/>
+        <a:prstGeom prst="rightArrow">
+          <a:avLst>
+            <a:gd name="adj1" fmla="val 60000"/>
+            <a:gd name="adj2" fmla="val 50000"/>
+          </a:avLst>
+        </a:prstGeom>
+        <a:solidFill>
+          <a:schemeClr val="accent2">
+            <a:hueOff val="1022477"/>
+            <a:satOff val="-24181"/>
+            <a:lumOff val="18432"/>
+            <a:alphaOff val="0"/>
+          </a:schemeClr>
+        </a:solidFill>
+        <a:ln>
+          <a:noFill/>
+        </a:ln>
+        <a:effectLst/>
+      </dsp:spPr>
+      <dsp:style>
+        <a:lnRef idx="0">
+          <a:scrgbClr r="0" g="0" b="0"/>
+        </a:lnRef>
+        <a:fillRef idx="1">
+          <a:scrgbClr r="0" g="0" b="0"/>
+        </a:fillRef>
+        <a:effectRef idx="0">
+          <a:scrgbClr r="0" g="0" b="0"/>
+        </a:effectRef>
+        <a:fontRef idx="minor">
+          <a:schemeClr val="lt1"/>
+        </a:fontRef>
+      </dsp:style>
+      <dsp:txBody>
+        <a:bodyPr spcFirstLastPara="0" vert="horz" wrap="square" lIns="0" tIns="0" rIns="0" bIns="0" numCol="1" spcCol="1270" anchor="ctr" anchorCtr="0">
+          <a:noAutofit/>
+        </a:bodyPr>
+        <a:lstStyle/>
+        <a:p>
+          <a:pPr lvl="0" algn="ctr" defTabSz="711200">
+            <a:lnSpc>
+              <a:spcPct val="90000"/>
+            </a:lnSpc>
+            <a:spcBef>
+              <a:spcPct val="0"/>
+            </a:spcBef>
+            <a:spcAft>
+              <a:spcPct val="35000"/>
+            </a:spcAft>
+          </a:pPr>
+          <a:endParaRPr lang="en-US" sz="1600" kern="1200"/>
+        </a:p>
+      </dsp:txBody>
+      <dsp:txXfrm>
+        <a:off x="6176342" y="1063343"/>
+        <a:ext cx="234879" cy="235513"/>
+      </dsp:txXfrm>
+    </dsp:sp>
+    <dsp:sp modelId="{C835CE53-7F6E-4DEB-A901-F739EA1BB092}">
+      <dsp:nvSpPr>
+        <dsp:cNvPr id="0" name=""/>
+        <dsp:cNvSpPr/>
+      </dsp:nvSpPr>
+      <dsp:spPr>
+        <a:xfrm>
+          <a:off x="6651167" y="60810"/>
+          <a:ext cx="1582749" cy="2240579"/>
+        </a:xfrm>
+        <a:prstGeom prst="roundRect">
+          <a:avLst>
+            <a:gd name="adj" fmla="val 10000"/>
+          </a:avLst>
         </a:prstGeom>
         <a:solidFill>
           <a:schemeClr val="accent2">
@@ -9599,7 +9819,7 @@
         </a:fontRef>
       </dsp:style>
       <dsp:txBody>
-        <a:bodyPr spcFirstLastPara="0" vert="horz" wrap="square" lIns="128016" tIns="128016" rIns="128016" bIns="128016" numCol="1" spcCol="1270" anchor="ctr" anchorCtr="0">
+        <a:bodyPr spcFirstLastPara="0" vert="horz" wrap="square" lIns="68580" tIns="68580" rIns="68580" bIns="68580" numCol="1" spcCol="1270" anchor="ctr" anchorCtr="0">
           <a:noAutofit/>
         </a:bodyPr>
         <a:lstStyle/>
@@ -9617,30 +9837,30 @@
           </a:pPr>
           <a:r>
             <a:rPr lang="en-US" sz="1800" kern="1200" dirty="0" smtClean="0"/>
-            <a:t>MIC DA allocates new COI Buffer with limited size for each </a:t>
+            <a:t>COI redirects device </a:t>
           </a:r>
           <a:r>
             <a:rPr lang="en-US" sz="1800" kern="1200" dirty="0" err="1" smtClean="0"/>
-            <a:t>NDRange</a:t>
+            <a:t>stdout</a:t>
           </a:r>
           <a:r>
             <a:rPr lang="en-US" sz="1800" kern="1200" dirty="0" smtClean="0"/>
-            <a:t> command that uses </a:t>
+            <a:t> to host application </a:t>
           </a:r>
           <a:r>
             <a:rPr lang="en-US" sz="1800" kern="1200" dirty="0" err="1" smtClean="0"/>
-            <a:t>printf</a:t>
+            <a:t>stdout</a:t>
           </a:r>
           <a:r>
             <a:rPr lang="en-US" sz="1800" kern="1200" dirty="0" smtClean="0"/>
-            <a:t>()</a:t>
+            <a:t> stream. </a:t>
           </a:r>
           <a:endParaRPr lang="en-US" sz="1800" kern="1200" dirty="0"/>
         </a:p>
       </dsp:txBody>
-      <dsp:txXfrm rot="10800000">
-        <a:off x="0" y="1683"/>
-        <a:ext cx="8237537" cy="888202"/>
+      <dsp:txXfrm>
+        <a:off x="6697524" y="107167"/>
+        <a:ext cx="1490035" cy="2147865"/>
       </dsp:txXfrm>
     </dsp:sp>
   </dsp:spTree>
@@ -9662,7 +9882,7 @@
       </dsp:nvSpPr>
       <dsp:spPr>
         <a:xfrm>
-          <a:off x="0" y="312360"/>
+          <a:off x="0" y="433634"/>
           <a:ext cx="8464550" cy="595350"/>
         </a:xfrm>
         <a:prstGeom prst="rect">
@@ -9728,7 +9948,7 @@
         </a:p>
       </dsp:txBody>
       <dsp:txXfrm>
-        <a:off x="0" y="312360"/>
+        <a:off x="0" y="433634"/>
         <a:ext cx="8464550" cy="595350"/>
       </dsp:txXfrm>
     </dsp:sp>
@@ -9739,7 +9959,7 @@
       </dsp:nvSpPr>
       <dsp:spPr>
         <a:xfrm>
-          <a:off x="423227" y="105720"/>
+          <a:off x="423227" y="226994"/>
           <a:ext cx="5925185" cy="413280"/>
         </a:xfrm>
         <a:prstGeom prst="roundRect">
@@ -9837,7 +10057,7 @@
         </a:p>
       </dsp:txBody>
       <dsp:txXfrm>
-        <a:off x="443402" y="125895"/>
+        <a:off x="443402" y="247169"/>
         <a:ext cx="5884835" cy="372930"/>
       </dsp:txXfrm>
     </dsp:sp>
@@ -9848,8 +10068,8 @@
       </dsp:nvSpPr>
       <dsp:spPr>
         <a:xfrm>
-          <a:off x="0" y="1189950"/>
-          <a:ext cx="8464550" cy="1455299"/>
+          <a:off x="0" y="1311224"/>
+          <a:ext cx="8464550" cy="1212750"/>
         </a:xfrm>
         <a:prstGeom prst="rect">
           <a:avLst/>
@@ -9908,41 +10128,6 @@
           </a:pPr>
           <a:r>
             <a:rPr lang="en-US" sz="1400" kern="1200" dirty="0" smtClean="0"/>
-            <a:t>Consume </a:t>
-          </a:r>
-          <a:r>
-            <a:rPr lang="en-US" sz="1400" kern="1200" dirty="0" err="1" smtClean="0"/>
-            <a:t>printf</a:t>
-          </a:r>
-          <a:r>
-            <a:rPr lang="en-US" sz="1400" kern="1200" dirty="0" smtClean="0"/>
-            <a:t>() buffer after </a:t>
-          </a:r>
-          <a:r>
-            <a:rPr lang="en-US" sz="1400" kern="1200" dirty="0" err="1" smtClean="0"/>
-            <a:t>NDRange</a:t>
-          </a:r>
-          <a:r>
-            <a:rPr lang="en-US" sz="1400" kern="1200" dirty="0" smtClean="0"/>
-            <a:t> completion</a:t>
-          </a:r>
-          <a:endParaRPr lang="en-US" sz="1400" kern="1200" dirty="0"/>
-        </a:p>
-        <a:p>
-          <a:pPr marL="114300" lvl="1" indent="-114300" algn="l" defTabSz="622300" rtl="0">
-            <a:lnSpc>
-              <a:spcPct val="90000"/>
-            </a:lnSpc>
-            <a:spcBef>
-              <a:spcPct val="0"/>
-            </a:spcBef>
-            <a:spcAft>
-              <a:spcPct val="15000"/>
-            </a:spcAft>
-            <a:buChar char="••"/>
-          </a:pPr>
-          <a:r>
-            <a:rPr lang="en-US" sz="1400" kern="1200" smtClean="0"/>
             <a:t>Modify Device Querying and Creation APIs of Device Agents to support multiple top level device instances of the same type</a:t>
           </a:r>
           <a:endParaRPr lang="en-US" sz="1400" kern="1200" dirty="0"/>
@@ -9968,8 +10153,8 @@
         </a:p>
       </dsp:txBody>
       <dsp:txXfrm>
-        <a:off x="0" y="1189950"/>
-        <a:ext cx="8464550" cy="1455299"/>
+        <a:off x="0" y="1311224"/>
+        <a:ext cx="8464550" cy="1212750"/>
       </dsp:txXfrm>
     </dsp:sp>
     <dsp:sp modelId="{8508FF16-E7B7-4DEC-9EA2-CBDF500AA26F}">
@@ -9979,7 +10164,7 @@
       </dsp:nvSpPr>
       <dsp:spPr>
         <a:xfrm>
-          <a:off x="423227" y="983310"/>
+          <a:off x="423227" y="1104584"/>
           <a:ext cx="5925185" cy="413280"/>
         </a:xfrm>
         <a:prstGeom prst="roundRect">
@@ -10077,7 +10262,7 @@
         </a:p>
       </dsp:txBody>
       <dsp:txXfrm>
-        <a:off x="443402" y="1003485"/>
+        <a:off x="443402" y="1124759"/>
         <a:ext cx="5884835" cy="372930"/>
       </dsp:txXfrm>
     </dsp:sp>
@@ -10088,7 +10273,7 @@
       </dsp:nvSpPr>
       <dsp:spPr>
         <a:xfrm>
-          <a:off x="0" y="2927489"/>
+          <a:off x="0" y="2806215"/>
           <a:ext cx="8464550" cy="815850"/>
         </a:xfrm>
         <a:prstGeom prst="rect">
@@ -10173,7 +10358,7 @@
         </a:p>
       </dsp:txBody>
       <dsp:txXfrm>
-        <a:off x="0" y="2927489"/>
+        <a:off x="0" y="2806215"/>
         <a:ext cx="8464550" cy="815850"/>
       </dsp:txXfrm>
     </dsp:sp>
@@ -10184,7 +10369,7 @@
       </dsp:nvSpPr>
       <dsp:spPr>
         <a:xfrm>
-          <a:off x="423227" y="2720849"/>
+          <a:off x="423227" y="2599574"/>
           <a:ext cx="5925185" cy="413280"/>
         </a:xfrm>
         <a:prstGeom prst="roundRect">
@@ -10282,7 +10467,7 @@
         </a:p>
       </dsp:txBody>
       <dsp:txXfrm>
-        <a:off x="443402" y="2741024"/>
+        <a:off x="443402" y="2619749"/>
         <a:ext cx="5884835" cy="372930"/>
       </dsp:txXfrm>
     </dsp:sp>
@@ -10293,7 +10478,7 @@
       </dsp:nvSpPr>
       <dsp:spPr>
         <a:xfrm>
-          <a:off x="0" y="4025579"/>
+          <a:off x="0" y="3904305"/>
           <a:ext cx="8464550" cy="1278900"/>
         </a:xfrm>
         <a:prstGeom prst="rect">
@@ -10371,10 +10556,10 @@
             <a:buChar char="••"/>
           </a:pPr>
           <a:r>
-            <a:rPr lang="en-US" sz="1400" kern="1200" smtClean="0"/>
+            <a:rPr lang="en-US" sz="1400" kern="1200" dirty="0" smtClean="0"/>
             <a:t>Sub-buffers</a:t>
           </a:r>
-          <a:endParaRPr lang="en-US" sz="1400" kern="1200"/>
+          <a:endParaRPr lang="en-US" sz="1400" kern="1200" dirty="0"/>
         </a:p>
         <a:p>
           <a:pPr marL="114300" lvl="1" indent="-114300" algn="l" defTabSz="622300" rtl="0">
@@ -10409,14 +10594,18 @@
             <a:buChar char="••"/>
           </a:pPr>
           <a:r>
-            <a:rPr lang="en-US" sz="1400" kern="1200" smtClean="0"/>
-            <a:t>Process crash notification</a:t>
+            <a:rPr lang="en-US" sz="1400" kern="1200" dirty="0" smtClean="0"/>
+            <a:t>Device process </a:t>
+          </a:r>
+          <a:r>
+            <a:rPr lang="en-US" sz="1400" kern="1200" dirty="0" smtClean="0"/>
+            <a:t>crash notification</a:t>
           </a:r>
           <a:endParaRPr lang="en-US" sz="1400" kern="1200" dirty="0"/>
         </a:p>
       </dsp:txBody>
       <dsp:txXfrm>
-        <a:off x="0" y="4025579"/>
+        <a:off x="0" y="3904305"/>
         <a:ext cx="8464550" cy="1278900"/>
       </dsp:txXfrm>
     </dsp:sp>
@@ -10427,7 +10616,7 @@
       </dsp:nvSpPr>
       <dsp:spPr>
         <a:xfrm>
-          <a:off x="423227" y="3818939"/>
+          <a:off x="423227" y="3697664"/>
           <a:ext cx="5925185" cy="413280"/>
         </a:xfrm>
         <a:prstGeom prst="roundRect">
@@ -10525,7 +10714,7 @@
         </a:p>
       </dsp:txBody>
       <dsp:txXfrm>
-        <a:off x="443402" y="3839114"/>
+        <a:off x="443402" y="3717839"/>
         <a:ext cx="5884835" cy="372930"/>
       </dsp:txXfrm>
     </dsp:sp>
@@ -11035,56 +11224,16 @@
 </file>
 
 <file path=ppt/diagrams/layout4.xml><?xml version="1.0" encoding="utf-8"?>
-<dgm:layoutDef xmlns:dgm="http://schemas.openxmlformats.org/drawingml/2006/diagram" xmlns:a="http://schemas.openxmlformats.org/drawingml/2006/main" uniqueId="urn:microsoft.com/office/officeart/2005/8/layout/process4">
+<dgm:layoutDef xmlns:dgm="http://schemas.openxmlformats.org/drawingml/2006/diagram" xmlns:a="http://schemas.openxmlformats.org/drawingml/2006/main" uniqueId="urn:microsoft.com/office/officeart/2005/8/layout/process1">
   <dgm:title val=""/>
   <dgm:desc val=""/>
   <dgm:catLst>
-    <dgm:cat type="process" pri="16000"/>
-    <dgm:cat type="list" pri="20000"/>
+    <dgm:cat type="process" pri="1000"/>
+    <dgm:cat type="convert" pri="15000"/>
   </dgm:catLst>
-  <dgm:sampData>
+  <dgm:sampData useDef="1">
     <dgm:dataModel>
-      <dgm:ptLst>
-        <dgm:pt modelId="0" type="doc"/>
-        <dgm:pt modelId="1">
-          <dgm:prSet phldr="1"/>
-        </dgm:pt>
-        <dgm:pt modelId="11">
-          <dgm:prSet phldr="1"/>
-        </dgm:pt>
-        <dgm:pt modelId="12">
-          <dgm:prSet phldr="1"/>
-        </dgm:pt>
-        <dgm:pt modelId="2">
-          <dgm:prSet phldr="1"/>
-        </dgm:pt>
-        <dgm:pt modelId="21">
-          <dgm:prSet phldr="1"/>
-        </dgm:pt>
-        <dgm:pt modelId="22">
-          <dgm:prSet phldr="1"/>
-        </dgm:pt>
-        <dgm:pt modelId="3">
-          <dgm:prSet phldr="1"/>
-        </dgm:pt>
-        <dgm:pt modelId="31">
-          <dgm:prSet phldr="1"/>
-        </dgm:pt>
-        <dgm:pt modelId="32">
-          <dgm:prSet phldr="1"/>
-        </dgm:pt>
-      </dgm:ptLst>
-      <dgm:cxnLst>
-        <dgm:cxn modelId="4" srcId="0" destId="1" srcOrd="0" destOrd="0"/>
-        <dgm:cxn modelId="5" srcId="0" destId="2" srcOrd="1" destOrd="0"/>
-        <dgm:cxn modelId="6" srcId="0" destId="3" srcOrd="2" destOrd="0"/>
-        <dgm:cxn modelId="13" srcId="1" destId="11" srcOrd="0" destOrd="0"/>
-        <dgm:cxn modelId="14" srcId="1" destId="12" srcOrd="1" destOrd="0"/>
-        <dgm:cxn modelId="23" srcId="2" destId="21" srcOrd="0" destOrd="0"/>
-        <dgm:cxn modelId="24" srcId="2" destId="22" srcOrd="1" destOrd="0"/>
-        <dgm:cxn modelId="33" srcId="3" destId="31" srcOrd="0" destOrd="0"/>
-        <dgm:cxn modelId="34" srcId="3" destId="32" srcOrd="1" destOrd="0"/>
-      </dgm:cxnLst>
+      <dgm:ptLst/>
       <dgm:bg/>
       <dgm:whole/>
     </dgm:dataModel>
@@ -11094,15 +11243,11 @@
       <dgm:ptLst>
         <dgm:pt modelId="0" type="doc"/>
         <dgm:pt modelId="1"/>
-        <dgm:pt modelId="11"/>
         <dgm:pt modelId="2"/>
-        <dgm:pt modelId="21"/>
       </dgm:ptLst>
       <dgm:cxnLst>
-        <dgm:cxn modelId="4" srcId="0" destId="1" srcOrd="0" destOrd="0"/>
-        <dgm:cxn modelId="5" srcId="0" destId="2" srcOrd="1" destOrd="0"/>
-        <dgm:cxn modelId="13" srcId="1" destId="11" srcOrd="0" destOrd="0"/>
-        <dgm:cxn modelId="23" srcId="2" destId="21" srcOrd="0" destOrd="0"/>
+        <dgm:cxn modelId="3" srcId="0" destId="1" srcOrd="0" destOrd="0"/>
+        <dgm:cxn modelId="4" srcId="0" destId="2" srcOrd="1" destOrd="0"/>
       </dgm:cxnLst>
       <dgm:bg/>
       <dgm:whole/>
@@ -11113,23 +11258,15 @@
       <dgm:ptLst>
         <dgm:pt modelId="0" type="doc"/>
         <dgm:pt modelId="1"/>
-        <dgm:pt modelId="11"/>
         <dgm:pt modelId="2"/>
-        <dgm:pt modelId="21"/>
         <dgm:pt modelId="3"/>
-        <dgm:pt modelId="31"/>
         <dgm:pt modelId="4"/>
-        <dgm:pt modelId="41"/>
       </dgm:ptLst>
       <dgm:cxnLst>
         <dgm:cxn modelId="5" srcId="0" destId="1" srcOrd="0" destOrd="0"/>
         <dgm:cxn modelId="6" srcId="0" destId="2" srcOrd="1" destOrd="0"/>
         <dgm:cxn modelId="7" srcId="0" destId="3" srcOrd="2" destOrd="0"/>
         <dgm:cxn modelId="8" srcId="0" destId="4" srcOrd="3" destOrd="0"/>
-        <dgm:cxn modelId="13" srcId="1" destId="11" srcOrd="0" destOrd="0"/>
-        <dgm:cxn modelId="23" srcId="2" destId="21" srcOrd="0" destOrd="0"/>
-        <dgm:cxn modelId="33" srcId="3" destId="31" srcOrd="0" destOrd="0"/>
-        <dgm:cxn modelId="43" srcId="4" destId="41" srcOrd="0" destOrd="0"/>
       </dgm:cxnLst>
       <dgm:bg/>
       <dgm:whole/>
@@ -11138,248 +11275,93 @@
   <dgm:layoutNode name="Name0">
     <dgm:varLst>
       <dgm:dir/>
-      <dgm:animLvl val="lvl"/>
       <dgm:resizeHandles val="exact"/>
     </dgm:varLst>
-    <dgm:alg type="lin">
-      <dgm:param type="linDir" val="fromB"/>
-    </dgm:alg>
+    <dgm:choose name="Name1">
+      <dgm:if name="Name2" func="var" arg="dir" op="equ" val="norm">
+        <dgm:alg type="lin"/>
+      </dgm:if>
+      <dgm:else name="Name3">
+        <dgm:alg type="lin">
+          <dgm:param type="linDir" val="fromR"/>
+        </dgm:alg>
+      </dgm:else>
+    </dgm:choose>
     <dgm:shape xmlns:r="http://schemas.openxmlformats.org/officeDocument/2006/relationships" r:blip="">
       <dgm:adjLst/>
     </dgm:shape>
     <dgm:presOf/>
     <dgm:constrLst>
-      <dgm:constr type="h" for="ch" forName="boxAndChildren" refType="h"/>
-      <dgm:constr type="h" for="ch" forName="arrowAndChildren" refType="h" refFor="ch" refForName="boxAndChildren" op="equ" fact="1.538"/>
-      <dgm:constr type="w" for="ch" forName="arrowAndChildren" refType="w"/>
-      <dgm:constr type="w" for="ch" forName="boxAndChildren" refType="w"/>
-      <dgm:constr type="h" for="ch" forName="sp" refType="h" fact="-0.015"/>
-      <dgm:constr type="primFontSz" for="des" forName="parentTextBox" val="65"/>
-      <dgm:constr type="primFontSz" for="des" forName="parentTextArrow" refType="primFontSz" refFor="des" refForName="parentTextBox" op="equ"/>
-      <dgm:constr type="primFontSz" for="des" forName="childTextArrow" val="65"/>
-      <dgm:constr type="primFontSz" for="des" forName="childTextBox" refType="primFontSz" refFor="des" refForName="childTextArrow" op="equ"/>
+      <dgm:constr type="w" for="ch" ptType="node" refType="w"/>
+      <dgm:constr type="h" for="ch" ptType="node" op="equ"/>
+      <dgm:constr type="primFontSz" for="ch" ptType="node" op="equ" val="65"/>
+      <dgm:constr type="w" for="ch" ptType="sibTrans" refType="w" refFor="ch" refPtType="node" op="equ" fact="0.4"/>
+      <dgm:constr type="h" for="ch" ptType="sibTrans" op="equ"/>
+      <dgm:constr type="primFontSz" for="des" forName="connectorText" op="equ" val="55"/>
+      <dgm:constr type="primFontSz" for="des" forName="connectorText" refType="primFontSz" refFor="ch" refPtType="node" op="lte" fact="0.8"/>
     </dgm:constrLst>
     <dgm:ruleLst/>
-    <dgm:forEach name="Name1" axis="ch" ptType="node" st="-1" step="-1">
-      <dgm:choose name="Name2">
-        <dgm:if name="Name3" axis="self" ptType="node" func="revPos" op="equ" val="1">
-          <dgm:layoutNode name="boxAndChildren">
-            <dgm:alg type="composite"/>
-            <dgm:shape xmlns:r="http://schemas.openxmlformats.org/officeDocument/2006/relationships" r:blip="">
-              <dgm:adjLst/>
-            </dgm:shape>
-            <dgm:presOf/>
-            <dgm:choose name="Name4">
-              <dgm:if name="Name5" axis="ch" ptType="node" func="cnt" op="gte" val="1">
-                <dgm:constrLst>
-                  <dgm:constr type="w" for="ch" forName="parentTextBox" refType="w"/>
-                  <dgm:constr type="h" for="ch" forName="parentTextBox" refType="h" fact="0.54"/>
-                  <dgm:constr type="t" for="ch" forName="parentTextBox"/>
-                  <dgm:constr type="w" for="ch" forName="entireBox" refType="w"/>
-                  <dgm:constr type="h" for="ch" forName="entireBox" refType="h"/>
-                  <dgm:constr type="w" for="ch" forName="descendantBox" refType="w"/>
-                  <dgm:constr type="b" for="ch" forName="descendantBox" refType="h" fact="0.98"/>
-                  <dgm:constr type="h" for="ch" forName="descendantBox" refType="h" fact="0.46"/>
-                </dgm:constrLst>
-              </dgm:if>
-              <dgm:else name="Name6">
-                <dgm:constrLst>
-                  <dgm:constr type="w" for="ch" forName="parentTextBox" refType="w"/>
-                  <dgm:constr type="h" for="ch" forName="parentTextBox" refType="h"/>
-                </dgm:constrLst>
-              </dgm:else>
-            </dgm:choose>
-            <dgm:ruleLst/>
-            <dgm:layoutNode name="parentTextBox">
-              <dgm:alg type="tx"/>
-              <dgm:choose name="Name7">
-                <dgm:if name="Name8" axis="ch" ptType="node" func="cnt" op="gte" val="1">
-                  <dgm:shape xmlns:r="http://schemas.openxmlformats.org/officeDocument/2006/relationships" type="rect" r:blip="" zOrderOff="1" hideGeom="1">
-                    <dgm:adjLst/>
-                  </dgm:shape>
-                </dgm:if>
-                <dgm:else name="Name9">
-                  <dgm:shape xmlns:r="http://schemas.openxmlformats.org/officeDocument/2006/relationships" type="rect" r:blip="">
-                    <dgm:adjLst/>
-                  </dgm:shape>
-                </dgm:else>
-              </dgm:choose>
-              <dgm:presOf axis="self"/>
-              <dgm:constrLst/>
-              <dgm:ruleLst>
-                <dgm:rule type="primFontSz" val="5" fact="NaN" max="NaN"/>
-              </dgm:ruleLst>
-            </dgm:layoutNode>
-            <dgm:choose name="Name10">
-              <dgm:if name="Name11" axis="ch" ptType="node" func="cnt" op="gte" val="1">
-                <dgm:layoutNode name="entireBox">
-                  <dgm:alg type="sp"/>
-                  <dgm:shape xmlns:r="http://schemas.openxmlformats.org/officeDocument/2006/relationships" type="rect" r:blip="">
-                    <dgm:adjLst/>
-                  </dgm:shape>
-                  <dgm:presOf axis="self"/>
-                  <dgm:constrLst/>
-                  <dgm:ruleLst/>
-                </dgm:layoutNode>
-                <dgm:layoutNode name="descendantBox" styleLbl="fgAccFollowNode1">
-                  <dgm:choose name="Name12">
-                    <dgm:if name="Name13" func="var" arg="dir" op="equ" val="norm">
-                      <dgm:alg type="lin"/>
-                    </dgm:if>
-                    <dgm:else name="Name14">
-                      <dgm:alg type="lin">
-                        <dgm:param type="linDir" val="fromR"/>
-                      </dgm:alg>
-                    </dgm:else>
-                  </dgm:choose>
-                  <dgm:shape xmlns:r="http://schemas.openxmlformats.org/officeDocument/2006/relationships" r:blip="">
-                    <dgm:adjLst/>
-                  </dgm:shape>
-                  <dgm:presOf/>
-                  <dgm:constrLst>
-                    <dgm:constr type="w" for="ch" forName="childTextBox" refType="w"/>
-                    <dgm:constr type="h" for="ch" forName="childTextBox" refType="h"/>
-                  </dgm:constrLst>
-                  <dgm:ruleLst/>
-                  <dgm:forEach name="Name15" axis="ch" ptType="node">
-                    <dgm:layoutNode name="childTextBox" styleLbl="fgAccFollowNode1">
-                      <dgm:varLst>
-                        <dgm:bulletEnabled val="1"/>
-                      </dgm:varLst>
-                      <dgm:alg type="tx"/>
-                      <dgm:shape xmlns:r="http://schemas.openxmlformats.org/officeDocument/2006/relationships" type="rect" r:blip="">
-                        <dgm:adjLst/>
-                      </dgm:shape>
-                      <dgm:presOf axis="desOrSelf" ptType="node"/>
-                      <dgm:constrLst>
-                        <dgm:constr type="tMarg" refType="primFontSz" fact="0.1"/>
-                        <dgm:constr type="bMarg" refType="primFontSz" fact="0.1"/>
-                      </dgm:constrLst>
-                      <dgm:ruleLst>
-                        <dgm:rule type="primFontSz" val="5" fact="NaN" max="NaN"/>
-                      </dgm:ruleLst>
-                    </dgm:layoutNode>
-                  </dgm:forEach>
-                </dgm:layoutNode>
-              </dgm:if>
-              <dgm:else name="Name16"/>
-            </dgm:choose>
-          </dgm:layoutNode>
-        </dgm:if>
-        <dgm:else name="Name17">
-          <dgm:layoutNode name="arrowAndChildren">
-            <dgm:alg type="composite"/>
-            <dgm:shape xmlns:r="http://schemas.openxmlformats.org/officeDocument/2006/relationships" r:blip="">
-              <dgm:adjLst/>
-            </dgm:shape>
-            <dgm:presOf/>
-            <dgm:choose name="Name18">
-              <dgm:if name="Name19" axis="ch" ptType="node" func="cnt" op="gte" val="1">
-                <dgm:constrLst>
-                  <dgm:constr type="w" for="ch" forName="parentTextArrow" refType="w"/>
-                  <dgm:constr type="t" for="ch" forName="parentTextArrow"/>
-                  <dgm:constr type="h" for="ch" forName="parentTextArrow" refType="h" fact="0.351"/>
-                  <dgm:constr type="w" for="ch" forName="arrow" refType="w"/>
-                  <dgm:constr type="h" for="ch" forName="arrow" refType="h"/>
-                  <dgm:constr type="w" for="ch" forName="descendantArrow" refType="w"/>
-                  <dgm:constr type="b" for="ch" forName="descendantArrow" refType="h" fact="0.65"/>
-                  <dgm:constr type="h" for="ch" forName="descendantArrow" refType="h" fact="0.299"/>
-                </dgm:constrLst>
-              </dgm:if>
-              <dgm:else name="Name20">
-                <dgm:constrLst>
-                  <dgm:constr type="w" for="ch" forName="parentTextArrow" refType="w"/>
-                  <dgm:constr type="h" for="ch" forName="parentTextArrow" refType="h"/>
-                </dgm:constrLst>
-              </dgm:else>
-            </dgm:choose>
-            <dgm:ruleLst/>
-            <dgm:layoutNode name="parentTextArrow">
-              <dgm:alg type="tx"/>
-              <dgm:choose name="Name21">
-                <dgm:if name="Name22" axis="ch" ptType="node" func="cnt" op="gte" val="1">
-                  <dgm:shape xmlns:r="http://schemas.openxmlformats.org/officeDocument/2006/relationships" type="rect" r:blip="" zOrderOff="1" hideGeom="1">
-                    <dgm:adjLst/>
-                  </dgm:shape>
-                </dgm:if>
-                <dgm:else name="Name23">
-                  <dgm:shape xmlns:r="http://schemas.openxmlformats.org/officeDocument/2006/relationships" rot="180" type="upArrowCallout" r:blip="">
-                    <dgm:adjLst/>
-                  </dgm:shape>
-                </dgm:else>
-              </dgm:choose>
-              <dgm:presOf axis="self"/>
-              <dgm:constrLst/>
-              <dgm:ruleLst>
-                <dgm:rule type="primFontSz" val="5" fact="NaN" max="NaN"/>
-              </dgm:ruleLst>
-            </dgm:layoutNode>
-            <dgm:choose name="Name24">
-              <dgm:if name="Name25" axis="ch" ptType="node" func="cnt" op="gte" val="1">
-                <dgm:layoutNode name="arrow">
-                  <dgm:alg type="sp"/>
-                  <dgm:shape xmlns:r="http://schemas.openxmlformats.org/officeDocument/2006/relationships" rot="180" type="upArrowCallout" r:blip="">
-                    <dgm:adjLst/>
-                  </dgm:shape>
-                  <dgm:presOf axis="self"/>
-                  <dgm:constrLst/>
-                  <dgm:ruleLst/>
-                </dgm:layoutNode>
-                <dgm:layoutNode name="descendantArrow">
-                  <dgm:choose name="Name26">
-                    <dgm:if name="Name27" func="var" arg="dir" op="equ" val="norm">
-                      <dgm:alg type="lin"/>
-                    </dgm:if>
-                    <dgm:else name="Name28">
-                      <dgm:alg type="lin">
-                        <dgm:param type="linDir" val="fromR"/>
-                      </dgm:alg>
-                    </dgm:else>
-                  </dgm:choose>
-                  <dgm:shape xmlns:r="http://schemas.openxmlformats.org/officeDocument/2006/relationships" r:blip="">
-                    <dgm:adjLst/>
-                  </dgm:shape>
-                  <dgm:presOf/>
-                  <dgm:constrLst>
-                    <dgm:constr type="w" for="ch" forName="childTextArrow" refType="w"/>
-                    <dgm:constr type="h" for="ch" forName="childTextArrow" refType="h"/>
-                  </dgm:constrLst>
-                  <dgm:ruleLst/>
-                  <dgm:forEach name="Name29" axis="ch" ptType="node">
-                    <dgm:layoutNode name="childTextArrow" styleLbl="fgAccFollowNode1">
-                      <dgm:varLst>
-                        <dgm:bulletEnabled val="1"/>
-                      </dgm:varLst>
-                      <dgm:alg type="tx"/>
-                      <dgm:shape xmlns:r="http://schemas.openxmlformats.org/officeDocument/2006/relationships" type="rect" r:blip="">
-                        <dgm:adjLst/>
-                      </dgm:shape>
-                      <dgm:presOf axis="desOrSelf" ptType="node"/>
-                      <dgm:constrLst>
-                        <dgm:constr type="tMarg" refType="primFontSz" fact="0.1"/>
-                        <dgm:constr type="bMarg" refType="primFontSz" fact="0.1"/>
-                      </dgm:constrLst>
-                      <dgm:ruleLst>
-                        <dgm:rule type="primFontSz" val="5" fact="NaN" max="NaN"/>
-                      </dgm:ruleLst>
-                    </dgm:layoutNode>
-                  </dgm:forEach>
-                </dgm:layoutNode>
-              </dgm:if>
-              <dgm:else name="Name30"/>
-            </dgm:choose>
-          </dgm:layoutNode>
-        </dgm:else>
-      </dgm:choose>
-      <dgm:forEach name="Name31" axis="precedSib" ptType="sibTrans" st="-1" cnt="1">
-        <dgm:layoutNode name="sp">
-          <dgm:alg type="sp"/>
-          <dgm:shape xmlns:r="http://schemas.openxmlformats.org/officeDocument/2006/relationships" r:blip="">
+    <dgm:forEach name="nodesForEach" axis="ch" ptType="node">
+      <dgm:layoutNode name="node">
+        <dgm:varLst>
+          <dgm:bulletEnabled val="1"/>
+        </dgm:varLst>
+        <dgm:alg type="tx"/>
+        <dgm:shape xmlns:r="http://schemas.openxmlformats.org/officeDocument/2006/relationships" type="roundRect" r:blip="">
+          <dgm:adjLst>
+            <dgm:adj idx="1" val="0.1"/>
+          </dgm:adjLst>
+        </dgm:shape>
+        <dgm:presOf axis="desOrSelf" ptType="node"/>
+        <dgm:constrLst>
+          <dgm:constr type="h" refType="w" fact="0.6"/>
+          <dgm:constr type="tMarg" refType="primFontSz" fact="0.3"/>
+          <dgm:constr type="bMarg" refType="primFontSz" fact="0.3"/>
+          <dgm:constr type="lMarg" refType="primFontSz" fact="0.3"/>
+          <dgm:constr type="rMarg" refType="primFontSz" fact="0.3"/>
+        </dgm:constrLst>
+        <dgm:ruleLst>
+          <dgm:rule type="primFontSz" val="18" fact="NaN" max="NaN"/>
+          <dgm:rule type="h" val="NaN" fact="1.5" max="NaN"/>
+          <dgm:rule type="primFontSz" val="5" fact="NaN" max="NaN"/>
+          <dgm:rule type="h" val="INF" fact="NaN" max="NaN"/>
+        </dgm:ruleLst>
+      </dgm:layoutNode>
+      <dgm:forEach name="sibTransForEach" axis="followSib" ptType="sibTrans" cnt="1">
+        <dgm:layoutNode name="sibTrans">
+          <dgm:alg type="conn">
+            <dgm:param type="begPts" val="auto"/>
+            <dgm:param type="endPts" val="auto"/>
+          </dgm:alg>
+          <dgm:shape xmlns:r="http://schemas.openxmlformats.org/officeDocument/2006/relationships" type="conn" r:blip="">
             <dgm:adjLst/>
           </dgm:shape>
           <dgm:presOf axis="self"/>
-          <dgm:constrLst/>
+          <dgm:constrLst>
+            <dgm:constr type="h" refType="w" fact="0.62"/>
+            <dgm:constr type="connDist"/>
+            <dgm:constr type="begPad" refType="connDist" fact="0.25"/>
+            <dgm:constr type="endPad" refType="connDist" fact="0.22"/>
+          </dgm:constrLst>
           <dgm:ruleLst/>
+          <dgm:layoutNode name="connectorText">
+            <dgm:alg type="tx">
+              <dgm:param type="autoTxRot" val="grav"/>
+            </dgm:alg>
+            <dgm:shape xmlns:r="http://schemas.openxmlformats.org/officeDocument/2006/relationships" type="conn" r:blip="" hideGeom="1">
+              <dgm:adjLst/>
+            </dgm:shape>
+            <dgm:presOf axis="self"/>
+            <dgm:constrLst>
+              <dgm:constr type="lMarg"/>
+              <dgm:constr type="rMarg"/>
+              <dgm:constr type="tMarg"/>
+              <dgm:constr type="bMarg"/>
+            </dgm:constrLst>
+            <dgm:ruleLst>
+              <dgm:rule type="primFontSz" val="5" fact="NaN" max="NaN"/>
+            </dgm:ruleLst>
+          </dgm:layoutNode>
         </dgm:layoutNode>
       </dgm:forEach>
     </dgm:forEach>
@@ -20521,11 +20503,7 @@
             </a:r>
             <a:r>
               <a:rPr lang="en-US" dirty="0" smtClean="0"/>
-              <a:t> </a:t>
-            </a:r>
-            <a:r>
-              <a:rPr lang="en-US" dirty="0" smtClean="0"/>
-              <a:t>is mapped to </a:t>
+              <a:t> is mapped to </a:t>
             </a:r>
             <a:r>
               <a:rPr lang="en-US" i="1" dirty="0" smtClean="0"/>
@@ -20533,11 +20511,7 @@
             </a:r>
             <a:r>
               <a:rPr lang="en-US" dirty="0" smtClean="0"/>
-              <a:t> (</a:t>
-            </a:r>
-            <a:r>
-              <a:rPr lang="en-US" dirty="0" smtClean="0"/>
-              <a:t>device-side </a:t>
+              <a:t> (device-side </a:t>
             </a:r>
             <a:r>
               <a:rPr lang="en-US" dirty="0" err="1" smtClean="0"/>
@@ -20547,7 +20521,6 @@
               <a:rPr lang="en-US" dirty="0" smtClean="0"/>
               <a:t>) invocation.</a:t>
             </a:r>
-            <a:endParaRPr lang="en-US" dirty="0" smtClean="0"/>
           </a:p>
           <a:p>
             <a:pPr>
@@ -20565,11 +20538,7 @@
             </a:r>
             <a:r>
               <a:rPr lang="en-US" dirty="0" smtClean="0"/>
-              <a:t>) are </a:t>
-            </a:r>
-            <a:r>
-              <a:rPr lang="en-US" dirty="0" smtClean="0"/>
-              <a:t>implemented as </a:t>
+              <a:t>) are implemented as </a:t>
             </a:r>
             <a:r>
               <a:rPr lang="en-US" i="1" dirty="0" smtClean="0"/>
@@ -20577,15 +20546,7 @@
             </a:r>
             <a:r>
               <a:rPr lang="en-US" dirty="0" smtClean="0"/>
-              <a:t> operations </a:t>
-            </a:r>
-            <a:r>
-              <a:rPr lang="en-US" dirty="0" smtClean="0"/>
-              <a:t>which are mapped onto </a:t>
-            </a:r>
-            <a:r>
-              <a:rPr lang="en-US" dirty="0" smtClean="0"/>
-              <a:t>DMA invocations </a:t>
+              <a:t> operations which are mapped onto DMA invocations </a:t>
             </a:r>
             <a:r>
               <a:rPr lang="en-US" b="1" i="1" dirty="0" smtClean="0"/>
@@ -20625,19 +20586,7 @@
             </a:r>
             <a:r>
               <a:rPr lang="en-US" dirty="0" smtClean="0"/>
-              <a:t> </a:t>
-            </a:r>
-            <a:r>
-              <a:rPr lang="en-US" dirty="0" smtClean="0"/>
-              <a:t>are </a:t>
-            </a:r>
-            <a:r>
-              <a:rPr lang="en-US" dirty="0" smtClean="0"/>
-              <a:t>implemented by </a:t>
-            </a:r>
-            <a:r>
-              <a:rPr lang="en-US" dirty="0" smtClean="0"/>
-              <a:t>COI Run-Functions that launch kernels asynchronously and immediately return.</a:t>
+              <a:t> are implemented by COI Run-Functions that launch kernels asynchronously and immediately return.</a:t>
             </a:r>
           </a:p>
           <a:p>
@@ -21326,15 +21275,7 @@
             <a:pPr lvl="1"/>
             <a:r>
               <a:rPr lang="en-US" dirty="0" smtClean="0"/>
-              <a:t>Event signaling is done by either COI itself as operation is completed or by explicit </a:t>
-            </a:r>
-            <a:r>
-              <a:rPr lang="en-US" dirty="0" smtClean="0"/>
-              <a:t>COI API call </a:t>
-            </a:r>
-            <a:r>
-              <a:rPr lang="en-US" dirty="0" smtClean="0"/>
-              <a:t>at device side.</a:t>
+              <a:t>Event signaling is done by either COI itself as operation is completed or by explicit COI API call at device side.</a:t>
             </a:r>
           </a:p>
           <a:p>
@@ -21487,14 +21428,14 @@
             <p:ph idx="1"/>
             <p:extLst>
               <p:ext uri="{D42A27DB-BD31-4B8C-83A1-F6EECF244321}">
-                <p14:modId xmlns:p14="http://schemas.microsoft.com/office/powerpoint/2010/main" val="3196977865"/>
+                <p14:modId xmlns:p14="http://schemas.microsoft.com/office/powerpoint/2010/main" val="897896682"/>
               </p:ext>
             </p:extLst>
           </p:nvPr>
         </p:nvGraphicFramePr>
         <p:xfrm>
-          <a:off x="455613" y="1219200"/>
-          <a:ext cx="8237537" cy="4953000"/>
+          <a:off x="455613" y="3810000"/>
+          <a:ext cx="8237537" cy="2362200"/>
         </p:xfrm>
         <a:graphic>
           <a:graphicData uri="http://schemas.openxmlformats.org/drawingml/2006/diagram">
@@ -21550,6 +21491,268 @@
               <a:t>12</a:t>
             </a:fld>
             <a:endParaRPr lang="en-US"/>
+          </a:p>
+        </p:txBody>
+      </p:sp>
+      <p:sp>
+        <p:nvSpPr>
+          <p:cNvPr id="7" name="Content Placeholder 1"/>
+          <p:cNvSpPr txBox="1">
+            <a:spLocks/>
+          </p:cNvSpPr>
+          <p:nvPr/>
+        </p:nvSpPr>
+        <p:spPr bwMode="auto">
+          <a:xfrm>
+            <a:off x="455613" y="1143000"/>
+            <a:ext cx="8237537" cy="2286000"/>
+          </a:xfrm>
+          <a:prstGeom prst="rect">
+            <a:avLst/>
+          </a:prstGeom>
+          <a:noFill/>
+          <a:ln w="9525">
+            <a:noFill/>
+            <a:miter lim="800000"/>
+            <a:headEnd/>
+            <a:tailEnd/>
+          </a:ln>
+          <a:effectLst/>
+        </p:spPr>
+        <p:txBody>
+          <a:bodyPr vert="horz" wrap="square" lIns="0" tIns="0" rIns="0" bIns="0" numCol="1" anchor="t" anchorCtr="0" compatLnSpc="1">
+            <a:prstTxWarp prst="textNoShape">
+              <a:avLst/>
+            </a:prstTxWarp>
+          </a:bodyPr>
+          <a:lstStyle>
+            <a:lvl1pPr marL="234950" indent="-234950" algn="l" rtl="0" eaLnBrk="1" fontAlgn="base" hangingPunct="1">
+              <a:lnSpc>
+                <a:spcPct val="90000"/>
+              </a:lnSpc>
+              <a:spcBef>
+                <a:spcPct val="30000"/>
+              </a:spcBef>
+              <a:spcAft>
+                <a:spcPct val="0"/>
+              </a:spcAft>
+              <a:buChar char="•"/>
+              <a:defRPr sz="2000">
+                <a:solidFill>
+                  <a:schemeClr val="tx1"/>
+                </a:solidFill>
+                <a:latin typeface="+mn-lt"/>
+                <a:ea typeface="+mn-ea"/>
+                <a:cs typeface="+mn-cs"/>
+              </a:defRPr>
+            </a:lvl1pPr>
+            <a:lvl2pPr marL="628650" indent="-223838" algn="l" rtl="0" eaLnBrk="1" fontAlgn="base" hangingPunct="1">
+              <a:spcBef>
+                <a:spcPct val="30000"/>
+              </a:spcBef>
+              <a:spcAft>
+                <a:spcPct val="0"/>
+              </a:spcAft>
+              <a:buFont typeface="Wingdings" pitchFamily="2" charset="2"/>
+              <a:buChar char="§"/>
+              <a:defRPr>
+                <a:solidFill>
+                  <a:schemeClr val="tx1"/>
+                </a:solidFill>
+                <a:latin typeface="+mn-lt"/>
+              </a:defRPr>
+            </a:lvl2pPr>
+            <a:lvl3pPr marL="895350" indent="-152400" algn="l" rtl="0" eaLnBrk="1" fontAlgn="base" hangingPunct="1">
+              <a:spcBef>
+                <a:spcPct val="30000"/>
+              </a:spcBef>
+              <a:spcAft>
+                <a:spcPct val="0"/>
+              </a:spcAft>
+              <a:buChar char="–"/>
+              <a:defRPr sz="1600">
+                <a:solidFill>
+                  <a:schemeClr val="tx1"/>
+                </a:solidFill>
+                <a:latin typeface="+mn-lt"/>
+              </a:defRPr>
+            </a:lvl3pPr>
+            <a:lvl4pPr marL="1162050" indent="-152400" algn="l" rtl="0" eaLnBrk="1" fontAlgn="base" hangingPunct="1">
+              <a:spcBef>
+                <a:spcPct val="30000"/>
+              </a:spcBef>
+              <a:spcAft>
+                <a:spcPct val="0"/>
+              </a:spcAft>
+              <a:buFont typeface="Times" pitchFamily="18" charset="0"/>
+              <a:buChar char="•"/>
+              <a:defRPr sz="1400">
+                <a:solidFill>
+                  <a:schemeClr val="tx1"/>
+                </a:solidFill>
+                <a:latin typeface="+mn-lt"/>
+              </a:defRPr>
+            </a:lvl4pPr>
+            <a:lvl5pPr marL="1520825" indent="-244475" algn="l" rtl="0" eaLnBrk="1" fontAlgn="base" hangingPunct="1">
+              <a:spcBef>
+                <a:spcPct val="30000"/>
+              </a:spcBef>
+              <a:spcAft>
+                <a:spcPct val="0"/>
+              </a:spcAft>
+              <a:buChar char="–"/>
+              <a:defRPr sz="1200">
+                <a:solidFill>
+                  <a:schemeClr val="tx1"/>
+                </a:solidFill>
+                <a:latin typeface="+mn-lt"/>
+              </a:defRPr>
+            </a:lvl5pPr>
+            <a:lvl6pPr marL="1978025" indent="-244475" algn="l" rtl="0" eaLnBrk="1" fontAlgn="base" hangingPunct="1">
+              <a:spcBef>
+                <a:spcPct val="30000"/>
+              </a:spcBef>
+              <a:spcAft>
+                <a:spcPct val="0"/>
+              </a:spcAft>
+              <a:buChar char="–"/>
+              <a:defRPr sz="1200">
+                <a:solidFill>
+                  <a:schemeClr val="tx1"/>
+                </a:solidFill>
+                <a:latin typeface="+mn-lt"/>
+              </a:defRPr>
+            </a:lvl6pPr>
+            <a:lvl7pPr marL="2435225" indent="-244475" algn="l" rtl="0" eaLnBrk="1" fontAlgn="base" hangingPunct="1">
+              <a:spcBef>
+                <a:spcPct val="30000"/>
+              </a:spcBef>
+              <a:spcAft>
+                <a:spcPct val="0"/>
+              </a:spcAft>
+              <a:buChar char="–"/>
+              <a:defRPr sz="1200">
+                <a:solidFill>
+                  <a:schemeClr val="tx1"/>
+                </a:solidFill>
+                <a:latin typeface="+mn-lt"/>
+              </a:defRPr>
+            </a:lvl7pPr>
+            <a:lvl8pPr marL="2892425" indent="-244475" algn="l" rtl="0" eaLnBrk="1" fontAlgn="base" hangingPunct="1">
+              <a:spcBef>
+                <a:spcPct val="30000"/>
+              </a:spcBef>
+              <a:spcAft>
+                <a:spcPct val="0"/>
+              </a:spcAft>
+              <a:buChar char="–"/>
+              <a:defRPr sz="1200">
+                <a:solidFill>
+                  <a:schemeClr val="tx1"/>
+                </a:solidFill>
+                <a:latin typeface="+mn-lt"/>
+              </a:defRPr>
+            </a:lvl8pPr>
+            <a:lvl9pPr marL="3349625" indent="-244475" algn="l" rtl="0" eaLnBrk="1" fontAlgn="base" hangingPunct="1">
+              <a:spcBef>
+                <a:spcPct val="30000"/>
+              </a:spcBef>
+              <a:spcAft>
+                <a:spcPct val="0"/>
+              </a:spcAft>
+              <a:buChar char="–"/>
+              <a:defRPr sz="1200">
+                <a:solidFill>
+                  <a:schemeClr val="tx1"/>
+                </a:solidFill>
+                <a:latin typeface="+mn-lt"/>
+              </a:defRPr>
+            </a:lvl9pPr>
+          </a:lstStyle>
+          <a:p>
+            <a:r>
+              <a:rPr lang="en-US" dirty="0" smtClean="0"/>
+              <a:t>OpenCL spec 1.2 defines </a:t>
+            </a:r>
+            <a:r>
+              <a:rPr lang="en-US" dirty="0" err="1" smtClean="0"/>
+              <a:t>printf</a:t>
+            </a:r>
+            <a:r>
+              <a:rPr lang="en-US" dirty="0" smtClean="0"/>
+              <a:t>() usage inside kernels as debug-only feature</a:t>
+            </a:r>
+          </a:p>
+          <a:p>
+            <a:r>
+              <a:rPr lang="en-US" dirty="0" smtClean="0"/>
+              <a:t>Implementation should dump kernel </a:t>
+            </a:r>
+            <a:r>
+              <a:rPr lang="en-US" dirty="0" err="1" smtClean="0"/>
+              <a:t>printf</a:t>
+            </a:r>
+            <a:r>
+              <a:rPr lang="en-US" dirty="0" smtClean="0"/>
+              <a:t>() output to any implementation-defined stream on host not later than relevant </a:t>
+            </a:r>
+            <a:r>
+              <a:rPr lang="en-US" dirty="0" err="1" smtClean="0"/>
+              <a:t>NDRange</a:t>
+            </a:r>
+            <a:r>
+              <a:rPr lang="en-US" dirty="0" smtClean="0"/>
+              <a:t> command is signed as completed</a:t>
+            </a:r>
+          </a:p>
+          <a:p>
+            <a:r>
+              <a:rPr lang="en-US" dirty="0" err="1" smtClean="0"/>
+              <a:t>Printf</a:t>
+            </a:r>
+            <a:r>
+              <a:rPr lang="en-US" dirty="0" smtClean="0"/>
+              <a:t>() outputs may overlap in any order given each single </a:t>
+            </a:r>
+            <a:r>
+              <a:rPr lang="en-US" dirty="0" err="1" smtClean="0"/>
+              <a:t>printf</a:t>
+            </a:r>
+            <a:r>
+              <a:rPr lang="en-US" dirty="0" smtClean="0"/>
+              <a:t>() output is sequential.</a:t>
+            </a:r>
+          </a:p>
+          <a:p>
+            <a:r>
+              <a:rPr lang="en-US" dirty="0" smtClean="0"/>
+              <a:t>MIC DA will reuse COI </a:t>
+            </a:r>
+            <a:r>
+              <a:rPr lang="en-US" dirty="0" err="1" smtClean="0"/>
+              <a:t>stdout</a:t>
+            </a:r>
+            <a:r>
+              <a:rPr lang="en-US" dirty="0" smtClean="0"/>
+              <a:t> redirection support to redirect device </a:t>
+            </a:r>
+            <a:r>
+              <a:rPr lang="en-US" dirty="0" err="1" smtClean="0"/>
+              <a:t>stdout</a:t>
+            </a:r>
+            <a:r>
+              <a:rPr lang="en-US" dirty="0" smtClean="0"/>
+              <a:t> to host </a:t>
+            </a:r>
+            <a:r>
+              <a:rPr lang="en-US" dirty="0" err="1" smtClean="0"/>
+              <a:t>stdout</a:t>
+            </a:r>
+            <a:r>
+              <a:rPr lang="en-US" dirty="0" smtClean="0"/>
+              <a:t>.</a:t>
+            </a:r>
+            <a:endParaRPr lang="en-US" dirty="0"/>
           </a:p>
         </p:txBody>
       </p:sp>
@@ -21929,17 +22132,7 @@
                 <a:effectLst/>
                 <a:latin typeface="+mn-lt"/>
               </a:rPr>
-              <a:t>measurement</a:t>
-            </a:r>
-            <a:r>
-              <a:rPr lang="en-US" sz="1400" b="0" dirty="0" smtClean="0">
-                <a:solidFill>
-                  <a:schemeClr val="tx1"/>
-                </a:solidFill>
-                <a:effectLst/>
-                <a:latin typeface="+mn-lt"/>
-              </a:rPr>
-              <a:t>.</a:t>
+              <a:t>measurement.</a:t>
             </a:r>
           </a:p>
           <a:p>
@@ -22423,9 +22616,6 @@
               </a:rPr>
               <a:t>will use distinct set of HW execution units (HW Cores/Threads)</a:t>
             </a:r>
-            <a:endParaRPr lang="en-US" b="0" dirty="0">
-              <a:effectLst/>
-            </a:endParaRPr>
           </a:p>
         </p:txBody>
       </p:sp>
@@ -22479,14 +22669,14 @@
             <p:ph idx="1"/>
             <p:extLst>
               <p:ext uri="{D42A27DB-BD31-4B8C-83A1-F6EECF244321}">
-                <p14:modId xmlns:p14="http://schemas.microsoft.com/office/powerpoint/2010/main" val="3634274934"/>
+                <p14:modId xmlns:p14="http://schemas.microsoft.com/office/powerpoint/2010/main" val="242761339"/>
               </p:ext>
             </p:extLst>
           </p:nvPr>
         </p:nvGraphicFramePr>
         <p:xfrm>
           <a:off x="304800" y="909320"/>
-          <a:ext cx="8610600" cy="5486400"/>
+          <a:ext cx="8610600" cy="5339080"/>
         </p:xfrm>
         <a:graphic>
           <a:graphicData uri="http://schemas.openxmlformats.org/drawingml/2006/table">
@@ -22893,11 +23083,19 @@
                     <a:p>
                       <a:r>
                         <a:rPr lang="en-US" sz="1400" dirty="0" smtClean="0"/>
-                        <a:t>512 bytes</a:t>
+                        <a:t>1024 bites</a:t>
                       </a:r>
                       <a:r>
                         <a:rPr lang="en-US" sz="1400" baseline="0" dirty="0" smtClean="0"/>
-                        <a:t> – maximum alignment of KNF/KNC vector instructions</a:t>
+                        <a:t> </a:t>
+                      </a:r>
+                      <a:r>
+                        <a:rPr lang="en-US" sz="1400" baseline="0" dirty="0" smtClean="0"/>
+                        <a:t>– </a:t>
+                      </a:r>
+                      <a:r>
+                        <a:rPr lang="en-US" sz="1400" baseline="0" dirty="0" smtClean="0"/>
+                        <a:t>long16 alignment</a:t>
                       </a:r>
                       <a:endParaRPr lang="en-US" sz="1400" b="0" dirty="0"/>
                     </a:p>
@@ -23161,7 +23359,11 @@
                     <a:p>
                       <a:r>
                         <a:rPr lang="en-US" sz="1400" u="none" strike="noStrike" kern="1200" baseline="0" dirty="0" smtClean="0"/>
-                        <a:t>FP64, global/local/32/64/base/extended  atomics, byte store, 3D image writes, device fission, GL sharing</a:t>
+                        <a:t>FP64, global/local/32/64/base/extended  atomics, byte store, 3D image writes, device </a:t>
+                      </a:r>
+                      <a:r>
+                        <a:rPr lang="en-US" sz="1400" u="none" strike="noStrike" kern="1200" baseline="0" dirty="0" smtClean="0"/>
+                        <a:t>fission</a:t>
                       </a:r>
                       <a:endParaRPr lang="en-US" sz="1400" b="0" i="0" u="none" strike="noStrike" kern="1200" baseline="0" dirty="0" smtClean="0">
                         <a:solidFill>
@@ -23222,7 +23424,11 @@
                     <a:p>
                       <a:r>
                         <a:rPr lang="en-US" sz="1400" u="none" strike="noStrike" kern="1200" baseline="0" dirty="0" smtClean="0"/>
-                        <a:t>Equally, By Counts, By Affinity Domain</a:t>
+                        <a:t>Equally, By Counts, By Affinity </a:t>
+                      </a:r>
+                      <a:r>
+                        <a:rPr lang="en-US" sz="1400" u="none" strike="noStrike" kern="1200" baseline="0" dirty="0" smtClean="0"/>
+                        <a:t>Domain, By Names (Intel extension)</a:t>
                       </a:r>
                       <a:endParaRPr lang="en-US" sz="1400" b="0" i="0" u="none" strike="noStrike" kern="1200" baseline="0" dirty="0" smtClean="0">
                         <a:solidFill>
@@ -23283,7 +23489,11 @@
                     <a:p>
                       <a:r>
                         <a:rPr lang="en-US" sz="1400" u="none" strike="noStrike" kern="1200" baseline="0" dirty="0" smtClean="0"/>
-                        <a:t>L1 cache only (assume both L1 and L2 split KNF/KNC device into CPU Cores)</a:t>
+                        <a:t>L1 cache </a:t>
+                      </a:r>
+                      <a:r>
+                        <a:rPr lang="en-US" sz="1400" u="none" strike="noStrike" kern="1200" baseline="0" dirty="0" smtClean="0"/>
+                        <a:t>only</a:t>
                       </a:r>
                       <a:endParaRPr lang="en-US" sz="1400" b="0" i="0" u="none" strike="noStrike" kern="1200" baseline="0" dirty="0" smtClean="0">
                         <a:solidFill>
@@ -23399,7 +23609,7 @@
             <p:ph idx="1"/>
             <p:extLst>
               <p:ext uri="{D42A27DB-BD31-4B8C-83A1-F6EECF244321}">
-                <p14:modId xmlns:p14="http://schemas.microsoft.com/office/powerpoint/2010/main" val="3187404401"/>
+                <p14:modId xmlns:p14="http://schemas.microsoft.com/office/powerpoint/2010/main" val="1196218911"/>
               </p:ext>
             </p:extLst>
           </p:nvPr>
@@ -29883,7 +30093,7 @@
             <a:graphicData uri="http://schemas.openxmlformats.org/presentationml/2006/ole">
               <mc:AlternateContent xmlns:mc="http://schemas.openxmlformats.org/markup-compatibility/2006">
                 <mc:Choice xmlns:v="urn:schemas-microsoft-com:vml" Requires="v">
-                  <p:oleObj spid="_x0000_s3212" name="Visio" r:id="rId3" imgW="2998483" imgH="2655307" progId="Visio.Drawing.11">
+                  <p:oleObj spid="_x0000_s3216" name="Visio" r:id="rId3" imgW="2998483" imgH="2655307" progId="Visio.Drawing.11">
                     <p:embed/>
                   </p:oleObj>
                 </mc:Choice>
@@ -32568,7 +32778,7 @@
             <a:graphicData uri="http://schemas.openxmlformats.org/presentationml/2006/ole">
               <mc:AlternateContent xmlns:mc="http://schemas.openxmlformats.org/markup-compatibility/2006">
                 <mc:Choice xmlns:v="urn:schemas-microsoft-com:vml" Requires="v">
-                  <p:oleObj spid="_x0000_s2191" name="Visio" r:id="rId3" imgW="13542503" imgH="6263447" progId="Visio.Drawing.11">
+                  <p:oleObj spid="_x0000_s2195" name="Visio" r:id="rId3" imgW="13542503" imgH="6263447" progId="Visio.Drawing.11">
                     <p:embed/>
                   </p:oleObj>
                 </mc:Choice>
